--- a/Clase 24- Amenazas/Material/Actividad Tipos de amenazas.pptx
+++ b/Clase 24- Amenazas/Material/Actividad Tipos de amenazas.pptx
@@ -1,44 +1,51 @@
 
 <file path=ppt/presentation.xml><?xml version="1.0" encoding="utf-8"?>
-<p:presentation xmlns:a="http://schemas.openxmlformats.org/drawingml/2006/main" xmlns:r="http://schemas.openxmlformats.org/officeDocument/2006/relationships" xmlns:mc="http://schemas.openxmlformats.org/markup-compatibility/2006" xmlns:mv="urn:schemas-microsoft-com:mac:vml" xmlns:p="http://schemas.openxmlformats.org/presentationml/2006/main" xmlns:c="http://schemas.openxmlformats.org/drawingml/2006/chart" xmlns:dgm="http://schemas.openxmlformats.org/drawingml/2006/diagram" xmlns:o="urn:schemas-microsoft-com:office:office" xmlns:v="urn:schemas-microsoft-com:vml" xmlns:pvml="urn:schemas-microsoft-com:office:powerpoint" xmlns:com="http://schemas.openxmlformats.org/drawingml/2006/compatibility" xmlns:p14="http://schemas.microsoft.com/office/powerpoint/2010/main" xmlns:p15="http://schemas.microsoft.com/office/powerpoint/2012/main" xmlns:ahyp="http://schemas.microsoft.com/office/drawing/2018/hyperlinkcolor" autoCompressPictures="0" embedTrueTypeFonts="1" strictFirstAndLastChars="0" saveSubsetFonts="1">
+<p:presentation xmlns:a="http://schemas.openxmlformats.org/drawingml/2006/main" xmlns:r="http://schemas.openxmlformats.org/officeDocument/2006/relationships" xmlns:p="http://schemas.openxmlformats.org/presentationml/2006/main" strictFirstAndLastChars="0" embedTrueTypeFonts="1" saveSubsetFonts="1" autoCompressPictures="0">
   <p:sldMasterIdLst>
-    <p:sldMasterId id="2147483661" r:id="rId4"/>
+    <p:sldMasterId id="2147483661" r:id="rId1"/>
   </p:sldMasterIdLst>
   <p:notesMasterIdLst>
-    <p:notesMasterId r:id="rId5"/>
+    <p:notesMasterId r:id="rId14"/>
   </p:notesMasterIdLst>
   <p:sldIdLst>
-    <p:sldId id="256" r:id="rId6"/>
-    <p:sldId id="257" r:id="rId7"/>
-    <p:sldId id="258" r:id="rId8"/>
-    <p:sldId id="259" r:id="rId9"/>
-    <p:sldId id="260" r:id="rId10"/>
-    <p:sldId id="261" r:id="rId11"/>
-    <p:sldId id="262" r:id="rId12"/>
-    <p:sldId id="263" r:id="rId13"/>
-    <p:sldId id="264" r:id="rId14"/>
-    <p:sldId id="265" r:id="rId15"/>
-    <p:sldId id="266" r:id="rId16"/>
-    <p:sldId id="267" r:id="rId17"/>
+    <p:sldId id="256" r:id="rId2"/>
+    <p:sldId id="257" r:id="rId3"/>
+    <p:sldId id="258" r:id="rId4"/>
+    <p:sldId id="259" r:id="rId5"/>
+    <p:sldId id="260" r:id="rId6"/>
+    <p:sldId id="261" r:id="rId7"/>
+    <p:sldId id="262" r:id="rId8"/>
+    <p:sldId id="263" r:id="rId9"/>
+    <p:sldId id="264" r:id="rId10"/>
+    <p:sldId id="265" r:id="rId11"/>
+    <p:sldId id="266" r:id="rId12"/>
+    <p:sldId id="267" r:id="rId13"/>
   </p:sldIdLst>
-  <p:sldSz cy="5143500" cx="9144000"/>
+  <p:sldSz cx="9144000" cy="5143500" type="screen16x9"/>
   <p:notesSz cx="6858000" cy="9144000"/>
   <p:embeddedFontLst>
     <p:embeddedFont>
-      <p:font typeface="Rajdhani"/>
-      <p:regular r:id="rId18"/>
-      <p:bold r:id="rId19"/>
+      <p:font typeface="Rajdhani" panose="020B0604020202020204" charset="0"/>
+      <p:regular r:id="rId15"/>
+      <p:bold r:id="rId16"/>
     </p:embeddedFont>
     <p:embeddedFont>
-      <p:font typeface="Open Sans"/>
-      <p:regular r:id="rId20"/>
-      <p:bold r:id="rId21"/>
-      <p:italic r:id="rId22"/>
-      <p:boldItalic r:id="rId23"/>
+      <p:font typeface="Candara" panose="020E0502030303020204" pitchFamily="34" charset="0"/>
+      <p:regular r:id="rId17"/>
+      <p:bold r:id="rId18"/>
+      <p:italic r:id="rId19"/>
+      <p:boldItalic r:id="rId20"/>
+    </p:embeddedFont>
+    <p:embeddedFont>
+      <p:font typeface="Open Sans" panose="020B0604020202020204" charset="0"/>
+      <p:regular r:id="rId21"/>
+      <p:bold r:id="rId22"/>
+      <p:italic r:id="rId23"/>
+      <p:boldItalic r:id="rId24"/>
     </p:embeddedFont>
   </p:embeddedFontLst>
   <p:defaultTextStyle>
-    <a:defPPr lvl="0" marR="0" rtl="0" algn="l">
+    <a:defPPr marR="0" lvl="0" algn="l" rtl="0">
       <a:lnSpc>
         <a:spcPct val="100000"/>
       </a:lnSpc>
@@ -49,7 +56,7 @@
         <a:spcPts val="0"/>
       </a:spcAft>
     </a:defPPr>
-    <a:lvl1pPr lvl="0" marR="0" rtl="0" algn="l">
+    <a:lvl1pPr marR="0" lvl="0" algn="l" rtl="0">
       <a:lnSpc>
         <a:spcPct val="100000"/>
       </a:lnSpc>
@@ -63,7 +70,7 @@
         <a:srgbClr val="000000"/>
       </a:buClr>
       <a:buFont typeface="Arial"/>
-      <a:defRPr b="0" i="0" sz="1400" u="none" cap="none" strike="noStrike">
+      <a:defRPr sz="1400" b="0" i="0" u="none" strike="noStrike" cap="none">
         <a:solidFill>
           <a:srgbClr val="000000"/>
         </a:solidFill>
@@ -73,7 +80,7 @@
         <a:sym typeface="Arial"/>
       </a:defRPr>
     </a:lvl1pPr>
-    <a:lvl2pPr lvl="1" marR="0" rtl="0" algn="l">
+    <a:lvl2pPr marR="0" lvl="1" algn="l" rtl="0">
       <a:lnSpc>
         <a:spcPct val="100000"/>
       </a:lnSpc>
@@ -87,7 +94,7 @@
         <a:srgbClr val="000000"/>
       </a:buClr>
       <a:buFont typeface="Arial"/>
-      <a:defRPr b="0" i="0" sz="1400" u="none" cap="none" strike="noStrike">
+      <a:defRPr sz="1400" b="0" i="0" u="none" strike="noStrike" cap="none">
         <a:solidFill>
           <a:srgbClr val="000000"/>
         </a:solidFill>
@@ -97,7 +104,7 @@
         <a:sym typeface="Arial"/>
       </a:defRPr>
     </a:lvl2pPr>
-    <a:lvl3pPr lvl="2" marR="0" rtl="0" algn="l">
+    <a:lvl3pPr marR="0" lvl="2" algn="l" rtl="0">
       <a:lnSpc>
         <a:spcPct val="100000"/>
       </a:lnSpc>
@@ -111,7 +118,7 @@
         <a:srgbClr val="000000"/>
       </a:buClr>
       <a:buFont typeface="Arial"/>
-      <a:defRPr b="0" i="0" sz="1400" u="none" cap="none" strike="noStrike">
+      <a:defRPr sz="1400" b="0" i="0" u="none" strike="noStrike" cap="none">
         <a:solidFill>
           <a:srgbClr val="000000"/>
         </a:solidFill>
@@ -121,7 +128,7 @@
         <a:sym typeface="Arial"/>
       </a:defRPr>
     </a:lvl3pPr>
-    <a:lvl4pPr lvl="3" marR="0" rtl="0" algn="l">
+    <a:lvl4pPr marR="0" lvl="3" algn="l" rtl="0">
       <a:lnSpc>
         <a:spcPct val="100000"/>
       </a:lnSpc>
@@ -135,7 +142,7 @@
         <a:srgbClr val="000000"/>
       </a:buClr>
       <a:buFont typeface="Arial"/>
-      <a:defRPr b="0" i="0" sz="1400" u="none" cap="none" strike="noStrike">
+      <a:defRPr sz="1400" b="0" i="0" u="none" strike="noStrike" cap="none">
         <a:solidFill>
           <a:srgbClr val="000000"/>
         </a:solidFill>
@@ -145,7 +152,7 @@
         <a:sym typeface="Arial"/>
       </a:defRPr>
     </a:lvl4pPr>
-    <a:lvl5pPr lvl="4" marR="0" rtl="0" algn="l">
+    <a:lvl5pPr marR="0" lvl="4" algn="l" rtl="0">
       <a:lnSpc>
         <a:spcPct val="100000"/>
       </a:lnSpc>
@@ -159,7 +166,7 @@
         <a:srgbClr val="000000"/>
       </a:buClr>
       <a:buFont typeface="Arial"/>
-      <a:defRPr b="0" i="0" sz="1400" u="none" cap="none" strike="noStrike">
+      <a:defRPr sz="1400" b="0" i="0" u="none" strike="noStrike" cap="none">
         <a:solidFill>
           <a:srgbClr val="000000"/>
         </a:solidFill>
@@ -169,7 +176,7 @@
         <a:sym typeface="Arial"/>
       </a:defRPr>
     </a:lvl5pPr>
-    <a:lvl6pPr lvl="5" marR="0" rtl="0" algn="l">
+    <a:lvl6pPr marR="0" lvl="5" algn="l" rtl="0">
       <a:lnSpc>
         <a:spcPct val="100000"/>
       </a:lnSpc>
@@ -183,7 +190,7 @@
         <a:srgbClr val="000000"/>
       </a:buClr>
       <a:buFont typeface="Arial"/>
-      <a:defRPr b="0" i="0" sz="1400" u="none" cap="none" strike="noStrike">
+      <a:defRPr sz="1400" b="0" i="0" u="none" strike="noStrike" cap="none">
         <a:solidFill>
           <a:srgbClr val="000000"/>
         </a:solidFill>
@@ -193,7 +200,7 @@
         <a:sym typeface="Arial"/>
       </a:defRPr>
     </a:lvl6pPr>
-    <a:lvl7pPr lvl="6" marR="0" rtl="0" algn="l">
+    <a:lvl7pPr marR="0" lvl="6" algn="l" rtl="0">
       <a:lnSpc>
         <a:spcPct val="100000"/>
       </a:lnSpc>
@@ -207,7 +214,7 @@
         <a:srgbClr val="000000"/>
       </a:buClr>
       <a:buFont typeface="Arial"/>
-      <a:defRPr b="0" i="0" sz="1400" u="none" cap="none" strike="noStrike">
+      <a:defRPr sz="1400" b="0" i="0" u="none" strike="noStrike" cap="none">
         <a:solidFill>
           <a:srgbClr val="000000"/>
         </a:solidFill>
@@ -217,7 +224,7 @@
         <a:sym typeface="Arial"/>
       </a:defRPr>
     </a:lvl7pPr>
-    <a:lvl8pPr lvl="7" marR="0" rtl="0" algn="l">
+    <a:lvl8pPr marR="0" lvl="7" algn="l" rtl="0">
       <a:lnSpc>
         <a:spcPct val="100000"/>
       </a:lnSpc>
@@ -231,7 +238,7 @@
         <a:srgbClr val="000000"/>
       </a:buClr>
       <a:buFont typeface="Arial"/>
-      <a:defRPr b="0" i="0" sz="1400" u="none" cap="none" strike="noStrike">
+      <a:defRPr sz="1400" b="0" i="0" u="none" strike="noStrike" cap="none">
         <a:solidFill>
           <a:srgbClr val="000000"/>
         </a:solidFill>
@@ -241,7 +248,7 @@
         <a:sym typeface="Arial"/>
       </a:defRPr>
     </a:lvl8pPr>
-    <a:lvl9pPr lvl="8" marR="0" rtl="0" algn="l">
+    <a:lvl9pPr marR="0" lvl="8" algn="l" rtl="0">
       <a:lnSpc>
         <a:spcPct val="100000"/>
       </a:lnSpc>
@@ -255,7 +262,7 @@
         <a:srgbClr val="000000"/>
       </a:buClr>
       <a:buFont typeface="Arial"/>
-      <a:defRPr b="0" i="0" sz="1400" u="none" cap="none" strike="noStrike">
+      <a:defRPr sz="1400" b="0" i="0" u="none" strike="noStrike" cap="none">
         <a:solidFill>
           <a:srgbClr val="000000"/>
         </a:solidFill>
@@ -268,7 +275,7 @@
   </p:defaultTextStyle>
   <p:extLst>
     <p:ext uri="{EFAFB233-063F-42B5-8137-9DF3F51BA10A}">
-      <p15:sldGuideLst>
+      <p15:sldGuideLst xmlns:p15="http://schemas.microsoft.com/office/powerpoint/2012/main">
         <p15:guide id="1" orient="horz" pos="1620">
           <p15:clr>
             <a:srgbClr val="A4A3A4"/>
@@ -286,11 +293,16 @@
 </file>
 
 <file path=ppt/notesMasters/notesMaster1.xml><?xml version="1.0" encoding="utf-8"?>
-<p:notesMaster xmlns:a="http://schemas.openxmlformats.org/drawingml/2006/main" xmlns:r="http://schemas.openxmlformats.org/officeDocument/2006/relationships" xmlns:mc="http://schemas.openxmlformats.org/markup-compatibility/2006" xmlns:mv="urn:schemas-microsoft-com:mac:vml" xmlns:p="http://schemas.openxmlformats.org/presentationml/2006/main" xmlns:c="http://schemas.openxmlformats.org/drawingml/2006/chart" xmlns:dgm="http://schemas.openxmlformats.org/drawingml/2006/diagram" xmlns:o="urn:schemas-microsoft-com:office:office" xmlns:v="urn:schemas-microsoft-com:vml" xmlns:pvml="urn:schemas-microsoft-com:office:powerpoint" xmlns:com="http://schemas.openxmlformats.org/drawingml/2006/compatibility" xmlns:p14="http://schemas.microsoft.com/office/powerpoint/2010/main" xmlns:p15="http://schemas.microsoft.com/office/powerpoint/2012/main" xmlns:ahyp="http://schemas.microsoft.com/office/drawing/2018/hyperlinkcolor">
+<p:notesMaster xmlns:a="http://schemas.openxmlformats.org/drawingml/2006/main" xmlns:r="http://schemas.openxmlformats.org/officeDocument/2006/relationships" xmlns:p="http://schemas.openxmlformats.org/presentationml/2006/main">
   <p:cSld>
+    <p:bg>
+      <p:bgRef idx="1001">
+        <a:schemeClr val="bg1"/>
+      </p:bgRef>
+    </p:bg>
     <p:spTree>
       <p:nvGrpSpPr>
-        <p:cNvPr id="2" name="Shape 2"/>
+        <p:cNvPr id="1" name="Shape 2"/>
         <p:cNvGrpSpPr/>
         <p:nvPr/>
       </p:nvGrpSpPr>
@@ -305,9 +317,11 @@
       <p:sp>
         <p:nvSpPr>
           <p:cNvPr id="3" name="Google Shape;3;n"/>
-          <p:cNvSpPr/>
+          <p:cNvSpPr>
+            <a:spLocks noGrp="1" noRot="1" noChangeAspect="1"/>
+          </p:cNvSpPr>
           <p:nvPr>
-            <p:ph idx="2" type="sldImg"/>
+            <p:ph type="sldImg" idx="2"/>
           </p:nvPr>
         </p:nvSpPr>
         <p:spPr>
@@ -316,9 +330,13 @@
             <a:ext cx="6096075" cy="3429000"/>
           </a:xfrm>
           <a:custGeom>
-            <a:rect b="b" l="l" r="r" t="t"/>
+            <a:avLst/>
+            <a:gdLst/>
+            <a:ahLst/>
+            <a:cxnLst/>
+            <a:rect l="l" t="t" r="r" b="b"/>
             <a:pathLst>
-              <a:path extrusionOk="0" h="120000" w="120000">
+              <a:path w="120000" h="120000" extrusionOk="0">
                 <a:moveTo>
                   <a:pt x="0" y="0"/>
                 </a:moveTo>
@@ -336,23 +354,25 @@
             </a:pathLst>
           </a:custGeom>
           <a:noFill/>
-          <a:ln cap="flat" cmpd="sng" w="9525">
+          <a:ln w="9525" cap="flat" cmpd="sng">
             <a:solidFill>
               <a:srgbClr val="000000"/>
             </a:solidFill>
             <a:prstDash val="solid"/>
             <a:round/>
-            <a:headEnd len="sm" w="sm" type="none"/>
-            <a:tailEnd len="sm" w="sm" type="none"/>
+            <a:headEnd type="none" w="sm" len="sm"/>
+            <a:tailEnd type="none" w="sm" len="sm"/>
           </a:ln>
         </p:spPr>
       </p:sp>
       <p:sp>
         <p:nvSpPr>
           <p:cNvPr id="4" name="Google Shape;4;n"/>
-          <p:cNvSpPr txBox="1"/>
+          <p:cNvSpPr txBox="1">
+            <a:spLocks noGrp="1"/>
+          </p:cNvSpPr>
           <p:nvPr>
-            <p:ph idx="1" type="body"/>
+            <p:ph type="body" idx="1"/>
           </p:nvPr>
         </p:nvSpPr>
         <p:spPr>
@@ -369,11 +389,11 @@
           </a:ln>
         </p:spPr>
         <p:txBody>
-          <a:bodyPr anchorCtr="0" anchor="t" bIns="91425" lIns="91425" spcFirstLastPara="1" rIns="91425" wrap="square" tIns="91425">
+          <a:bodyPr spcFirstLastPara="1" wrap="square" lIns="91425" tIns="91425" rIns="91425" bIns="91425" anchor="t" anchorCtr="0">
             <a:noAutofit/>
           </a:bodyPr>
           <a:lstStyle>
-            <a:lvl1pPr indent="-298450" lvl="0" marL="457200">
+            <a:lvl1pPr marL="457200" lvl="0" indent="-298450">
               <a:spcBef>
                 <a:spcPts val="0"/>
               </a:spcBef>
@@ -384,7 +404,7 @@
               <a:buChar char="●"/>
               <a:defRPr sz="1100"/>
             </a:lvl1pPr>
-            <a:lvl2pPr indent="-298450" lvl="1" marL="914400">
+            <a:lvl2pPr marL="914400" lvl="1" indent="-298450">
               <a:spcBef>
                 <a:spcPts val="0"/>
               </a:spcBef>
@@ -395,7 +415,7 @@
               <a:buChar char="○"/>
               <a:defRPr sz="1100"/>
             </a:lvl2pPr>
-            <a:lvl3pPr indent="-298450" lvl="2" marL="1371600">
+            <a:lvl3pPr marL="1371600" lvl="2" indent="-298450">
               <a:spcBef>
                 <a:spcPts val="0"/>
               </a:spcBef>
@@ -406,7 +426,7 @@
               <a:buChar char="■"/>
               <a:defRPr sz="1100"/>
             </a:lvl3pPr>
-            <a:lvl4pPr indent="-298450" lvl="3" marL="1828800">
+            <a:lvl4pPr marL="1828800" lvl="3" indent="-298450">
               <a:spcBef>
                 <a:spcPts val="0"/>
               </a:spcBef>
@@ -417,7 +437,7 @@
               <a:buChar char="●"/>
               <a:defRPr sz="1100"/>
             </a:lvl4pPr>
-            <a:lvl5pPr indent="-298450" lvl="4" marL="2286000">
+            <a:lvl5pPr marL="2286000" lvl="4" indent="-298450">
               <a:spcBef>
                 <a:spcPts val="0"/>
               </a:spcBef>
@@ -428,7 +448,7 @@
               <a:buChar char="○"/>
               <a:defRPr sz="1100"/>
             </a:lvl5pPr>
-            <a:lvl6pPr indent="-298450" lvl="5" marL="2743200">
+            <a:lvl6pPr marL="2743200" lvl="5" indent="-298450">
               <a:spcBef>
                 <a:spcPts val="0"/>
               </a:spcBef>
@@ -439,7 +459,7 @@
               <a:buChar char="■"/>
               <a:defRPr sz="1100"/>
             </a:lvl6pPr>
-            <a:lvl7pPr indent="-298450" lvl="6" marL="3200400">
+            <a:lvl7pPr marL="3200400" lvl="6" indent="-298450">
               <a:spcBef>
                 <a:spcPts val="0"/>
               </a:spcBef>
@@ -450,7 +470,7 @@
               <a:buChar char="●"/>
               <a:defRPr sz="1100"/>
             </a:lvl7pPr>
-            <a:lvl8pPr indent="-298450" lvl="7" marL="3657600">
+            <a:lvl8pPr marL="3657600" lvl="7" indent="-298450">
               <a:spcBef>
                 <a:spcPts val="0"/>
               </a:spcBef>
@@ -461,7 +481,7 @@
               <a:buChar char="○"/>
               <a:defRPr sz="1100"/>
             </a:lvl8pPr>
-            <a:lvl9pPr indent="-298450" lvl="8" marL="4114800">
+            <a:lvl9pPr marL="4114800" lvl="8" indent="-298450">
               <a:spcBef>
                 <a:spcPts val="0"/>
               </a:spcBef>
@@ -473,14 +493,16 @@
               <a:defRPr sz="1100"/>
             </a:lvl9pPr>
           </a:lstStyle>
-          <a:p/>
+          <a:p>
+            <a:endParaRPr/>
+          </a:p>
         </p:txBody>
       </p:sp>
     </p:spTree>
   </p:cSld>
-  <p:clrMap accent1="accent1" accent2="accent2" accent3="accent3" accent4="accent4" accent5="accent5" accent6="accent6" bg1="lt1" bg2="dk2" tx1="dk1" tx2="lt2" folHlink="folHlink" hlink="hlink"/>
+  <p:clrMap bg1="lt1" tx1="dk1" bg2="dk2" tx2="lt2" accent1="accent1" accent2="accent2" accent3="accent3" accent4="accent4" accent5="accent5" accent6="accent6" hlink="hlink" folHlink="folHlink"/>
   <p:notesStyle>
-    <a:defPPr lvl="0" marR="0" rtl="0" algn="l">
+    <a:defPPr marR="0" lvl="0" algn="l" rtl="0">
       <a:lnSpc>
         <a:spcPct val="100000"/>
       </a:lnSpc>
@@ -491,7 +513,7 @@
         <a:spcPts val="0"/>
       </a:spcAft>
     </a:defPPr>
-    <a:lvl1pPr lvl="0" marR="0" rtl="0" algn="l">
+    <a:lvl1pPr marR="0" lvl="0" algn="l" rtl="0">
       <a:lnSpc>
         <a:spcPct val="100000"/>
       </a:lnSpc>
@@ -505,7 +527,7 @@
         <a:srgbClr val="000000"/>
       </a:buClr>
       <a:buFont typeface="Arial"/>
-      <a:defRPr b="0" i="0" sz="1400" u="none" cap="none" strike="noStrike">
+      <a:defRPr sz="1400" b="0" i="0" u="none" strike="noStrike" cap="none">
         <a:solidFill>
           <a:srgbClr val="000000"/>
         </a:solidFill>
@@ -515,7 +537,7 @@
         <a:sym typeface="Arial"/>
       </a:defRPr>
     </a:lvl1pPr>
-    <a:lvl2pPr lvl="1" marR="0" rtl="0" algn="l">
+    <a:lvl2pPr marR="0" lvl="1" algn="l" rtl="0">
       <a:lnSpc>
         <a:spcPct val="100000"/>
       </a:lnSpc>
@@ -529,7 +551,7 @@
         <a:srgbClr val="000000"/>
       </a:buClr>
       <a:buFont typeface="Arial"/>
-      <a:defRPr b="0" i="0" sz="1400" u="none" cap="none" strike="noStrike">
+      <a:defRPr sz="1400" b="0" i="0" u="none" strike="noStrike" cap="none">
         <a:solidFill>
           <a:srgbClr val="000000"/>
         </a:solidFill>
@@ -539,7 +561,7 @@
         <a:sym typeface="Arial"/>
       </a:defRPr>
     </a:lvl2pPr>
-    <a:lvl3pPr lvl="2" marR="0" rtl="0" algn="l">
+    <a:lvl3pPr marR="0" lvl="2" algn="l" rtl="0">
       <a:lnSpc>
         <a:spcPct val="100000"/>
       </a:lnSpc>
@@ -553,7 +575,7 @@
         <a:srgbClr val="000000"/>
       </a:buClr>
       <a:buFont typeface="Arial"/>
-      <a:defRPr b="0" i="0" sz="1400" u="none" cap="none" strike="noStrike">
+      <a:defRPr sz="1400" b="0" i="0" u="none" strike="noStrike" cap="none">
         <a:solidFill>
           <a:srgbClr val="000000"/>
         </a:solidFill>
@@ -563,7 +585,7 @@
         <a:sym typeface="Arial"/>
       </a:defRPr>
     </a:lvl3pPr>
-    <a:lvl4pPr lvl="3" marR="0" rtl="0" algn="l">
+    <a:lvl4pPr marR="0" lvl="3" algn="l" rtl="0">
       <a:lnSpc>
         <a:spcPct val="100000"/>
       </a:lnSpc>
@@ -577,7 +599,7 @@
         <a:srgbClr val="000000"/>
       </a:buClr>
       <a:buFont typeface="Arial"/>
-      <a:defRPr b="0" i="0" sz="1400" u="none" cap="none" strike="noStrike">
+      <a:defRPr sz="1400" b="0" i="0" u="none" strike="noStrike" cap="none">
         <a:solidFill>
           <a:srgbClr val="000000"/>
         </a:solidFill>
@@ -587,7 +609,7 @@
         <a:sym typeface="Arial"/>
       </a:defRPr>
     </a:lvl4pPr>
-    <a:lvl5pPr lvl="4" marR="0" rtl="0" algn="l">
+    <a:lvl5pPr marR="0" lvl="4" algn="l" rtl="0">
       <a:lnSpc>
         <a:spcPct val="100000"/>
       </a:lnSpc>
@@ -601,7 +623,7 @@
         <a:srgbClr val="000000"/>
       </a:buClr>
       <a:buFont typeface="Arial"/>
-      <a:defRPr b="0" i="0" sz="1400" u="none" cap="none" strike="noStrike">
+      <a:defRPr sz="1400" b="0" i="0" u="none" strike="noStrike" cap="none">
         <a:solidFill>
           <a:srgbClr val="000000"/>
         </a:solidFill>
@@ -611,7 +633,7 @@
         <a:sym typeface="Arial"/>
       </a:defRPr>
     </a:lvl5pPr>
-    <a:lvl6pPr lvl="5" marR="0" rtl="0" algn="l">
+    <a:lvl6pPr marR="0" lvl="5" algn="l" rtl="0">
       <a:lnSpc>
         <a:spcPct val="100000"/>
       </a:lnSpc>
@@ -625,7 +647,7 @@
         <a:srgbClr val="000000"/>
       </a:buClr>
       <a:buFont typeface="Arial"/>
-      <a:defRPr b="0" i="0" sz="1400" u="none" cap="none" strike="noStrike">
+      <a:defRPr sz="1400" b="0" i="0" u="none" strike="noStrike" cap="none">
         <a:solidFill>
           <a:srgbClr val="000000"/>
         </a:solidFill>
@@ -635,7 +657,7 @@
         <a:sym typeface="Arial"/>
       </a:defRPr>
     </a:lvl6pPr>
-    <a:lvl7pPr lvl="6" marR="0" rtl="0" algn="l">
+    <a:lvl7pPr marR="0" lvl="6" algn="l" rtl="0">
       <a:lnSpc>
         <a:spcPct val="100000"/>
       </a:lnSpc>
@@ -649,7 +671,7 @@
         <a:srgbClr val="000000"/>
       </a:buClr>
       <a:buFont typeface="Arial"/>
-      <a:defRPr b="0" i="0" sz="1400" u="none" cap="none" strike="noStrike">
+      <a:defRPr sz="1400" b="0" i="0" u="none" strike="noStrike" cap="none">
         <a:solidFill>
           <a:srgbClr val="000000"/>
         </a:solidFill>
@@ -659,7 +681,7 @@
         <a:sym typeface="Arial"/>
       </a:defRPr>
     </a:lvl7pPr>
-    <a:lvl8pPr lvl="7" marR="0" rtl="0" algn="l">
+    <a:lvl8pPr marR="0" lvl="7" algn="l" rtl="0">
       <a:lnSpc>
         <a:spcPct val="100000"/>
       </a:lnSpc>
@@ -673,7 +695,7 @@
         <a:srgbClr val="000000"/>
       </a:buClr>
       <a:buFont typeface="Arial"/>
-      <a:defRPr b="0" i="0" sz="1400" u="none" cap="none" strike="noStrike">
+      <a:defRPr sz="1400" b="0" i="0" u="none" strike="noStrike" cap="none">
         <a:solidFill>
           <a:srgbClr val="000000"/>
         </a:solidFill>
@@ -683,7 +705,7 @@
         <a:sym typeface="Arial"/>
       </a:defRPr>
     </a:lvl8pPr>
-    <a:lvl9pPr lvl="8" marR="0" rtl="0" algn="l">
+    <a:lvl9pPr marR="0" lvl="8" algn="l" rtl="0">
       <a:lnSpc>
         <a:spcPct val="100000"/>
       </a:lnSpc>
@@ -697,7 +719,7 @@
         <a:srgbClr val="000000"/>
       </a:buClr>
       <a:buFont typeface="Arial"/>
-      <a:defRPr b="0" i="0" sz="1400" u="none" cap="none" strike="noStrike">
+      <a:defRPr sz="1400" b="0" i="0" u="none" strike="noStrike" cap="none">
         <a:solidFill>
           <a:srgbClr val="000000"/>
         </a:solidFill>
@@ -712,11 +734,11 @@
 </file>
 
 <file path=ppt/notesSlides/notesSlide1.xml><?xml version="1.0" encoding="utf-8"?>
-<p:notes xmlns:a="http://schemas.openxmlformats.org/drawingml/2006/main" xmlns:r="http://schemas.openxmlformats.org/officeDocument/2006/relationships" xmlns:mc="http://schemas.openxmlformats.org/markup-compatibility/2006" xmlns:mv="urn:schemas-microsoft-com:mac:vml" xmlns:p="http://schemas.openxmlformats.org/presentationml/2006/main" xmlns:c="http://schemas.openxmlformats.org/drawingml/2006/chart" xmlns:dgm="http://schemas.openxmlformats.org/drawingml/2006/diagram" xmlns:o="urn:schemas-microsoft-com:office:office" xmlns:v="urn:schemas-microsoft-com:vml" xmlns:pvml="urn:schemas-microsoft-com:office:powerpoint" xmlns:com="http://schemas.openxmlformats.org/drawingml/2006/compatibility" xmlns:p14="http://schemas.microsoft.com/office/powerpoint/2010/main" xmlns:p15="http://schemas.microsoft.com/office/powerpoint/2012/main" xmlns:ahyp="http://schemas.microsoft.com/office/drawing/2018/hyperlinkcolor" showMasterPhAnim="0" showMasterSp="0">
+<p:notes xmlns:a="http://schemas.openxmlformats.org/drawingml/2006/main" xmlns:r="http://schemas.openxmlformats.org/officeDocument/2006/relationships" xmlns:p="http://schemas.openxmlformats.org/presentationml/2006/main" showMasterSp="0" showMasterPhAnim="0">
   <p:cSld>
     <p:spTree>
       <p:nvGrpSpPr>
-        <p:cNvPr id="49" name="Shape 49"/>
+        <p:cNvPr id="1" name="Shape 49"/>
         <p:cNvGrpSpPr/>
         <p:nvPr/>
       </p:nvGrpSpPr>
@@ -731,9 +753,11 @@
       <p:sp>
         <p:nvSpPr>
           <p:cNvPr id="50" name="Google Shape;50;p:notes"/>
-          <p:cNvSpPr/>
+          <p:cNvSpPr>
+            <a:spLocks noGrp="1" noRot="1" noChangeAspect="1"/>
+          </p:cNvSpPr>
           <p:nvPr>
-            <p:ph idx="2" type="sldImg"/>
+            <p:ph type="sldImg" idx="2"/>
           </p:nvPr>
         </p:nvSpPr>
         <p:spPr>
@@ -742,9 +766,13 @@
             <a:ext cx="6096075" cy="3429000"/>
           </a:xfrm>
           <a:custGeom>
-            <a:rect b="b" l="l" r="r" t="t"/>
+            <a:avLst/>
+            <a:gdLst/>
+            <a:ahLst/>
+            <a:cxnLst/>
+            <a:rect l="l" t="t" r="r" b="b"/>
             <a:pathLst>
-              <a:path extrusionOk="0" h="120000" w="120000">
+              <a:path w="120000" h="120000" extrusionOk="0">
                 <a:moveTo>
                   <a:pt x="0" y="0"/>
                 </a:moveTo>
@@ -766,9 +794,11 @@
       <p:sp>
         <p:nvSpPr>
           <p:cNvPr id="51" name="Google Shape;51;p:notes"/>
-          <p:cNvSpPr txBox="1"/>
+          <p:cNvSpPr txBox="1">
+            <a:spLocks noGrp="1"/>
+          </p:cNvSpPr>
           <p:nvPr>
-            <p:ph idx="1" type="body"/>
+            <p:ph type="body" idx="1"/>
           </p:nvPr>
         </p:nvSpPr>
         <p:spPr>
@@ -781,23 +811,20 @@
           </a:prstGeom>
         </p:spPr>
         <p:txBody>
-          <a:bodyPr anchorCtr="0" anchor="t" bIns="91425" lIns="91425" spcFirstLastPara="1" rIns="91425" wrap="square" tIns="91425">
+          <a:bodyPr spcFirstLastPara="1" wrap="square" lIns="91425" tIns="91425" rIns="91425" bIns="91425" anchor="t" anchorCtr="0">
             <a:noAutofit/>
           </a:bodyPr>
           <a:lstStyle/>
           <a:p>
-            <a:pPr indent="0" lvl="0" marL="0" rtl="0" algn="l">
-              <a:spcBef>
-                <a:spcPts val="0"/>
-              </a:spcBef>
-              <a:spcAft>
-                <a:spcPts val="0"/>
-              </a:spcAft>
-              <a:buNone/>
-            </a:pPr>
-            <a:r>
-              <a:t/>
-            </a:r>
+            <a:pPr marL="0" lvl="0" indent="0" algn="l" rtl="0">
+              <a:spcBef>
+                <a:spcPts val="0"/>
+              </a:spcBef>
+              <a:spcAft>
+                <a:spcPts val="0"/>
+              </a:spcAft>
+              <a:buNone/>
+            </a:pPr>
             <a:endParaRPr/>
           </a:p>
         </p:txBody>
@@ -811,11 +838,11 @@
 </file>
 
 <file path=ppt/notesSlides/notesSlide10.xml><?xml version="1.0" encoding="utf-8"?>
-<p:notes xmlns:a="http://schemas.openxmlformats.org/drawingml/2006/main" xmlns:r="http://schemas.openxmlformats.org/officeDocument/2006/relationships" xmlns:mc="http://schemas.openxmlformats.org/markup-compatibility/2006" xmlns:mv="urn:schemas-microsoft-com:mac:vml" xmlns:p="http://schemas.openxmlformats.org/presentationml/2006/main" xmlns:c="http://schemas.openxmlformats.org/drawingml/2006/chart" xmlns:dgm="http://schemas.openxmlformats.org/drawingml/2006/diagram" xmlns:o="urn:schemas-microsoft-com:office:office" xmlns:v="urn:schemas-microsoft-com:vml" xmlns:pvml="urn:schemas-microsoft-com:office:powerpoint" xmlns:com="http://schemas.openxmlformats.org/drawingml/2006/compatibility" xmlns:p14="http://schemas.microsoft.com/office/powerpoint/2010/main" xmlns:p15="http://schemas.microsoft.com/office/powerpoint/2012/main" xmlns:ahyp="http://schemas.microsoft.com/office/drawing/2018/hyperlinkcolor" showMasterPhAnim="0" showMasterSp="0">
+<p:notes xmlns:a="http://schemas.openxmlformats.org/drawingml/2006/main" xmlns:r="http://schemas.openxmlformats.org/officeDocument/2006/relationships" xmlns:p="http://schemas.openxmlformats.org/presentationml/2006/main" showMasterSp="0" showMasterPhAnim="0">
   <p:cSld>
     <p:spTree>
       <p:nvGrpSpPr>
-        <p:cNvPr id="105" name="Shape 105"/>
+        <p:cNvPr id="1" name="Shape 105"/>
         <p:cNvGrpSpPr/>
         <p:nvPr/>
       </p:nvGrpSpPr>
@@ -830,9 +857,11 @@
       <p:sp>
         <p:nvSpPr>
           <p:cNvPr id="106" name="Google Shape;106;ge4c4a8e2be_0_144:notes"/>
-          <p:cNvSpPr/>
+          <p:cNvSpPr>
+            <a:spLocks noGrp="1" noRot="1" noChangeAspect="1"/>
+          </p:cNvSpPr>
           <p:nvPr>
-            <p:ph idx="2" type="sldImg"/>
+            <p:ph type="sldImg" idx="2"/>
           </p:nvPr>
         </p:nvSpPr>
         <p:spPr>
@@ -841,9 +870,13 @@
             <a:ext cx="6096000" cy="3429000"/>
           </a:xfrm>
           <a:custGeom>
-            <a:rect b="b" l="l" r="r" t="t"/>
+            <a:avLst/>
+            <a:gdLst/>
+            <a:ahLst/>
+            <a:cxnLst/>
+            <a:rect l="l" t="t" r="r" b="b"/>
             <a:pathLst>
-              <a:path extrusionOk="0" h="120000" w="120000">
+              <a:path w="120000" h="120000" extrusionOk="0">
                 <a:moveTo>
                   <a:pt x="0" y="0"/>
                 </a:moveTo>
@@ -865,9 +898,11 @@
       <p:sp>
         <p:nvSpPr>
           <p:cNvPr id="107" name="Google Shape;107;ge4c4a8e2be_0_144:notes"/>
-          <p:cNvSpPr txBox="1"/>
+          <p:cNvSpPr txBox="1">
+            <a:spLocks noGrp="1"/>
+          </p:cNvSpPr>
           <p:nvPr>
-            <p:ph idx="1" type="body"/>
+            <p:ph type="body" idx="1"/>
           </p:nvPr>
         </p:nvSpPr>
         <p:spPr>
@@ -880,23 +915,20 @@
           </a:prstGeom>
         </p:spPr>
         <p:txBody>
-          <a:bodyPr anchorCtr="0" anchor="t" bIns="91425" lIns="91425" spcFirstLastPara="1" rIns="91425" wrap="square" tIns="91425">
+          <a:bodyPr spcFirstLastPara="1" wrap="square" lIns="91425" tIns="91425" rIns="91425" bIns="91425" anchor="t" anchorCtr="0">
             <a:noAutofit/>
           </a:bodyPr>
           <a:lstStyle/>
           <a:p>
-            <a:pPr indent="0" lvl="0" marL="0" rtl="0" algn="l">
-              <a:spcBef>
-                <a:spcPts val="0"/>
-              </a:spcBef>
-              <a:spcAft>
-                <a:spcPts val="0"/>
-              </a:spcAft>
-              <a:buNone/>
-            </a:pPr>
-            <a:r>
-              <a:t/>
-            </a:r>
+            <a:pPr marL="0" lvl="0" indent="0" algn="l" rtl="0">
+              <a:spcBef>
+                <a:spcPts val="0"/>
+              </a:spcBef>
+              <a:spcAft>
+                <a:spcPts val="0"/>
+              </a:spcAft>
+              <a:buNone/>
+            </a:pPr>
             <a:endParaRPr/>
           </a:p>
         </p:txBody>
@@ -910,11 +942,11 @@
 </file>
 
 <file path=ppt/notesSlides/notesSlide11.xml><?xml version="1.0" encoding="utf-8"?>
-<p:notes xmlns:a="http://schemas.openxmlformats.org/drawingml/2006/main" xmlns:r="http://schemas.openxmlformats.org/officeDocument/2006/relationships" xmlns:mc="http://schemas.openxmlformats.org/markup-compatibility/2006" xmlns:mv="urn:schemas-microsoft-com:mac:vml" xmlns:p="http://schemas.openxmlformats.org/presentationml/2006/main" xmlns:c="http://schemas.openxmlformats.org/drawingml/2006/chart" xmlns:dgm="http://schemas.openxmlformats.org/drawingml/2006/diagram" xmlns:o="urn:schemas-microsoft-com:office:office" xmlns:v="urn:schemas-microsoft-com:vml" xmlns:pvml="urn:schemas-microsoft-com:office:powerpoint" xmlns:com="http://schemas.openxmlformats.org/drawingml/2006/compatibility" xmlns:p14="http://schemas.microsoft.com/office/powerpoint/2010/main" xmlns:p15="http://schemas.microsoft.com/office/powerpoint/2012/main" xmlns:ahyp="http://schemas.microsoft.com/office/drawing/2018/hyperlinkcolor" showMasterPhAnim="0" showMasterSp="0">
+<p:notes xmlns:a="http://schemas.openxmlformats.org/drawingml/2006/main" xmlns:r="http://schemas.openxmlformats.org/officeDocument/2006/relationships" xmlns:p="http://schemas.openxmlformats.org/presentationml/2006/main" showMasterSp="0" showMasterPhAnim="0">
   <p:cSld>
     <p:spTree>
       <p:nvGrpSpPr>
-        <p:cNvPr id="111" name="Shape 111"/>
+        <p:cNvPr id="1" name="Shape 111"/>
         <p:cNvGrpSpPr/>
         <p:nvPr/>
       </p:nvGrpSpPr>
@@ -929,9 +961,11 @@
       <p:sp>
         <p:nvSpPr>
           <p:cNvPr id="112" name="Google Shape;112;ge4c4a8e2be_0_149:notes"/>
-          <p:cNvSpPr/>
+          <p:cNvSpPr>
+            <a:spLocks noGrp="1" noRot="1" noChangeAspect="1"/>
+          </p:cNvSpPr>
           <p:nvPr>
-            <p:ph idx="2" type="sldImg"/>
+            <p:ph type="sldImg" idx="2"/>
           </p:nvPr>
         </p:nvSpPr>
         <p:spPr>
@@ -940,9 +974,13 @@
             <a:ext cx="6096000" cy="3429000"/>
           </a:xfrm>
           <a:custGeom>
-            <a:rect b="b" l="l" r="r" t="t"/>
+            <a:avLst/>
+            <a:gdLst/>
+            <a:ahLst/>
+            <a:cxnLst/>
+            <a:rect l="l" t="t" r="r" b="b"/>
             <a:pathLst>
-              <a:path extrusionOk="0" h="120000" w="120000">
+              <a:path w="120000" h="120000" extrusionOk="0">
                 <a:moveTo>
                   <a:pt x="0" y="0"/>
                 </a:moveTo>
@@ -964,9 +1002,11 @@
       <p:sp>
         <p:nvSpPr>
           <p:cNvPr id="113" name="Google Shape;113;ge4c4a8e2be_0_149:notes"/>
-          <p:cNvSpPr txBox="1"/>
+          <p:cNvSpPr txBox="1">
+            <a:spLocks noGrp="1"/>
+          </p:cNvSpPr>
           <p:nvPr>
-            <p:ph idx="1" type="body"/>
+            <p:ph type="body" idx="1"/>
           </p:nvPr>
         </p:nvSpPr>
         <p:spPr>
@@ -979,23 +1019,20 @@
           </a:prstGeom>
         </p:spPr>
         <p:txBody>
-          <a:bodyPr anchorCtr="0" anchor="t" bIns="91425" lIns="91425" spcFirstLastPara="1" rIns="91425" wrap="square" tIns="91425">
+          <a:bodyPr spcFirstLastPara="1" wrap="square" lIns="91425" tIns="91425" rIns="91425" bIns="91425" anchor="t" anchorCtr="0">
             <a:noAutofit/>
           </a:bodyPr>
           <a:lstStyle/>
           <a:p>
-            <a:pPr indent="0" lvl="0" marL="0" rtl="0" algn="l">
-              <a:spcBef>
-                <a:spcPts val="0"/>
-              </a:spcBef>
-              <a:spcAft>
-                <a:spcPts val="0"/>
-              </a:spcAft>
-              <a:buNone/>
-            </a:pPr>
-            <a:r>
-              <a:t/>
-            </a:r>
+            <a:pPr marL="0" lvl="0" indent="0" algn="l" rtl="0">
+              <a:spcBef>
+                <a:spcPts val="0"/>
+              </a:spcBef>
+              <a:spcAft>
+                <a:spcPts val="0"/>
+              </a:spcAft>
+              <a:buNone/>
+            </a:pPr>
             <a:endParaRPr/>
           </a:p>
         </p:txBody>
@@ -1009,11 +1046,11 @@
 </file>
 
 <file path=ppt/notesSlides/notesSlide12.xml><?xml version="1.0" encoding="utf-8"?>
-<p:notes xmlns:a="http://schemas.openxmlformats.org/drawingml/2006/main" xmlns:r="http://schemas.openxmlformats.org/officeDocument/2006/relationships" xmlns:mc="http://schemas.openxmlformats.org/markup-compatibility/2006" xmlns:mv="urn:schemas-microsoft-com:mac:vml" xmlns:p="http://schemas.openxmlformats.org/presentationml/2006/main" xmlns:c="http://schemas.openxmlformats.org/drawingml/2006/chart" xmlns:dgm="http://schemas.openxmlformats.org/drawingml/2006/diagram" xmlns:o="urn:schemas-microsoft-com:office:office" xmlns:v="urn:schemas-microsoft-com:vml" xmlns:pvml="urn:schemas-microsoft-com:office:powerpoint" xmlns:com="http://schemas.openxmlformats.org/drawingml/2006/compatibility" xmlns:p14="http://schemas.microsoft.com/office/powerpoint/2010/main" xmlns:p15="http://schemas.microsoft.com/office/powerpoint/2012/main" xmlns:ahyp="http://schemas.microsoft.com/office/drawing/2018/hyperlinkcolor" showMasterPhAnim="0" showMasterSp="0">
+<p:notes xmlns:a="http://schemas.openxmlformats.org/drawingml/2006/main" xmlns:r="http://schemas.openxmlformats.org/officeDocument/2006/relationships" xmlns:p="http://schemas.openxmlformats.org/presentationml/2006/main" showMasterSp="0" showMasterPhAnim="0">
   <p:cSld>
     <p:spTree>
       <p:nvGrpSpPr>
-        <p:cNvPr id="117" name="Shape 117"/>
+        <p:cNvPr id="1" name="Shape 117"/>
         <p:cNvGrpSpPr/>
         <p:nvPr/>
       </p:nvGrpSpPr>
@@ -1028,9 +1065,11 @@
       <p:sp>
         <p:nvSpPr>
           <p:cNvPr id="118" name="Google Shape;118;ge4c4a8e2be_0_154:notes"/>
-          <p:cNvSpPr/>
+          <p:cNvSpPr>
+            <a:spLocks noGrp="1" noRot="1" noChangeAspect="1"/>
+          </p:cNvSpPr>
           <p:nvPr>
-            <p:ph idx="2" type="sldImg"/>
+            <p:ph type="sldImg" idx="2"/>
           </p:nvPr>
         </p:nvSpPr>
         <p:spPr>
@@ -1039,9 +1078,13 @@
             <a:ext cx="6096000" cy="3429000"/>
           </a:xfrm>
           <a:custGeom>
-            <a:rect b="b" l="l" r="r" t="t"/>
+            <a:avLst/>
+            <a:gdLst/>
+            <a:ahLst/>
+            <a:cxnLst/>
+            <a:rect l="l" t="t" r="r" b="b"/>
             <a:pathLst>
-              <a:path extrusionOk="0" h="120000" w="120000">
+              <a:path w="120000" h="120000" extrusionOk="0">
                 <a:moveTo>
                   <a:pt x="0" y="0"/>
                 </a:moveTo>
@@ -1063,9 +1106,11 @@
       <p:sp>
         <p:nvSpPr>
           <p:cNvPr id="119" name="Google Shape;119;ge4c4a8e2be_0_154:notes"/>
-          <p:cNvSpPr txBox="1"/>
+          <p:cNvSpPr txBox="1">
+            <a:spLocks noGrp="1"/>
+          </p:cNvSpPr>
           <p:nvPr>
-            <p:ph idx="1" type="body"/>
+            <p:ph type="body" idx="1"/>
           </p:nvPr>
         </p:nvSpPr>
         <p:spPr>
@@ -1078,23 +1123,20 @@
           </a:prstGeom>
         </p:spPr>
         <p:txBody>
-          <a:bodyPr anchorCtr="0" anchor="t" bIns="91425" lIns="91425" spcFirstLastPara="1" rIns="91425" wrap="square" tIns="91425">
+          <a:bodyPr spcFirstLastPara="1" wrap="square" lIns="91425" tIns="91425" rIns="91425" bIns="91425" anchor="t" anchorCtr="0">
             <a:noAutofit/>
           </a:bodyPr>
           <a:lstStyle/>
           <a:p>
-            <a:pPr indent="0" lvl="0" marL="0" rtl="0" algn="l">
-              <a:spcBef>
-                <a:spcPts val="0"/>
-              </a:spcBef>
-              <a:spcAft>
-                <a:spcPts val="0"/>
-              </a:spcAft>
-              <a:buNone/>
-            </a:pPr>
-            <a:r>
-              <a:t/>
-            </a:r>
+            <a:pPr marL="0" lvl="0" indent="0" algn="l" rtl="0">
+              <a:spcBef>
+                <a:spcPts val="0"/>
+              </a:spcBef>
+              <a:spcAft>
+                <a:spcPts val="0"/>
+              </a:spcAft>
+              <a:buNone/>
+            </a:pPr>
             <a:endParaRPr/>
           </a:p>
         </p:txBody>
@@ -1108,11 +1150,11 @@
 </file>
 
 <file path=ppt/notesSlides/notesSlide2.xml><?xml version="1.0" encoding="utf-8"?>
-<p:notes xmlns:a="http://schemas.openxmlformats.org/drawingml/2006/main" xmlns:r="http://schemas.openxmlformats.org/officeDocument/2006/relationships" xmlns:mc="http://schemas.openxmlformats.org/markup-compatibility/2006" xmlns:mv="urn:schemas-microsoft-com:mac:vml" xmlns:p="http://schemas.openxmlformats.org/presentationml/2006/main" xmlns:c="http://schemas.openxmlformats.org/drawingml/2006/chart" xmlns:dgm="http://schemas.openxmlformats.org/drawingml/2006/diagram" xmlns:o="urn:schemas-microsoft-com:office:office" xmlns:v="urn:schemas-microsoft-com:vml" xmlns:pvml="urn:schemas-microsoft-com:office:powerpoint" xmlns:com="http://schemas.openxmlformats.org/drawingml/2006/compatibility" xmlns:p14="http://schemas.microsoft.com/office/powerpoint/2010/main" xmlns:p15="http://schemas.microsoft.com/office/powerpoint/2012/main" xmlns:ahyp="http://schemas.microsoft.com/office/drawing/2018/hyperlinkcolor" showMasterPhAnim="0" showMasterSp="0">
+<p:notes xmlns:a="http://schemas.openxmlformats.org/drawingml/2006/main" xmlns:r="http://schemas.openxmlformats.org/officeDocument/2006/relationships" xmlns:p="http://schemas.openxmlformats.org/presentationml/2006/main" showMasterSp="0" showMasterPhAnim="0">
   <p:cSld>
     <p:spTree>
       <p:nvGrpSpPr>
-        <p:cNvPr id="57" name="Shape 57"/>
+        <p:cNvPr id="1" name="Shape 57"/>
         <p:cNvGrpSpPr/>
         <p:nvPr/>
       </p:nvGrpSpPr>
@@ -1127,9 +1169,11 @@
       <p:sp>
         <p:nvSpPr>
           <p:cNvPr id="58" name="Google Shape;58;ge4c4a8e2be_0_3:notes"/>
-          <p:cNvSpPr/>
+          <p:cNvSpPr>
+            <a:spLocks noGrp="1" noRot="1" noChangeAspect="1"/>
+          </p:cNvSpPr>
           <p:nvPr>
-            <p:ph idx="2" type="sldImg"/>
+            <p:ph type="sldImg" idx="2"/>
           </p:nvPr>
         </p:nvSpPr>
         <p:spPr>
@@ -1138,9 +1182,13 @@
             <a:ext cx="6096000" cy="3429000"/>
           </a:xfrm>
           <a:custGeom>
-            <a:rect b="b" l="l" r="r" t="t"/>
+            <a:avLst/>
+            <a:gdLst/>
+            <a:ahLst/>
+            <a:cxnLst/>
+            <a:rect l="l" t="t" r="r" b="b"/>
             <a:pathLst>
-              <a:path extrusionOk="0" h="120000" w="120000">
+              <a:path w="120000" h="120000" extrusionOk="0">
                 <a:moveTo>
                   <a:pt x="0" y="0"/>
                 </a:moveTo>
@@ -1162,9 +1210,11 @@
       <p:sp>
         <p:nvSpPr>
           <p:cNvPr id="59" name="Google Shape;59;ge4c4a8e2be_0_3:notes"/>
-          <p:cNvSpPr txBox="1"/>
+          <p:cNvSpPr txBox="1">
+            <a:spLocks noGrp="1"/>
+          </p:cNvSpPr>
           <p:nvPr>
-            <p:ph idx="1" type="body"/>
+            <p:ph type="body" idx="1"/>
           </p:nvPr>
         </p:nvSpPr>
         <p:spPr>
@@ -1177,23 +1227,20 @@
           </a:prstGeom>
         </p:spPr>
         <p:txBody>
-          <a:bodyPr anchorCtr="0" anchor="t" bIns="91425" lIns="91425" spcFirstLastPara="1" rIns="91425" wrap="square" tIns="91425">
+          <a:bodyPr spcFirstLastPara="1" wrap="square" lIns="91425" tIns="91425" rIns="91425" bIns="91425" anchor="t" anchorCtr="0">
             <a:noAutofit/>
           </a:bodyPr>
           <a:lstStyle/>
           <a:p>
-            <a:pPr indent="0" lvl="0" marL="0" rtl="0" algn="l">
-              <a:spcBef>
-                <a:spcPts val="0"/>
-              </a:spcBef>
-              <a:spcAft>
-                <a:spcPts val="0"/>
-              </a:spcAft>
-              <a:buNone/>
-            </a:pPr>
-            <a:r>
-              <a:t/>
-            </a:r>
+            <a:pPr marL="0" lvl="0" indent="0" algn="l" rtl="0">
+              <a:spcBef>
+                <a:spcPts val="0"/>
+              </a:spcBef>
+              <a:spcAft>
+                <a:spcPts val="0"/>
+              </a:spcAft>
+              <a:buNone/>
+            </a:pPr>
             <a:endParaRPr/>
           </a:p>
         </p:txBody>
@@ -1207,11 +1254,11 @@
 </file>
 
 <file path=ppt/notesSlides/notesSlide3.xml><?xml version="1.0" encoding="utf-8"?>
-<p:notes xmlns:a="http://schemas.openxmlformats.org/drawingml/2006/main" xmlns:r="http://schemas.openxmlformats.org/officeDocument/2006/relationships" xmlns:mc="http://schemas.openxmlformats.org/markup-compatibility/2006" xmlns:mv="urn:schemas-microsoft-com:mac:vml" xmlns:p="http://schemas.openxmlformats.org/presentationml/2006/main" xmlns:c="http://schemas.openxmlformats.org/drawingml/2006/chart" xmlns:dgm="http://schemas.openxmlformats.org/drawingml/2006/diagram" xmlns:o="urn:schemas-microsoft-com:office:office" xmlns:v="urn:schemas-microsoft-com:vml" xmlns:pvml="urn:schemas-microsoft-com:office:powerpoint" xmlns:com="http://schemas.openxmlformats.org/drawingml/2006/compatibility" xmlns:p14="http://schemas.microsoft.com/office/powerpoint/2010/main" xmlns:p15="http://schemas.microsoft.com/office/powerpoint/2012/main" xmlns:ahyp="http://schemas.microsoft.com/office/drawing/2018/hyperlinkcolor" showMasterPhAnim="0" showMasterSp="0">
+<p:notes xmlns:a="http://schemas.openxmlformats.org/drawingml/2006/main" xmlns:r="http://schemas.openxmlformats.org/officeDocument/2006/relationships" xmlns:p="http://schemas.openxmlformats.org/presentationml/2006/main" showMasterSp="0" showMasterPhAnim="0">
   <p:cSld>
     <p:spTree>
       <p:nvGrpSpPr>
-        <p:cNvPr id="63" name="Shape 63"/>
+        <p:cNvPr id="1" name="Shape 63"/>
         <p:cNvGrpSpPr/>
         <p:nvPr/>
       </p:nvGrpSpPr>
@@ -1226,9 +1273,11 @@
       <p:sp>
         <p:nvSpPr>
           <p:cNvPr id="64" name="Google Shape;64;ge4c4a8e2be_0_109:notes"/>
-          <p:cNvSpPr/>
+          <p:cNvSpPr>
+            <a:spLocks noGrp="1" noRot="1" noChangeAspect="1"/>
+          </p:cNvSpPr>
           <p:nvPr>
-            <p:ph idx="2" type="sldImg"/>
+            <p:ph type="sldImg" idx="2"/>
           </p:nvPr>
         </p:nvSpPr>
         <p:spPr>
@@ -1237,9 +1286,13 @@
             <a:ext cx="6096000" cy="3429000"/>
           </a:xfrm>
           <a:custGeom>
-            <a:rect b="b" l="l" r="r" t="t"/>
+            <a:avLst/>
+            <a:gdLst/>
+            <a:ahLst/>
+            <a:cxnLst/>
+            <a:rect l="l" t="t" r="r" b="b"/>
             <a:pathLst>
-              <a:path extrusionOk="0" h="120000" w="120000">
+              <a:path w="120000" h="120000" extrusionOk="0">
                 <a:moveTo>
                   <a:pt x="0" y="0"/>
                 </a:moveTo>
@@ -1261,9 +1314,11 @@
       <p:sp>
         <p:nvSpPr>
           <p:cNvPr id="65" name="Google Shape;65;ge4c4a8e2be_0_109:notes"/>
-          <p:cNvSpPr txBox="1"/>
+          <p:cNvSpPr txBox="1">
+            <a:spLocks noGrp="1"/>
+          </p:cNvSpPr>
           <p:nvPr>
-            <p:ph idx="1" type="body"/>
+            <p:ph type="body" idx="1"/>
           </p:nvPr>
         </p:nvSpPr>
         <p:spPr>
@@ -1276,23 +1331,20 @@
           </a:prstGeom>
         </p:spPr>
         <p:txBody>
-          <a:bodyPr anchorCtr="0" anchor="t" bIns="91425" lIns="91425" spcFirstLastPara="1" rIns="91425" wrap="square" tIns="91425">
+          <a:bodyPr spcFirstLastPara="1" wrap="square" lIns="91425" tIns="91425" rIns="91425" bIns="91425" anchor="t" anchorCtr="0">
             <a:noAutofit/>
           </a:bodyPr>
           <a:lstStyle/>
           <a:p>
-            <a:pPr indent="0" lvl="0" marL="0" rtl="0" algn="l">
-              <a:spcBef>
-                <a:spcPts val="0"/>
-              </a:spcBef>
-              <a:spcAft>
-                <a:spcPts val="0"/>
-              </a:spcAft>
-              <a:buNone/>
-            </a:pPr>
-            <a:r>
-              <a:t/>
-            </a:r>
+            <a:pPr marL="0" lvl="0" indent="0" algn="l" rtl="0">
+              <a:spcBef>
+                <a:spcPts val="0"/>
+              </a:spcBef>
+              <a:spcAft>
+                <a:spcPts val="0"/>
+              </a:spcAft>
+              <a:buNone/>
+            </a:pPr>
             <a:endParaRPr/>
           </a:p>
         </p:txBody>
@@ -1306,11 +1358,11 @@
 </file>
 
 <file path=ppt/notesSlides/notesSlide4.xml><?xml version="1.0" encoding="utf-8"?>
-<p:notes xmlns:a="http://schemas.openxmlformats.org/drawingml/2006/main" xmlns:r="http://schemas.openxmlformats.org/officeDocument/2006/relationships" xmlns:mc="http://schemas.openxmlformats.org/markup-compatibility/2006" xmlns:mv="urn:schemas-microsoft-com:mac:vml" xmlns:p="http://schemas.openxmlformats.org/presentationml/2006/main" xmlns:c="http://schemas.openxmlformats.org/drawingml/2006/chart" xmlns:dgm="http://schemas.openxmlformats.org/drawingml/2006/diagram" xmlns:o="urn:schemas-microsoft-com:office:office" xmlns:v="urn:schemas-microsoft-com:vml" xmlns:pvml="urn:schemas-microsoft-com:office:powerpoint" xmlns:com="http://schemas.openxmlformats.org/drawingml/2006/compatibility" xmlns:p14="http://schemas.microsoft.com/office/powerpoint/2010/main" xmlns:p15="http://schemas.microsoft.com/office/powerpoint/2012/main" xmlns:ahyp="http://schemas.microsoft.com/office/drawing/2018/hyperlinkcolor" showMasterPhAnim="0" showMasterSp="0">
+<p:notes xmlns:a="http://schemas.openxmlformats.org/drawingml/2006/main" xmlns:r="http://schemas.openxmlformats.org/officeDocument/2006/relationships" xmlns:p="http://schemas.openxmlformats.org/presentationml/2006/main" showMasterSp="0" showMasterPhAnim="0">
   <p:cSld>
     <p:spTree>
       <p:nvGrpSpPr>
-        <p:cNvPr id="69" name="Shape 69"/>
+        <p:cNvPr id="1" name="Shape 69"/>
         <p:cNvGrpSpPr/>
         <p:nvPr/>
       </p:nvGrpSpPr>
@@ -1325,9 +1377,11 @@
       <p:sp>
         <p:nvSpPr>
           <p:cNvPr id="70" name="Google Shape;70;ge4c4a8e2be_0_114:notes"/>
-          <p:cNvSpPr/>
+          <p:cNvSpPr>
+            <a:spLocks noGrp="1" noRot="1" noChangeAspect="1"/>
+          </p:cNvSpPr>
           <p:nvPr>
-            <p:ph idx="2" type="sldImg"/>
+            <p:ph type="sldImg" idx="2"/>
           </p:nvPr>
         </p:nvSpPr>
         <p:spPr>
@@ -1336,9 +1390,13 @@
             <a:ext cx="6096000" cy="3429000"/>
           </a:xfrm>
           <a:custGeom>
-            <a:rect b="b" l="l" r="r" t="t"/>
+            <a:avLst/>
+            <a:gdLst/>
+            <a:ahLst/>
+            <a:cxnLst/>
+            <a:rect l="l" t="t" r="r" b="b"/>
             <a:pathLst>
-              <a:path extrusionOk="0" h="120000" w="120000">
+              <a:path w="120000" h="120000" extrusionOk="0">
                 <a:moveTo>
                   <a:pt x="0" y="0"/>
                 </a:moveTo>
@@ -1360,9 +1418,11 @@
       <p:sp>
         <p:nvSpPr>
           <p:cNvPr id="71" name="Google Shape;71;ge4c4a8e2be_0_114:notes"/>
-          <p:cNvSpPr txBox="1"/>
+          <p:cNvSpPr txBox="1">
+            <a:spLocks noGrp="1"/>
+          </p:cNvSpPr>
           <p:nvPr>
-            <p:ph idx="1" type="body"/>
+            <p:ph type="body" idx="1"/>
           </p:nvPr>
         </p:nvSpPr>
         <p:spPr>
@@ -1375,23 +1435,20 @@
           </a:prstGeom>
         </p:spPr>
         <p:txBody>
-          <a:bodyPr anchorCtr="0" anchor="t" bIns="91425" lIns="91425" spcFirstLastPara="1" rIns="91425" wrap="square" tIns="91425">
+          <a:bodyPr spcFirstLastPara="1" wrap="square" lIns="91425" tIns="91425" rIns="91425" bIns="91425" anchor="t" anchorCtr="0">
             <a:noAutofit/>
           </a:bodyPr>
           <a:lstStyle/>
           <a:p>
-            <a:pPr indent="0" lvl="0" marL="0" rtl="0" algn="l">
-              <a:spcBef>
-                <a:spcPts val="0"/>
-              </a:spcBef>
-              <a:spcAft>
-                <a:spcPts val="0"/>
-              </a:spcAft>
-              <a:buNone/>
-            </a:pPr>
-            <a:r>
-              <a:t/>
-            </a:r>
+            <a:pPr marL="0" lvl="0" indent="0" algn="l" rtl="0">
+              <a:spcBef>
+                <a:spcPts val="0"/>
+              </a:spcBef>
+              <a:spcAft>
+                <a:spcPts val="0"/>
+              </a:spcAft>
+              <a:buNone/>
+            </a:pPr>
             <a:endParaRPr/>
           </a:p>
         </p:txBody>
@@ -1405,11 +1462,11 @@
 </file>
 
 <file path=ppt/notesSlides/notesSlide5.xml><?xml version="1.0" encoding="utf-8"?>
-<p:notes xmlns:a="http://schemas.openxmlformats.org/drawingml/2006/main" xmlns:r="http://schemas.openxmlformats.org/officeDocument/2006/relationships" xmlns:mc="http://schemas.openxmlformats.org/markup-compatibility/2006" xmlns:mv="urn:schemas-microsoft-com:mac:vml" xmlns:p="http://schemas.openxmlformats.org/presentationml/2006/main" xmlns:c="http://schemas.openxmlformats.org/drawingml/2006/chart" xmlns:dgm="http://schemas.openxmlformats.org/drawingml/2006/diagram" xmlns:o="urn:schemas-microsoft-com:office:office" xmlns:v="urn:schemas-microsoft-com:vml" xmlns:pvml="urn:schemas-microsoft-com:office:powerpoint" xmlns:com="http://schemas.openxmlformats.org/drawingml/2006/compatibility" xmlns:p14="http://schemas.microsoft.com/office/powerpoint/2010/main" xmlns:p15="http://schemas.microsoft.com/office/powerpoint/2012/main" xmlns:ahyp="http://schemas.microsoft.com/office/drawing/2018/hyperlinkcolor" showMasterPhAnim="0" showMasterSp="0">
+<p:notes xmlns:a="http://schemas.openxmlformats.org/drawingml/2006/main" xmlns:r="http://schemas.openxmlformats.org/officeDocument/2006/relationships" xmlns:p="http://schemas.openxmlformats.org/presentationml/2006/main" showMasterSp="0" showMasterPhAnim="0">
   <p:cSld>
     <p:spTree>
       <p:nvGrpSpPr>
-        <p:cNvPr id="75" name="Shape 75"/>
+        <p:cNvPr id="1" name="Shape 75"/>
         <p:cNvGrpSpPr/>
         <p:nvPr/>
       </p:nvGrpSpPr>
@@ -1424,9 +1481,11 @@
       <p:sp>
         <p:nvSpPr>
           <p:cNvPr id="76" name="Google Shape;76;ge4c4a8e2be_0_119:notes"/>
-          <p:cNvSpPr/>
+          <p:cNvSpPr>
+            <a:spLocks noGrp="1" noRot="1" noChangeAspect="1"/>
+          </p:cNvSpPr>
           <p:nvPr>
-            <p:ph idx="2" type="sldImg"/>
+            <p:ph type="sldImg" idx="2"/>
           </p:nvPr>
         </p:nvSpPr>
         <p:spPr>
@@ -1435,9 +1494,13 @@
             <a:ext cx="6096000" cy="3429000"/>
           </a:xfrm>
           <a:custGeom>
-            <a:rect b="b" l="l" r="r" t="t"/>
+            <a:avLst/>
+            <a:gdLst/>
+            <a:ahLst/>
+            <a:cxnLst/>
+            <a:rect l="l" t="t" r="r" b="b"/>
             <a:pathLst>
-              <a:path extrusionOk="0" h="120000" w="120000">
+              <a:path w="120000" h="120000" extrusionOk="0">
                 <a:moveTo>
                   <a:pt x="0" y="0"/>
                 </a:moveTo>
@@ -1459,9 +1522,11 @@
       <p:sp>
         <p:nvSpPr>
           <p:cNvPr id="77" name="Google Shape;77;ge4c4a8e2be_0_119:notes"/>
-          <p:cNvSpPr txBox="1"/>
+          <p:cNvSpPr txBox="1">
+            <a:spLocks noGrp="1"/>
+          </p:cNvSpPr>
           <p:nvPr>
-            <p:ph idx="1" type="body"/>
+            <p:ph type="body" idx="1"/>
           </p:nvPr>
         </p:nvSpPr>
         <p:spPr>
@@ -1474,23 +1539,20 @@
           </a:prstGeom>
         </p:spPr>
         <p:txBody>
-          <a:bodyPr anchorCtr="0" anchor="t" bIns="91425" lIns="91425" spcFirstLastPara="1" rIns="91425" wrap="square" tIns="91425">
+          <a:bodyPr spcFirstLastPara="1" wrap="square" lIns="91425" tIns="91425" rIns="91425" bIns="91425" anchor="t" anchorCtr="0">
             <a:noAutofit/>
           </a:bodyPr>
           <a:lstStyle/>
           <a:p>
-            <a:pPr indent="0" lvl="0" marL="0" rtl="0" algn="l">
-              <a:spcBef>
-                <a:spcPts val="0"/>
-              </a:spcBef>
-              <a:spcAft>
-                <a:spcPts val="0"/>
-              </a:spcAft>
-              <a:buNone/>
-            </a:pPr>
-            <a:r>
-              <a:t/>
-            </a:r>
+            <a:pPr marL="0" lvl="0" indent="0" algn="l" rtl="0">
+              <a:spcBef>
+                <a:spcPts val="0"/>
+              </a:spcBef>
+              <a:spcAft>
+                <a:spcPts val="0"/>
+              </a:spcAft>
+              <a:buNone/>
+            </a:pPr>
             <a:endParaRPr/>
           </a:p>
         </p:txBody>
@@ -1504,11 +1566,11 @@
 </file>
 
 <file path=ppt/notesSlides/notesSlide6.xml><?xml version="1.0" encoding="utf-8"?>
-<p:notes xmlns:a="http://schemas.openxmlformats.org/drawingml/2006/main" xmlns:r="http://schemas.openxmlformats.org/officeDocument/2006/relationships" xmlns:mc="http://schemas.openxmlformats.org/markup-compatibility/2006" xmlns:mv="urn:schemas-microsoft-com:mac:vml" xmlns:p="http://schemas.openxmlformats.org/presentationml/2006/main" xmlns:c="http://schemas.openxmlformats.org/drawingml/2006/chart" xmlns:dgm="http://schemas.openxmlformats.org/drawingml/2006/diagram" xmlns:o="urn:schemas-microsoft-com:office:office" xmlns:v="urn:schemas-microsoft-com:vml" xmlns:pvml="urn:schemas-microsoft-com:office:powerpoint" xmlns:com="http://schemas.openxmlformats.org/drawingml/2006/compatibility" xmlns:p14="http://schemas.microsoft.com/office/powerpoint/2010/main" xmlns:p15="http://schemas.microsoft.com/office/powerpoint/2012/main" xmlns:ahyp="http://schemas.microsoft.com/office/drawing/2018/hyperlinkcolor" showMasterPhAnim="0" showMasterSp="0">
+<p:notes xmlns:a="http://schemas.openxmlformats.org/drawingml/2006/main" xmlns:r="http://schemas.openxmlformats.org/officeDocument/2006/relationships" xmlns:p="http://schemas.openxmlformats.org/presentationml/2006/main" showMasterSp="0" showMasterPhAnim="0">
   <p:cSld>
     <p:spTree>
       <p:nvGrpSpPr>
-        <p:cNvPr id="81" name="Shape 81"/>
+        <p:cNvPr id="1" name="Shape 81"/>
         <p:cNvGrpSpPr/>
         <p:nvPr/>
       </p:nvGrpSpPr>
@@ -1523,9 +1585,11 @@
       <p:sp>
         <p:nvSpPr>
           <p:cNvPr id="82" name="Google Shape;82;ge4c4a8e2be_0_124:notes"/>
-          <p:cNvSpPr/>
+          <p:cNvSpPr>
+            <a:spLocks noGrp="1" noRot="1" noChangeAspect="1"/>
+          </p:cNvSpPr>
           <p:nvPr>
-            <p:ph idx="2" type="sldImg"/>
+            <p:ph type="sldImg" idx="2"/>
           </p:nvPr>
         </p:nvSpPr>
         <p:spPr>
@@ -1534,9 +1598,13 @@
             <a:ext cx="6096000" cy="3429000"/>
           </a:xfrm>
           <a:custGeom>
-            <a:rect b="b" l="l" r="r" t="t"/>
+            <a:avLst/>
+            <a:gdLst/>
+            <a:ahLst/>
+            <a:cxnLst/>
+            <a:rect l="l" t="t" r="r" b="b"/>
             <a:pathLst>
-              <a:path extrusionOk="0" h="120000" w="120000">
+              <a:path w="120000" h="120000" extrusionOk="0">
                 <a:moveTo>
                   <a:pt x="0" y="0"/>
                 </a:moveTo>
@@ -1558,9 +1626,11 @@
       <p:sp>
         <p:nvSpPr>
           <p:cNvPr id="83" name="Google Shape;83;ge4c4a8e2be_0_124:notes"/>
-          <p:cNvSpPr txBox="1"/>
+          <p:cNvSpPr txBox="1">
+            <a:spLocks noGrp="1"/>
+          </p:cNvSpPr>
           <p:nvPr>
-            <p:ph idx="1" type="body"/>
+            <p:ph type="body" idx="1"/>
           </p:nvPr>
         </p:nvSpPr>
         <p:spPr>
@@ -1573,23 +1643,20 @@
           </a:prstGeom>
         </p:spPr>
         <p:txBody>
-          <a:bodyPr anchorCtr="0" anchor="t" bIns="91425" lIns="91425" spcFirstLastPara="1" rIns="91425" wrap="square" tIns="91425">
+          <a:bodyPr spcFirstLastPara="1" wrap="square" lIns="91425" tIns="91425" rIns="91425" bIns="91425" anchor="t" anchorCtr="0">
             <a:noAutofit/>
           </a:bodyPr>
           <a:lstStyle/>
           <a:p>
-            <a:pPr indent="0" lvl="0" marL="0" rtl="0" algn="l">
-              <a:spcBef>
-                <a:spcPts val="0"/>
-              </a:spcBef>
-              <a:spcAft>
-                <a:spcPts val="0"/>
-              </a:spcAft>
-              <a:buNone/>
-            </a:pPr>
-            <a:r>
-              <a:t/>
-            </a:r>
+            <a:pPr marL="0" lvl="0" indent="0" algn="l" rtl="0">
+              <a:spcBef>
+                <a:spcPts val="0"/>
+              </a:spcBef>
+              <a:spcAft>
+                <a:spcPts val="0"/>
+              </a:spcAft>
+              <a:buNone/>
+            </a:pPr>
             <a:endParaRPr/>
           </a:p>
         </p:txBody>
@@ -1603,11 +1670,11 @@
 </file>
 
 <file path=ppt/notesSlides/notesSlide7.xml><?xml version="1.0" encoding="utf-8"?>
-<p:notes xmlns:a="http://schemas.openxmlformats.org/drawingml/2006/main" xmlns:r="http://schemas.openxmlformats.org/officeDocument/2006/relationships" xmlns:mc="http://schemas.openxmlformats.org/markup-compatibility/2006" xmlns:mv="urn:schemas-microsoft-com:mac:vml" xmlns:p="http://schemas.openxmlformats.org/presentationml/2006/main" xmlns:c="http://schemas.openxmlformats.org/drawingml/2006/chart" xmlns:dgm="http://schemas.openxmlformats.org/drawingml/2006/diagram" xmlns:o="urn:schemas-microsoft-com:office:office" xmlns:v="urn:schemas-microsoft-com:vml" xmlns:pvml="urn:schemas-microsoft-com:office:powerpoint" xmlns:com="http://schemas.openxmlformats.org/drawingml/2006/compatibility" xmlns:p14="http://schemas.microsoft.com/office/powerpoint/2010/main" xmlns:p15="http://schemas.microsoft.com/office/powerpoint/2012/main" xmlns:ahyp="http://schemas.microsoft.com/office/drawing/2018/hyperlinkcolor" showMasterPhAnim="0" showMasterSp="0">
+<p:notes xmlns:a="http://schemas.openxmlformats.org/drawingml/2006/main" xmlns:r="http://schemas.openxmlformats.org/officeDocument/2006/relationships" xmlns:p="http://schemas.openxmlformats.org/presentationml/2006/main" showMasterSp="0" showMasterPhAnim="0">
   <p:cSld>
     <p:spTree>
       <p:nvGrpSpPr>
-        <p:cNvPr id="87" name="Shape 87"/>
+        <p:cNvPr id="1" name="Shape 87"/>
         <p:cNvGrpSpPr/>
         <p:nvPr/>
       </p:nvGrpSpPr>
@@ -1622,9 +1689,11 @@
       <p:sp>
         <p:nvSpPr>
           <p:cNvPr id="88" name="Google Shape;88;ge4c4a8e2be_0_129:notes"/>
-          <p:cNvSpPr/>
+          <p:cNvSpPr>
+            <a:spLocks noGrp="1" noRot="1" noChangeAspect="1"/>
+          </p:cNvSpPr>
           <p:nvPr>
-            <p:ph idx="2" type="sldImg"/>
+            <p:ph type="sldImg" idx="2"/>
           </p:nvPr>
         </p:nvSpPr>
         <p:spPr>
@@ -1633,9 +1702,13 @@
             <a:ext cx="6096000" cy="3429000"/>
           </a:xfrm>
           <a:custGeom>
-            <a:rect b="b" l="l" r="r" t="t"/>
+            <a:avLst/>
+            <a:gdLst/>
+            <a:ahLst/>
+            <a:cxnLst/>
+            <a:rect l="l" t="t" r="r" b="b"/>
             <a:pathLst>
-              <a:path extrusionOk="0" h="120000" w="120000">
+              <a:path w="120000" h="120000" extrusionOk="0">
                 <a:moveTo>
                   <a:pt x="0" y="0"/>
                 </a:moveTo>
@@ -1657,9 +1730,11 @@
       <p:sp>
         <p:nvSpPr>
           <p:cNvPr id="89" name="Google Shape;89;ge4c4a8e2be_0_129:notes"/>
-          <p:cNvSpPr txBox="1"/>
+          <p:cNvSpPr txBox="1">
+            <a:spLocks noGrp="1"/>
+          </p:cNvSpPr>
           <p:nvPr>
-            <p:ph idx="1" type="body"/>
+            <p:ph type="body" idx="1"/>
           </p:nvPr>
         </p:nvSpPr>
         <p:spPr>
@@ -1672,23 +1747,20 @@
           </a:prstGeom>
         </p:spPr>
         <p:txBody>
-          <a:bodyPr anchorCtr="0" anchor="t" bIns="91425" lIns="91425" spcFirstLastPara="1" rIns="91425" wrap="square" tIns="91425">
+          <a:bodyPr spcFirstLastPara="1" wrap="square" lIns="91425" tIns="91425" rIns="91425" bIns="91425" anchor="t" anchorCtr="0">
             <a:noAutofit/>
           </a:bodyPr>
           <a:lstStyle/>
           <a:p>
-            <a:pPr indent="0" lvl="0" marL="0" rtl="0" algn="l">
-              <a:spcBef>
-                <a:spcPts val="0"/>
-              </a:spcBef>
-              <a:spcAft>
-                <a:spcPts val="0"/>
-              </a:spcAft>
-              <a:buNone/>
-            </a:pPr>
-            <a:r>
-              <a:t/>
-            </a:r>
+            <a:pPr marL="0" lvl="0" indent="0" algn="l" rtl="0">
+              <a:spcBef>
+                <a:spcPts val="0"/>
+              </a:spcBef>
+              <a:spcAft>
+                <a:spcPts val="0"/>
+              </a:spcAft>
+              <a:buNone/>
+            </a:pPr>
             <a:endParaRPr/>
           </a:p>
         </p:txBody>
@@ -1702,11 +1774,11 @@
 </file>
 
 <file path=ppt/notesSlides/notesSlide8.xml><?xml version="1.0" encoding="utf-8"?>
-<p:notes xmlns:a="http://schemas.openxmlformats.org/drawingml/2006/main" xmlns:r="http://schemas.openxmlformats.org/officeDocument/2006/relationships" xmlns:mc="http://schemas.openxmlformats.org/markup-compatibility/2006" xmlns:mv="urn:schemas-microsoft-com:mac:vml" xmlns:p="http://schemas.openxmlformats.org/presentationml/2006/main" xmlns:c="http://schemas.openxmlformats.org/drawingml/2006/chart" xmlns:dgm="http://schemas.openxmlformats.org/drawingml/2006/diagram" xmlns:o="urn:schemas-microsoft-com:office:office" xmlns:v="urn:schemas-microsoft-com:vml" xmlns:pvml="urn:schemas-microsoft-com:office:powerpoint" xmlns:com="http://schemas.openxmlformats.org/drawingml/2006/compatibility" xmlns:p14="http://schemas.microsoft.com/office/powerpoint/2010/main" xmlns:p15="http://schemas.microsoft.com/office/powerpoint/2012/main" xmlns:ahyp="http://schemas.microsoft.com/office/drawing/2018/hyperlinkcolor" showMasterPhAnim="0" showMasterSp="0">
+<p:notes xmlns:a="http://schemas.openxmlformats.org/drawingml/2006/main" xmlns:r="http://schemas.openxmlformats.org/officeDocument/2006/relationships" xmlns:p="http://schemas.openxmlformats.org/presentationml/2006/main" showMasterSp="0" showMasterPhAnim="0">
   <p:cSld>
     <p:spTree>
       <p:nvGrpSpPr>
-        <p:cNvPr id="93" name="Shape 93"/>
+        <p:cNvPr id="1" name="Shape 93"/>
         <p:cNvGrpSpPr/>
         <p:nvPr/>
       </p:nvGrpSpPr>
@@ -1721,20 +1793,26 @@
       <p:sp>
         <p:nvSpPr>
           <p:cNvPr id="94" name="Google Shape;94;ge4c4a8e2be_0_134:notes"/>
-          <p:cNvSpPr/>
+          <p:cNvSpPr>
+            <a:spLocks noGrp="1" noRot="1" noChangeAspect="1"/>
+          </p:cNvSpPr>
           <p:nvPr>
-            <p:ph idx="2" type="sldImg"/>
+            <p:ph type="sldImg" idx="2"/>
           </p:nvPr>
         </p:nvSpPr>
         <p:spPr>
           <a:xfrm>
-            <a:off x="381300" y="685800"/>
+            <a:off x="381000" y="685800"/>
             <a:ext cx="6096000" cy="3429000"/>
           </a:xfrm>
           <a:custGeom>
-            <a:rect b="b" l="l" r="r" t="t"/>
+            <a:avLst/>
+            <a:gdLst/>
+            <a:ahLst/>
+            <a:cxnLst/>
+            <a:rect l="l" t="t" r="r" b="b"/>
             <a:pathLst>
-              <a:path extrusionOk="0" h="120000" w="120000">
+              <a:path w="120000" h="120000" extrusionOk="0">
                 <a:moveTo>
                   <a:pt x="0" y="0"/>
                 </a:moveTo>
@@ -1756,9 +1834,11 @@
       <p:sp>
         <p:nvSpPr>
           <p:cNvPr id="95" name="Google Shape;95;ge4c4a8e2be_0_134:notes"/>
-          <p:cNvSpPr txBox="1"/>
+          <p:cNvSpPr txBox="1">
+            <a:spLocks noGrp="1"/>
+          </p:cNvSpPr>
           <p:nvPr>
-            <p:ph idx="1" type="body"/>
+            <p:ph type="body" idx="1"/>
           </p:nvPr>
         </p:nvSpPr>
         <p:spPr>
@@ -1771,23 +1851,20 @@
           </a:prstGeom>
         </p:spPr>
         <p:txBody>
-          <a:bodyPr anchorCtr="0" anchor="t" bIns="91425" lIns="91425" spcFirstLastPara="1" rIns="91425" wrap="square" tIns="91425">
+          <a:bodyPr spcFirstLastPara="1" wrap="square" lIns="91425" tIns="91425" rIns="91425" bIns="91425" anchor="t" anchorCtr="0">
             <a:noAutofit/>
           </a:bodyPr>
           <a:lstStyle/>
           <a:p>
-            <a:pPr indent="0" lvl="0" marL="0" rtl="0" algn="l">
-              <a:spcBef>
-                <a:spcPts val="0"/>
-              </a:spcBef>
-              <a:spcAft>
-                <a:spcPts val="0"/>
-              </a:spcAft>
-              <a:buNone/>
-            </a:pPr>
-            <a:r>
-              <a:t/>
-            </a:r>
+            <a:pPr marL="0" lvl="0" indent="0" algn="l" rtl="0">
+              <a:spcBef>
+                <a:spcPts val="0"/>
+              </a:spcBef>
+              <a:spcAft>
+                <a:spcPts val="0"/>
+              </a:spcAft>
+              <a:buNone/>
+            </a:pPr>
             <a:endParaRPr/>
           </a:p>
         </p:txBody>
@@ -1801,11 +1878,11 @@
 </file>
 
 <file path=ppt/notesSlides/notesSlide9.xml><?xml version="1.0" encoding="utf-8"?>
-<p:notes xmlns:a="http://schemas.openxmlformats.org/drawingml/2006/main" xmlns:r="http://schemas.openxmlformats.org/officeDocument/2006/relationships" xmlns:mc="http://schemas.openxmlformats.org/markup-compatibility/2006" xmlns:mv="urn:schemas-microsoft-com:mac:vml" xmlns:p="http://schemas.openxmlformats.org/presentationml/2006/main" xmlns:c="http://schemas.openxmlformats.org/drawingml/2006/chart" xmlns:dgm="http://schemas.openxmlformats.org/drawingml/2006/diagram" xmlns:o="urn:schemas-microsoft-com:office:office" xmlns:v="urn:schemas-microsoft-com:vml" xmlns:pvml="urn:schemas-microsoft-com:office:powerpoint" xmlns:com="http://schemas.openxmlformats.org/drawingml/2006/compatibility" xmlns:p14="http://schemas.microsoft.com/office/powerpoint/2010/main" xmlns:p15="http://schemas.microsoft.com/office/powerpoint/2012/main" xmlns:ahyp="http://schemas.microsoft.com/office/drawing/2018/hyperlinkcolor" showMasterPhAnim="0" showMasterSp="0">
+<p:notes xmlns:a="http://schemas.openxmlformats.org/drawingml/2006/main" xmlns:r="http://schemas.openxmlformats.org/officeDocument/2006/relationships" xmlns:p="http://schemas.openxmlformats.org/presentationml/2006/main" showMasterSp="0" showMasterPhAnim="0">
   <p:cSld>
     <p:spTree>
       <p:nvGrpSpPr>
-        <p:cNvPr id="99" name="Shape 99"/>
+        <p:cNvPr id="1" name="Shape 99"/>
         <p:cNvGrpSpPr/>
         <p:nvPr/>
       </p:nvGrpSpPr>
@@ -1820,9 +1897,11 @@
       <p:sp>
         <p:nvSpPr>
           <p:cNvPr id="100" name="Google Shape;100;ge4c4a8e2be_0_139:notes"/>
-          <p:cNvSpPr/>
+          <p:cNvSpPr>
+            <a:spLocks noGrp="1" noRot="1" noChangeAspect="1"/>
+          </p:cNvSpPr>
           <p:nvPr>
-            <p:ph idx="2" type="sldImg"/>
+            <p:ph type="sldImg" idx="2"/>
           </p:nvPr>
         </p:nvSpPr>
         <p:spPr>
@@ -1831,9 +1910,13 @@
             <a:ext cx="6096000" cy="3429000"/>
           </a:xfrm>
           <a:custGeom>
-            <a:rect b="b" l="l" r="r" t="t"/>
+            <a:avLst/>
+            <a:gdLst/>
+            <a:ahLst/>
+            <a:cxnLst/>
+            <a:rect l="l" t="t" r="r" b="b"/>
             <a:pathLst>
-              <a:path extrusionOk="0" h="120000" w="120000">
+              <a:path w="120000" h="120000" extrusionOk="0">
                 <a:moveTo>
                   <a:pt x="0" y="0"/>
                 </a:moveTo>
@@ -1855,9 +1938,11 @@
       <p:sp>
         <p:nvSpPr>
           <p:cNvPr id="101" name="Google Shape;101;ge4c4a8e2be_0_139:notes"/>
-          <p:cNvSpPr txBox="1"/>
+          <p:cNvSpPr txBox="1">
+            <a:spLocks noGrp="1"/>
+          </p:cNvSpPr>
           <p:nvPr>
-            <p:ph idx="1" type="body"/>
+            <p:ph type="body" idx="1"/>
           </p:nvPr>
         </p:nvSpPr>
         <p:spPr>
@@ -1870,23 +1955,20 @@
           </a:prstGeom>
         </p:spPr>
         <p:txBody>
-          <a:bodyPr anchorCtr="0" anchor="t" bIns="91425" lIns="91425" spcFirstLastPara="1" rIns="91425" wrap="square" tIns="91425">
+          <a:bodyPr spcFirstLastPara="1" wrap="square" lIns="91425" tIns="91425" rIns="91425" bIns="91425" anchor="t" anchorCtr="0">
             <a:noAutofit/>
           </a:bodyPr>
           <a:lstStyle/>
           <a:p>
-            <a:pPr indent="0" lvl="0" marL="0" rtl="0" algn="l">
-              <a:spcBef>
-                <a:spcPts val="0"/>
-              </a:spcBef>
-              <a:spcAft>
-                <a:spcPts val="0"/>
-              </a:spcAft>
-              <a:buNone/>
-            </a:pPr>
-            <a:r>
-              <a:t/>
-            </a:r>
+            <a:pPr marL="0" lvl="0" indent="0" algn="l" rtl="0">
+              <a:spcBef>
+                <a:spcPts val="0"/>
+              </a:spcBef>
+              <a:spcAft>
+                <a:spcPts val="0"/>
+              </a:spcAft>
+              <a:buNone/>
+            </a:pPr>
             <a:endParaRPr/>
           </a:p>
         </p:txBody>
@@ -1900,11 +1982,11 @@
 </file>
 
 <file path=ppt/slideLayouts/slideLayout1.xml><?xml version="1.0" encoding="utf-8"?>
-<p:sldLayout xmlns:a="http://schemas.openxmlformats.org/drawingml/2006/main" xmlns:r="http://schemas.openxmlformats.org/officeDocument/2006/relationships" xmlns:mc="http://schemas.openxmlformats.org/markup-compatibility/2006" xmlns:mv="urn:schemas-microsoft-com:mac:vml" xmlns:p="http://schemas.openxmlformats.org/presentationml/2006/main" xmlns:c="http://schemas.openxmlformats.org/drawingml/2006/chart" xmlns:dgm="http://schemas.openxmlformats.org/drawingml/2006/diagram" xmlns:o="urn:schemas-microsoft-com:office:office" xmlns:v="urn:schemas-microsoft-com:vml" xmlns:pvml="urn:schemas-microsoft-com:office:powerpoint" xmlns:com="http://schemas.openxmlformats.org/drawingml/2006/compatibility" xmlns:p14="http://schemas.microsoft.com/office/powerpoint/2010/main" xmlns:p15="http://schemas.microsoft.com/office/powerpoint/2012/main" xmlns:ahyp="http://schemas.microsoft.com/office/drawing/2018/hyperlinkcolor" matchingName="Title slide" type="title">
+<p:sldLayout xmlns:a="http://schemas.openxmlformats.org/drawingml/2006/main" xmlns:r="http://schemas.openxmlformats.org/officeDocument/2006/relationships" xmlns:p="http://schemas.openxmlformats.org/presentationml/2006/main" matchingName="Title slide" type="title">
   <p:cSld name="TITLE">
     <p:spTree>
       <p:nvGrpSpPr>
-        <p:cNvPr id="13" name="Shape 13"/>
+        <p:cNvPr id="1" name="Shape 13"/>
         <p:cNvGrpSpPr/>
         <p:nvPr/>
       </p:nvGrpSpPr>
@@ -1919,7 +2001,9 @@
       <p:sp>
         <p:nvSpPr>
           <p:cNvPr id="14" name="Google Shape;14;p2"/>
-          <p:cNvSpPr txBox="1"/>
+          <p:cNvSpPr txBox="1">
+            <a:spLocks noGrp="1"/>
+          </p:cNvSpPr>
           <p:nvPr>
             <p:ph type="ctrTitle"/>
           </p:nvPr>
@@ -1938,7 +2022,7 @@
           </a:ln>
         </p:spPr>
         <p:txBody>
-          <a:bodyPr anchorCtr="0" anchor="b" bIns="91425" lIns="91425" spcFirstLastPara="1" rIns="91425" wrap="square" tIns="91425">
+          <a:bodyPr spcFirstLastPara="1" wrap="square" lIns="91425" tIns="91425" rIns="91425" bIns="91425" anchor="b" anchorCtr="0">
             <a:noAutofit/>
           </a:bodyPr>
           <a:lstStyle>
@@ -2042,15 +2126,19 @@
               <a:defRPr sz="5200"/>
             </a:lvl9pPr>
           </a:lstStyle>
-          <a:p/>
+          <a:p>
+            <a:endParaRPr/>
+          </a:p>
         </p:txBody>
       </p:sp>
       <p:sp>
         <p:nvSpPr>
           <p:cNvPr id="15" name="Google Shape;15;p2"/>
-          <p:cNvSpPr txBox="1"/>
+          <p:cNvSpPr txBox="1">
+            <a:spLocks noGrp="1"/>
+          </p:cNvSpPr>
           <p:nvPr>
-            <p:ph idx="1" type="subTitle"/>
+            <p:ph type="subTitle" idx="1"/>
           </p:nvPr>
         </p:nvSpPr>
         <p:spPr>
@@ -2067,7 +2155,7 @@
           </a:ln>
         </p:spPr>
         <p:txBody>
-          <a:bodyPr anchorCtr="0" anchor="ctr" bIns="91425" lIns="91425" spcFirstLastPara="1" rIns="91425" wrap="square" tIns="91425">
+          <a:bodyPr spcFirstLastPara="1" wrap="square" lIns="91425" tIns="91425" rIns="91425" bIns="91425" anchor="ctr" anchorCtr="0">
             <a:noAutofit/>
           </a:bodyPr>
           <a:lstStyle>
@@ -2198,7 +2286,9 @@
               <a:defRPr sz="2800"/>
             </a:lvl9pPr>
           </a:lstStyle>
-          <a:p/>
+          <a:p>
+            <a:endParaRPr/>
+          </a:p>
         </p:txBody>
       </p:sp>
     </p:spTree>
@@ -2210,11 +2300,11 @@
 </file>
 
 <file path=ppt/slideLayouts/slideLayout10.xml><?xml version="1.0" encoding="utf-8"?>
-<p:sldLayout xmlns:a="http://schemas.openxmlformats.org/drawingml/2006/main" xmlns:r="http://schemas.openxmlformats.org/officeDocument/2006/relationships" xmlns:mc="http://schemas.openxmlformats.org/markup-compatibility/2006" xmlns:mv="urn:schemas-microsoft-com:mac:vml" xmlns:p="http://schemas.openxmlformats.org/presentationml/2006/main" xmlns:c="http://schemas.openxmlformats.org/drawingml/2006/chart" xmlns:dgm="http://schemas.openxmlformats.org/drawingml/2006/diagram" xmlns:o="urn:schemas-microsoft-com:office:office" xmlns:v="urn:schemas-microsoft-com:vml" xmlns:pvml="urn:schemas-microsoft-com:office:powerpoint" xmlns:com="http://schemas.openxmlformats.org/drawingml/2006/compatibility" xmlns:p14="http://schemas.microsoft.com/office/powerpoint/2010/main" xmlns:p15="http://schemas.microsoft.com/office/powerpoint/2012/main" xmlns:ahyp="http://schemas.microsoft.com/office/drawing/2018/hyperlinkcolor" matchingName="Big number">
+<p:sldLayout xmlns:a="http://schemas.openxmlformats.org/drawingml/2006/main" xmlns:r="http://schemas.openxmlformats.org/officeDocument/2006/relationships" xmlns:p="http://schemas.openxmlformats.org/presentationml/2006/main" matchingName="Big number">
   <p:cSld name="BIG_NUMBER">
     <p:spTree>
       <p:nvGrpSpPr>
-        <p:cNvPr id="39" name="Shape 39"/>
+        <p:cNvPr id="1" name="Shape 39"/>
         <p:cNvGrpSpPr/>
         <p:nvPr/>
       </p:nvGrpSpPr>
@@ -2229,9 +2319,11 @@
       <p:sp>
         <p:nvSpPr>
           <p:cNvPr id="40" name="Google Shape;40;p11"/>
-          <p:cNvSpPr txBox="1"/>
+          <p:cNvSpPr txBox="1">
+            <a:spLocks noGrp="1"/>
+          </p:cNvSpPr>
           <p:nvPr>
-            <p:ph hasCustomPrompt="1" type="title"/>
+            <p:ph type="title" hasCustomPrompt="1"/>
           </p:nvPr>
         </p:nvSpPr>
         <p:spPr>
@@ -2248,7 +2340,7 @@
           </a:ln>
         </p:spPr>
         <p:txBody>
-          <a:bodyPr anchorCtr="0" anchor="b" bIns="91425" lIns="91425" spcFirstLastPara="1" rIns="91425" wrap="square" tIns="91425">
+          <a:bodyPr spcFirstLastPara="1" wrap="square" lIns="91425" tIns="91425" rIns="91425" bIns="91425" anchor="b" anchorCtr="0">
             <a:noAutofit/>
           </a:bodyPr>
           <a:lstStyle>
@@ -2362,9 +2454,11 @@
       <p:sp>
         <p:nvSpPr>
           <p:cNvPr id="41" name="Google Shape;41;p11"/>
-          <p:cNvSpPr txBox="1"/>
+          <p:cNvSpPr txBox="1">
+            <a:spLocks noGrp="1"/>
+          </p:cNvSpPr>
           <p:nvPr>
-            <p:ph idx="1" type="body"/>
+            <p:ph type="body" idx="1"/>
           </p:nvPr>
         </p:nvSpPr>
         <p:spPr>
@@ -2381,11 +2475,11 @@
           </a:ln>
         </p:spPr>
         <p:txBody>
-          <a:bodyPr anchorCtr="0" anchor="ctr" bIns="91425" lIns="91425" spcFirstLastPara="1" rIns="91425" wrap="square" tIns="91425">
+          <a:bodyPr spcFirstLastPara="1" wrap="square" lIns="91425" tIns="91425" rIns="91425" bIns="91425" anchor="ctr" anchorCtr="0">
             <a:noAutofit/>
           </a:bodyPr>
           <a:lstStyle>
-            <a:lvl1pPr indent="-317500" lvl="0" marL="457200" algn="ctr">
+            <a:lvl1pPr marL="457200" lvl="0" indent="-317500" algn="ctr">
               <a:spcBef>
                 <a:spcPts val="0"/>
               </a:spcBef>
@@ -2396,7 +2490,7 @@
               <a:buChar char="●"/>
               <a:defRPr/>
             </a:lvl1pPr>
-            <a:lvl2pPr indent="-317500" lvl="1" marL="914400" algn="ctr">
+            <a:lvl2pPr marL="914400" lvl="1" indent="-317500" algn="ctr">
               <a:spcBef>
                 <a:spcPts val="0"/>
               </a:spcBef>
@@ -2407,7 +2501,7 @@
               <a:buChar char="○"/>
               <a:defRPr/>
             </a:lvl2pPr>
-            <a:lvl3pPr indent="-317500" lvl="2" marL="1371600" algn="ctr">
+            <a:lvl3pPr marL="1371600" lvl="2" indent="-317500" algn="ctr">
               <a:spcBef>
                 <a:spcPts val="0"/>
               </a:spcBef>
@@ -2418,7 +2512,7 @@
               <a:buChar char="■"/>
               <a:defRPr/>
             </a:lvl3pPr>
-            <a:lvl4pPr indent="-317500" lvl="3" marL="1828800" algn="ctr">
+            <a:lvl4pPr marL="1828800" lvl="3" indent="-317500" algn="ctr">
               <a:spcBef>
                 <a:spcPts val="0"/>
               </a:spcBef>
@@ -2429,7 +2523,7 @@
               <a:buChar char="●"/>
               <a:defRPr/>
             </a:lvl4pPr>
-            <a:lvl5pPr indent="-317500" lvl="4" marL="2286000" algn="ctr">
+            <a:lvl5pPr marL="2286000" lvl="4" indent="-317500" algn="ctr">
               <a:spcBef>
                 <a:spcPts val="0"/>
               </a:spcBef>
@@ -2440,7 +2534,7 @@
               <a:buChar char="○"/>
               <a:defRPr/>
             </a:lvl5pPr>
-            <a:lvl6pPr indent="-317500" lvl="5" marL="2743200" algn="ctr">
+            <a:lvl6pPr marL="2743200" lvl="5" indent="-317500" algn="ctr">
               <a:spcBef>
                 <a:spcPts val="0"/>
               </a:spcBef>
@@ -2451,7 +2545,7 @@
               <a:buChar char="■"/>
               <a:defRPr/>
             </a:lvl6pPr>
-            <a:lvl7pPr indent="-317500" lvl="6" marL="3200400" algn="ctr">
+            <a:lvl7pPr marL="3200400" lvl="6" indent="-317500" algn="ctr">
               <a:spcBef>
                 <a:spcPts val="0"/>
               </a:spcBef>
@@ -2462,7 +2556,7 @@
               <a:buChar char="●"/>
               <a:defRPr/>
             </a:lvl7pPr>
-            <a:lvl8pPr indent="-317500" lvl="7" marL="3657600" algn="ctr">
+            <a:lvl8pPr marL="3657600" lvl="7" indent="-317500" algn="ctr">
               <a:spcBef>
                 <a:spcPts val="0"/>
               </a:spcBef>
@@ -2473,7 +2567,7 @@
               <a:buChar char="○"/>
               <a:defRPr/>
             </a:lvl8pPr>
-            <a:lvl9pPr indent="-317500" lvl="8" marL="4114800" algn="ctr">
+            <a:lvl9pPr marL="4114800" lvl="8" indent="-317500" algn="ctr">
               <a:spcBef>
                 <a:spcPts val="0"/>
               </a:spcBef>
@@ -2485,7 +2579,9 @@
               <a:defRPr/>
             </a:lvl9pPr>
           </a:lstStyle>
-          <a:p/>
+          <a:p>
+            <a:endParaRPr/>
+          </a:p>
         </p:txBody>
       </p:sp>
     </p:spTree>
@@ -2497,11 +2593,11 @@
 </file>
 
 <file path=ppt/slideLayouts/slideLayout11.xml><?xml version="1.0" encoding="utf-8"?>
-<p:sldLayout xmlns:a="http://schemas.openxmlformats.org/drawingml/2006/main" xmlns:r="http://schemas.openxmlformats.org/officeDocument/2006/relationships" xmlns:mc="http://schemas.openxmlformats.org/markup-compatibility/2006" xmlns:mv="urn:schemas-microsoft-com:mac:vml" xmlns:p="http://schemas.openxmlformats.org/presentationml/2006/main" xmlns:c="http://schemas.openxmlformats.org/drawingml/2006/chart" xmlns:dgm="http://schemas.openxmlformats.org/drawingml/2006/diagram" xmlns:o="urn:schemas-microsoft-com:office:office" xmlns:v="urn:schemas-microsoft-com:vml" xmlns:pvml="urn:schemas-microsoft-com:office:powerpoint" xmlns:com="http://schemas.openxmlformats.org/drawingml/2006/compatibility" xmlns:p14="http://schemas.microsoft.com/office/powerpoint/2010/main" xmlns:p15="http://schemas.microsoft.com/office/powerpoint/2012/main" xmlns:ahyp="http://schemas.microsoft.com/office/drawing/2018/hyperlinkcolor" matchingName="Blank" type="blank">
+<p:sldLayout xmlns:a="http://schemas.openxmlformats.org/drawingml/2006/main" xmlns:r="http://schemas.openxmlformats.org/officeDocument/2006/relationships" xmlns:p="http://schemas.openxmlformats.org/presentationml/2006/main" matchingName="Blank" type="blank">
   <p:cSld name="BLANK">
     <p:spTree>
       <p:nvGrpSpPr>
-        <p:cNvPr id="42" name="Shape 42"/>
+        <p:cNvPr id="1" name="Shape 42"/>
         <p:cNvGrpSpPr/>
         <p:nvPr/>
       </p:nvGrpSpPr>
@@ -2522,11 +2618,11 @@
 </file>
 
 <file path=ppt/slideLayouts/slideLayout12.xml><?xml version="1.0" encoding="utf-8"?>
-<p:sldLayout xmlns:a="http://schemas.openxmlformats.org/drawingml/2006/main" xmlns:r="http://schemas.openxmlformats.org/officeDocument/2006/relationships" xmlns:mc="http://schemas.openxmlformats.org/markup-compatibility/2006" xmlns:mv="urn:schemas-microsoft-com:mac:vml" xmlns:p="http://schemas.openxmlformats.org/presentationml/2006/main" xmlns:c="http://schemas.openxmlformats.org/drawingml/2006/chart" xmlns:dgm="http://schemas.openxmlformats.org/drawingml/2006/diagram" xmlns:o="urn:schemas-microsoft-com:office:office" xmlns:v="urn:schemas-microsoft-com:vml" xmlns:pvml="urn:schemas-microsoft-com:office:powerpoint" xmlns:com="http://schemas.openxmlformats.org/drawingml/2006/compatibility" xmlns:p14="http://schemas.microsoft.com/office/powerpoint/2010/main" xmlns:p15="http://schemas.microsoft.com/office/powerpoint/2012/main" xmlns:ahyp="http://schemas.microsoft.com/office/drawing/2018/hyperlinkcolor" matchingName="Diseño personalizado 1">
+<p:sldLayout xmlns:a="http://schemas.openxmlformats.org/drawingml/2006/main" xmlns:r="http://schemas.openxmlformats.org/officeDocument/2006/relationships" xmlns:p="http://schemas.openxmlformats.org/presentationml/2006/main" matchingName="Diseño personalizado 1">
   <p:cSld name="CUSTOM_1">
     <p:spTree>
       <p:nvGrpSpPr>
-        <p:cNvPr id="43" name="Shape 43"/>
+        <p:cNvPr id="1" name="Shape 43"/>
         <p:cNvGrpSpPr/>
         <p:nvPr/>
       </p:nvGrpSpPr>
@@ -2555,34 +2651,31 @@
           <a:solidFill>
             <a:srgbClr val="33383C"/>
           </a:solidFill>
-          <a:ln cap="flat" cmpd="sng" w="9525">
+          <a:ln w="9525" cap="flat" cmpd="sng">
             <a:solidFill>
               <a:schemeClr val="dk2"/>
             </a:solidFill>
             <a:prstDash val="solid"/>
             <a:round/>
-            <a:headEnd len="sm" w="sm" type="none"/>
-            <a:tailEnd len="sm" w="sm" type="none"/>
+            <a:headEnd type="none" w="sm" len="sm"/>
+            <a:tailEnd type="none" w="sm" len="sm"/>
           </a:ln>
         </p:spPr>
         <p:txBody>
-          <a:bodyPr anchorCtr="0" anchor="ctr" bIns="91425" lIns="91425" spcFirstLastPara="1" rIns="91425" wrap="square" tIns="91425">
+          <a:bodyPr spcFirstLastPara="1" wrap="square" lIns="91425" tIns="91425" rIns="91425" bIns="91425" anchor="ctr" anchorCtr="0">
             <a:noAutofit/>
           </a:bodyPr>
           <a:lstStyle/>
           <a:p>
-            <a:pPr indent="0" lvl="0" marL="0" rtl="0" algn="l">
-              <a:spcBef>
-                <a:spcPts val="0"/>
-              </a:spcBef>
-              <a:spcAft>
-                <a:spcPts val="0"/>
-              </a:spcAft>
-              <a:buNone/>
-            </a:pPr>
-            <a:r>
-              <a:t/>
-            </a:r>
+            <a:pPr marL="0" lvl="0" indent="0" algn="l" rtl="0">
+              <a:spcBef>
+                <a:spcPts val="0"/>
+              </a:spcBef>
+              <a:spcAft>
+                <a:spcPts val="0"/>
+              </a:spcAft>
+              <a:buNone/>
+            </a:pPr>
             <a:endParaRPr/>
           </a:p>
         </p:txBody>
@@ -2624,7 +2717,7 @@
 </file>
 
 <file path=ppt/slideLayouts/slideLayout13.xml><?xml version="1.0" encoding="utf-8"?>
-<p:sldLayout xmlns:a="http://schemas.openxmlformats.org/drawingml/2006/main" xmlns:r="http://schemas.openxmlformats.org/officeDocument/2006/relationships" xmlns:mc="http://schemas.openxmlformats.org/markup-compatibility/2006" xmlns:mv="urn:schemas-microsoft-com:mac:vml" xmlns:p="http://schemas.openxmlformats.org/presentationml/2006/main" xmlns:c="http://schemas.openxmlformats.org/drawingml/2006/chart" xmlns:dgm="http://schemas.openxmlformats.org/drawingml/2006/diagram" xmlns:o="urn:schemas-microsoft-com:office:office" xmlns:v="urn:schemas-microsoft-com:vml" xmlns:pvml="urn:schemas-microsoft-com:office:powerpoint" xmlns:com="http://schemas.openxmlformats.org/drawingml/2006/compatibility" xmlns:p14="http://schemas.microsoft.com/office/powerpoint/2010/main" xmlns:p15="http://schemas.microsoft.com/office/powerpoint/2012/main" xmlns:ahyp="http://schemas.microsoft.com/office/drawing/2018/hyperlinkcolor" matchingName="Portada">
+<p:sldLayout xmlns:a="http://schemas.openxmlformats.org/drawingml/2006/main" xmlns:r="http://schemas.openxmlformats.org/officeDocument/2006/relationships" xmlns:p="http://schemas.openxmlformats.org/presentationml/2006/main" matchingName="Portada">
   <p:cSld name="CUSTOM">
     <p:bg>
       <p:bgPr>
@@ -2636,11 +2729,12 @@
             <a:fillRect/>
           </a:stretch>
         </a:blipFill>
+        <a:effectLst/>
       </p:bgPr>
     </p:bg>
     <p:spTree>
       <p:nvGrpSpPr>
-        <p:cNvPr id="46" name="Shape 46"/>
+        <p:cNvPr id="1" name="Shape 46"/>
         <p:cNvGrpSpPr/>
         <p:nvPr/>
       </p:nvGrpSpPr>
@@ -2655,7 +2749,9 @@
       <p:sp>
         <p:nvSpPr>
           <p:cNvPr id="47" name="Google Shape;47;p14"/>
-          <p:cNvSpPr txBox="1"/>
+          <p:cNvSpPr txBox="1">
+            <a:spLocks noGrp="1"/>
+          </p:cNvSpPr>
           <p:nvPr>
             <p:ph type="title"/>
           </p:nvPr>
@@ -2674,7 +2770,7 @@
           </a:ln>
         </p:spPr>
         <p:txBody>
-          <a:bodyPr anchorCtr="0" anchor="ctr" bIns="91425" lIns="91425" spcFirstLastPara="1" rIns="91425" wrap="square" tIns="91425">
+          <a:bodyPr spcFirstLastPara="1" wrap="square" lIns="91425" tIns="91425" rIns="91425" bIns="91425" anchor="ctr" anchorCtr="0">
             <a:noAutofit/>
           </a:bodyPr>
           <a:lstStyle>
@@ -2686,7 +2782,7 @@
                 <a:spcPts val="0"/>
               </a:spcAft>
               <a:buNone/>
-              <a:defRPr b="1" sz="5000">
+              <a:defRPr sz="5000" b="1">
                 <a:solidFill>
                   <a:srgbClr val="FFFFFF"/>
                 </a:solidFill>
@@ -2704,7 +2800,7 @@
                 <a:spcPts val="0"/>
               </a:spcAft>
               <a:buNone/>
-              <a:defRPr b="1" sz="5000">
+              <a:defRPr sz="5000" b="1">
                 <a:solidFill>
                   <a:srgbClr val="FFFFFF"/>
                 </a:solidFill>
@@ -2722,7 +2818,7 @@
                 <a:spcPts val="0"/>
               </a:spcAft>
               <a:buNone/>
-              <a:defRPr b="1" sz="5000">
+              <a:defRPr sz="5000" b="1">
                 <a:solidFill>
                   <a:srgbClr val="FFFFFF"/>
                 </a:solidFill>
@@ -2740,7 +2836,7 @@
                 <a:spcPts val="0"/>
               </a:spcAft>
               <a:buNone/>
-              <a:defRPr b="1" sz="5000">
+              <a:defRPr sz="5000" b="1">
                 <a:solidFill>
                   <a:srgbClr val="FFFFFF"/>
                 </a:solidFill>
@@ -2758,7 +2854,7 @@
                 <a:spcPts val="0"/>
               </a:spcAft>
               <a:buNone/>
-              <a:defRPr b="1" sz="5000">
+              <a:defRPr sz="5000" b="1">
                 <a:solidFill>
                   <a:srgbClr val="FFFFFF"/>
                 </a:solidFill>
@@ -2776,7 +2872,7 @@
                 <a:spcPts val="0"/>
               </a:spcAft>
               <a:buNone/>
-              <a:defRPr b="1" sz="5000">
+              <a:defRPr sz="5000" b="1">
                 <a:solidFill>
                   <a:srgbClr val="FFFFFF"/>
                 </a:solidFill>
@@ -2794,7 +2890,7 @@
                 <a:spcPts val="0"/>
               </a:spcAft>
               <a:buNone/>
-              <a:defRPr b="1" sz="5000">
+              <a:defRPr sz="5000" b="1">
                 <a:solidFill>
                   <a:srgbClr val="FFFFFF"/>
                 </a:solidFill>
@@ -2812,7 +2908,7 @@
                 <a:spcPts val="0"/>
               </a:spcAft>
               <a:buNone/>
-              <a:defRPr b="1" sz="5000">
+              <a:defRPr sz="5000" b="1">
                 <a:solidFill>
                   <a:srgbClr val="FFFFFF"/>
                 </a:solidFill>
@@ -2830,7 +2926,7 @@
                 <a:spcPts val="0"/>
               </a:spcAft>
               <a:buNone/>
-              <a:defRPr b="1" sz="5000">
+              <a:defRPr sz="5000" b="1">
                 <a:solidFill>
                   <a:srgbClr val="FFFFFF"/>
                 </a:solidFill>
@@ -2841,7 +2937,9 @@
               </a:defRPr>
             </a:lvl9pPr>
           </a:lstStyle>
-          <a:p/>
+          <a:p>
+            <a:endParaRPr/>
+          </a:p>
         </p:txBody>
       </p:sp>
       <p:pic>
@@ -2881,11 +2979,11 @@
 </file>
 
 <file path=ppt/slideLayouts/slideLayout2.xml><?xml version="1.0" encoding="utf-8"?>
-<p:sldLayout xmlns:a="http://schemas.openxmlformats.org/drawingml/2006/main" xmlns:r="http://schemas.openxmlformats.org/officeDocument/2006/relationships" xmlns:mc="http://schemas.openxmlformats.org/markup-compatibility/2006" xmlns:mv="urn:schemas-microsoft-com:mac:vml" xmlns:p="http://schemas.openxmlformats.org/presentationml/2006/main" xmlns:c="http://schemas.openxmlformats.org/drawingml/2006/chart" xmlns:dgm="http://schemas.openxmlformats.org/drawingml/2006/diagram" xmlns:o="urn:schemas-microsoft-com:office:office" xmlns:v="urn:schemas-microsoft-com:vml" xmlns:pvml="urn:schemas-microsoft-com:office:powerpoint" xmlns:com="http://schemas.openxmlformats.org/drawingml/2006/compatibility" xmlns:p14="http://schemas.microsoft.com/office/powerpoint/2010/main" xmlns:p15="http://schemas.microsoft.com/office/powerpoint/2012/main" xmlns:ahyp="http://schemas.microsoft.com/office/drawing/2018/hyperlinkcolor" matchingName="Section header" type="secHead">
+<p:sldLayout xmlns:a="http://schemas.openxmlformats.org/drawingml/2006/main" xmlns:r="http://schemas.openxmlformats.org/officeDocument/2006/relationships" xmlns:p="http://schemas.openxmlformats.org/presentationml/2006/main" matchingName="Section header" type="secHead">
   <p:cSld name="SECTION_HEADER">
     <p:spTree>
       <p:nvGrpSpPr>
-        <p:cNvPr id="16" name="Shape 16"/>
+        <p:cNvPr id="1" name="Shape 16"/>
         <p:cNvGrpSpPr/>
         <p:nvPr/>
       </p:nvGrpSpPr>
@@ -2900,7 +2998,9 @@
       <p:sp>
         <p:nvSpPr>
           <p:cNvPr id="17" name="Google Shape;17;p3"/>
-          <p:cNvSpPr txBox="1"/>
+          <p:cNvSpPr txBox="1">
+            <a:spLocks noGrp="1"/>
+          </p:cNvSpPr>
           <p:nvPr>
             <p:ph type="title"/>
           </p:nvPr>
@@ -2919,7 +3019,7 @@
           </a:ln>
         </p:spPr>
         <p:txBody>
-          <a:bodyPr anchorCtr="0" anchor="ctr" bIns="91425" lIns="91425" spcFirstLastPara="1" rIns="91425" wrap="square" tIns="91425">
+          <a:bodyPr spcFirstLastPara="1" wrap="square" lIns="91425" tIns="91425" rIns="91425" bIns="91425" anchor="ctr" anchorCtr="0">
             <a:noAutofit/>
           </a:bodyPr>
           <a:lstStyle>
@@ -3023,7 +3123,9 @@
               <a:defRPr sz="3600"/>
             </a:lvl9pPr>
           </a:lstStyle>
-          <a:p/>
+          <a:p>
+            <a:endParaRPr/>
+          </a:p>
         </p:txBody>
       </p:sp>
     </p:spTree>
@@ -3035,11 +3137,11 @@
 </file>
 
 <file path=ppt/slideLayouts/slideLayout3.xml><?xml version="1.0" encoding="utf-8"?>
-<p:sldLayout xmlns:a="http://schemas.openxmlformats.org/drawingml/2006/main" xmlns:r="http://schemas.openxmlformats.org/officeDocument/2006/relationships" xmlns:mc="http://schemas.openxmlformats.org/markup-compatibility/2006" xmlns:mv="urn:schemas-microsoft-com:mac:vml" xmlns:p="http://schemas.openxmlformats.org/presentationml/2006/main" xmlns:c="http://schemas.openxmlformats.org/drawingml/2006/chart" xmlns:dgm="http://schemas.openxmlformats.org/drawingml/2006/diagram" xmlns:o="urn:schemas-microsoft-com:office:office" xmlns:v="urn:schemas-microsoft-com:vml" xmlns:pvml="urn:schemas-microsoft-com:office:powerpoint" xmlns:com="http://schemas.openxmlformats.org/drawingml/2006/compatibility" xmlns:p14="http://schemas.microsoft.com/office/powerpoint/2010/main" xmlns:p15="http://schemas.microsoft.com/office/powerpoint/2012/main" xmlns:ahyp="http://schemas.microsoft.com/office/drawing/2018/hyperlinkcolor" matchingName="Title and body" type="tx">
+<p:sldLayout xmlns:a="http://schemas.openxmlformats.org/drawingml/2006/main" xmlns:r="http://schemas.openxmlformats.org/officeDocument/2006/relationships" xmlns:p="http://schemas.openxmlformats.org/presentationml/2006/main" matchingName="Title and body" type="tx">
   <p:cSld name="TITLE_AND_BODY">
     <p:spTree>
       <p:nvGrpSpPr>
-        <p:cNvPr id="18" name="Shape 18"/>
+        <p:cNvPr id="1" name="Shape 18"/>
         <p:cNvGrpSpPr/>
         <p:nvPr/>
       </p:nvGrpSpPr>
@@ -3054,7 +3156,9 @@
       <p:sp>
         <p:nvSpPr>
           <p:cNvPr id="19" name="Google Shape;19;p4"/>
-          <p:cNvSpPr txBox="1"/>
+          <p:cNvSpPr txBox="1">
+            <a:spLocks noGrp="1"/>
+          </p:cNvSpPr>
           <p:nvPr>
             <p:ph type="title"/>
           </p:nvPr>
@@ -3073,7 +3177,7 @@
           </a:ln>
         </p:spPr>
         <p:txBody>
-          <a:bodyPr anchorCtr="0" anchor="ctr" bIns="91425" lIns="91425" spcFirstLastPara="1" rIns="91425" wrap="square" tIns="91425">
+          <a:bodyPr spcFirstLastPara="1" wrap="square" lIns="91425" tIns="91425" rIns="91425" bIns="91425" anchor="ctr" anchorCtr="0">
             <a:noAutofit/>
           </a:bodyPr>
           <a:lstStyle>
@@ -3177,15 +3281,19 @@
               <a:defRPr/>
             </a:lvl9pPr>
           </a:lstStyle>
-          <a:p/>
+          <a:p>
+            <a:endParaRPr/>
+          </a:p>
         </p:txBody>
       </p:sp>
       <p:sp>
         <p:nvSpPr>
           <p:cNvPr id="20" name="Google Shape;20;p4"/>
-          <p:cNvSpPr txBox="1"/>
+          <p:cNvSpPr txBox="1">
+            <a:spLocks noGrp="1"/>
+          </p:cNvSpPr>
           <p:nvPr>
-            <p:ph idx="1" type="body"/>
+            <p:ph type="body" idx="1"/>
           </p:nvPr>
         </p:nvSpPr>
         <p:spPr>
@@ -3202,11 +3310,11 @@
           </a:ln>
         </p:spPr>
         <p:txBody>
-          <a:bodyPr anchorCtr="0" anchor="ctr" bIns="91425" lIns="91425" spcFirstLastPara="1" rIns="91425" wrap="square" tIns="91425">
+          <a:bodyPr spcFirstLastPara="1" wrap="square" lIns="91425" tIns="91425" rIns="91425" bIns="91425" anchor="ctr" anchorCtr="0">
             <a:noAutofit/>
           </a:bodyPr>
           <a:lstStyle>
-            <a:lvl1pPr indent="-317500" lvl="0" marL="457200">
+            <a:lvl1pPr marL="457200" lvl="0" indent="-317500">
               <a:spcBef>
                 <a:spcPts val="0"/>
               </a:spcBef>
@@ -3217,7 +3325,7 @@
               <a:buChar char="●"/>
               <a:defRPr/>
             </a:lvl1pPr>
-            <a:lvl2pPr indent="-317500" lvl="1" marL="914400">
+            <a:lvl2pPr marL="914400" lvl="1" indent="-317500">
               <a:spcBef>
                 <a:spcPts val="0"/>
               </a:spcBef>
@@ -3228,7 +3336,7 @@
               <a:buChar char="○"/>
               <a:defRPr/>
             </a:lvl2pPr>
-            <a:lvl3pPr indent="-317500" lvl="2" marL="1371600">
+            <a:lvl3pPr marL="1371600" lvl="2" indent="-317500">
               <a:spcBef>
                 <a:spcPts val="0"/>
               </a:spcBef>
@@ -3239,7 +3347,7 @@
               <a:buChar char="■"/>
               <a:defRPr/>
             </a:lvl3pPr>
-            <a:lvl4pPr indent="-317500" lvl="3" marL="1828800">
+            <a:lvl4pPr marL="1828800" lvl="3" indent="-317500">
               <a:spcBef>
                 <a:spcPts val="0"/>
               </a:spcBef>
@@ -3250,7 +3358,7 @@
               <a:buChar char="●"/>
               <a:defRPr/>
             </a:lvl4pPr>
-            <a:lvl5pPr indent="-317500" lvl="4" marL="2286000">
+            <a:lvl5pPr marL="2286000" lvl="4" indent="-317500">
               <a:spcBef>
                 <a:spcPts val="0"/>
               </a:spcBef>
@@ -3261,7 +3369,7 @@
               <a:buChar char="○"/>
               <a:defRPr/>
             </a:lvl5pPr>
-            <a:lvl6pPr indent="-317500" lvl="5" marL="2743200">
+            <a:lvl6pPr marL="2743200" lvl="5" indent="-317500">
               <a:spcBef>
                 <a:spcPts val="0"/>
               </a:spcBef>
@@ -3272,7 +3380,7 @@
               <a:buChar char="■"/>
               <a:defRPr/>
             </a:lvl6pPr>
-            <a:lvl7pPr indent="-317500" lvl="6" marL="3200400">
+            <a:lvl7pPr marL="3200400" lvl="6" indent="-317500">
               <a:spcBef>
                 <a:spcPts val="0"/>
               </a:spcBef>
@@ -3283,7 +3391,7 @@
               <a:buChar char="●"/>
               <a:defRPr/>
             </a:lvl7pPr>
-            <a:lvl8pPr indent="-317500" lvl="7" marL="3657600">
+            <a:lvl8pPr marL="3657600" lvl="7" indent="-317500">
               <a:spcBef>
                 <a:spcPts val="0"/>
               </a:spcBef>
@@ -3294,7 +3402,7 @@
               <a:buChar char="○"/>
               <a:defRPr/>
             </a:lvl8pPr>
-            <a:lvl9pPr indent="-317500" lvl="8" marL="4114800">
+            <a:lvl9pPr marL="4114800" lvl="8" indent="-317500">
               <a:spcBef>
                 <a:spcPts val="0"/>
               </a:spcBef>
@@ -3306,7 +3414,9 @@
               <a:defRPr/>
             </a:lvl9pPr>
           </a:lstStyle>
-          <a:p/>
+          <a:p>
+            <a:endParaRPr/>
+          </a:p>
         </p:txBody>
       </p:sp>
     </p:spTree>
@@ -3318,11 +3428,11 @@
 </file>
 
 <file path=ppt/slideLayouts/slideLayout4.xml><?xml version="1.0" encoding="utf-8"?>
-<p:sldLayout xmlns:a="http://schemas.openxmlformats.org/drawingml/2006/main" xmlns:r="http://schemas.openxmlformats.org/officeDocument/2006/relationships" xmlns:mc="http://schemas.openxmlformats.org/markup-compatibility/2006" xmlns:mv="urn:schemas-microsoft-com:mac:vml" xmlns:p="http://schemas.openxmlformats.org/presentationml/2006/main" xmlns:c="http://schemas.openxmlformats.org/drawingml/2006/chart" xmlns:dgm="http://schemas.openxmlformats.org/drawingml/2006/diagram" xmlns:o="urn:schemas-microsoft-com:office:office" xmlns:v="urn:schemas-microsoft-com:vml" xmlns:pvml="urn:schemas-microsoft-com:office:powerpoint" xmlns:com="http://schemas.openxmlformats.org/drawingml/2006/compatibility" xmlns:p14="http://schemas.microsoft.com/office/powerpoint/2010/main" xmlns:p15="http://schemas.microsoft.com/office/powerpoint/2012/main" xmlns:ahyp="http://schemas.microsoft.com/office/drawing/2018/hyperlinkcolor" matchingName="Title and two columns" type="twoColTx">
+<p:sldLayout xmlns:a="http://schemas.openxmlformats.org/drawingml/2006/main" xmlns:r="http://schemas.openxmlformats.org/officeDocument/2006/relationships" xmlns:p="http://schemas.openxmlformats.org/presentationml/2006/main" matchingName="Title and two columns" type="twoColTx">
   <p:cSld name="TITLE_AND_TWO_COLUMNS">
     <p:spTree>
       <p:nvGrpSpPr>
-        <p:cNvPr id="21" name="Shape 21"/>
+        <p:cNvPr id="1" name="Shape 21"/>
         <p:cNvGrpSpPr/>
         <p:nvPr/>
       </p:nvGrpSpPr>
@@ -3337,7 +3447,9 @@
       <p:sp>
         <p:nvSpPr>
           <p:cNvPr id="22" name="Google Shape;22;p5"/>
-          <p:cNvSpPr txBox="1"/>
+          <p:cNvSpPr txBox="1">
+            <a:spLocks noGrp="1"/>
+          </p:cNvSpPr>
           <p:nvPr>
             <p:ph type="title"/>
           </p:nvPr>
@@ -3356,7 +3468,7 @@
           </a:ln>
         </p:spPr>
         <p:txBody>
-          <a:bodyPr anchorCtr="0" anchor="ctr" bIns="91425" lIns="91425" spcFirstLastPara="1" rIns="91425" wrap="square" tIns="91425">
+          <a:bodyPr spcFirstLastPara="1" wrap="square" lIns="91425" tIns="91425" rIns="91425" bIns="91425" anchor="ctr" anchorCtr="0">
             <a:noAutofit/>
           </a:bodyPr>
           <a:lstStyle>
@@ -3460,15 +3572,19 @@
               <a:defRPr/>
             </a:lvl9pPr>
           </a:lstStyle>
-          <a:p/>
+          <a:p>
+            <a:endParaRPr/>
+          </a:p>
         </p:txBody>
       </p:sp>
       <p:sp>
         <p:nvSpPr>
           <p:cNvPr id="23" name="Google Shape;23;p5"/>
-          <p:cNvSpPr txBox="1"/>
+          <p:cNvSpPr txBox="1">
+            <a:spLocks noGrp="1"/>
+          </p:cNvSpPr>
           <p:nvPr>
-            <p:ph idx="1" type="body"/>
+            <p:ph type="body" idx="1"/>
           </p:nvPr>
         </p:nvSpPr>
         <p:spPr>
@@ -3485,11 +3601,11 @@
           </a:ln>
         </p:spPr>
         <p:txBody>
-          <a:bodyPr anchorCtr="0" anchor="ctr" bIns="91425" lIns="91425" spcFirstLastPara="1" rIns="91425" wrap="square" tIns="91425">
+          <a:bodyPr spcFirstLastPara="1" wrap="square" lIns="91425" tIns="91425" rIns="91425" bIns="91425" anchor="ctr" anchorCtr="0">
             <a:noAutofit/>
           </a:bodyPr>
           <a:lstStyle>
-            <a:lvl1pPr indent="-317500" lvl="0" marL="457200">
+            <a:lvl1pPr marL="457200" lvl="0" indent="-317500">
               <a:spcBef>
                 <a:spcPts val="0"/>
               </a:spcBef>
@@ -3500,7 +3616,7 @@
               <a:buChar char="●"/>
               <a:defRPr sz="1400"/>
             </a:lvl1pPr>
-            <a:lvl2pPr indent="-304800" lvl="1" marL="914400">
+            <a:lvl2pPr marL="914400" lvl="1" indent="-304800">
               <a:spcBef>
                 <a:spcPts val="0"/>
               </a:spcBef>
@@ -3511,7 +3627,7 @@
               <a:buChar char="○"/>
               <a:defRPr sz="1200"/>
             </a:lvl2pPr>
-            <a:lvl3pPr indent="-304800" lvl="2" marL="1371600">
+            <a:lvl3pPr marL="1371600" lvl="2" indent="-304800">
               <a:spcBef>
                 <a:spcPts val="0"/>
               </a:spcBef>
@@ -3522,7 +3638,7 @@
               <a:buChar char="■"/>
               <a:defRPr sz="1200"/>
             </a:lvl3pPr>
-            <a:lvl4pPr indent="-304800" lvl="3" marL="1828800">
+            <a:lvl4pPr marL="1828800" lvl="3" indent="-304800">
               <a:spcBef>
                 <a:spcPts val="0"/>
               </a:spcBef>
@@ -3533,7 +3649,7 @@
               <a:buChar char="●"/>
               <a:defRPr sz="1200"/>
             </a:lvl4pPr>
-            <a:lvl5pPr indent="-304800" lvl="4" marL="2286000">
+            <a:lvl5pPr marL="2286000" lvl="4" indent="-304800">
               <a:spcBef>
                 <a:spcPts val="0"/>
               </a:spcBef>
@@ -3544,7 +3660,7 @@
               <a:buChar char="○"/>
               <a:defRPr sz="1200"/>
             </a:lvl5pPr>
-            <a:lvl6pPr indent="-304800" lvl="5" marL="2743200">
+            <a:lvl6pPr marL="2743200" lvl="5" indent="-304800">
               <a:spcBef>
                 <a:spcPts val="0"/>
               </a:spcBef>
@@ -3555,7 +3671,7 @@
               <a:buChar char="■"/>
               <a:defRPr sz="1200"/>
             </a:lvl6pPr>
-            <a:lvl7pPr indent="-304800" lvl="6" marL="3200400">
+            <a:lvl7pPr marL="3200400" lvl="6" indent="-304800">
               <a:spcBef>
                 <a:spcPts val="0"/>
               </a:spcBef>
@@ -3566,7 +3682,7 @@
               <a:buChar char="●"/>
               <a:defRPr sz="1200"/>
             </a:lvl7pPr>
-            <a:lvl8pPr indent="-304800" lvl="7" marL="3657600">
+            <a:lvl8pPr marL="3657600" lvl="7" indent="-304800">
               <a:spcBef>
                 <a:spcPts val="0"/>
               </a:spcBef>
@@ -3577,7 +3693,7 @@
               <a:buChar char="○"/>
               <a:defRPr sz="1200"/>
             </a:lvl8pPr>
-            <a:lvl9pPr indent="-304800" lvl="8" marL="4114800">
+            <a:lvl9pPr marL="4114800" lvl="8" indent="-304800">
               <a:spcBef>
                 <a:spcPts val="0"/>
               </a:spcBef>
@@ -3589,15 +3705,19 @@
               <a:defRPr sz="1200"/>
             </a:lvl9pPr>
           </a:lstStyle>
-          <a:p/>
+          <a:p>
+            <a:endParaRPr/>
+          </a:p>
         </p:txBody>
       </p:sp>
       <p:sp>
         <p:nvSpPr>
           <p:cNvPr id="24" name="Google Shape;24;p5"/>
-          <p:cNvSpPr txBox="1"/>
+          <p:cNvSpPr txBox="1">
+            <a:spLocks noGrp="1"/>
+          </p:cNvSpPr>
           <p:nvPr>
-            <p:ph idx="2" type="body"/>
+            <p:ph type="body" idx="2"/>
           </p:nvPr>
         </p:nvSpPr>
         <p:spPr>
@@ -3614,11 +3734,11 @@
           </a:ln>
         </p:spPr>
         <p:txBody>
-          <a:bodyPr anchorCtr="0" anchor="ctr" bIns="91425" lIns="91425" spcFirstLastPara="1" rIns="91425" wrap="square" tIns="91425">
+          <a:bodyPr spcFirstLastPara="1" wrap="square" lIns="91425" tIns="91425" rIns="91425" bIns="91425" anchor="ctr" anchorCtr="0">
             <a:noAutofit/>
           </a:bodyPr>
           <a:lstStyle>
-            <a:lvl1pPr indent="-317500" lvl="0" marL="457200">
+            <a:lvl1pPr marL="457200" lvl="0" indent="-317500">
               <a:spcBef>
                 <a:spcPts val="0"/>
               </a:spcBef>
@@ -3629,7 +3749,7 @@
               <a:buChar char="●"/>
               <a:defRPr sz="1400"/>
             </a:lvl1pPr>
-            <a:lvl2pPr indent="-304800" lvl="1" marL="914400">
+            <a:lvl2pPr marL="914400" lvl="1" indent="-304800">
               <a:spcBef>
                 <a:spcPts val="0"/>
               </a:spcBef>
@@ -3640,7 +3760,7 @@
               <a:buChar char="○"/>
               <a:defRPr sz="1200"/>
             </a:lvl2pPr>
-            <a:lvl3pPr indent="-304800" lvl="2" marL="1371600">
+            <a:lvl3pPr marL="1371600" lvl="2" indent="-304800">
               <a:spcBef>
                 <a:spcPts val="0"/>
               </a:spcBef>
@@ -3651,7 +3771,7 @@
               <a:buChar char="■"/>
               <a:defRPr sz="1200"/>
             </a:lvl3pPr>
-            <a:lvl4pPr indent="-304800" lvl="3" marL="1828800">
+            <a:lvl4pPr marL="1828800" lvl="3" indent="-304800">
               <a:spcBef>
                 <a:spcPts val="0"/>
               </a:spcBef>
@@ -3662,7 +3782,7 @@
               <a:buChar char="●"/>
               <a:defRPr sz="1200"/>
             </a:lvl4pPr>
-            <a:lvl5pPr indent="-304800" lvl="4" marL="2286000">
+            <a:lvl5pPr marL="2286000" lvl="4" indent="-304800">
               <a:spcBef>
                 <a:spcPts val="0"/>
               </a:spcBef>
@@ -3673,7 +3793,7 @@
               <a:buChar char="○"/>
               <a:defRPr sz="1200"/>
             </a:lvl5pPr>
-            <a:lvl6pPr indent="-304800" lvl="5" marL="2743200">
+            <a:lvl6pPr marL="2743200" lvl="5" indent="-304800">
               <a:spcBef>
                 <a:spcPts val="0"/>
               </a:spcBef>
@@ -3684,7 +3804,7 @@
               <a:buChar char="■"/>
               <a:defRPr sz="1200"/>
             </a:lvl6pPr>
-            <a:lvl7pPr indent="-304800" lvl="6" marL="3200400">
+            <a:lvl7pPr marL="3200400" lvl="6" indent="-304800">
               <a:spcBef>
                 <a:spcPts val="0"/>
               </a:spcBef>
@@ -3695,7 +3815,7 @@
               <a:buChar char="●"/>
               <a:defRPr sz="1200"/>
             </a:lvl7pPr>
-            <a:lvl8pPr indent="-304800" lvl="7" marL="3657600">
+            <a:lvl8pPr marL="3657600" lvl="7" indent="-304800">
               <a:spcBef>
                 <a:spcPts val="0"/>
               </a:spcBef>
@@ -3706,7 +3826,7 @@
               <a:buChar char="○"/>
               <a:defRPr sz="1200"/>
             </a:lvl8pPr>
-            <a:lvl9pPr indent="-304800" lvl="8" marL="4114800">
+            <a:lvl9pPr marL="4114800" lvl="8" indent="-304800">
               <a:spcBef>
                 <a:spcPts val="0"/>
               </a:spcBef>
@@ -3718,7 +3838,9 @@
               <a:defRPr sz="1200"/>
             </a:lvl9pPr>
           </a:lstStyle>
-          <a:p/>
+          <a:p>
+            <a:endParaRPr/>
+          </a:p>
         </p:txBody>
       </p:sp>
     </p:spTree>
@@ -3730,11 +3852,11 @@
 </file>
 
 <file path=ppt/slideLayouts/slideLayout5.xml><?xml version="1.0" encoding="utf-8"?>
-<p:sldLayout xmlns:a="http://schemas.openxmlformats.org/drawingml/2006/main" xmlns:r="http://schemas.openxmlformats.org/officeDocument/2006/relationships" xmlns:mc="http://schemas.openxmlformats.org/markup-compatibility/2006" xmlns:mv="urn:schemas-microsoft-com:mac:vml" xmlns:p="http://schemas.openxmlformats.org/presentationml/2006/main" xmlns:c="http://schemas.openxmlformats.org/drawingml/2006/chart" xmlns:dgm="http://schemas.openxmlformats.org/drawingml/2006/diagram" xmlns:o="urn:schemas-microsoft-com:office:office" xmlns:v="urn:schemas-microsoft-com:vml" xmlns:pvml="urn:schemas-microsoft-com:office:powerpoint" xmlns:com="http://schemas.openxmlformats.org/drawingml/2006/compatibility" xmlns:p14="http://schemas.microsoft.com/office/powerpoint/2010/main" xmlns:p15="http://schemas.microsoft.com/office/powerpoint/2012/main" xmlns:ahyp="http://schemas.microsoft.com/office/drawing/2018/hyperlinkcolor" matchingName="Title only" type="titleOnly">
+<p:sldLayout xmlns:a="http://schemas.openxmlformats.org/drawingml/2006/main" xmlns:r="http://schemas.openxmlformats.org/officeDocument/2006/relationships" xmlns:p="http://schemas.openxmlformats.org/presentationml/2006/main" matchingName="Title only" type="titleOnly">
   <p:cSld name="TITLE_ONLY">
     <p:spTree>
       <p:nvGrpSpPr>
-        <p:cNvPr id="25" name="Shape 25"/>
+        <p:cNvPr id="1" name="Shape 25"/>
         <p:cNvGrpSpPr/>
         <p:nvPr/>
       </p:nvGrpSpPr>
@@ -3749,7 +3871,9 @@
       <p:sp>
         <p:nvSpPr>
           <p:cNvPr id="26" name="Google Shape;26;p6"/>
-          <p:cNvSpPr txBox="1"/>
+          <p:cNvSpPr txBox="1">
+            <a:spLocks noGrp="1"/>
+          </p:cNvSpPr>
           <p:nvPr>
             <p:ph type="title"/>
           </p:nvPr>
@@ -3768,7 +3892,7 @@
           </a:ln>
         </p:spPr>
         <p:txBody>
-          <a:bodyPr anchorCtr="0" anchor="ctr" bIns="91425" lIns="91425" spcFirstLastPara="1" rIns="91425" wrap="square" tIns="91425">
+          <a:bodyPr spcFirstLastPara="1" wrap="square" lIns="91425" tIns="91425" rIns="91425" bIns="91425" anchor="ctr" anchorCtr="0">
             <a:noAutofit/>
           </a:bodyPr>
           <a:lstStyle>
@@ -3872,7 +3996,9 @@
               <a:defRPr/>
             </a:lvl9pPr>
           </a:lstStyle>
-          <a:p/>
+          <a:p>
+            <a:endParaRPr/>
+          </a:p>
         </p:txBody>
       </p:sp>
     </p:spTree>
@@ -3884,11 +4010,11 @@
 </file>
 
 <file path=ppt/slideLayouts/slideLayout6.xml><?xml version="1.0" encoding="utf-8"?>
-<p:sldLayout xmlns:a="http://schemas.openxmlformats.org/drawingml/2006/main" xmlns:r="http://schemas.openxmlformats.org/officeDocument/2006/relationships" xmlns:mc="http://schemas.openxmlformats.org/markup-compatibility/2006" xmlns:mv="urn:schemas-microsoft-com:mac:vml" xmlns:p="http://schemas.openxmlformats.org/presentationml/2006/main" xmlns:c="http://schemas.openxmlformats.org/drawingml/2006/chart" xmlns:dgm="http://schemas.openxmlformats.org/drawingml/2006/diagram" xmlns:o="urn:schemas-microsoft-com:office:office" xmlns:v="urn:schemas-microsoft-com:vml" xmlns:pvml="urn:schemas-microsoft-com:office:powerpoint" xmlns:com="http://schemas.openxmlformats.org/drawingml/2006/compatibility" xmlns:p14="http://schemas.microsoft.com/office/powerpoint/2010/main" xmlns:p15="http://schemas.microsoft.com/office/powerpoint/2012/main" xmlns:ahyp="http://schemas.microsoft.com/office/drawing/2018/hyperlinkcolor" matchingName="One column text">
+<p:sldLayout xmlns:a="http://schemas.openxmlformats.org/drawingml/2006/main" xmlns:r="http://schemas.openxmlformats.org/officeDocument/2006/relationships" xmlns:p="http://schemas.openxmlformats.org/presentationml/2006/main" matchingName="One column text">
   <p:cSld name="ONE_COLUMN_TEXT">
     <p:spTree>
       <p:nvGrpSpPr>
-        <p:cNvPr id="27" name="Shape 27"/>
+        <p:cNvPr id="1" name="Shape 27"/>
         <p:cNvGrpSpPr/>
         <p:nvPr/>
       </p:nvGrpSpPr>
@@ -3903,7 +4029,9 @@
       <p:sp>
         <p:nvSpPr>
           <p:cNvPr id="28" name="Google Shape;28;p7"/>
-          <p:cNvSpPr txBox="1"/>
+          <p:cNvSpPr txBox="1">
+            <a:spLocks noGrp="1"/>
+          </p:cNvSpPr>
           <p:nvPr>
             <p:ph type="title"/>
           </p:nvPr>
@@ -3922,7 +4050,7 @@
           </a:ln>
         </p:spPr>
         <p:txBody>
-          <a:bodyPr anchorCtr="0" anchor="b" bIns="91425" lIns="91425" spcFirstLastPara="1" rIns="91425" wrap="square" tIns="91425">
+          <a:bodyPr spcFirstLastPara="1" wrap="square" lIns="91425" tIns="91425" rIns="91425" bIns="91425" anchor="b" anchorCtr="0">
             <a:noAutofit/>
           </a:bodyPr>
           <a:lstStyle>
@@ -4026,15 +4154,19 @@
               <a:defRPr sz="2400"/>
             </a:lvl9pPr>
           </a:lstStyle>
-          <a:p/>
+          <a:p>
+            <a:endParaRPr/>
+          </a:p>
         </p:txBody>
       </p:sp>
       <p:sp>
         <p:nvSpPr>
           <p:cNvPr id="29" name="Google Shape;29;p7"/>
-          <p:cNvSpPr txBox="1"/>
+          <p:cNvSpPr txBox="1">
+            <a:spLocks noGrp="1"/>
+          </p:cNvSpPr>
           <p:nvPr>
-            <p:ph idx="1" type="body"/>
+            <p:ph type="body" idx="1"/>
           </p:nvPr>
         </p:nvSpPr>
         <p:spPr>
@@ -4051,11 +4183,11 @@
           </a:ln>
         </p:spPr>
         <p:txBody>
-          <a:bodyPr anchorCtr="0" anchor="ctr" bIns="91425" lIns="91425" spcFirstLastPara="1" rIns="91425" wrap="square" tIns="91425">
+          <a:bodyPr spcFirstLastPara="1" wrap="square" lIns="91425" tIns="91425" rIns="91425" bIns="91425" anchor="ctr" anchorCtr="0">
             <a:noAutofit/>
           </a:bodyPr>
           <a:lstStyle>
-            <a:lvl1pPr indent="-304800" lvl="0" marL="457200">
+            <a:lvl1pPr marL="457200" lvl="0" indent="-304800">
               <a:spcBef>
                 <a:spcPts val="0"/>
               </a:spcBef>
@@ -4066,7 +4198,7 @@
               <a:buChar char="●"/>
               <a:defRPr sz="1200"/>
             </a:lvl1pPr>
-            <a:lvl2pPr indent="-304800" lvl="1" marL="914400">
+            <a:lvl2pPr marL="914400" lvl="1" indent="-304800">
               <a:spcBef>
                 <a:spcPts val="0"/>
               </a:spcBef>
@@ -4077,7 +4209,7 @@
               <a:buChar char="○"/>
               <a:defRPr sz="1200"/>
             </a:lvl2pPr>
-            <a:lvl3pPr indent="-304800" lvl="2" marL="1371600">
+            <a:lvl3pPr marL="1371600" lvl="2" indent="-304800">
               <a:spcBef>
                 <a:spcPts val="0"/>
               </a:spcBef>
@@ -4088,7 +4220,7 @@
               <a:buChar char="■"/>
               <a:defRPr sz="1200"/>
             </a:lvl3pPr>
-            <a:lvl4pPr indent="-304800" lvl="3" marL="1828800">
+            <a:lvl4pPr marL="1828800" lvl="3" indent="-304800">
               <a:spcBef>
                 <a:spcPts val="0"/>
               </a:spcBef>
@@ -4099,7 +4231,7 @@
               <a:buChar char="●"/>
               <a:defRPr sz="1200"/>
             </a:lvl4pPr>
-            <a:lvl5pPr indent="-304800" lvl="4" marL="2286000">
+            <a:lvl5pPr marL="2286000" lvl="4" indent="-304800">
               <a:spcBef>
                 <a:spcPts val="0"/>
               </a:spcBef>
@@ -4110,7 +4242,7 @@
               <a:buChar char="○"/>
               <a:defRPr sz="1200"/>
             </a:lvl5pPr>
-            <a:lvl6pPr indent="-304800" lvl="5" marL="2743200">
+            <a:lvl6pPr marL="2743200" lvl="5" indent="-304800">
               <a:spcBef>
                 <a:spcPts val="0"/>
               </a:spcBef>
@@ -4121,7 +4253,7 @@
               <a:buChar char="■"/>
               <a:defRPr sz="1200"/>
             </a:lvl6pPr>
-            <a:lvl7pPr indent="-304800" lvl="6" marL="3200400">
+            <a:lvl7pPr marL="3200400" lvl="6" indent="-304800">
               <a:spcBef>
                 <a:spcPts val="0"/>
               </a:spcBef>
@@ -4132,7 +4264,7 @@
               <a:buChar char="●"/>
               <a:defRPr sz="1200"/>
             </a:lvl7pPr>
-            <a:lvl8pPr indent="-304800" lvl="7" marL="3657600">
+            <a:lvl8pPr marL="3657600" lvl="7" indent="-304800">
               <a:spcBef>
                 <a:spcPts val="0"/>
               </a:spcBef>
@@ -4143,7 +4275,7 @@
               <a:buChar char="○"/>
               <a:defRPr sz="1200"/>
             </a:lvl8pPr>
-            <a:lvl9pPr indent="-304800" lvl="8" marL="4114800">
+            <a:lvl9pPr marL="4114800" lvl="8" indent="-304800">
               <a:spcBef>
                 <a:spcPts val="0"/>
               </a:spcBef>
@@ -4155,7 +4287,9 @@
               <a:defRPr sz="1200"/>
             </a:lvl9pPr>
           </a:lstStyle>
-          <a:p/>
+          <a:p>
+            <a:endParaRPr/>
+          </a:p>
         </p:txBody>
       </p:sp>
     </p:spTree>
@@ -4167,11 +4301,11 @@
 </file>
 
 <file path=ppt/slideLayouts/slideLayout7.xml><?xml version="1.0" encoding="utf-8"?>
-<p:sldLayout xmlns:a="http://schemas.openxmlformats.org/drawingml/2006/main" xmlns:r="http://schemas.openxmlformats.org/officeDocument/2006/relationships" xmlns:mc="http://schemas.openxmlformats.org/markup-compatibility/2006" xmlns:mv="urn:schemas-microsoft-com:mac:vml" xmlns:p="http://schemas.openxmlformats.org/presentationml/2006/main" xmlns:c="http://schemas.openxmlformats.org/drawingml/2006/chart" xmlns:dgm="http://schemas.openxmlformats.org/drawingml/2006/diagram" xmlns:o="urn:schemas-microsoft-com:office:office" xmlns:v="urn:schemas-microsoft-com:vml" xmlns:pvml="urn:schemas-microsoft-com:office:powerpoint" xmlns:com="http://schemas.openxmlformats.org/drawingml/2006/compatibility" xmlns:p14="http://schemas.microsoft.com/office/powerpoint/2010/main" xmlns:p15="http://schemas.microsoft.com/office/powerpoint/2012/main" xmlns:ahyp="http://schemas.microsoft.com/office/drawing/2018/hyperlinkcolor" matchingName="Main point">
+<p:sldLayout xmlns:a="http://schemas.openxmlformats.org/drawingml/2006/main" xmlns:r="http://schemas.openxmlformats.org/officeDocument/2006/relationships" xmlns:p="http://schemas.openxmlformats.org/presentationml/2006/main" matchingName="Main point">
   <p:cSld name="MAIN_POINT">
     <p:spTree>
       <p:nvGrpSpPr>
-        <p:cNvPr id="30" name="Shape 30"/>
+        <p:cNvPr id="1" name="Shape 30"/>
         <p:cNvGrpSpPr/>
         <p:nvPr/>
       </p:nvGrpSpPr>
@@ -4186,7 +4320,9 @@
       <p:sp>
         <p:nvSpPr>
           <p:cNvPr id="31" name="Google Shape;31;p8"/>
-          <p:cNvSpPr txBox="1"/>
+          <p:cNvSpPr txBox="1">
+            <a:spLocks noGrp="1"/>
+          </p:cNvSpPr>
           <p:nvPr>
             <p:ph type="title"/>
           </p:nvPr>
@@ -4205,7 +4341,7 @@
           </a:ln>
         </p:spPr>
         <p:txBody>
-          <a:bodyPr anchorCtr="0" anchor="ctr" bIns="91425" lIns="91425" spcFirstLastPara="1" rIns="91425" wrap="square" tIns="91425">
+          <a:bodyPr spcFirstLastPara="1" wrap="square" lIns="91425" tIns="91425" rIns="91425" bIns="91425" anchor="ctr" anchorCtr="0">
             <a:noAutofit/>
           </a:bodyPr>
           <a:lstStyle>
@@ -4309,7 +4445,9 @@
               <a:defRPr sz="4800"/>
             </a:lvl9pPr>
           </a:lstStyle>
-          <a:p/>
+          <a:p>
+            <a:endParaRPr/>
+          </a:p>
         </p:txBody>
       </p:sp>
     </p:spTree>
@@ -4321,11 +4459,11 @@
 </file>
 
 <file path=ppt/slideLayouts/slideLayout8.xml><?xml version="1.0" encoding="utf-8"?>
-<p:sldLayout xmlns:a="http://schemas.openxmlformats.org/drawingml/2006/main" xmlns:r="http://schemas.openxmlformats.org/officeDocument/2006/relationships" xmlns:mc="http://schemas.openxmlformats.org/markup-compatibility/2006" xmlns:mv="urn:schemas-microsoft-com:mac:vml" xmlns:p="http://schemas.openxmlformats.org/presentationml/2006/main" xmlns:c="http://schemas.openxmlformats.org/drawingml/2006/chart" xmlns:dgm="http://schemas.openxmlformats.org/drawingml/2006/diagram" xmlns:o="urn:schemas-microsoft-com:office:office" xmlns:v="urn:schemas-microsoft-com:vml" xmlns:pvml="urn:schemas-microsoft-com:office:powerpoint" xmlns:com="http://schemas.openxmlformats.org/drawingml/2006/compatibility" xmlns:p14="http://schemas.microsoft.com/office/powerpoint/2010/main" xmlns:p15="http://schemas.microsoft.com/office/powerpoint/2012/main" xmlns:ahyp="http://schemas.microsoft.com/office/drawing/2018/hyperlinkcolor" matchingName="Section title and description">
+<p:sldLayout xmlns:a="http://schemas.openxmlformats.org/drawingml/2006/main" xmlns:r="http://schemas.openxmlformats.org/officeDocument/2006/relationships" xmlns:p="http://schemas.openxmlformats.org/presentationml/2006/main" matchingName="Section title and description">
   <p:cSld name="SECTION_TITLE_AND_DESCRIPTION">
     <p:spTree>
       <p:nvGrpSpPr>
-        <p:cNvPr id="32" name="Shape 32"/>
+        <p:cNvPr id="1" name="Shape 32"/>
         <p:cNvGrpSpPr/>
         <p:nvPr/>
       </p:nvGrpSpPr>
@@ -4359,23 +4497,20 @@
           </a:ln>
         </p:spPr>
         <p:txBody>
-          <a:bodyPr anchorCtr="0" anchor="ctr" bIns="91425" lIns="91425" spcFirstLastPara="1" rIns="91425" wrap="square" tIns="91425">
+          <a:bodyPr spcFirstLastPara="1" wrap="square" lIns="91425" tIns="91425" rIns="91425" bIns="91425" anchor="ctr" anchorCtr="0">
             <a:noAutofit/>
           </a:bodyPr>
           <a:lstStyle/>
           <a:p>
-            <a:pPr indent="0" lvl="0" marL="0" rtl="0" algn="l">
-              <a:spcBef>
-                <a:spcPts val="0"/>
-              </a:spcBef>
-              <a:spcAft>
-                <a:spcPts val="0"/>
-              </a:spcAft>
-              <a:buNone/>
-            </a:pPr>
-            <a:r>
-              <a:t/>
-            </a:r>
+            <a:pPr marL="0" lvl="0" indent="0" algn="l" rtl="0">
+              <a:spcBef>
+                <a:spcPts val="0"/>
+              </a:spcBef>
+              <a:spcAft>
+                <a:spcPts val="0"/>
+              </a:spcAft>
+              <a:buNone/>
+            </a:pPr>
             <a:endParaRPr/>
           </a:p>
         </p:txBody>
@@ -4383,7 +4518,9 @@
       <p:sp>
         <p:nvSpPr>
           <p:cNvPr id="34" name="Google Shape;34;p9"/>
-          <p:cNvSpPr txBox="1"/>
+          <p:cNvSpPr txBox="1">
+            <a:spLocks noGrp="1"/>
+          </p:cNvSpPr>
           <p:nvPr>
             <p:ph type="title"/>
           </p:nvPr>
@@ -4402,7 +4539,7 @@
           </a:ln>
         </p:spPr>
         <p:txBody>
-          <a:bodyPr anchorCtr="0" anchor="b" bIns="91425" lIns="91425" spcFirstLastPara="1" rIns="91425" wrap="square" tIns="91425">
+          <a:bodyPr spcFirstLastPara="1" wrap="square" lIns="91425" tIns="91425" rIns="91425" bIns="91425" anchor="b" anchorCtr="0">
             <a:noAutofit/>
           </a:bodyPr>
           <a:lstStyle>
@@ -4506,15 +4643,19 @@
               <a:defRPr sz="4200"/>
             </a:lvl9pPr>
           </a:lstStyle>
-          <a:p/>
+          <a:p>
+            <a:endParaRPr/>
+          </a:p>
         </p:txBody>
       </p:sp>
       <p:sp>
         <p:nvSpPr>
           <p:cNvPr id="35" name="Google Shape;35;p9"/>
-          <p:cNvSpPr txBox="1"/>
+          <p:cNvSpPr txBox="1">
+            <a:spLocks noGrp="1"/>
+          </p:cNvSpPr>
           <p:nvPr>
-            <p:ph idx="1" type="subTitle"/>
+            <p:ph type="subTitle" idx="1"/>
           </p:nvPr>
         </p:nvSpPr>
         <p:spPr>
@@ -4531,7 +4672,7 @@
           </a:ln>
         </p:spPr>
         <p:txBody>
-          <a:bodyPr anchorCtr="0" anchor="ctr" bIns="91425" lIns="91425" spcFirstLastPara="1" rIns="91425" wrap="square" tIns="91425">
+          <a:bodyPr spcFirstLastPara="1" wrap="square" lIns="91425" tIns="91425" rIns="91425" bIns="91425" anchor="ctr" anchorCtr="0">
             <a:noAutofit/>
           </a:bodyPr>
           <a:lstStyle>
@@ -4662,15 +4803,19 @@
               <a:defRPr sz="2100"/>
             </a:lvl9pPr>
           </a:lstStyle>
-          <a:p/>
+          <a:p>
+            <a:endParaRPr/>
+          </a:p>
         </p:txBody>
       </p:sp>
       <p:sp>
         <p:nvSpPr>
           <p:cNvPr id="36" name="Google Shape;36;p9"/>
-          <p:cNvSpPr txBox="1"/>
+          <p:cNvSpPr txBox="1">
+            <a:spLocks noGrp="1"/>
+          </p:cNvSpPr>
           <p:nvPr>
-            <p:ph idx="2" type="body"/>
+            <p:ph type="body" idx="2"/>
           </p:nvPr>
         </p:nvSpPr>
         <p:spPr>
@@ -4687,11 +4832,11 @@
           </a:ln>
         </p:spPr>
         <p:txBody>
-          <a:bodyPr anchorCtr="0" anchor="ctr" bIns="91425" lIns="91425" spcFirstLastPara="1" rIns="91425" wrap="square" tIns="91425">
+          <a:bodyPr spcFirstLastPara="1" wrap="square" lIns="91425" tIns="91425" rIns="91425" bIns="91425" anchor="ctr" anchorCtr="0">
             <a:noAutofit/>
           </a:bodyPr>
           <a:lstStyle>
-            <a:lvl1pPr indent="-317500" lvl="0" marL="457200">
+            <a:lvl1pPr marL="457200" lvl="0" indent="-317500">
               <a:spcBef>
                 <a:spcPts val="0"/>
               </a:spcBef>
@@ -4702,7 +4847,7 @@
               <a:buChar char="●"/>
               <a:defRPr/>
             </a:lvl1pPr>
-            <a:lvl2pPr indent="-317500" lvl="1" marL="914400">
+            <a:lvl2pPr marL="914400" lvl="1" indent="-317500">
               <a:spcBef>
                 <a:spcPts val="0"/>
               </a:spcBef>
@@ -4713,7 +4858,7 @@
               <a:buChar char="○"/>
               <a:defRPr/>
             </a:lvl2pPr>
-            <a:lvl3pPr indent="-317500" lvl="2" marL="1371600">
+            <a:lvl3pPr marL="1371600" lvl="2" indent="-317500">
               <a:spcBef>
                 <a:spcPts val="0"/>
               </a:spcBef>
@@ -4724,7 +4869,7 @@
               <a:buChar char="■"/>
               <a:defRPr/>
             </a:lvl3pPr>
-            <a:lvl4pPr indent="-317500" lvl="3" marL="1828800">
+            <a:lvl4pPr marL="1828800" lvl="3" indent="-317500">
               <a:spcBef>
                 <a:spcPts val="0"/>
               </a:spcBef>
@@ -4735,7 +4880,7 @@
               <a:buChar char="●"/>
               <a:defRPr/>
             </a:lvl4pPr>
-            <a:lvl5pPr indent="-317500" lvl="4" marL="2286000">
+            <a:lvl5pPr marL="2286000" lvl="4" indent="-317500">
               <a:spcBef>
                 <a:spcPts val="0"/>
               </a:spcBef>
@@ -4746,7 +4891,7 @@
               <a:buChar char="○"/>
               <a:defRPr/>
             </a:lvl5pPr>
-            <a:lvl6pPr indent="-317500" lvl="5" marL="2743200">
+            <a:lvl6pPr marL="2743200" lvl="5" indent="-317500">
               <a:spcBef>
                 <a:spcPts val="0"/>
               </a:spcBef>
@@ -4757,7 +4902,7 @@
               <a:buChar char="■"/>
               <a:defRPr/>
             </a:lvl6pPr>
-            <a:lvl7pPr indent="-317500" lvl="6" marL="3200400">
+            <a:lvl7pPr marL="3200400" lvl="6" indent="-317500">
               <a:spcBef>
                 <a:spcPts val="0"/>
               </a:spcBef>
@@ -4768,7 +4913,7 @@
               <a:buChar char="●"/>
               <a:defRPr/>
             </a:lvl7pPr>
-            <a:lvl8pPr indent="-317500" lvl="7" marL="3657600">
+            <a:lvl8pPr marL="3657600" lvl="7" indent="-317500">
               <a:spcBef>
                 <a:spcPts val="0"/>
               </a:spcBef>
@@ -4779,7 +4924,7 @@
               <a:buChar char="○"/>
               <a:defRPr/>
             </a:lvl8pPr>
-            <a:lvl9pPr indent="-317500" lvl="8" marL="4114800">
+            <a:lvl9pPr marL="4114800" lvl="8" indent="-317500">
               <a:spcBef>
                 <a:spcPts val="0"/>
               </a:spcBef>
@@ -4791,7 +4936,9 @@
               <a:defRPr/>
             </a:lvl9pPr>
           </a:lstStyle>
-          <a:p/>
+          <a:p>
+            <a:endParaRPr/>
+          </a:p>
         </p:txBody>
       </p:sp>
     </p:spTree>
@@ -4803,11 +4950,11 @@
 </file>
 
 <file path=ppt/slideLayouts/slideLayout9.xml><?xml version="1.0" encoding="utf-8"?>
-<p:sldLayout xmlns:a="http://schemas.openxmlformats.org/drawingml/2006/main" xmlns:r="http://schemas.openxmlformats.org/officeDocument/2006/relationships" xmlns:mc="http://schemas.openxmlformats.org/markup-compatibility/2006" xmlns:mv="urn:schemas-microsoft-com:mac:vml" xmlns:p="http://schemas.openxmlformats.org/presentationml/2006/main" xmlns:c="http://schemas.openxmlformats.org/drawingml/2006/chart" xmlns:dgm="http://schemas.openxmlformats.org/drawingml/2006/diagram" xmlns:o="urn:schemas-microsoft-com:office:office" xmlns:v="urn:schemas-microsoft-com:vml" xmlns:pvml="urn:schemas-microsoft-com:office:powerpoint" xmlns:com="http://schemas.openxmlformats.org/drawingml/2006/compatibility" xmlns:p14="http://schemas.microsoft.com/office/powerpoint/2010/main" xmlns:p15="http://schemas.microsoft.com/office/powerpoint/2012/main" xmlns:ahyp="http://schemas.microsoft.com/office/drawing/2018/hyperlinkcolor" matchingName="Caption">
+<p:sldLayout xmlns:a="http://schemas.openxmlformats.org/drawingml/2006/main" xmlns:r="http://schemas.openxmlformats.org/officeDocument/2006/relationships" xmlns:p="http://schemas.openxmlformats.org/presentationml/2006/main" matchingName="Caption">
   <p:cSld name="CAPTION_ONLY">
     <p:spTree>
       <p:nvGrpSpPr>
-        <p:cNvPr id="37" name="Shape 37"/>
+        <p:cNvPr id="1" name="Shape 37"/>
         <p:cNvGrpSpPr/>
         <p:nvPr/>
       </p:nvGrpSpPr>
@@ -4822,9 +4969,11 @@
       <p:sp>
         <p:nvSpPr>
           <p:cNvPr id="38" name="Google Shape;38;p10"/>
-          <p:cNvSpPr txBox="1"/>
+          <p:cNvSpPr txBox="1">
+            <a:spLocks noGrp="1"/>
+          </p:cNvSpPr>
           <p:nvPr>
-            <p:ph idx="1" type="body"/>
+            <p:ph type="body" idx="1"/>
           </p:nvPr>
         </p:nvSpPr>
         <p:spPr>
@@ -4841,11 +4990,11 @@
           </a:ln>
         </p:spPr>
         <p:txBody>
-          <a:bodyPr anchorCtr="0" anchor="ctr" bIns="91425" lIns="91425" spcFirstLastPara="1" rIns="91425" wrap="square" tIns="91425">
+          <a:bodyPr spcFirstLastPara="1" wrap="square" lIns="91425" tIns="91425" rIns="91425" bIns="91425" anchor="ctr" anchorCtr="0">
             <a:noAutofit/>
           </a:bodyPr>
           <a:lstStyle>
-            <a:lvl1pPr indent="-228600" lvl="0" marL="457200">
+            <a:lvl1pPr marL="457200" lvl="0" indent="-228600">
               <a:lnSpc>
                 <a:spcPct val="100000"/>
               </a:lnSpc>
@@ -4860,7 +5009,9 @@
               <a:defRPr/>
             </a:lvl1pPr>
           </a:lstStyle>
-          <a:p/>
+          <a:p>
+            <a:endParaRPr/>
+          </a:p>
         </p:txBody>
       </p:sp>
     </p:spTree>
@@ -4872,18 +5023,19 @@
 </file>
 
 <file path=ppt/slideMasters/slideMaster1.xml><?xml version="1.0" encoding="utf-8"?>
-<p:sldMaster xmlns:a="http://schemas.openxmlformats.org/drawingml/2006/main" xmlns:r="http://schemas.openxmlformats.org/officeDocument/2006/relationships" xmlns:mc="http://schemas.openxmlformats.org/markup-compatibility/2006" xmlns:mv="urn:schemas-microsoft-com:mac:vml" xmlns:p="http://schemas.openxmlformats.org/presentationml/2006/main" xmlns:c="http://schemas.openxmlformats.org/drawingml/2006/chart" xmlns:dgm="http://schemas.openxmlformats.org/drawingml/2006/diagram" xmlns:o="urn:schemas-microsoft-com:office:office" xmlns:v="urn:schemas-microsoft-com:vml" xmlns:pvml="urn:schemas-microsoft-com:office:powerpoint" xmlns:com="http://schemas.openxmlformats.org/drawingml/2006/compatibility" xmlns:p14="http://schemas.microsoft.com/office/powerpoint/2010/main" xmlns:p15="http://schemas.microsoft.com/office/powerpoint/2012/main" xmlns:ahyp="http://schemas.microsoft.com/office/drawing/2018/hyperlinkcolor">
+<p:sldMaster xmlns:a="http://schemas.openxmlformats.org/drawingml/2006/main" xmlns:r="http://schemas.openxmlformats.org/officeDocument/2006/relationships" xmlns:p="http://schemas.openxmlformats.org/presentationml/2006/main">
   <p:cSld name="simple-light-2">
     <p:bg>
       <p:bgPr>
         <a:solidFill>
           <a:schemeClr val="lt1"/>
         </a:solidFill>
+        <a:effectLst/>
       </p:bgPr>
     </p:bg>
     <p:spTree>
       <p:nvGrpSpPr>
-        <p:cNvPr id="5" name="Shape 5"/>
+        <p:cNvPr id="1" name="Shape 5"/>
         <p:cNvGrpSpPr/>
         <p:nvPr/>
       </p:nvGrpSpPr>
@@ -4910,14 +5062,14 @@
             <a:avLst/>
           </a:prstGeom>
           <a:noFill/>
-          <a:ln cap="flat" cmpd="sng" w="9525">
+          <a:ln w="9525" cap="flat" cmpd="sng">
             <a:solidFill>
               <a:srgbClr val="FCD8D6"/>
             </a:solidFill>
             <a:prstDash val="dot"/>
             <a:round/>
-            <a:headEnd len="med" w="med" type="none"/>
-            <a:tailEnd len="med" w="med" type="none"/>
+            <a:headEnd type="none" w="med" len="med"/>
+            <a:tailEnd type="none" w="med" len="med"/>
           </a:ln>
         </p:spPr>
       </p:cxnSp>
@@ -4936,14 +5088,14 @@
             <a:avLst/>
           </a:prstGeom>
           <a:noFill/>
-          <a:ln cap="flat" cmpd="sng" w="9525">
+          <a:ln w="9525" cap="flat" cmpd="sng">
             <a:solidFill>
               <a:srgbClr val="FCD8D6"/>
             </a:solidFill>
             <a:prstDash val="dot"/>
             <a:round/>
-            <a:headEnd len="med" w="med" type="none"/>
-            <a:tailEnd len="med" w="med" type="none"/>
+            <a:headEnd type="none" w="med" len="med"/>
+            <a:tailEnd type="none" w="med" len="med"/>
           </a:ln>
         </p:spPr>
       </p:cxnSp>
@@ -4954,7 +5106,7 @@
           <p:nvPr/>
         </p:nvCxnSpPr>
         <p:spPr>
-          <a:xfrm flipH="1" rot="10800000">
+          <a:xfrm rot="10800000" flipH="1">
             <a:off x="-8000" y="1178475"/>
             <a:ext cx="9175200" cy="5400"/>
           </a:xfrm>
@@ -4962,14 +5114,14 @@
             <a:avLst/>
           </a:prstGeom>
           <a:noFill/>
-          <a:ln cap="flat" cmpd="sng" w="9525">
+          <a:ln w="9525" cap="flat" cmpd="sng">
             <a:solidFill>
               <a:srgbClr val="FCD8D6"/>
             </a:solidFill>
             <a:prstDash val="dot"/>
             <a:round/>
-            <a:headEnd len="med" w="med" type="none"/>
-            <a:tailEnd len="med" w="med" type="none"/>
+            <a:headEnd type="none" w="med" len="med"/>
+            <a:tailEnd type="none" w="med" len="med"/>
           </a:ln>
         </p:spPr>
       </p:cxnSp>
@@ -4980,7 +5132,7 @@
           <p:nvPr/>
         </p:nvCxnSpPr>
         <p:spPr>
-          <a:xfrm flipH="1" rot="10800000">
+          <a:xfrm rot="10800000" flipH="1">
             <a:off x="-15600" y="4860825"/>
             <a:ext cx="9175200" cy="5400"/>
           </a:xfrm>
@@ -4988,14 +5140,14 @@
             <a:avLst/>
           </a:prstGeom>
           <a:noFill/>
-          <a:ln cap="flat" cmpd="sng" w="9525">
+          <a:ln w="9525" cap="flat" cmpd="sng">
             <a:solidFill>
               <a:srgbClr val="FCD8D6"/>
             </a:solidFill>
             <a:prstDash val="dot"/>
             <a:round/>
-            <a:headEnd len="med" w="med" type="none"/>
-            <a:tailEnd len="med" w="med" type="none"/>
+            <a:headEnd type="none" w="med" len="med"/>
+            <a:tailEnd type="none" w="med" len="med"/>
           </a:ln>
         </p:spPr>
       </p:cxnSp>
@@ -5021,23 +5173,20 @@
           </a:ln>
         </p:spPr>
         <p:txBody>
-          <a:bodyPr anchorCtr="0" anchor="ctr" bIns="91425" lIns="91425" spcFirstLastPara="1" rIns="91425" wrap="square" tIns="91425">
+          <a:bodyPr spcFirstLastPara="1" wrap="square" lIns="91425" tIns="91425" rIns="91425" bIns="91425" anchor="ctr" anchorCtr="0">
             <a:noAutofit/>
           </a:bodyPr>
           <a:lstStyle/>
           <a:p>
-            <a:pPr indent="0" lvl="0" marL="0" rtl="0" algn="l">
-              <a:spcBef>
-                <a:spcPts val="0"/>
-              </a:spcBef>
-              <a:spcAft>
-                <a:spcPts val="0"/>
-              </a:spcAft>
-              <a:buNone/>
-            </a:pPr>
-            <a:r>
-              <a:t/>
-            </a:r>
+            <a:pPr marL="0" lvl="0" indent="0" algn="l" rtl="0">
+              <a:spcBef>
+                <a:spcPts val="0"/>
+              </a:spcBef>
+              <a:spcAft>
+                <a:spcPts val="0"/>
+              </a:spcAft>
+              <a:buNone/>
+            </a:pPr>
             <a:endParaRPr/>
           </a:p>
         </p:txBody>
@@ -5062,12 +5211,12 @@
           </a:ln>
         </p:spPr>
         <p:txBody>
-          <a:bodyPr anchorCtr="0" anchor="ctr" bIns="22850" lIns="45725" spcFirstLastPara="1" rIns="45725" wrap="square" tIns="22850">
+          <a:bodyPr spcFirstLastPara="1" wrap="square" lIns="45725" tIns="22850" rIns="45725" bIns="22850" anchor="ctr" anchorCtr="0">
             <a:noAutofit/>
           </a:bodyPr>
           <a:lstStyle/>
           <a:p>
-            <a:pPr indent="0" lvl="0" marL="0" rtl="0" algn="l">
+            <a:pPr marL="0" lvl="0" indent="0" algn="l" rtl="0">
               <a:spcBef>
                 <a:spcPts val="0"/>
               </a:spcBef>
@@ -5107,7 +5256,7 @@
           <p:nvPr/>
         </p:nvPicPr>
         <p:blipFill>
-          <a:blip r:embed="rId1">
+          <a:blip r:embed="rId15">
             <a:alphaModFix/>
           </a:blip>
           <a:stretch>
@@ -5130,26 +5279,26 @@
       </p:pic>
     </p:spTree>
   </p:cSld>
-  <p:clrMap accent1="accent1" accent2="accent2" accent3="accent3" accent4="accent4" accent5="accent5" accent6="accent6" bg1="lt1" bg2="dk2" tx1="dk1" tx2="lt2" folHlink="folHlink" hlink="hlink"/>
+  <p:clrMap bg1="lt1" tx1="dk1" bg2="dk2" tx2="lt2" accent1="accent1" accent2="accent2" accent3="accent3" accent4="accent4" accent5="accent5" accent6="accent6" hlink="hlink" folHlink="folHlink"/>
   <p:sldLayoutIdLst>
-    <p:sldLayoutId id="2147483648" r:id="rId2"/>
-    <p:sldLayoutId id="2147483649" r:id="rId3"/>
-    <p:sldLayoutId id="2147483650" r:id="rId4"/>
-    <p:sldLayoutId id="2147483651" r:id="rId5"/>
-    <p:sldLayoutId id="2147483652" r:id="rId6"/>
-    <p:sldLayoutId id="2147483653" r:id="rId7"/>
-    <p:sldLayoutId id="2147483654" r:id="rId8"/>
-    <p:sldLayoutId id="2147483655" r:id="rId9"/>
-    <p:sldLayoutId id="2147483656" r:id="rId10"/>
-    <p:sldLayoutId id="2147483657" r:id="rId11"/>
-    <p:sldLayoutId id="2147483658" r:id="rId12"/>
-    <p:sldLayoutId id="2147483659" r:id="rId13"/>
-    <p:sldLayoutId id="2147483660" r:id="rId14"/>
+    <p:sldLayoutId id="2147483648" r:id="rId1"/>
+    <p:sldLayoutId id="2147483649" r:id="rId2"/>
+    <p:sldLayoutId id="2147483650" r:id="rId3"/>
+    <p:sldLayoutId id="2147483651" r:id="rId4"/>
+    <p:sldLayoutId id="2147483652" r:id="rId5"/>
+    <p:sldLayoutId id="2147483653" r:id="rId6"/>
+    <p:sldLayoutId id="2147483654" r:id="rId7"/>
+    <p:sldLayoutId id="2147483655" r:id="rId8"/>
+    <p:sldLayoutId id="2147483656" r:id="rId9"/>
+    <p:sldLayoutId id="2147483657" r:id="rId10"/>
+    <p:sldLayoutId id="2147483658" r:id="rId11"/>
+    <p:sldLayoutId id="2147483659" r:id="rId12"/>
+    <p:sldLayoutId id="2147483660" r:id="rId13"/>
   </p:sldLayoutIdLst>
-  <p:hf dt="0" ftr="0" hdr="0" sldNum="0"/>
+  <p:hf sldNum="0" hdr="0" ftr="0" dt="0"/>
   <p:txStyles>
     <p:titleStyle>
-      <a:defPPr lvl="0" marR="0" rtl="0" algn="l">
+      <a:defPPr marR="0" lvl="0" algn="l" rtl="0">
         <a:lnSpc>
           <a:spcPct val="100000"/>
         </a:lnSpc>
@@ -5160,7 +5309,7 @@
           <a:spcPts val="0"/>
         </a:spcAft>
       </a:defPPr>
-      <a:lvl1pPr lvl="0" marR="0" rtl="0" algn="l">
+      <a:lvl1pPr marR="0" lvl="0" algn="l" rtl="0">
         <a:lnSpc>
           <a:spcPct val="100000"/>
         </a:lnSpc>
@@ -5174,7 +5323,7 @@
           <a:srgbClr val="000000"/>
         </a:buClr>
         <a:buFont typeface="Arial"/>
-        <a:defRPr b="0" i="0" sz="1400" u="none" cap="none" strike="noStrike">
+        <a:defRPr sz="1400" b="0" i="0" u="none" strike="noStrike" cap="none">
           <a:solidFill>
             <a:srgbClr val="000000"/>
           </a:solidFill>
@@ -5184,7 +5333,7 @@
           <a:sym typeface="Arial"/>
         </a:defRPr>
       </a:lvl1pPr>
-      <a:lvl2pPr lvl="1" marR="0" rtl="0" algn="l">
+      <a:lvl2pPr marR="0" lvl="1" algn="l" rtl="0">
         <a:lnSpc>
           <a:spcPct val="100000"/>
         </a:lnSpc>
@@ -5198,7 +5347,7 @@
           <a:srgbClr val="000000"/>
         </a:buClr>
         <a:buFont typeface="Arial"/>
-        <a:defRPr b="0" i="0" sz="1400" u="none" cap="none" strike="noStrike">
+        <a:defRPr sz="1400" b="0" i="0" u="none" strike="noStrike" cap="none">
           <a:solidFill>
             <a:srgbClr val="000000"/>
           </a:solidFill>
@@ -5208,7 +5357,7 @@
           <a:sym typeface="Arial"/>
         </a:defRPr>
       </a:lvl2pPr>
-      <a:lvl3pPr lvl="2" marR="0" rtl="0" algn="l">
+      <a:lvl3pPr marR="0" lvl="2" algn="l" rtl="0">
         <a:lnSpc>
           <a:spcPct val="100000"/>
         </a:lnSpc>
@@ -5222,7 +5371,7 @@
           <a:srgbClr val="000000"/>
         </a:buClr>
         <a:buFont typeface="Arial"/>
-        <a:defRPr b="0" i="0" sz="1400" u="none" cap="none" strike="noStrike">
+        <a:defRPr sz="1400" b="0" i="0" u="none" strike="noStrike" cap="none">
           <a:solidFill>
             <a:srgbClr val="000000"/>
           </a:solidFill>
@@ -5232,7 +5381,7 @@
           <a:sym typeface="Arial"/>
         </a:defRPr>
       </a:lvl3pPr>
-      <a:lvl4pPr lvl="3" marR="0" rtl="0" algn="l">
+      <a:lvl4pPr marR="0" lvl="3" algn="l" rtl="0">
         <a:lnSpc>
           <a:spcPct val="100000"/>
         </a:lnSpc>
@@ -5246,7 +5395,7 @@
           <a:srgbClr val="000000"/>
         </a:buClr>
         <a:buFont typeface="Arial"/>
-        <a:defRPr b="0" i="0" sz="1400" u="none" cap="none" strike="noStrike">
+        <a:defRPr sz="1400" b="0" i="0" u="none" strike="noStrike" cap="none">
           <a:solidFill>
             <a:srgbClr val="000000"/>
           </a:solidFill>
@@ -5256,7 +5405,7 @@
           <a:sym typeface="Arial"/>
         </a:defRPr>
       </a:lvl4pPr>
-      <a:lvl5pPr lvl="4" marR="0" rtl="0" algn="l">
+      <a:lvl5pPr marR="0" lvl="4" algn="l" rtl="0">
         <a:lnSpc>
           <a:spcPct val="100000"/>
         </a:lnSpc>
@@ -5270,7 +5419,7 @@
           <a:srgbClr val="000000"/>
         </a:buClr>
         <a:buFont typeface="Arial"/>
-        <a:defRPr b="0" i="0" sz="1400" u="none" cap="none" strike="noStrike">
+        <a:defRPr sz="1400" b="0" i="0" u="none" strike="noStrike" cap="none">
           <a:solidFill>
             <a:srgbClr val="000000"/>
           </a:solidFill>
@@ -5280,7 +5429,7 @@
           <a:sym typeface="Arial"/>
         </a:defRPr>
       </a:lvl5pPr>
-      <a:lvl6pPr lvl="5" marR="0" rtl="0" algn="l">
+      <a:lvl6pPr marR="0" lvl="5" algn="l" rtl="0">
         <a:lnSpc>
           <a:spcPct val="100000"/>
         </a:lnSpc>
@@ -5294,7 +5443,7 @@
           <a:srgbClr val="000000"/>
         </a:buClr>
         <a:buFont typeface="Arial"/>
-        <a:defRPr b="0" i="0" sz="1400" u="none" cap="none" strike="noStrike">
+        <a:defRPr sz="1400" b="0" i="0" u="none" strike="noStrike" cap="none">
           <a:solidFill>
             <a:srgbClr val="000000"/>
           </a:solidFill>
@@ -5304,7 +5453,7 @@
           <a:sym typeface="Arial"/>
         </a:defRPr>
       </a:lvl6pPr>
-      <a:lvl7pPr lvl="6" marR="0" rtl="0" algn="l">
+      <a:lvl7pPr marR="0" lvl="6" algn="l" rtl="0">
         <a:lnSpc>
           <a:spcPct val="100000"/>
         </a:lnSpc>
@@ -5318,7 +5467,7 @@
           <a:srgbClr val="000000"/>
         </a:buClr>
         <a:buFont typeface="Arial"/>
-        <a:defRPr b="0" i="0" sz="1400" u="none" cap="none" strike="noStrike">
+        <a:defRPr sz="1400" b="0" i="0" u="none" strike="noStrike" cap="none">
           <a:solidFill>
             <a:srgbClr val="000000"/>
           </a:solidFill>
@@ -5328,7 +5477,7 @@
           <a:sym typeface="Arial"/>
         </a:defRPr>
       </a:lvl7pPr>
-      <a:lvl8pPr lvl="7" marR="0" rtl="0" algn="l">
+      <a:lvl8pPr marR="0" lvl="7" algn="l" rtl="0">
         <a:lnSpc>
           <a:spcPct val="100000"/>
         </a:lnSpc>
@@ -5342,7 +5491,7 @@
           <a:srgbClr val="000000"/>
         </a:buClr>
         <a:buFont typeface="Arial"/>
-        <a:defRPr b="0" i="0" sz="1400" u="none" cap="none" strike="noStrike">
+        <a:defRPr sz="1400" b="0" i="0" u="none" strike="noStrike" cap="none">
           <a:solidFill>
             <a:srgbClr val="000000"/>
           </a:solidFill>
@@ -5352,7 +5501,7 @@
           <a:sym typeface="Arial"/>
         </a:defRPr>
       </a:lvl8pPr>
-      <a:lvl9pPr lvl="8" marR="0" rtl="0" algn="l">
+      <a:lvl9pPr marR="0" lvl="8" algn="l" rtl="0">
         <a:lnSpc>
           <a:spcPct val="100000"/>
         </a:lnSpc>
@@ -5366,7 +5515,7 @@
           <a:srgbClr val="000000"/>
         </a:buClr>
         <a:buFont typeface="Arial"/>
-        <a:defRPr b="0" i="0" sz="1400" u="none" cap="none" strike="noStrike">
+        <a:defRPr sz="1400" b="0" i="0" u="none" strike="noStrike" cap="none">
           <a:solidFill>
             <a:srgbClr val="000000"/>
           </a:solidFill>
@@ -5378,7 +5527,7 @@
       </a:lvl9pPr>
     </p:titleStyle>
     <p:bodyStyle>
-      <a:defPPr lvl="0" marR="0" rtl="0" algn="l">
+      <a:defPPr marR="0" lvl="0" algn="l" rtl="0">
         <a:lnSpc>
           <a:spcPct val="100000"/>
         </a:lnSpc>
@@ -5389,7 +5538,7 @@
           <a:spcPts val="0"/>
         </a:spcAft>
       </a:defPPr>
-      <a:lvl1pPr lvl="0" marR="0" rtl="0" algn="l">
+      <a:lvl1pPr marR="0" lvl="0" algn="l" rtl="0">
         <a:lnSpc>
           <a:spcPct val="100000"/>
         </a:lnSpc>
@@ -5403,7 +5552,7 @@
           <a:srgbClr val="000000"/>
         </a:buClr>
         <a:buFont typeface="Arial"/>
-        <a:defRPr b="0" i="0" sz="1400" u="none" cap="none" strike="noStrike">
+        <a:defRPr sz="1400" b="0" i="0" u="none" strike="noStrike" cap="none">
           <a:solidFill>
             <a:srgbClr val="000000"/>
           </a:solidFill>
@@ -5413,7 +5562,7 @@
           <a:sym typeface="Arial"/>
         </a:defRPr>
       </a:lvl1pPr>
-      <a:lvl2pPr lvl="1" marR="0" rtl="0" algn="l">
+      <a:lvl2pPr marR="0" lvl="1" algn="l" rtl="0">
         <a:lnSpc>
           <a:spcPct val="100000"/>
         </a:lnSpc>
@@ -5427,7 +5576,7 @@
           <a:srgbClr val="000000"/>
         </a:buClr>
         <a:buFont typeface="Arial"/>
-        <a:defRPr b="0" i="0" sz="1400" u="none" cap="none" strike="noStrike">
+        <a:defRPr sz="1400" b="0" i="0" u="none" strike="noStrike" cap="none">
           <a:solidFill>
             <a:srgbClr val="000000"/>
           </a:solidFill>
@@ -5437,7 +5586,7 @@
           <a:sym typeface="Arial"/>
         </a:defRPr>
       </a:lvl2pPr>
-      <a:lvl3pPr lvl="2" marR="0" rtl="0" algn="l">
+      <a:lvl3pPr marR="0" lvl="2" algn="l" rtl="0">
         <a:lnSpc>
           <a:spcPct val="100000"/>
         </a:lnSpc>
@@ -5451,7 +5600,7 @@
           <a:srgbClr val="000000"/>
         </a:buClr>
         <a:buFont typeface="Arial"/>
-        <a:defRPr b="0" i="0" sz="1400" u="none" cap="none" strike="noStrike">
+        <a:defRPr sz="1400" b="0" i="0" u="none" strike="noStrike" cap="none">
           <a:solidFill>
             <a:srgbClr val="000000"/>
           </a:solidFill>
@@ -5461,7 +5610,7 @@
           <a:sym typeface="Arial"/>
         </a:defRPr>
       </a:lvl3pPr>
-      <a:lvl4pPr lvl="3" marR="0" rtl="0" algn="l">
+      <a:lvl4pPr marR="0" lvl="3" algn="l" rtl="0">
         <a:lnSpc>
           <a:spcPct val="100000"/>
         </a:lnSpc>
@@ -5475,7 +5624,7 @@
           <a:srgbClr val="000000"/>
         </a:buClr>
         <a:buFont typeface="Arial"/>
-        <a:defRPr b="0" i="0" sz="1400" u="none" cap="none" strike="noStrike">
+        <a:defRPr sz="1400" b="0" i="0" u="none" strike="noStrike" cap="none">
           <a:solidFill>
             <a:srgbClr val="000000"/>
           </a:solidFill>
@@ -5485,7 +5634,7 @@
           <a:sym typeface="Arial"/>
         </a:defRPr>
       </a:lvl4pPr>
-      <a:lvl5pPr lvl="4" marR="0" rtl="0" algn="l">
+      <a:lvl5pPr marR="0" lvl="4" algn="l" rtl="0">
         <a:lnSpc>
           <a:spcPct val="100000"/>
         </a:lnSpc>
@@ -5499,7 +5648,7 @@
           <a:srgbClr val="000000"/>
         </a:buClr>
         <a:buFont typeface="Arial"/>
-        <a:defRPr b="0" i="0" sz="1400" u="none" cap="none" strike="noStrike">
+        <a:defRPr sz="1400" b="0" i="0" u="none" strike="noStrike" cap="none">
           <a:solidFill>
             <a:srgbClr val="000000"/>
           </a:solidFill>
@@ -5509,7 +5658,7 @@
           <a:sym typeface="Arial"/>
         </a:defRPr>
       </a:lvl5pPr>
-      <a:lvl6pPr lvl="5" marR="0" rtl="0" algn="l">
+      <a:lvl6pPr marR="0" lvl="5" algn="l" rtl="0">
         <a:lnSpc>
           <a:spcPct val="100000"/>
         </a:lnSpc>
@@ -5523,7 +5672,7 @@
           <a:srgbClr val="000000"/>
         </a:buClr>
         <a:buFont typeface="Arial"/>
-        <a:defRPr b="0" i="0" sz="1400" u="none" cap="none" strike="noStrike">
+        <a:defRPr sz="1400" b="0" i="0" u="none" strike="noStrike" cap="none">
           <a:solidFill>
             <a:srgbClr val="000000"/>
           </a:solidFill>
@@ -5533,7 +5682,7 @@
           <a:sym typeface="Arial"/>
         </a:defRPr>
       </a:lvl6pPr>
-      <a:lvl7pPr lvl="6" marR="0" rtl="0" algn="l">
+      <a:lvl7pPr marR="0" lvl="6" algn="l" rtl="0">
         <a:lnSpc>
           <a:spcPct val="100000"/>
         </a:lnSpc>
@@ -5547,7 +5696,7 @@
           <a:srgbClr val="000000"/>
         </a:buClr>
         <a:buFont typeface="Arial"/>
-        <a:defRPr b="0" i="0" sz="1400" u="none" cap="none" strike="noStrike">
+        <a:defRPr sz="1400" b="0" i="0" u="none" strike="noStrike" cap="none">
           <a:solidFill>
             <a:srgbClr val="000000"/>
           </a:solidFill>
@@ -5557,7 +5706,7 @@
           <a:sym typeface="Arial"/>
         </a:defRPr>
       </a:lvl7pPr>
-      <a:lvl8pPr lvl="7" marR="0" rtl="0" algn="l">
+      <a:lvl8pPr marR="0" lvl="7" algn="l" rtl="0">
         <a:lnSpc>
           <a:spcPct val="100000"/>
         </a:lnSpc>
@@ -5571,7 +5720,7 @@
           <a:srgbClr val="000000"/>
         </a:buClr>
         <a:buFont typeface="Arial"/>
-        <a:defRPr b="0" i="0" sz="1400" u="none" cap="none" strike="noStrike">
+        <a:defRPr sz="1400" b="0" i="0" u="none" strike="noStrike" cap="none">
           <a:solidFill>
             <a:srgbClr val="000000"/>
           </a:solidFill>
@@ -5581,7 +5730,7 @@
           <a:sym typeface="Arial"/>
         </a:defRPr>
       </a:lvl8pPr>
-      <a:lvl9pPr lvl="8" marR="0" rtl="0" algn="l">
+      <a:lvl9pPr marR="0" lvl="8" algn="l" rtl="0">
         <a:lnSpc>
           <a:spcPct val="100000"/>
         </a:lnSpc>
@@ -5595,7 +5744,7 @@
           <a:srgbClr val="000000"/>
         </a:buClr>
         <a:buFont typeface="Arial"/>
-        <a:defRPr b="0" i="0" sz="1400" u="none" cap="none" strike="noStrike">
+        <a:defRPr sz="1400" b="0" i="0" u="none" strike="noStrike" cap="none">
           <a:solidFill>
             <a:srgbClr val="000000"/>
           </a:solidFill>
@@ -5607,7 +5756,7 @@
       </a:lvl9pPr>
     </p:bodyStyle>
     <p:otherStyle>
-      <a:defPPr lvl="0" marR="0" rtl="0" algn="l">
+      <a:defPPr marR="0" lvl="0" algn="l" rtl="0">
         <a:lnSpc>
           <a:spcPct val="100000"/>
         </a:lnSpc>
@@ -5618,7 +5767,7 @@
           <a:spcPts val="0"/>
         </a:spcAft>
       </a:defPPr>
-      <a:lvl1pPr lvl="0" marR="0" rtl="0" algn="l">
+      <a:lvl1pPr marR="0" lvl="0" algn="l" rtl="0">
         <a:lnSpc>
           <a:spcPct val="100000"/>
         </a:lnSpc>
@@ -5632,7 +5781,7 @@
           <a:srgbClr val="000000"/>
         </a:buClr>
         <a:buFont typeface="Arial"/>
-        <a:defRPr b="0" i="0" sz="1400" u="none" cap="none" strike="noStrike">
+        <a:defRPr sz="1400" b="0" i="0" u="none" strike="noStrike" cap="none">
           <a:solidFill>
             <a:srgbClr val="000000"/>
           </a:solidFill>
@@ -5642,7 +5791,7 @@
           <a:sym typeface="Arial"/>
         </a:defRPr>
       </a:lvl1pPr>
-      <a:lvl2pPr lvl="1" marR="0" rtl="0" algn="l">
+      <a:lvl2pPr marR="0" lvl="1" algn="l" rtl="0">
         <a:lnSpc>
           <a:spcPct val="100000"/>
         </a:lnSpc>
@@ -5656,7 +5805,7 @@
           <a:srgbClr val="000000"/>
         </a:buClr>
         <a:buFont typeface="Arial"/>
-        <a:defRPr b="0" i="0" sz="1400" u="none" cap="none" strike="noStrike">
+        <a:defRPr sz="1400" b="0" i="0" u="none" strike="noStrike" cap="none">
           <a:solidFill>
             <a:srgbClr val="000000"/>
           </a:solidFill>
@@ -5666,7 +5815,7 @@
           <a:sym typeface="Arial"/>
         </a:defRPr>
       </a:lvl2pPr>
-      <a:lvl3pPr lvl="2" marR="0" rtl="0" algn="l">
+      <a:lvl3pPr marR="0" lvl="2" algn="l" rtl="0">
         <a:lnSpc>
           <a:spcPct val="100000"/>
         </a:lnSpc>
@@ -5680,7 +5829,7 @@
           <a:srgbClr val="000000"/>
         </a:buClr>
         <a:buFont typeface="Arial"/>
-        <a:defRPr b="0" i="0" sz="1400" u="none" cap="none" strike="noStrike">
+        <a:defRPr sz="1400" b="0" i="0" u="none" strike="noStrike" cap="none">
           <a:solidFill>
             <a:srgbClr val="000000"/>
           </a:solidFill>
@@ -5690,7 +5839,7 @@
           <a:sym typeface="Arial"/>
         </a:defRPr>
       </a:lvl3pPr>
-      <a:lvl4pPr lvl="3" marR="0" rtl="0" algn="l">
+      <a:lvl4pPr marR="0" lvl="3" algn="l" rtl="0">
         <a:lnSpc>
           <a:spcPct val="100000"/>
         </a:lnSpc>
@@ -5704,7 +5853,7 @@
           <a:srgbClr val="000000"/>
         </a:buClr>
         <a:buFont typeface="Arial"/>
-        <a:defRPr b="0" i="0" sz="1400" u="none" cap="none" strike="noStrike">
+        <a:defRPr sz="1400" b="0" i="0" u="none" strike="noStrike" cap="none">
           <a:solidFill>
             <a:srgbClr val="000000"/>
           </a:solidFill>
@@ -5714,7 +5863,7 @@
           <a:sym typeface="Arial"/>
         </a:defRPr>
       </a:lvl4pPr>
-      <a:lvl5pPr lvl="4" marR="0" rtl="0" algn="l">
+      <a:lvl5pPr marR="0" lvl="4" algn="l" rtl="0">
         <a:lnSpc>
           <a:spcPct val="100000"/>
         </a:lnSpc>
@@ -5728,7 +5877,7 @@
           <a:srgbClr val="000000"/>
         </a:buClr>
         <a:buFont typeface="Arial"/>
-        <a:defRPr b="0" i="0" sz="1400" u="none" cap="none" strike="noStrike">
+        <a:defRPr sz="1400" b="0" i="0" u="none" strike="noStrike" cap="none">
           <a:solidFill>
             <a:srgbClr val="000000"/>
           </a:solidFill>
@@ -5738,7 +5887,7 @@
           <a:sym typeface="Arial"/>
         </a:defRPr>
       </a:lvl5pPr>
-      <a:lvl6pPr lvl="5" marR="0" rtl="0" algn="l">
+      <a:lvl6pPr marR="0" lvl="5" algn="l" rtl="0">
         <a:lnSpc>
           <a:spcPct val="100000"/>
         </a:lnSpc>
@@ -5752,7 +5901,7 @@
           <a:srgbClr val="000000"/>
         </a:buClr>
         <a:buFont typeface="Arial"/>
-        <a:defRPr b="0" i="0" sz="1400" u="none" cap="none" strike="noStrike">
+        <a:defRPr sz="1400" b="0" i="0" u="none" strike="noStrike" cap="none">
           <a:solidFill>
             <a:srgbClr val="000000"/>
           </a:solidFill>
@@ -5762,7 +5911,7 @@
           <a:sym typeface="Arial"/>
         </a:defRPr>
       </a:lvl6pPr>
-      <a:lvl7pPr lvl="6" marR="0" rtl="0" algn="l">
+      <a:lvl7pPr marR="0" lvl="6" algn="l" rtl="0">
         <a:lnSpc>
           <a:spcPct val="100000"/>
         </a:lnSpc>
@@ -5776,7 +5925,7 @@
           <a:srgbClr val="000000"/>
         </a:buClr>
         <a:buFont typeface="Arial"/>
-        <a:defRPr b="0" i="0" sz="1400" u="none" cap="none" strike="noStrike">
+        <a:defRPr sz="1400" b="0" i="0" u="none" strike="noStrike" cap="none">
           <a:solidFill>
             <a:srgbClr val="000000"/>
           </a:solidFill>
@@ -5786,7 +5935,7 @@
           <a:sym typeface="Arial"/>
         </a:defRPr>
       </a:lvl7pPr>
-      <a:lvl8pPr lvl="7" marR="0" rtl="0" algn="l">
+      <a:lvl8pPr marR="0" lvl="7" algn="l" rtl="0">
         <a:lnSpc>
           <a:spcPct val="100000"/>
         </a:lnSpc>
@@ -5800,7 +5949,7 @@
           <a:srgbClr val="000000"/>
         </a:buClr>
         <a:buFont typeface="Arial"/>
-        <a:defRPr b="0" i="0" sz="1400" u="none" cap="none" strike="noStrike">
+        <a:defRPr sz="1400" b="0" i="0" u="none" strike="noStrike" cap="none">
           <a:solidFill>
             <a:srgbClr val="000000"/>
           </a:solidFill>
@@ -5810,7 +5959,7 @@
           <a:sym typeface="Arial"/>
         </a:defRPr>
       </a:lvl8pPr>
-      <a:lvl9pPr lvl="8" marR="0" rtl="0" algn="l">
+      <a:lvl9pPr marR="0" lvl="8" algn="l" rtl="0">
         <a:lnSpc>
           <a:spcPct val="100000"/>
         </a:lnSpc>
@@ -5824,7 +5973,7 @@
           <a:srgbClr val="000000"/>
         </a:buClr>
         <a:buFont typeface="Arial"/>
-        <a:defRPr b="0" i="0" sz="1400" u="none" cap="none" strike="noStrike">
+        <a:defRPr sz="1400" b="0" i="0" u="none" strike="noStrike" cap="none">
           <a:solidFill>
             <a:srgbClr val="000000"/>
           </a:solidFill>
@@ -5840,11 +5989,11 @@
 </file>
 
 <file path=ppt/slides/slide1.xml><?xml version="1.0" encoding="utf-8"?>
-<p:sld xmlns:a="http://schemas.openxmlformats.org/drawingml/2006/main" xmlns:r="http://schemas.openxmlformats.org/officeDocument/2006/relationships" xmlns:mc="http://schemas.openxmlformats.org/markup-compatibility/2006" xmlns:mv="urn:schemas-microsoft-com:mac:vml" xmlns:p="http://schemas.openxmlformats.org/presentationml/2006/main" xmlns:c="http://schemas.openxmlformats.org/drawingml/2006/chart" xmlns:dgm="http://schemas.openxmlformats.org/drawingml/2006/diagram" xmlns:o="urn:schemas-microsoft-com:office:office" xmlns:v="urn:schemas-microsoft-com:vml" xmlns:pvml="urn:schemas-microsoft-com:office:powerpoint" xmlns:com="http://schemas.openxmlformats.org/drawingml/2006/compatibility" xmlns:p14="http://schemas.microsoft.com/office/powerpoint/2010/main" xmlns:p15="http://schemas.microsoft.com/office/powerpoint/2012/main" xmlns:ahyp="http://schemas.microsoft.com/office/drawing/2018/hyperlinkcolor">
+<p:sld xmlns:a="http://schemas.openxmlformats.org/drawingml/2006/main" xmlns:r="http://schemas.openxmlformats.org/officeDocument/2006/relationships" xmlns:p="http://schemas.openxmlformats.org/presentationml/2006/main">
   <p:cSld>
     <p:spTree>
       <p:nvGrpSpPr>
-        <p:cNvPr id="52" name="Shape 52"/>
+        <p:cNvPr id="1" name="Shape 52"/>
         <p:cNvGrpSpPr/>
         <p:nvPr/>
       </p:nvGrpSpPr>
@@ -5876,12 +6025,12 @@
           </a:ln>
         </p:spPr>
         <p:txBody>
-          <a:bodyPr anchorCtr="0" anchor="t" bIns="91425" lIns="91425" spcFirstLastPara="1" rIns="91425" wrap="square" tIns="91425">
+          <a:bodyPr spcFirstLastPara="1" wrap="square" lIns="91425" tIns="91425" rIns="91425" bIns="91425" anchor="t" anchorCtr="0">
             <a:spAutoFit/>
           </a:bodyPr>
           <a:lstStyle/>
           <a:p>
-            <a:pPr indent="0" lvl="0" marL="0" rtl="0" algn="l">
+            <a:pPr marL="0" lvl="0" indent="0" algn="l" rtl="0">
               <a:lnSpc>
                 <a:spcPct val="90000"/>
               </a:lnSpc>
@@ -5899,7 +6048,7 @@
               <a:buNone/>
             </a:pPr>
             <a:r>
-              <a:rPr b="1" lang="es" sz="3000">
+              <a:rPr lang="es" sz="3000" b="1">
                 <a:solidFill>
                   <a:srgbClr val="EC183F"/>
                 </a:solidFill>
@@ -5911,7 +6060,7 @@
               <a:t>Actividad </a:t>
             </a:r>
             <a:r>
-              <a:rPr b="1" lang="es" sz="3000">
+              <a:rPr lang="es" sz="3000" b="1">
                 <a:solidFill>
                   <a:srgbClr val="434343"/>
                 </a:solidFill>
@@ -5922,7 +6071,7 @@
               </a:rPr>
               <a:t>Tipos de Amenazas</a:t>
             </a:r>
-            <a:endParaRPr b="1" sz="3000">
+            <a:endParaRPr sz="3000" b="1">
               <a:solidFill>
                 <a:srgbClr val="3F3F3F"/>
               </a:solidFill>
@@ -5933,18 +6082,15 @@
             </a:endParaRPr>
           </a:p>
           <a:p>
-            <a:pPr indent="0" lvl="0" marL="0" rtl="0" algn="ctr">
-              <a:spcBef>
-                <a:spcPts val="0"/>
-              </a:spcBef>
-              <a:spcAft>
-                <a:spcPts val="0"/>
-              </a:spcAft>
-              <a:buNone/>
-            </a:pPr>
-            <a:r>
-              <a:t/>
-            </a:r>
+            <a:pPr marL="0" lvl="0" indent="0" algn="ctr" rtl="0">
+              <a:spcBef>
+                <a:spcPts val="0"/>
+              </a:spcBef>
+              <a:spcAft>
+                <a:spcPts val="0"/>
+              </a:spcAft>
+              <a:buNone/>
+            </a:pPr>
             <a:endParaRPr b="1" u="sng"/>
           </a:p>
         </p:txBody>
@@ -5969,12 +6115,12 @@
           </a:ln>
         </p:spPr>
         <p:txBody>
-          <a:bodyPr anchorCtr="0" anchor="t" bIns="91425" lIns="91425" spcFirstLastPara="1" rIns="91425" wrap="square" tIns="91425">
+          <a:bodyPr spcFirstLastPara="1" wrap="square" lIns="91425" tIns="91425" rIns="91425" bIns="91425" anchor="t" anchorCtr="0">
             <a:spAutoFit/>
           </a:bodyPr>
           <a:lstStyle/>
           <a:p>
-            <a:pPr indent="0" lvl="0" marL="0" rtl="0" algn="l">
+            <a:pPr marL="0" lvl="0" indent="0" algn="l" rtl="0">
               <a:spcBef>
                 <a:spcPts val="0"/>
               </a:spcBef>
@@ -5988,24 +6134,18 @@
               <a:buFont typeface="Arial"/>
               <a:buNone/>
             </a:pPr>
-            <a:r>
-              <a:t/>
-            </a:r>
             <a:endParaRPr/>
           </a:p>
           <a:p>
-            <a:pPr indent="0" lvl="0" marL="0" rtl="0" algn="l">
-              <a:spcBef>
-                <a:spcPts val="0"/>
-              </a:spcBef>
-              <a:spcAft>
-                <a:spcPts val="0"/>
-              </a:spcAft>
-              <a:buNone/>
-            </a:pPr>
-            <a:r>
-              <a:t/>
-            </a:r>
+            <a:pPr marL="0" lvl="0" indent="0" algn="l" rtl="0">
+              <a:spcBef>
+                <a:spcPts val="0"/>
+              </a:spcBef>
+              <a:spcAft>
+                <a:spcPts val="0"/>
+              </a:spcAft>
+              <a:buNone/>
+            </a:pPr>
             <a:endParaRPr/>
           </a:p>
         </p:txBody>
@@ -6030,12 +6170,12 @@
           </a:ln>
         </p:spPr>
         <p:txBody>
-          <a:bodyPr anchorCtr="0" anchor="t" bIns="91425" lIns="91425" spcFirstLastPara="1" rIns="91425" wrap="square" tIns="91425">
+          <a:bodyPr spcFirstLastPara="1" wrap="square" lIns="91425" tIns="91425" rIns="91425" bIns="91425" anchor="t" anchorCtr="0">
             <a:spAutoFit/>
           </a:bodyPr>
           <a:lstStyle/>
           <a:p>
-            <a:pPr indent="0" lvl="0" marL="0" rtl="0" algn="l">
+            <a:pPr marL="0" lvl="0" indent="0" algn="l" rtl="0">
               <a:spcBef>
                 <a:spcPts val="0"/>
               </a:spcBef>
@@ -6054,79 +6194,7 @@
                 <a:cs typeface="Open Sans"/>
                 <a:sym typeface="Open Sans"/>
               </a:rPr>
-              <a:t>Utilizando este documento de presentación, cada </a:t>
-            </a:r>
-            <a:r>
-              <a:rPr lang="es" sz="1600">
-                <a:solidFill>
-                  <a:srgbClr val="3F3F3F"/>
-                </a:solidFill>
-                <a:latin typeface="Open Sans"/>
-                <a:ea typeface="Open Sans"/>
-                <a:cs typeface="Open Sans"/>
-                <a:sym typeface="Open Sans"/>
-              </a:rPr>
-              <a:t>mesa</a:t>
-            </a:r>
-            <a:r>
-              <a:rPr lang="es" sz="1600">
-                <a:solidFill>
-                  <a:srgbClr val="3F3F3F"/>
-                </a:solidFill>
-                <a:latin typeface="Open Sans"/>
-                <a:ea typeface="Open Sans"/>
-                <a:cs typeface="Open Sans"/>
-                <a:sym typeface="Open Sans"/>
-              </a:rPr>
-              <a:t> deberá resolver y completar en cada hoja , que le corresponde </a:t>
-            </a:r>
-            <a:r>
-              <a:rPr lang="es" sz="1600">
-                <a:solidFill>
-                  <a:srgbClr val="3F3F3F"/>
-                </a:solidFill>
-                <a:latin typeface="Open Sans"/>
-                <a:ea typeface="Open Sans"/>
-                <a:cs typeface="Open Sans"/>
-                <a:sym typeface="Open Sans"/>
-              </a:rPr>
-              <a:t>según</a:t>
-            </a:r>
-            <a:r>
-              <a:rPr lang="es" sz="1600">
-                <a:solidFill>
-                  <a:srgbClr val="3F3F3F"/>
-                </a:solidFill>
-                <a:latin typeface="Open Sans"/>
-                <a:ea typeface="Open Sans"/>
-                <a:cs typeface="Open Sans"/>
-                <a:sym typeface="Open Sans"/>
-              </a:rPr>
-              <a:t> su </a:t>
-            </a:r>
-            <a:r>
-              <a:rPr lang="es" sz="1600">
-                <a:solidFill>
-                  <a:srgbClr val="3F3F3F"/>
-                </a:solidFill>
-                <a:latin typeface="Open Sans"/>
-                <a:ea typeface="Open Sans"/>
-                <a:cs typeface="Open Sans"/>
-                <a:sym typeface="Open Sans"/>
-              </a:rPr>
-              <a:t>número</a:t>
-            </a:r>
-            <a:r>
-              <a:rPr lang="es" sz="1600">
-                <a:solidFill>
-                  <a:srgbClr val="3F3F3F"/>
-                </a:solidFill>
-                <a:latin typeface="Open Sans"/>
-                <a:ea typeface="Open Sans"/>
-                <a:cs typeface="Open Sans"/>
-                <a:sym typeface="Open Sans"/>
-              </a:rPr>
-              <a:t> de mesa.</a:t>
+              <a:t>Utilizando este documento de presentación, cada mesa deberá resolver y completar en cada hoja , que le corresponde según su número de mesa.</a:t>
             </a:r>
             <a:endParaRPr/>
           </a:p>
@@ -6169,11 +6237,11 @@
 </file>
 
 <file path=ppt/slides/slide10.xml><?xml version="1.0" encoding="utf-8"?>
-<p:sld xmlns:a="http://schemas.openxmlformats.org/drawingml/2006/main" xmlns:r="http://schemas.openxmlformats.org/officeDocument/2006/relationships" xmlns:mc="http://schemas.openxmlformats.org/markup-compatibility/2006" xmlns:mv="urn:schemas-microsoft-com:mac:vml" xmlns:p="http://schemas.openxmlformats.org/presentationml/2006/main" xmlns:c="http://schemas.openxmlformats.org/drawingml/2006/chart" xmlns:dgm="http://schemas.openxmlformats.org/drawingml/2006/diagram" xmlns:o="urn:schemas-microsoft-com:office:office" xmlns:v="urn:schemas-microsoft-com:vml" xmlns:pvml="urn:schemas-microsoft-com:office:powerpoint" xmlns:com="http://schemas.openxmlformats.org/drawingml/2006/compatibility" xmlns:p14="http://schemas.microsoft.com/office/powerpoint/2010/main" xmlns:p15="http://schemas.microsoft.com/office/powerpoint/2012/main" xmlns:ahyp="http://schemas.microsoft.com/office/drawing/2018/hyperlinkcolor">
+<p:sld xmlns:a="http://schemas.openxmlformats.org/drawingml/2006/main" xmlns:r="http://schemas.openxmlformats.org/officeDocument/2006/relationships" xmlns:p="http://schemas.openxmlformats.org/presentationml/2006/main">
   <p:cSld>
     <p:spTree>
       <p:nvGrpSpPr>
-        <p:cNvPr id="108" name="Shape 108"/>
+        <p:cNvPr id="1" name="Shape 108"/>
         <p:cNvGrpSpPr/>
         <p:nvPr/>
       </p:nvGrpSpPr>
@@ -6205,12 +6273,12 @@
           </a:ln>
         </p:spPr>
         <p:txBody>
-          <a:bodyPr anchorCtr="0" anchor="t" bIns="91425" lIns="91425" spcFirstLastPara="1" rIns="91425" wrap="square" tIns="91425">
+          <a:bodyPr spcFirstLastPara="1" wrap="square" lIns="91425" tIns="91425" rIns="91425" bIns="91425" anchor="t" anchorCtr="0">
             <a:spAutoFit/>
           </a:bodyPr>
           <a:lstStyle/>
           <a:p>
-            <a:pPr indent="0" lvl="0" marL="0" rtl="0" algn="l">
+            <a:pPr marL="0" lvl="0" indent="0" algn="l" rtl="0">
               <a:lnSpc>
                 <a:spcPct val="90000"/>
               </a:lnSpc>
@@ -6223,7 +6291,7 @@
               <a:buNone/>
             </a:pPr>
             <a:r>
-              <a:rPr b="1" lang="es" sz="3000">
+              <a:rPr lang="es" sz="3000" b="1">
                 <a:solidFill>
                   <a:srgbClr val="EC183F"/>
                 </a:solidFill>
@@ -6235,7 +6303,7 @@
               <a:t>Mesa</a:t>
             </a:r>
             <a:r>
-              <a:rPr b="1" lang="es" sz="3000">
+              <a:rPr lang="es" sz="3000" b="1">
                 <a:solidFill>
                   <a:srgbClr val="434343"/>
                 </a:solidFill>
@@ -6270,12 +6338,12 @@
           </a:ln>
         </p:spPr>
         <p:txBody>
-          <a:bodyPr anchorCtr="0" anchor="t" bIns="91425" lIns="91425" spcFirstLastPara="1" rIns="91425" wrap="square" tIns="91425">
+          <a:bodyPr spcFirstLastPara="1" wrap="square" lIns="91425" tIns="91425" rIns="91425" bIns="91425" anchor="t" anchorCtr="0">
             <a:spAutoFit/>
           </a:bodyPr>
           <a:lstStyle/>
           <a:p>
-            <a:pPr indent="0" lvl="0" marL="0" rtl="0" algn="l">
+            <a:pPr marL="0" lvl="0" indent="0" algn="l" rtl="0">
               <a:lnSpc>
                 <a:spcPct val="200000"/>
               </a:lnSpc>
@@ -6310,7 +6378,7 @@
             </a:endParaRPr>
           </a:p>
           <a:p>
-            <a:pPr indent="0" lvl="0" marL="0" rtl="0" algn="l">
+            <a:pPr marL="0" lvl="0" indent="0" algn="l" rtl="0">
               <a:lnSpc>
                 <a:spcPct val="200000"/>
               </a:lnSpc>
@@ -6345,7 +6413,7 @@
             </a:endParaRPr>
           </a:p>
           <a:p>
-            <a:pPr indent="0" lvl="0" marL="0" rtl="0" algn="l">
+            <a:pPr marL="0" lvl="0" indent="0" algn="l" rtl="0">
               <a:lnSpc>
                 <a:spcPct val="200000"/>
               </a:lnSpc>
@@ -6380,7 +6448,7 @@
             </a:endParaRPr>
           </a:p>
           <a:p>
-            <a:pPr indent="0" lvl="0" marL="0" rtl="0" algn="l">
+            <a:pPr marL="0" lvl="0" indent="0" algn="l" rtl="0">
               <a:lnSpc>
                 <a:spcPct val="200000"/>
               </a:lnSpc>
@@ -6415,7 +6483,7 @@
             </a:endParaRPr>
           </a:p>
           <a:p>
-            <a:pPr indent="0" lvl="0" marL="0" rtl="0" algn="l">
+            <a:pPr marL="0" lvl="0" indent="0" algn="l" rtl="0">
               <a:lnSpc>
                 <a:spcPct val="200000"/>
               </a:lnSpc>
@@ -6442,7 +6510,7 @@
             <a:endParaRPr/>
           </a:p>
           <a:p>
-            <a:pPr indent="0" lvl="0" marL="0" rtl="0" algn="l">
+            <a:pPr marL="0" lvl="0" indent="0" algn="l" rtl="0">
               <a:spcBef>
                 <a:spcPts val="600"/>
               </a:spcBef>
@@ -6451,24 +6519,18 @@
               </a:spcAft>
               <a:buNone/>
             </a:pPr>
-            <a:r>
-              <a:t/>
-            </a:r>
             <a:endParaRPr/>
           </a:p>
           <a:p>
-            <a:pPr indent="0" lvl="0" marL="0" rtl="0" algn="l">
-              <a:spcBef>
-                <a:spcPts val="0"/>
-              </a:spcBef>
-              <a:spcAft>
-                <a:spcPts val="0"/>
-              </a:spcAft>
-              <a:buNone/>
-            </a:pPr>
-            <a:r>
-              <a:t/>
-            </a:r>
+            <a:pPr marL="0" lvl="0" indent="0" algn="l" rtl="0">
+              <a:spcBef>
+                <a:spcPts val="0"/>
+              </a:spcBef>
+              <a:spcAft>
+                <a:spcPts val="0"/>
+              </a:spcAft>
+              <a:buNone/>
+            </a:pPr>
             <a:endParaRPr/>
           </a:p>
         </p:txBody>
@@ -6482,11 +6544,11 @@
 </file>
 
 <file path=ppt/slides/slide11.xml><?xml version="1.0" encoding="utf-8"?>
-<p:sld xmlns:a="http://schemas.openxmlformats.org/drawingml/2006/main" xmlns:r="http://schemas.openxmlformats.org/officeDocument/2006/relationships" xmlns:mc="http://schemas.openxmlformats.org/markup-compatibility/2006" xmlns:mv="urn:schemas-microsoft-com:mac:vml" xmlns:p="http://schemas.openxmlformats.org/presentationml/2006/main" xmlns:c="http://schemas.openxmlformats.org/drawingml/2006/chart" xmlns:dgm="http://schemas.openxmlformats.org/drawingml/2006/diagram" xmlns:o="urn:schemas-microsoft-com:office:office" xmlns:v="urn:schemas-microsoft-com:vml" xmlns:pvml="urn:schemas-microsoft-com:office:powerpoint" xmlns:com="http://schemas.openxmlformats.org/drawingml/2006/compatibility" xmlns:p14="http://schemas.microsoft.com/office/powerpoint/2010/main" xmlns:p15="http://schemas.microsoft.com/office/powerpoint/2012/main" xmlns:ahyp="http://schemas.microsoft.com/office/drawing/2018/hyperlinkcolor">
+<p:sld xmlns:a="http://schemas.openxmlformats.org/drawingml/2006/main" xmlns:r="http://schemas.openxmlformats.org/officeDocument/2006/relationships" xmlns:p="http://schemas.openxmlformats.org/presentationml/2006/main">
   <p:cSld>
     <p:spTree>
       <p:nvGrpSpPr>
-        <p:cNvPr id="114" name="Shape 114"/>
+        <p:cNvPr id="1" name="Shape 114"/>
         <p:cNvGrpSpPr/>
         <p:nvPr/>
       </p:nvGrpSpPr>
@@ -6518,12 +6580,12 @@
           </a:ln>
         </p:spPr>
         <p:txBody>
-          <a:bodyPr anchorCtr="0" anchor="t" bIns="91425" lIns="91425" spcFirstLastPara="1" rIns="91425" wrap="square" tIns="91425">
+          <a:bodyPr spcFirstLastPara="1" wrap="square" lIns="91425" tIns="91425" rIns="91425" bIns="91425" anchor="t" anchorCtr="0">
             <a:spAutoFit/>
           </a:bodyPr>
           <a:lstStyle/>
           <a:p>
-            <a:pPr indent="0" lvl="0" marL="0" rtl="0" algn="l">
+            <a:pPr marL="0" lvl="0" indent="0" algn="l" rtl="0">
               <a:lnSpc>
                 <a:spcPct val="90000"/>
               </a:lnSpc>
@@ -6536,7 +6598,7 @@
               <a:buNone/>
             </a:pPr>
             <a:r>
-              <a:rPr b="1" lang="es" sz="3000">
+              <a:rPr lang="es" sz="3000" b="1">
                 <a:solidFill>
                   <a:srgbClr val="EC183F"/>
                 </a:solidFill>
@@ -6548,7 +6610,7 @@
               <a:t>Mesa</a:t>
             </a:r>
             <a:r>
-              <a:rPr b="1" lang="es" sz="3000">
+              <a:rPr lang="es" sz="3000" b="1">
                 <a:solidFill>
                   <a:srgbClr val="434343"/>
                 </a:solidFill>
@@ -6583,12 +6645,12 @@
           </a:ln>
         </p:spPr>
         <p:txBody>
-          <a:bodyPr anchorCtr="0" anchor="t" bIns="91425" lIns="91425" spcFirstLastPara="1" rIns="91425" wrap="square" tIns="91425">
+          <a:bodyPr spcFirstLastPara="1" wrap="square" lIns="91425" tIns="91425" rIns="91425" bIns="91425" anchor="t" anchorCtr="0">
             <a:spAutoFit/>
           </a:bodyPr>
           <a:lstStyle/>
           <a:p>
-            <a:pPr indent="0" lvl="0" marL="0" rtl="0" algn="l">
+            <a:pPr marL="0" lvl="0" indent="0" algn="l" rtl="0">
               <a:lnSpc>
                 <a:spcPct val="200000"/>
               </a:lnSpc>
@@ -6623,7 +6685,7 @@
             </a:endParaRPr>
           </a:p>
           <a:p>
-            <a:pPr indent="0" lvl="0" marL="0" rtl="0" algn="l">
+            <a:pPr marL="0" lvl="0" indent="0" algn="l" rtl="0">
               <a:lnSpc>
                 <a:spcPct val="200000"/>
               </a:lnSpc>
@@ -6658,7 +6720,7 @@
             </a:endParaRPr>
           </a:p>
           <a:p>
-            <a:pPr indent="0" lvl="0" marL="0" rtl="0" algn="l">
+            <a:pPr marL="0" lvl="0" indent="0" algn="l" rtl="0">
               <a:lnSpc>
                 <a:spcPct val="200000"/>
               </a:lnSpc>
@@ -6693,7 +6755,7 @@
             </a:endParaRPr>
           </a:p>
           <a:p>
-            <a:pPr indent="0" lvl="0" marL="0" rtl="0" algn="l">
+            <a:pPr marL="0" lvl="0" indent="0" algn="l" rtl="0">
               <a:lnSpc>
                 <a:spcPct val="200000"/>
               </a:lnSpc>
@@ -6728,7 +6790,7 @@
             </a:endParaRPr>
           </a:p>
           <a:p>
-            <a:pPr indent="0" lvl="0" marL="0" rtl="0" algn="l">
+            <a:pPr marL="0" lvl="0" indent="0" algn="l" rtl="0">
               <a:lnSpc>
                 <a:spcPct val="200000"/>
               </a:lnSpc>
@@ -6755,7 +6817,7 @@
             <a:endParaRPr/>
           </a:p>
           <a:p>
-            <a:pPr indent="0" lvl="0" marL="0" rtl="0" algn="l">
+            <a:pPr marL="0" lvl="0" indent="0" algn="l" rtl="0">
               <a:spcBef>
                 <a:spcPts val="600"/>
               </a:spcBef>
@@ -6764,24 +6826,18 @@
               </a:spcAft>
               <a:buNone/>
             </a:pPr>
-            <a:r>
-              <a:t/>
-            </a:r>
             <a:endParaRPr/>
           </a:p>
           <a:p>
-            <a:pPr indent="0" lvl="0" marL="0" rtl="0" algn="l">
-              <a:spcBef>
-                <a:spcPts val="0"/>
-              </a:spcBef>
-              <a:spcAft>
-                <a:spcPts val="0"/>
-              </a:spcAft>
-              <a:buNone/>
-            </a:pPr>
-            <a:r>
-              <a:t/>
-            </a:r>
+            <a:pPr marL="0" lvl="0" indent="0" algn="l" rtl="0">
+              <a:spcBef>
+                <a:spcPts val="0"/>
+              </a:spcBef>
+              <a:spcAft>
+                <a:spcPts val="0"/>
+              </a:spcAft>
+              <a:buNone/>
+            </a:pPr>
             <a:endParaRPr/>
           </a:p>
         </p:txBody>
@@ -6795,11 +6851,11 @@
 </file>
 
 <file path=ppt/slides/slide12.xml><?xml version="1.0" encoding="utf-8"?>
-<p:sld xmlns:a="http://schemas.openxmlformats.org/drawingml/2006/main" xmlns:r="http://schemas.openxmlformats.org/officeDocument/2006/relationships" xmlns:mc="http://schemas.openxmlformats.org/markup-compatibility/2006" xmlns:mv="urn:schemas-microsoft-com:mac:vml" xmlns:p="http://schemas.openxmlformats.org/presentationml/2006/main" xmlns:c="http://schemas.openxmlformats.org/drawingml/2006/chart" xmlns:dgm="http://schemas.openxmlformats.org/drawingml/2006/diagram" xmlns:o="urn:schemas-microsoft-com:office:office" xmlns:v="urn:schemas-microsoft-com:vml" xmlns:pvml="urn:schemas-microsoft-com:office:powerpoint" xmlns:com="http://schemas.openxmlformats.org/drawingml/2006/compatibility" xmlns:p14="http://schemas.microsoft.com/office/powerpoint/2010/main" xmlns:p15="http://schemas.microsoft.com/office/powerpoint/2012/main" xmlns:ahyp="http://schemas.microsoft.com/office/drawing/2018/hyperlinkcolor">
+<p:sld xmlns:a="http://schemas.openxmlformats.org/drawingml/2006/main" xmlns:r="http://schemas.openxmlformats.org/officeDocument/2006/relationships" xmlns:p="http://schemas.openxmlformats.org/presentationml/2006/main">
   <p:cSld>
     <p:spTree>
       <p:nvGrpSpPr>
-        <p:cNvPr id="120" name="Shape 120"/>
+        <p:cNvPr id="1" name="Shape 120"/>
         <p:cNvGrpSpPr/>
         <p:nvPr/>
       </p:nvGrpSpPr>
@@ -6831,12 +6887,12 @@
           </a:ln>
         </p:spPr>
         <p:txBody>
-          <a:bodyPr anchorCtr="0" anchor="t" bIns="91425" lIns="91425" spcFirstLastPara="1" rIns="91425" wrap="square" tIns="91425">
+          <a:bodyPr spcFirstLastPara="1" wrap="square" lIns="91425" tIns="91425" rIns="91425" bIns="91425" anchor="t" anchorCtr="0">
             <a:spAutoFit/>
           </a:bodyPr>
           <a:lstStyle/>
           <a:p>
-            <a:pPr indent="0" lvl="0" marL="0" rtl="0" algn="l">
+            <a:pPr marL="0" lvl="0" indent="0" algn="l" rtl="0">
               <a:lnSpc>
                 <a:spcPct val="90000"/>
               </a:lnSpc>
@@ -6849,7 +6905,7 @@
               <a:buNone/>
             </a:pPr>
             <a:r>
-              <a:rPr b="1" lang="es" sz="3000">
+              <a:rPr lang="es" sz="3000" b="1">
                 <a:solidFill>
                   <a:srgbClr val="EC183F"/>
                 </a:solidFill>
@@ -6861,7 +6917,7 @@
               <a:t>Mesa</a:t>
             </a:r>
             <a:r>
-              <a:rPr b="1" lang="es" sz="3000">
+              <a:rPr lang="es" sz="3000" b="1">
                 <a:solidFill>
                   <a:srgbClr val="434343"/>
                 </a:solidFill>
@@ -6896,12 +6952,12 @@
           </a:ln>
         </p:spPr>
         <p:txBody>
-          <a:bodyPr anchorCtr="0" anchor="t" bIns="91425" lIns="91425" spcFirstLastPara="1" rIns="91425" wrap="square" tIns="91425">
+          <a:bodyPr spcFirstLastPara="1" wrap="square" lIns="91425" tIns="91425" rIns="91425" bIns="91425" anchor="t" anchorCtr="0">
             <a:spAutoFit/>
           </a:bodyPr>
           <a:lstStyle/>
           <a:p>
-            <a:pPr indent="0" lvl="0" marL="0" rtl="0" algn="l">
+            <a:pPr marL="0" lvl="0" indent="0" algn="l" rtl="0">
               <a:lnSpc>
                 <a:spcPct val="200000"/>
               </a:lnSpc>
@@ -6936,7 +6992,7 @@
             </a:endParaRPr>
           </a:p>
           <a:p>
-            <a:pPr indent="0" lvl="0" marL="0" rtl="0" algn="l">
+            <a:pPr marL="0" lvl="0" indent="0" algn="l" rtl="0">
               <a:lnSpc>
                 <a:spcPct val="200000"/>
               </a:lnSpc>
@@ -6971,7 +7027,7 @@
             </a:endParaRPr>
           </a:p>
           <a:p>
-            <a:pPr indent="0" lvl="0" marL="0" rtl="0" algn="l">
+            <a:pPr marL="0" lvl="0" indent="0" algn="l" rtl="0">
               <a:lnSpc>
                 <a:spcPct val="200000"/>
               </a:lnSpc>
@@ -7006,7 +7062,7 @@
             </a:endParaRPr>
           </a:p>
           <a:p>
-            <a:pPr indent="0" lvl="0" marL="0" rtl="0" algn="l">
+            <a:pPr marL="0" lvl="0" indent="0" algn="l" rtl="0">
               <a:lnSpc>
                 <a:spcPct val="200000"/>
               </a:lnSpc>
@@ -7041,7 +7097,7 @@
             </a:endParaRPr>
           </a:p>
           <a:p>
-            <a:pPr indent="0" lvl="0" marL="0" rtl="0" algn="l">
+            <a:pPr marL="0" lvl="0" indent="0" algn="l" rtl="0">
               <a:lnSpc>
                 <a:spcPct val="200000"/>
               </a:lnSpc>
@@ -7068,7 +7124,7 @@
             <a:endParaRPr/>
           </a:p>
           <a:p>
-            <a:pPr indent="0" lvl="0" marL="0" rtl="0" algn="l">
+            <a:pPr marL="0" lvl="0" indent="0" algn="l" rtl="0">
               <a:spcBef>
                 <a:spcPts val="600"/>
               </a:spcBef>
@@ -7077,24 +7133,18 @@
               </a:spcAft>
               <a:buNone/>
             </a:pPr>
-            <a:r>
-              <a:t/>
-            </a:r>
             <a:endParaRPr/>
           </a:p>
           <a:p>
-            <a:pPr indent="0" lvl="0" marL="0" rtl="0" algn="l">
-              <a:spcBef>
-                <a:spcPts val="0"/>
-              </a:spcBef>
-              <a:spcAft>
-                <a:spcPts val="0"/>
-              </a:spcAft>
-              <a:buNone/>
-            </a:pPr>
-            <a:r>
-              <a:t/>
-            </a:r>
+            <a:pPr marL="0" lvl="0" indent="0" algn="l" rtl="0">
+              <a:spcBef>
+                <a:spcPts val="0"/>
+              </a:spcBef>
+              <a:spcAft>
+                <a:spcPts val="0"/>
+              </a:spcAft>
+              <a:buNone/>
+            </a:pPr>
             <a:endParaRPr/>
           </a:p>
         </p:txBody>
@@ -7108,11 +7158,11 @@
 </file>
 
 <file path=ppt/slides/slide2.xml><?xml version="1.0" encoding="utf-8"?>
-<p:sld xmlns:a="http://schemas.openxmlformats.org/drawingml/2006/main" xmlns:r="http://schemas.openxmlformats.org/officeDocument/2006/relationships" xmlns:mc="http://schemas.openxmlformats.org/markup-compatibility/2006" xmlns:mv="urn:schemas-microsoft-com:mac:vml" xmlns:p="http://schemas.openxmlformats.org/presentationml/2006/main" xmlns:c="http://schemas.openxmlformats.org/drawingml/2006/chart" xmlns:dgm="http://schemas.openxmlformats.org/drawingml/2006/diagram" xmlns:o="urn:schemas-microsoft-com:office:office" xmlns:v="urn:schemas-microsoft-com:vml" xmlns:pvml="urn:schemas-microsoft-com:office:powerpoint" xmlns:com="http://schemas.openxmlformats.org/drawingml/2006/compatibility" xmlns:p14="http://schemas.microsoft.com/office/powerpoint/2010/main" xmlns:p15="http://schemas.microsoft.com/office/powerpoint/2012/main" xmlns:ahyp="http://schemas.microsoft.com/office/drawing/2018/hyperlinkcolor">
+<p:sld xmlns:a="http://schemas.openxmlformats.org/drawingml/2006/main" xmlns:r="http://schemas.openxmlformats.org/officeDocument/2006/relationships" xmlns:p="http://schemas.openxmlformats.org/presentationml/2006/main">
   <p:cSld>
     <p:spTree>
       <p:nvGrpSpPr>
-        <p:cNvPr id="60" name="Shape 60"/>
+        <p:cNvPr id="1" name="Shape 60"/>
         <p:cNvGrpSpPr/>
         <p:nvPr/>
       </p:nvGrpSpPr>
@@ -7144,12 +7194,12 @@
           </a:ln>
         </p:spPr>
         <p:txBody>
-          <a:bodyPr anchorCtr="0" anchor="t" bIns="91425" lIns="91425" spcFirstLastPara="1" rIns="91425" wrap="square" tIns="91425">
+          <a:bodyPr spcFirstLastPara="1" wrap="square" lIns="91425" tIns="91425" rIns="91425" bIns="91425" anchor="t" anchorCtr="0">
             <a:spAutoFit/>
           </a:bodyPr>
           <a:lstStyle/>
           <a:p>
-            <a:pPr indent="0" lvl="0" marL="0" rtl="0" algn="l">
+            <a:pPr marL="0" lvl="0" indent="0" algn="l" rtl="0">
               <a:lnSpc>
                 <a:spcPct val="90000"/>
               </a:lnSpc>
@@ -7167,7 +7217,7 @@
               <a:buNone/>
             </a:pPr>
             <a:r>
-              <a:rPr b="1" lang="es" sz="3000">
+              <a:rPr lang="es" sz="3000" b="1">
                 <a:solidFill>
                   <a:srgbClr val="EC183F"/>
                 </a:solidFill>
@@ -7179,7 +7229,7 @@
               <a:t>Mesa</a:t>
             </a:r>
             <a:r>
-              <a:rPr b="1" lang="es" sz="3000">
+              <a:rPr lang="es" sz="3000" b="1">
                 <a:solidFill>
                   <a:srgbClr val="434343"/>
                 </a:solidFill>
@@ -7214,12 +7264,12 @@
           </a:ln>
         </p:spPr>
         <p:txBody>
-          <a:bodyPr anchorCtr="0" anchor="t" bIns="91425" lIns="91425" spcFirstLastPara="1" rIns="91425" wrap="square" tIns="91425">
+          <a:bodyPr spcFirstLastPara="1" wrap="square" lIns="91425" tIns="91425" rIns="91425" bIns="91425" anchor="t" anchorCtr="0">
             <a:spAutoFit/>
           </a:bodyPr>
           <a:lstStyle/>
           <a:p>
-            <a:pPr indent="0" lvl="0" marL="0" rtl="0" algn="l">
+            <a:pPr marL="0" lvl="0" indent="0" algn="l" rtl="0">
               <a:lnSpc>
                 <a:spcPct val="200000"/>
               </a:lnSpc>
@@ -7254,7 +7304,7 @@
             </a:endParaRPr>
           </a:p>
           <a:p>
-            <a:pPr indent="0" lvl="0" marL="0" rtl="0" algn="l">
+            <a:pPr marL="0" lvl="0" indent="0" algn="l" rtl="0">
               <a:lnSpc>
                 <a:spcPct val="200000"/>
               </a:lnSpc>
@@ -7289,7 +7339,7 @@
             </a:endParaRPr>
           </a:p>
           <a:p>
-            <a:pPr indent="0" lvl="0" marL="0" rtl="0" algn="l">
+            <a:pPr marL="0" lvl="0" indent="0" algn="l" rtl="0">
               <a:lnSpc>
                 <a:spcPct val="200000"/>
               </a:lnSpc>
@@ -7324,7 +7374,7 @@
             </a:endParaRPr>
           </a:p>
           <a:p>
-            <a:pPr indent="0" lvl="0" marL="0" rtl="0" algn="l">
+            <a:pPr marL="0" lvl="0" indent="0" algn="l" rtl="0">
               <a:lnSpc>
                 <a:spcPct val="200000"/>
               </a:lnSpc>
@@ -7359,7 +7409,7 @@
             </a:endParaRPr>
           </a:p>
           <a:p>
-            <a:pPr indent="0" lvl="0" marL="0" rtl="0" algn="l">
+            <a:pPr marL="0" lvl="0" indent="0" algn="l" rtl="0">
               <a:lnSpc>
                 <a:spcPct val="200000"/>
               </a:lnSpc>
@@ -7386,7 +7436,7 @@
             <a:endParaRPr/>
           </a:p>
           <a:p>
-            <a:pPr indent="0" lvl="0" marL="0" rtl="0" algn="l">
+            <a:pPr marL="0" lvl="0" indent="0" algn="l" rtl="0">
               <a:spcBef>
                 <a:spcPts val="600"/>
               </a:spcBef>
@@ -7395,24 +7445,18 @@
               </a:spcAft>
               <a:buNone/>
             </a:pPr>
-            <a:r>
-              <a:t/>
-            </a:r>
             <a:endParaRPr/>
           </a:p>
           <a:p>
-            <a:pPr indent="0" lvl="0" marL="0" rtl="0" algn="l">
-              <a:spcBef>
-                <a:spcPts val="0"/>
-              </a:spcBef>
-              <a:spcAft>
-                <a:spcPts val="0"/>
-              </a:spcAft>
-              <a:buNone/>
-            </a:pPr>
-            <a:r>
-              <a:t/>
-            </a:r>
+            <a:pPr marL="0" lvl="0" indent="0" algn="l" rtl="0">
+              <a:spcBef>
+                <a:spcPts val="0"/>
+              </a:spcBef>
+              <a:spcAft>
+                <a:spcPts val="0"/>
+              </a:spcAft>
+              <a:buNone/>
+            </a:pPr>
             <a:endParaRPr/>
           </a:p>
         </p:txBody>
@@ -7426,11 +7470,11 @@
 </file>
 
 <file path=ppt/slides/slide3.xml><?xml version="1.0" encoding="utf-8"?>
-<p:sld xmlns:a="http://schemas.openxmlformats.org/drawingml/2006/main" xmlns:r="http://schemas.openxmlformats.org/officeDocument/2006/relationships" xmlns:mc="http://schemas.openxmlformats.org/markup-compatibility/2006" xmlns:mv="urn:schemas-microsoft-com:mac:vml" xmlns:p="http://schemas.openxmlformats.org/presentationml/2006/main" xmlns:c="http://schemas.openxmlformats.org/drawingml/2006/chart" xmlns:dgm="http://schemas.openxmlformats.org/drawingml/2006/diagram" xmlns:o="urn:schemas-microsoft-com:office:office" xmlns:v="urn:schemas-microsoft-com:vml" xmlns:pvml="urn:schemas-microsoft-com:office:powerpoint" xmlns:com="http://schemas.openxmlformats.org/drawingml/2006/compatibility" xmlns:p14="http://schemas.microsoft.com/office/powerpoint/2010/main" xmlns:p15="http://schemas.microsoft.com/office/powerpoint/2012/main" xmlns:ahyp="http://schemas.microsoft.com/office/drawing/2018/hyperlinkcolor">
+<p:sld xmlns:a="http://schemas.openxmlformats.org/drawingml/2006/main" xmlns:r="http://schemas.openxmlformats.org/officeDocument/2006/relationships" xmlns:p="http://schemas.openxmlformats.org/presentationml/2006/main">
   <p:cSld>
     <p:spTree>
       <p:nvGrpSpPr>
-        <p:cNvPr id="66" name="Shape 66"/>
+        <p:cNvPr id="1" name="Shape 66"/>
         <p:cNvGrpSpPr/>
         <p:nvPr/>
       </p:nvGrpSpPr>
@@ -7462,12 +7506,12 @@
           </a:ln>
         </p:spPr>
         <p:txBody>
-          <a:bodyPr anchorCtr="0" anchor="t" bIns="91425" lIns="91425" spcFirstLastPara="1" rIns="91425" wrap="square" tIns="91425">
+          <a:bodyPr spcFirstLastPara="1" wrap="square" lIns="91425" tIns="91425" rIns="91425" bIns="91425" anchor="t" anchorCtr="0">
             <a:spAutoFit/>
           </a:bodyPr>
           <a:lstStyle/>
           <a:p>
-            <a:pPr indent="0" lvl="0" marL="0" rtl="0" algn="l">
+            <a:pPr marL="0" lvl="0" indent="0" algn="l" rtl="0">
               <a:lnSpc>
                 <a:spcPct val="90000"/>
               </a:lnSpc>
@@ -7480,7 +7524,7 @@
               <a:buNone/>
             </a:pPr>
             <a:r>
-              <a:rPr b="1" lang="es" sz="3000">
+              <a:rPr lang="es" sz="3000" b="1">
                 <a:solidFill>
                   <a:srgbClr val="EC183F"/>
                 </a:solidFill>
@@ -7492,7 +7536,7 @@
               <a:t>Mesa</a:t>
             </a:r>
             <a:r>
-              <a:rPr b="1" lang="es" sz="3000">
+              <a:rPr lang="es" sz="3000" b="1">
                 <a:solidFill>
                   <a:srgbClr val="434343"/>
                 </a:solidFill>
@@ -7527,12 +7571,12 @@
           </a:ln>
         </p:spPr>
         <p:txBody>
-          <a:bodyPr anchorCtr="0" anchor="t" bIns="91425" lIns="91425" spcFirstLastPara="1" rIns="91425" wrap="square" tIns="91425">
+          <a:bodyPr spcFirstLastPara="1" wrap="square" lIns="91425" tIns="91425" rIns="91425" bIns="91425" anchor="t" anchorCtr="0">
             <a:spAutoFit/>
           </a:bodyPr>
           <a:lstStyle/>
           <a:p>
-            <a:pPr indent="0" lvl="0" marL="0" rtl="0" algn="l">
+            <a:pPr marL="0" lvl="0" indent="0" algn="l" rtl="0">
               <a:lnSpc>
                 <a:spcPct val="200000"/>
               </a:lnSpc>
@@ -7567,7 +7611,7 @@
             </a:endParaRPr>
           </a:p>
           <a:p>
-            <a:pPr indent="0" lvl="0" marL="0" rtl="0" algn="l">
+            <a:pPr marL="0" lvl="0" indent="0" algn="l" rtl="0">
               <a:lnSpc>
                 <a:spcPct val="200000"/>
               </a:lnSpc>
@@ -7602,7 +7646,7 @@
             </a:endParaRPr>
           </a:p>
           <a:p>
-            <a:pPr indent="0" lvl="0" marL="0" rtl="0" algn="l">
+            <a:pPr marL="0" lvl="0" indent="0" algn="l" rtl="0">
               <a:lnSpc>
                 <a:spcPct val="200000"/>
               </a:lnSpc>
@@ -7637,7 +7681,7 @@
             </a:endParaRPr>
           </a:p>
           <a:p>
-            <a:pPr indent="0" lvl="0" marL="0" rtl="0" algn="l">
+            <a:pPr marL="0" lvl="0" indent="0" algn="l" rtl="0">
               <a:lnSpc>
                 <a:spcPct val="200000"/>
               </a:lnSpc>
@@ -7672,7 +7716,7 @@
             </a:endParaRPr>
           </a:p>
           <a:p>
-            <a:pPr indent="0" lvl="0" marL="0" rtl="0" algn="l">
+            <a:pPr marL="0" lvl="0" indent="0" algn="l" rtl="0">
               <a:lnSpc>
                 <a:spcPct val="200000"/>
               </a:lnSpc>
@@ -7699,7 +7743,7 @@
             <a:endParaRPr/>
           </a:p>
           <a:p>
-            <a:pPr indent="0" lvl="0" marL="0" rtl="0" algn="l">
+            <a:pPr marL="0" lvl="0" indent="0" algn="l" rtl="0">
               <a:spcBef>
                 <a:spcPts val="600"/>
               </a:spcBef>
@@ -7708,24 +7752,18 @@
               </a:spcAft>
               <a:buNone/>
             </a:pPr>
-            <a:r>
-              <a:t/>
-            </a:r>
             <a:endParaRPr/>
           </a:p>
           <a:p>
-            <a:pPr indent="0" lvl="0" marL="0" rtl="0" algn="l">
-              <a:spcBef>
-                <a:spcPts val="0"/>
-              </a:spcBef>
-              <a:spcAft>
-                <a:spcPts val="0"/>
-              </a:spcAft>
-              <a:buNone/>
-            </a:pPr>
-            <a:r>
-              <a:t/>
-            </a:r>
+            <a:pPr marL="0" lvl="0" indent="0" algn="l" rtl="0">
+              <a:spcBef>
+                <a:spcPts val="0"/>
+              </a:spcBef>
+              <a:spcAft>
+                <a:spcPts val="0"/>
+              </a:spcAft>
+              <a:buNone/>
+            </a:pPr>
             <a:endParaRPr/>
           </a:p>
         </p:txBody>
@@ -7739,11 +7777,11 @@
 </file>
 
 <file path=ppt/slides/slide4.xml><?xml version="1.0" encoding="utf-8"?>
-<p:sld xmlns:a="http://schemas.openxmlformats.org/drawingml/2006/main" xmlns:r="http://schemas.openxmlformats.org/officeDocument/2006/relationships" xmlns:mc="http://schemas.openxmlformats.org/markup-compatibility/2006" xmlns:mv="urn:schemas-microsoft-com:mac:vml" xmlns:p="http://schemas.openxmlformats.org/presentationml/2006/main" xmlns:c="http://schemas.openxmlformats.org/drawingml/2006/chart" xmlns:dgm="http://schemas.openxmlformats.org/drawingml/2006/diagram" xmlns:o="urn:schemas-microsoft-com:office:office" xmlns:v="urn:schemas-microsoft-com:vml" xmlns:pvml="urn:schemas-microsoft-com:office:powerpoint" xmlns:com="http://schemas.openxmlformats.org/drawingml/2006/compatibility" xmlns:p14="http://schemas.microsoft.com/office/powerpoint/2010/main" xmlns:p15="http://schemas.microsoft.com/office/powerpoint/2012/main" xmlns:ahyp="http://schemas.microsoft.com/office/drawing/2018/hyperlinkcolor">
+<p:sld xmlns:a="http://schemas.openxmlformats.org/drawingml/2006/main" xmlns:r="http://schemas.openxmlformats.org/officeDocument/2006/relationships" xmlns:p="http://schemas.openxmlformats.org/presentationml/2006/main">
   <p:cSld>
     <p:spTree>
       <p:nvGrpSpPr>
-        <p:cNvPr id="72" name="Shape 72"/>
+        <p:cNvPr id="1" name="Shape 72"/>
         <p:cNvGrpSpPr/>
         <p:nvPr/>
       </p:nvGrpSpPr>
@@ -7775,12 +7813,12 @@
           </a:ln>
         </p:spPr>
         <p:txBody>
-          <a:bodyPr anchorCtr="0" anchor="t" bIns="91425" lIns="91425" spcFirstLastPara="1" rIns="91425" wrap="square" tIns="91425">
+          <a:bodyPr spcFirstLastPara="1" wrap="square" lIns="91425" tIns="91425" rIns="91425" bIns="91425" anchor="t" anchorCtr="0">
             <a:spAutoFit/>
           </a:bodyPr>
           <a:lstStyle/>
           <a:p>
-            <a:pPr indent="0" lvl="0" marL="0" rtl="0" algn="l">
+            <a:pPr marL="0" lvl="0" indent="0" algn="l" rtl="0">
               <a:lnSpc>
                 <a:spcPct val="90000"/>
               </a:lnSpc>
@@ -7793,7 +7831,7 @@
               <a:buNone/>
             </a:pPr>
             <a:r>
-              <a:rPr b="1" lang="es" sz="3000">
+              <a:rPr lang="es" sz="3000" b="1">
                 <a:solidFill>
                   <a:srgbClr val="EC183F"/>
                 </a:solidFill>
@@ -7805,7 +7843,7 @@
               <a:t>Mesa</a:t>
             </a:r>
             <a:r>
-              <a:rPr b="1" lang="es" sz="3000">
+              <a:rPr lang="es" sz="3000" b="1">
                 <a:solidFill>
                   <a:srgbClr val="434343"/>
                 </a:solidFill>
@@ -7840,12 +7878,12 @@
           </a:ln>
         </p:spPr>
         <p:txBody>
-          <a:bodyPr anchorCtr="0" anchor="t" bIns="91425" lIns="91425" spcFirstLastPara="1" rIns="91425" wrap="square" tIns="91425">
+          <a:bodyPr spcFirstLastPara="1" wrap="square" lIns="91425" tIns="91425" rIns="91425" bIns="91425" anchor="t" anchorCtr="0">
             <a:spAutoFit/>
           </a:bodyPr>
           <a:lstStyle/>
           <a:p>
-            <a:pPr indent="0" lvl="0" marL="0" rtl="0" algn="l">
+            <a:pPr marL="0" lvl="0" indent="0" algn="l" rtl="0">
               <a:lnSpc>
                 <a:spcPct val="200000"/>
               </a:lnSpc>
@@ -7880,7 +7918,7 @@
             </a:endParaRPr>
           </a:p>
           <a:p>
-            <a:pPr indent="0" lvl="0" marL="0" rtl="0" algn="l">
+            <a:pPr marL="0" lvl="0" indent="0" algn="l" rtl="0">
               <a:lnSpc>
                 <a:spcPct val="200000"/>
               </a:lnSpc>
@@ -7915,7 +7953,7 @@
             </a:endParaRPr>
           </a:p>
           <a:p>
-            <a:pPr indent="0" lvl="0" marL="0" rtl="0" algn="l">
+            <a:pPr marL="0" lvl="0" indent="0" algn="l" rtl="0">
               <a:lnSpc>
                 <a:spcPct val="200000"/>
               </a:lnSpc>
@@ -7950,7 +7988,7 @@
             </a:endParaRPr>
           </a:p>
           <a:p>
-            <a:pPr indent="0" lvl="0" marL="0" rtl="0" algn="l">
+            <a:pPr marL="0" lvl="0" indent="0" algn="l" rtl="0">
               <a:lnSpc>
                 <a:spcPct val="200000"/>
               </a:lnSpc>
@@ -7985,7 +8023,7 @@
             </a:endParaRPr>
           </a:p>
           <a:p>
-            <a:pPr indent="0" lvl="0" marL="0" rtl="0" algn="l">
+            <a:pPr marL="0" lvl="0" indent="0" algn="l" rtl="0">
               <a:lnSpc>
                 <a:spcPct val="200000"/>
               </a:lnSpc>
@@ -8012,7 +8050,7 @@
             <a:endParaRPr/>
           </a:p>
           <a:p>
-            <a:pPr indent="0" lvl="0" marL="0" rtl="0" algn="l">
+            <a:pPr marL="0" lvl="0" indent="0" algn="l" rtl="0">
               <a:spcBef>
                 <a:spcPts val="600"/>
               </a:spcBef>
@@ -8021,24 +8059,18 @@
               </a:spcAft>
               <a:buNone/>
             </a:pPr>
-            <a:r>
-              <a:t/>
-            </a:r>
             <a:endParaRPr/>
           </a:p>
           <a:p>
-            <a:pPr indent="0" lvl="0" marL="0" rtl="0" algn="l">
-              <a:spcBef>
-                <a:spcPts val="0"/>
-              </a:spcBef>
-              <a:spcAft>
-                <a:spcPts val="0"/>
-              </a:spcAft>
-              <a:buNone/>
-            </a:pPr>
-            <a:r>
-              <a:t/>
-            </a:r>
+            <a:pPr marL="0" lvl="0" indent="0" algn="l" rtl="0">
+              <a:spcBef>
+                <a:spcPts val="0"/>
+              </a:spcBef>
+              <a:spcAft>
+                <a:spcPts val="0"/>
+              </a:spcAft>
+              <a:buNone/>
+            </a:pPr>
             <a:endParaRPr/>
           </a:p>
         </p:txBody>
@@ -8052,11 +8084,11 @@
 </file>
 
 <file path=ppt/slides/slide5.xml><?xml version="1.0" encoding="utf-8"?>
-<p:sld xmlns:a="http://schemas.openxmlformats.org/drawingml/2006/main" xmlns:r="http://schemas.openxmlformats.org/officeDocument/2006/relationships" xmlns:mc="http://schemas.openxmlformats.org/markup-compatibility/2006" xmlns:mv="urn:schemas-microsoft-com:mac:vml" xmlns:p="http://schemas.openxmlformats.org/presentationml/2006/main" xmlns:c="http://schemas.openxmlformats.org/drawingml/2006/chart" xmlns:dgm="http://schemas.openxmlformats.org/drawingml/2006/diagram" xmlns:o="urn:schemas-microsoft-com:office:office" xmlns:v="urn:schemas-microsoft-com:vml" xmlns:pvml="urn:schemas-microsoft-com:office:powerpoint" xmlns:com="http://schemas.openxmlformats.org/drawingml/2006/compatibility" xmlns:p14="http://schemas.microsoft.com/office/powerpoint/2010/main" xmlns:p15="http://schemas.microsoft.com/office/powerpoint/2012/main" xmlns:ahyp="http://schemas.microsoft.com/office/drawing/2018/hyperlinkcolor">
+<p:sld xmlns:a="http://schemas.openxmlformats.org/drawingml/2006/main" xmlns:r="http://schemas.openxmlformats.org/officeDocument/2006/relationships" xmlns:p="http://schemas.openxmlformats.org/presentationml/2006/main">
   <p:cSld>
     <p:spTree>
       <p:nvGrpSpPr>
-        <p:cNvPr id="78" name="Shape 78"/>
+        <p:cNvPr id="1" name="Shape 78"/>
         <p:cNvGrpSpPr/>
         <p:nvPr/>
       </p:nvGrpSpPr>
@@ -8088,12 +8120,12 @@
           </a:ln>
         </p:spPr>
         <p:txBody>
-          <a:bodyPr anchorCtr="0" anchor="t" bIns="91425" lIns="91425" spcFirstLastPara="1" rIns="91425" wrap="square" tIns="91425">
+          <a:bodyPr spcFirstLastPara="1" wrap="square" lIns="91425" tIns="91425" rIns="91425" bIns="91425" anchor="t" anchorCtr="0">
             <a:spAutoFit/>
           </a:bodyPr>
           <a:lstStyle/>
           <a:p>
-            <a:pPr indent="0" lvl="0" marL="0" rtl="0" algn="l">
+            <a:pPr marL="0" lvl="0" indent="0" algn="l" rtl="0">
               <a:lnSpc>
                 <a:spcPct val="90000"/>
               </a:lnSpc>
@@ -8106,7 +8138,7 @@
               <a:buNone/>
             </a:pPr>
             <a:r>
-              <a:rPr b="1" lang="es" sz="3000">
+              <a:rPr lang="es" sz="3000" b="1">
                 <a:solidFill>
                   <a:srgbClr val="EC183F"/>
                 </a:solidFill>
@@ -8118,7 +8150,7 @@
               <a:t>Mesa</a:t>
             </a:r>
             <a:r>
-              <a:rPr b="1" lang="es" sz="3000">
+              <a:rPr lang="es" sz="3000" b="1">
                 <a:solidFill>
                   <a:srgbClr val="434343"/>
                 </a:solidFill>
@@ -8153,12 +8185,12 @@
           </a:ln>
         </p:spPr>
         <p:txBody>
-          <a:bodyPr anchorCtr="0" anchor="t" bIns="91425" lIns="91425" spcFirstLastPara="1" rIns="91425" wrap="square" tIns="91425">
+          <a:bodyPr spcFirstLastPara="1" wrap="square" lIns="91425" tIns="91425" rIns="91425" bIns="91425" anchor="t" anchorCtr="0">
             <a:spAutoFit/>
           </a:bodyPr>
           <a:lstStyle/>
           <a:p>
-            <a:pPr indent="0" lvl="0" marL="0" rtl="0" algn="l">
+            <a:pPr marL="0" lvl="0" indent="0" algn="l" rtl="0">
               <a:lnSpc>
                 <a:spcPct val="200000"/>
               </a:lnSpc>
@@ -8193,7 +8225,7 @@
             </a:endParaRPr>
           </a:p>
           <a:p>
-            <a:pPr indent="0" lvl="0" marL="0" rtl="0" algn="l">
+            <a:pPr marL="0" lvl="0" indent="0" algn="l" rtl="0">
               <a:lnSpc>
                 <a:spcPct val="200000"/>
               </a:lnSpc>
@@ -8228,7 +8260,7 @@
             </a:endParaRPr>
           </a:p>
           <a:p>
-            <a:pPr indent="0" lvl="0" marL="0" rtl="0" algn="l">
+            <a:pPr marL="0" lvl="0" indent="0" algn="l" rtl="0">
               <a:lnSpc>
                 <a:spcPct val="200000"/>
               </a:lnSpc>
@@ -8263,7 +8295,7 @@
             </a:endParaRPr>
           </a:p>
           <a:p>
-            <a:pPr indent="0" lvl="0" marL="0" rtl="0" algn="l">
+            <a:pPr marL="0" lvl="0" indent="0" algn="l" rtl="0">
               <a:lnSpc>
                 <a:spcPct val="200000"/>
               </a:lnSpc>
@@ -8298,7 +8330,7 @@
             </a:endParaRPr>
           </a:p>
           <a:p>
-            <a:pPr indent="0" lvl="0" marL="0" rtl="0" algn="l">
+            <a:pPr marL="0" lvl="0" indent="0" algn="l" rtl="0">
               <a:lnSpc>
                 <a:spcPct val="200000"/>
               </a:lnSpc>
@@ -8325,7 +8357,7 @@
             <a:endParaRPr/>
           </a:p>
           <a:p>
-            <a:pPr indent="0" lvl="0" marL="0" rtl="0" algn="l">
+            <a:pPr marL="0" lvl="0" indent="0" algn="l" rtl="0">
               <a:spcBef>
                 <a:spcPts val="600"/>
               </a:spcBef>
@@ -8334,24 +8366,18 @@
               </a:spcAft>
               <a:buNone/>
             </a:pPr>
-            <a:r>
-              <a:t/>
-            </a:r>
             <a:endParaRPr/>
           </a:p>
           <a:p>
-            <a:pPr indent="0" lvl="0" marL="0" rtl="0" algn="l">
-              <a:spcBef>
-                <a:spcPts val="0"/>
-              </a:spcBef>
-              <a:spcAft>
-                <a:spcPts val="0"/>
-              </a:spcAft>
-              <a:buNone/>
-            </a:pPr>
-            <a:r>
-              <a:t/>
-            </a:r>
+            <a:pPr marL="0" lvl="0" indent="0" algn="l" rtl="0">
+              <a:spcBef>
+                <a:spcPts val="0"/>
+              </a:spcBef>
+              <a:spcAft>
+                <a:spcPts val="0"/>
+              </a:spcAft>
+              <a:buNone/>
+            </a:pPr>
             <a:endParaRPr/>
           </a:p>
         </p:txBody>
@@ -8365,11 +8391,11 @@
 </file>
 
 <file path=ppt/slides/slide6.xml><?xml version="1.0" encoding="utf-8"?>
-<p:sld xmlns:a="http://schemas.openxmlformats.org/drawingml/2006/main" xmlns:r="http://schemas.openxmlformats.org/officeDocument/2006/relationships" xmlns:mc="http://schemas.openxmlformats.org/markup-compatibility/2006" xmlns:mv="urn:schemas-microsoft-com:mac:vml" xmlns:p="http://schemas.openxmlformats.org/presentationml/2006/main" xmlns:c="http://schemas.openxmlformats.org/drawingml/2006/chart" xmlns:dgm="http://schemas.openxmlformats.org/drawingml/2006/diagram" xmlns:o="urn:schemas-microsoft-com:office:office" xmlns:v="urn:schemas-microsoft-com:vml" xmlns:pvml="urn:schemas-microsoft-com:office:powerpoint" xmlns:com="http://schemas.openxmlformats.org/drawingml/2006/compatibility" xmlns:p14="http://schemas.microsoft.com/office/powerpoint/2010/main" xmlns:p15="http://schemas.microsoft.com/office/powerpoint/2012/main" xmlns:ahyp="http://schemas.microsoft.com/office/drawing/2018/hyperlinkcolor">
+<p:sld xmlns:a="http://schemas.openxmlformats.org/drawingml/2006/main" xmlns:r="http://schemas.openxmlformats.org/officeDocument/2006/relationships" xmlns:p="http://schemas.openxmlformats.org/presentationml/2006/main">
   <p:cSld>
     <p:spTree>
       <p:nvGrpSpPr>
-        <p:cNvPr id="84" name="Shape 84"/>
+        <p:cNvPr id="1" name="Shape 84"/>
         <p:cNvGrpSpPr/>
         <p:nvPr/>
       </p:nvGrpSpPr>
@@ -8401,12 +8427,12 @@
           </a:ln>
         </p:spPr>
         <p:txBody>
-          <a:bodyPr anchorCtr="0" anchor="t" bIns="91425" lIns="91425" spcFirstLastPara="1" rIns="91425" wrap="square" tIns="91425">
+          <a:bodyPr spcFirstLastPara="1" wrap="square" lIns="91425" tIns="91425" rIns="91425" bIns="91425" anchor="t" anchorCtr="0">
             <a:spAutoFit/>
           </a:bodyPr>
           <a:lstStyle/>
           <a:p>
-            <a:pPr indent="0" lvl="0" marL="0" rtl="0" algn="l">
+            <a:pPr marL="0" lvl="0" indent="0" algn="l" rtl="0">
               <a:lnSpc>
                 <a:spcPct val="90000"/>
               </a:lnSpc>
@@ -8419,7 +8445,7 @@
               <a:buNone/>
             </a:pPr>
             <a:r>
-              <a:rPr b="1" lang="es" sz="3000">
+              <a:rPr lang="es" sz="3000" b="1">
                 <a:solidFill>
                   <a:srgbClr val="EC183F"/>
                 </a:solidFill>
@@ -8431,7 +8457,7 @@
               <a:t>Mesa</a:t>
             </a:r>
             <a:r>
-              <a:rPr b="1" lang="es" sz="3000">
+              <a:rPr lang="es" sz="3000" b="1">
                 <a:solidFill>
                   <a:srgbClr val="434343"/>
                 </a:solidFill>
@@ -8466,12 +8492,12 @@
           </a:ln>
         </p:spPr>
         <p:txBody>
-          <a:bodyPr anchorCtr="0" anchor="t" bIns="91425" lIns="91425" spcFirstLastPara="1" rIns="91425" wrap="square" tIns="91425">
+          <a:bodyPr spcFirstLastPara="1" wrap="square" lIns="91425" tIns="91425" rIns="91425" bIns="91425" anchor="t" anchorCtr="0">
             <a:spAutoFit/>
           </a:bodyPr>
           <a:lstStyle/>
           <a:p>
-            <a:pPr indent="0" lvl="0" marL="0" rtl="0" algn="l">
+            <a:pPr marL="0" lvl="0" indent="0" algn="l" rtl="0">
               <a:lnSpc>
                 <a:spcPct val="200000"/>
               </a:lnSpc>
@@ -8506,7 +8532,7 @@
             </a:endParaRPr>
           </a:p>
           <a:p>
-            <a:pPr indent="0" lvl="0" marL="0" rtl="0" algn="l">
+            <a:pPr marL="0" lvl="0" indent="0" algn="l" rtl="0">
               <a:lnSpc>
                 <a:spcPct val="200000"/>
               </a:lnSpc>
@@ -8541,7 +8567,7 @@
             </a:endParaRPr>
           </a:p>
           <a:p>
-            <a:pPr indent="0" lvl="0" marL="0" rtl="0" algn="l">
+            <a:pPr marL="0" lvl="0" indent="0" algn="l" rtl="0">
               <a:lnSpc>
                 <a:spcPct val="200000"/>
               </a:lnSpc>
@@ -8576,7 +8602,7 @@
             </a:endParaRPr>
           </a:p>
           <a:p>
-            <a:pPr indent="0" lvl="0" marL="0" rtl="0" algn="l">
+            <a:pPr marL="0" lvl="0" indent="0" algn="l" rtl="0">
               <a:lnSpc>
                 <a:spcPct val="200000"/>
               </a:lnSpc>
@@ -8611,7 +8637,7 @@
             </a:endParaRPr>
           </a:p>
           <a:p>
-            <a:pPr indent="0" lvl="0" marL="0" rtl="0" algn="l">
+            <a:pPr marL="0" lvl="0" indent="0" algn="l" rtl="0">
               <a:lnSpc>
                 <a:spcPct val="200000"/>
               </a:lnSpc>
@@ -8638,7 +8664,7 @@
             <a:endParaRPr/>
           </a:p>
           <a:p>
-            <a:pPr indent="0" lvl="0" marL="0" rtl="0" algn="l">
+            <a:pPr marL="0" lvl="0" indent="0" algn="l" rtl="0">
               <a:spcBef>
                 <a:spcPts val="600"/>
               </a:spcBef>
@@ -8647,24 +8673,18 @@
               </a:spcAft>
               <a:buNone/>
             </a:pPr>
-            <a:r>
-              <a:t/>
-            </a:r>
             <a:endParaRPr/>
           </a:p>
           <a:p>
-            <a:pPr indent="0" lvl="0" marL="0" rtl="0" algn="l">
-              <a:spcBef>
-                <a:spcPts val="0"/>
-              </a:spcBef>
-              <a:spcAft>
-                <a:spcPts val="0"/>
-              </a:spcAft>
-              <a:buNone/>
-            </a:pPr>
-            <a:r>
-              <a:t/>
-            </a:r>
+            <a:pPr marL="0" lvl="0" indent="0" algn="l" rtl="0">
+              <a:spcBef>
+                <a:spcPts val="0"/>
+              </a:spcBef>
+              <a:spcAft>
+                <a:spcPts val="0"/>
+              </a:spcAft>
+              <a:buNone/>
+            </a:pPr>
             <a:endParaRPr/>
           </a:p>
         </p:txBody>
@@ -8678,11 +8698,11 @@
 </file>
 
 <file path=ppt/slides/slide7.xml><?xml version="1.0" encoding="utf-8"?>
-<p:sld xmlns:a="http://schemas.openxmlformats.org/drawingml/2006/main" xmlns:r="http://schemas.openxmlformats.org/officeDocument/2006/relationships" xmlns:mc="http://schemas.openxmlformats.org/markup-compatibility/2006" xmlns:mv="urn:schemas-microsoft-com:mac:vml" xmlns:p="http://schemas.openxmlformats.org/presentationml/2006/main" xmlns:c="http://schemas.openxmlformats.org/drawingml/2006/chart" xmlns:dgm="http://schemas.openxmlformats.org/drawingml/2006/diagram" xmlns:o="urn:schemas-microsoft-com:office:office" xmlns:v="urn:schemas-microsoft-com:vml" xmlns:pvml="urn:schemas-microsoft-com:office:powerpoint" xmlns:com="http://schemas.openxmlformats.org/drawingml/2006/compatibility" xmlns:p14="http://schemas.microsoft.com/office/powerpoint/2010/main" xmlns:p15="http://schemas.microsoft.com/office/powerpoint/2012/main" xmlns:ahyp="http://schemas.microsoft.com/office/drawing/2018/hyperlinkcolor">
+<p:sld xmlns:a="http://schemas.openxmlformats.org/drawingml/2006/main" xmlns:r="http://schemas.openxmlformats.org/officeDocument/2006/relationships" xmlns:p="http://schemas.openxmlformats.org/presentationml/2006/main">
   <p:cSld>
     <p:spTree>
       <p:nvGrpSpPr>
-        <p:cNvPr id="90" name="Shape 90"/>
+        <p:cNvPr id="1" name="Shape 90"/>
         <p:cNvGrpSpPr/>
         <p:nvPr/>
       </p:nvGrpSpPr>
@@ -8714,12 +8734,12 @@
           </a:ln>
         </p:spPr>
         <p:txBody>
-          <a:bodyPr anchorCtr="0" anchor="t" bIns="91425" lIns="91425" spcFirstLastPara="1" rIns="91425" wrap="square" tIns="91425">
+          <a:bodyPr spcFirstLastPara="1" wrap="square" lIns="91425" tIns="91425" rIns="91425" bIns="91425" anchor="t" anchorCtr="0">
             <a:spAutoFit/>
           </a:bodyPr>
           <a:lstStyle/>
           <a:p>
-            <a:pPr indent="0" lvl="0" marL="0" rtl="0" algn="l">
+            <a:pPr marL="0" lvl="0" indent="0" algn="l" rtl="0">
               <a:lnSpc>
                 <a:spcPct val="90000"/>
               </a:lnSpc>
@@ -8732,7 +8752,7 @@
               <a:buNone/>
             </a:pPr>
             <a:r>
-              <a:rPr b="1" lang="es" sz="3000">
+              <a:rPr lang="es" sz="3000" b="1">
                 <a:solidFill>
                   <a:srgbClr val="EC183F"/>
                 </a:solidFill>
@@ -8744,7 +8764,7 @@
               <a:t>Mesa</a:t>
             </a:r>
             <a:r>
-              <a:rPr b="1" lang="es" sz="3000">
+              <a:rPr lang="es" sz="3000" b="1">
                 <a:solidFill>
                   <a:srgbClr val="434343"/>
                 </a:solidFill>
@@ -8779,12 +8799,12 @@
           </a:ln>
         </p:spPr>
         <p:txBody>
-          <a:bodyPr anchorCtr="0" anchor="t" bIns="91425" lIns="91425" spcFirstLastPara="1" rIns="91425" wrap="square" tIns="91425">
+          <a:bodyPr spcFirstLastPara="1" wrap="square" lIns="91425" tIns="91425" rIns="91425" bIns="91425" anchor="t" anchorCtr="0">
             <a:spAutoFit/>
           </a:bodyPr>
           <a:lstStyle/>
           <a:p>
-            <a:pPr indent="0" lvl="0" marL="0" rtl="0" algn="l">
+            <a:pPr marL="0" lvl="0" indent="0" algn="l" rtl="0">
               <a:lnSpc>
                 <a:spcPct val="200000"/>
               </a:lnSpc>
@@ -8819,7 +8839,7 @@
             </a:endParaRPr>
           </a:p>
           <a:p>
-            <a:pPr indent="0" lvl="0" marL="0" rtl="0" algn="l">
+            <a:pPr marL="0" lvl="0" indent="0" algn="l" rtl="0">
               <a:lnSpc>
                 <a:spcPct val="200000"/>
               </a:lnSpc>
@@ -8854,7 +8874,7 @@
             </a:endParaRPr>
           </a:p>
           <a:p>
-            <a:pPr indent="0" lvl="0" marL="0" rtl="0" algn="l">
+            <a:pPr marL="0" lvl="0" indent="0" algn="l" rtl="0">
               <a:lnSpc>
                 <a:spcPct val="200000"/>
               </a:lnSpc>
@@ -8889,7 +8909,7 @@
             </a:endParaRPr>
           </a:p>
           <a:p>
-            <a:pPr indent="0" lvl="0" marL="0" rtl="0" algn="l">
+            <a:pPr marL="0" lvl="0" indent="0" algn="l" rtl="0">
               <a:lnSpc>
                 <a:spcPct val="200000"/>
               </a:lnSpc>
@@ -8924,7 +8944,7 @@
             </a:endParaRPr>
           </a:p>
           <a:p>
-            <a:pPr indent="0" lvl="0" marL="0" rtl="0" algn="l">
+            <a:pPr marL="0" lvl="0" indent="0" algn="l" rtl="0">
               <a:lnSpc>
                 <a:spcPct val="200000"/>
               </a:lnSpc>
@@ -8951,7 +8971,7 @@
             <a:endParaRPr/>
           </a:p>
           <a:p>
-            <a:pPr indent="0" lvl="0" marL="0" rtl="0" algn="l">
+            <a:pPr marL="0" lvl="0" indent="0" algn="l" rtl="0">
               <a:spcBef>
                 <a:spcPts val="600"/>
               </a:spcBef>
@@ -8960,24 +8980,18 @@
               </a:spcAft>
               <a:buNone/>
             </a:pPr>
-            <a:r>
-              <a:t/>
-            </a:r>
             <a:endParaRPr/>
           </a:p>
           <a:p>
-            <a:pPr indent="0" lvl="0" marL="0" rtl="0" algn="l">
-              <a:spcBef>
-                <a:spcPts val="0"/>
-              </a:spcBef>
-              <a:spcAft>
-                <a:spcPts val="0"/>
-              </a:spcAft>
-              <a:buNone/>
-            </a:pPr>
-            <a:r>
-              <a:t/>
-            </a:r>
+            <a:pPr marL="0" lvl="0" indent="0" algn="l" rtl="0">
+              <a:spcBef>
+                <a:spcPts val="0"/>
+              </a:spcBef>
+              <a:spcAft>
+                <a:spcPts val="0"/>
+              </a:spcAft>
+              <a:buNone/>
+            </a:pPr>
             <a:endParaRPr/>
           </a:p>
         </p:txBody>
@@ -8991,11 +9005,11 @@
 </file>
 
 <file path=ppt/slides/slide8.xml><?xml version="1.0" encoding="utf-8"?>
-<p:sld xmlns:a="http://schemas.openxmlformats.org/drawingml/2006/main" xmlns:r="http://schemas.openxmlformats.org/officeDocument/2006/relationships" xmlns:mc="http://schemas.openxmlformats.org/markup-compatibility/2006" xmlns:mv="urn:schemas-microsoft-com:mac:vml" xmlns:p="http://schemas.openxmlformats.org/presentationml/2006/main" xmlns:c="http://schemas.openxmlformats.org/drawingml/2006/chart" xmlns:dgm="http://schemas.openxmlformats.org/drawingml/2006/diagram" xmlns:o="urn:schemas-microsoft-com:office:office" xmlns:v="urn:schemas-microsoft-com:vml" xmlns:pvml="urn:schemas-microsoft-com:office:powerpoint" xmlns:com="http://schemas.openxmlformats.org/drawingml/2006/compatibility" xmlns:p14="http://schemas.microsoft.com/office/powerpoint/2010/main" xmlns:p15="http://schemas.microsoft.com/office/powerpoint/2012/main" xmlns:ahyp="http://schemas.microsoft.com/office/drawing/2018/hyperlinkcolor">
+<p:sld xmlns:a="http://schemas.openxmlformats.org/drawingml/2006/main" xmlns:r="http://schemas.openxmlformats.org/officeDocument/2006/relationships" xmlns:p="http://schemas.openxmlformats.org/presentationml/2006/main">
   <p:cSld>
     <p:spTree>
       <p:nvGrpSpPr>
-        <p:cNvPr id="96" name="Shape 96"/>
+        <p:cNvPr id="1" name="Shape 96"/>
         <p:cNvGrpSpPr/>
         <p:nvPr/>
       </p:nvGrpSpPr>
@@ -9027,12 +9041,12 @@
           </a:ln>
         </p:spPr>
         <p:txBody>
-          <a:bodyPr anchorCtr="0" anchor="t" bIns="91425" lIns="91425" spcFirstLastPara="1" rIns="91425" wrap="square" tIns="91425">
+          <a:bodyPr spcFirstLastPara="1" wrap="square" lIns="91425" tIns="91425" rIns="91425" bIns="91425" anchor="t" anchorCtr="0">
             <a:spAutoFit/>
           </a:bodyPr>
           <a:lstStyle/>
           <a:p>
-            <a:pPr indent="0" lvl="0" marL="0" rtl="0" algn="l">
+            <a:pPr marL="0" lvl="0" indent="0" algn="l" rtl="0">
               <a:lnSpc>
                 <a:spcPct val="90000"/>
               </a:lnSpc>
@@ -9045,7 +9059,7 @@
               <a:buNone/>
             </a:pPr>
             <a:r>
-              <a:rPr b="1" lang="es" sz="3000">
+              <a:rPr lang="es" sz="3000" b="1" dirty="0">
                 <a:solidFill>
                   <a:srgbClr val="EC183F"/>
                 </a:solidFill>
@@ -9057,7 +9071,7 @@
               <a:t>Mesa</a:t>
             </a:r>
             <a:r>
-              <a:rPr b="1" lang="es" sz="3000">
+              <a:rPr lang="es" sz="3000" b="1" dirty="0">
                 <a:solidFill>
                   <a:srgbClr val="434343"/>
                 </a:solidFill>
@@ -9066,9 +9080,21 @@
                 <a:cs typeface="Rajdhani"/>
                 <a:sym typeface="Rajdhani"/>
               </a:rPr>
-              <a:t> 8</a:t>
-            </a:r>
-            <a:endParaRPr b="1" u="sng"/>
+              <a:t> </a:t>
+            </a:r>
+            <a:r>
+              <a:rPr lang="es" sz="3000" b="1" dirty="0" smtClean="0">
+                <a:solidFill>
+                  <a:srgbClr val="434343"/>
+                </a:solidFill>
+                <a:latin typeface="Rajdhani"/>
+                <a:ea typeface="Rajdhani"/>
+                <a:cs typeface="Rajdhani"/>
+                <a:sym typeface="Rajdhani"/>
+              </a:rPr>
+              <a:t>7</a:t>
+            </a:r>
+            <a:endParaRPr b="1" u="sng" dirty="0"/>
           </a:p>
         </p:txBody>
       </p:sp>
@@ -9080,8 +9106,8 @@
         </p:nvSpPr>
         <p:spPr>
           <a:xfrm>
-            <a:off x="766075" y="1203800"/>
-            <a:ext cx="7633200" cy="3155400"/>
+            <a:off x="646909" y="775175"/>
+            <a:ext cx="7633200" cy="3416290"/>
           </a:xfrm>
           <a:prstGeom prst="rect">
             <a:avLst/>
@@ -9092,47 +9118,52 @@
           </a:ln>
         </p:spPr>
         <p:txBody>
-          <a:bodyPr anchorCtr="0" anchor="t" bIns="91425" lIns="91425" spcFirstLastPara="1" rIns="91425" wrap="square" tIns="91425">
+          <a:bodyPr spcFirstLastPara="1" wrap="square" lIns="91425" tIns="91425" rIns="91425" bIns="91425" anchor="t" anchorCtr="0">
             <a:spAutoFit/>
           </a:bodyPr>
           <a:lstStyle/>
           <a:p>
-            <a:pPr indent="0" lvl="0" marL="0" rtl="0" algn="l">
+            <a:pPr lvl="0">
               <a:lnSpc>
                 <a:spcPct val="200000"/>
               </a:lnSpc>
-              <a:spcBef>
-                <a:spcPts val="0"/>
-              </a:spcBef>
-              <a:spcAft>
-                <a:spcPts val="0"/>
-              </a:spcAft>
-              <a:buNone/>
-            </a:pPr>
-            <a:r>
-              <a:rPr lang="es" sz="1600">
-                <a:solidFill>
-                  <a:srgbClr val="3F3F3F"/>
-                </a:solidFill>
-                <a:latin typeface="Open Sans"/>
+            </a:pPr>
+            <a:r>
+              <a:rPr lang="es" sz="800" b="1" u="sng" dirty="0" smtClean="0">
+                <a:solidFill>
+                  <a:schemeClr val="tx1"/>
+                </a:solidFill>
+                <a:latin typeface="Candara" panose="020E0502030303020204" pitchFamily="34" charset="0"/>
                 <a:ea typeface="Open Sans"/>
-                <a:cs typeface="Open Sans"/>
+                <a:cs typeface="Times New Roman" panose="02020603050405020304" pitchFamily="18" charset="0"/>
                 <a:sym typeface="Open Sans"/>
               </a:rPr>
-              <a:t>Nota : &lt;Poner el link&gt;</a:t>
-            </a:r>
-            <a:endParaRPr sz="1600">
+              <a:t>Nota: </a:t>
+            </a:r>
+            <a:r>
+              <a:rPr lang="en-US" sz="800" dirty="0">
+                <a:solidFill>
+                  <a:schemeClr val="tx1"/>
+                </a:solidFill>
+                <a:latin typeface="Candara" panose="020E0502030303020204" pitchFamily="34" charset="0"/>
+                <a:ea typeface="Open Sans"/>
+                <a:cs typeface="Times New Roman" panose="02020603050405020304" pitchFamily="18" charset="0"/>
+                <a:sym typeface="Open Sans"/>
+              </a:rPr>
+              <a:t>https://www.welivesecurity.com/la-es/2021/07/05/ataque-masivo-ransomware-revil-comprometio-mas-1000-companias-mundo/</a:t>
+            </a:r>
+            <a:endParaRPr sz="800" dirty="0">
               <a:solidFill>
-                <a:srgbClr val="3F3F3F"/>
+                <a:schemeClr val="tx1"/>
               </a:solidFill>
-              <a:latin typeface="Open Sans"/>
+              <a:latin typeface="Candara" panose="020E0502030303020204" pitchFamily="34" charset="0"/>
               <a:ea typeface="Open Sans"/>
-              <a:cs typeface="Open Sans"/>
+              <a:cs typeface="Times New Roman" panose="02020603050405020304" pitchFamily="18" charset="0"/>
               <a:sym typeface="Open Sans"/>
             </a:endParaRPr>
           </a:p>
           <a:p>
-            <a:pPr indent="0" lvl="0" marL="0" rtl="0" algn="l">
+            <a:pPr marL="0" lvl="0" indent="0" algn="l" rtl="0">
               <a:lnSpc>
                 <a:spcPct val="200000"/>
               </a:lnSpc>
@@ -9145,64 +9176,110 @@
               <a:buNone/>
             </a:pPr>
             <a:r>
-              <a:rPr lang="es" sz="1600">
-                <a:solidFill>
-                  <a:srgbClr val="3F3F3F"/>
-                </a:solidFill>
-                <a:latin typeface="Open Sans"/>
+              <a:rPr lang="es" sz="800" b="1" u="sng" dirty="0">
+                <a:solidFill>
+                  <a:schemeClr val="tx1"/>
+                </a:solidFill>
+                <a:latin typeface="Candara" panose="020E0502030303020204" pitchFamily="34" charset="0"/>
                 <a:ea typeface="Open Sans"/>
-                <a:cs typeface="Open Sans"/>
+                <a:cs typeface="Times New Roman" panose="02020603050405020304" pitchFamily="18" charset="0"/>
                 <a:sym typeface="Open Sans"/>
               </a:rPr>
-              <a:t>¿Qué tipo de amenaza es?</a:t>
-            </a:r>
-            <a:endParaRPr sz="1600">
-              <a:solidFill>
-                <a:srgbClr val="3F3F3F"/>
-              </a:solidFill>
-              <a:latin typeface="Open Sans"/>
-              <a:ea typeface="Open Sans"/>
-              <a:cs typeface="Open Sans"/>
-              <a:sym typeface="Open Sans"/>
-            </a:endParaRPr>
-          </a:p>
-          <a:p>
-            <a:pPr indent="0" lvl="0" marL="0" rtl="0" algn="l">
+              <a:t>¿Qué tipo de amenaza es</a:t>
+            </a:r>
+            <a:r>
+              <a:rPr lang="es" sz="800" b="1" u="sng" dirty="0" smtClean="0">
+                <a:solidFill>
+                  <a:schemeClr val="tx1"/>
+                </a:solidFill>
+                <a:latin typeface="Candara" panose="020E0502030303020204" pitchFamily="34" charset="0"/>
+                <a:ea typeface="Open Sans"/>
+                <a:cs typeface="Times New Roman" panose="02020603050405020304" pitchFamily="18" charset="0"/>
+                <a:sym typeface="Open Sans"/>
+              </a:rPr>
+              <a:t>?</a:t>
+            </a:r>
+          </a:p>
+          <a:p>
+            <a:pPr lvl="0">
               <a:lnSpc>
                 <a:spcPct val="200000"/>
               </a:lnSpc>
-              <a:spcBef>
-                <a:spcPts val="0"/>
-              </a:spcBef>
-              <a:spcAft>
-                <a:spcPts val="0"/>
-              </a:spcAft>
-              <a:buNone/>
-            </a:pPr>
-            <a:r>
-              <a:rPr lang="es" sz="1600">
-                <a:solidFill>
-                  <a:srgbClr val="3F3F3F"/>
-                </a:solidFill>
-                <a:latin typeface="Open Sans"/>
+            </a:pPr>
+            <a:r>
+              <a:rPr lang="es" sz="800" dirty="0" smtClean="0">
+                <a:solidFill>
+                  <a:schemeClr val="tx1"/>
+                </a:solidFill>
+                <a:latin typeface="Candara" panose="020E0502030303020204" pitchFamily="34" charset="0"/>
                 <a:ea typeface="Open Sans"/>
-                <a:cs typeface="Open Sans"/>
+                <a:cs typeface="Times New Roman" panose="02020603050405020304" pitchFamily="18" charset="0"/>
                 <a:sym typeface="Open Sans"/>
               </a:rPr>
-              <a:t>¿Cómo comienza y cómo se propaga esta amenaza?</a:t>
-            </a:r>
-            <a:endParaRPr sz="1600">
+              <a:t>Se trata de un Ransomware llamado </a:t>
+            </a:r>
+            <a:r>
+              <a:rPr lang="es-ES" sz="800" dirty="0" err="1" smtClean="0">
+                <a:solidFill>
+                  <a:schemeClr val="tx1"/>
+                </a:solidFill>
+                <a:latin typeface="Candara" panose="020E0502030303020204" pitchFamily="34" charset="0"/>
+                <a:cs typeface="Times New Roman" panose="02020603050405020304" pitchFamily="18" charset="0"/>
+              </a:rPr>
+              <a:t>REvil</a:t>
+            </a:r>
+            <a:r>
+              <a:rPr lang="es-ES" sz="800" dirty="0">
+                <a:solidFill>
+                  <a:schemeClr val="tx1"/>
+                </a:solidFill>
+                <a:latin typeface="Candara" panose="020E0502030303020204" pitchFamily="34" charset="0"/>
+                <a:cs typeface="Times New Roman" panose="02020603050405020304" pitchFamily="18" charset="0"/>
+              </a:rPr>
+              <a:t>, también conocido </a:t>
+            </a:r>
+            <a:r>
+              <a:rPr lang="es-ES" sz="800" dirty="0" err="1">
+                <a:solidFill>
+                  <a:schemeClr val="tx1"/>
+                </a:solidFill>
+                <a:latin typeface="Candara" panose="020E0502030303020204" pitchFamily="34" charset="0"/>
+                <a:cs typeface="Times New Roman" panose="02020603050405020304" pitchFamily="18" charset="0"/>
+              </a:rPr>
+              <a:t>somo</a:t>
+            </a:r>
+            <a:r>
+              <a:rPr lang="es-ES" sz="800" dirty="0">
+                <a:solidFill>
+                  <a:schemeClr val="tx1"/>
+                </a:solidFill>
+                <a:latin typeface="Candara" panose="020E0502030303020204" pitchFamily="34" charset="0"/>
+                <a:cs typeface="Times New Roman" panose="02020603050405020304" pitchFamily="18" charset="0"/>
+              </a:rPr>
+              <a:t> </a:t>
+            </a:r>
+            <a:r>
+              <a:rPr lang="es-ES" sz="800" dirty="0" err="1" smtClean="0">
+                <a:solidFill>
+                  <a:schemeClr val="tx1"/>
+                </a:solidFill>
+                <a:latin typeface="Candara" panose="020E0502030303020204" pitchFamily="34" charset="0"/>
+                <a:cs typeface="Times New Roman" panose="02020603050405020304" pitchFamily="18" charset="0"/>
+              </a:rPr>
+              <a:t>Sodinokibi</a:t>
+            </a:r>
+            <a:endParaRPr sz="800" dirty="0">
               <a:solidFill>
-                <a:srgbClr val="3F3F3F"/>
+                <a:schemeClr val="tx1"/>
               </a:solidFill>
-              <a:latin typeface="Open Sans"/>
+              <a:latin typeface="Candara" panose="020E0502030303020204" pitchFamily="34" charset="0"/>
               <a:ea typeface="Open Sans"/>
-              <a:cs typeface="Open Sans"/>
+              <a:cs typeface="Times New Roman" panose="02020603050405020304" pitchFamily="18" charset="0"/>
               <a:sym typeface="Open Sans"/>
             </a:endParaRPr>
           </a:p>
           <a:p>
-            <a:pPr indent="0" lvl="0" marL="0" rtl="0" algn="l">
+            <a:pPr marL="0" lvl="0" indent="0" algn="l" rtl="0">
               <a:lnSpc>
                 <a:spcPct val="200000"/>
               </a:lnSpc>
@@ -9215,83 +9292,563 @@
               <a:buNone/>
             </a:pPr>
             <a:r>
-              <a:rPr lang="es" sz="1600">
-                <a:solidFill>
-                  <a:srgbClr val="3F3F3F"/>
-                </a:solidFill>
-                <a:latin typeface="Open Sans"/>
+              <a:rPr lang="es" sz="800" b="1" u="sng" dirty="0">
+                <a:solidFill>
+                  <a:schemeClr val="tx1"/>
+                </a:solidFill>
+                <a:latin typeface="Candara" panose="020E0502030303020204" pitchFamily="34" charset="0"/>
                 <a:ea typeface="Open Sans"/>
-                <a:cs typeface="Open Sans"/>
+                <a:cs typeface="Times New Roman" panose="02020603050405020304" pitchFamily="18" charset="0"/>
                 <a:sym typeface="Open Sans"/>
               </a:rPr>
-              <a:t>¿Hay más de una amenaza aplicada ?</a:t>
-            </a:r>
-            <a:endParaRPr sz="1600">
-              <a:solidFill>
-                <a:srgbClr val="3F3F3F"/>
-              </a:solidFill>
-              <a:latin typeface="Open Sans"/>
-              <a:ea typeface="Open Sans"/>
-              <a:cs typeface="Open Sans"/>
-              <a:sym typeface="Open Sans"/>
-            </a:endParaRPr>
-          </a:p>
-          <a:p>
-            <a:pPr indent="0" lvl="0" marL="0" rtl="0" algn="l">
+              <a:t>¿Cómo comienza y cómo se propaga esta amenaza</a:t>
+            </a:r>
+            <a:r>
+              <a:rPr lang="es" sz="800" b="1" u="sng" dirty="0" smtClean="0">
+                <a:solidFill>
+                  <a:schemeClr val="tx1"/>
+                </a:solidFill>
+                <a:latin typeface="Candara" panose="020E0502030303020204" pitchFamily="34" charset="0"/>
+                <a:ea typeface="Open Sans"/>
+                <a:cs typeface="Times New Roman" panose="02020603050405020304" pitchFamily="18" charset="0"/>
+                <a:sym typeface="Open Sans"/>
+              </a:rPr>
+              <a:t>?</a:t>
+            </a:r>
+          </a:p>
+          <a:p>
+            <a:pPr lvl="0">
               <a:lnSpc>
                 <a:spcPct val="200000"/>
               </a:lnSpc>
-              <a:spcBef>
-                <a:spcPts val="0"/>
-              </a:spcBef>
-              <a:spcAft>
-                <a:spcPts val="0"/>
-              </a:spcAft>
-              <a:buNone/>
-            </a:pPr>
-            <a:r>
-              <a:rPr lang="es" sz="1600">
-                <a:solidFill>
-                  <a:srgbClr val="3F3F3F"/>
-                </a:solidFill>
-                <a:latin typeface="Open Sans"/>
+            </a:pPr>
+            <a:r>
+              <a:rPr lang="es-ES" sz="800" dirty="0">
+                <a:solidFill>
+                  <a:schemeClr val="tx1"/>
+                </a:solidFill>
+                <a:latin typeface="Candara" panose="020E0502030303020204" pitchFamily="34" charset="0"/>
+                <a:cs typeface="Times New Roman" panose="02020603050405020304" pitchFamily="18" charset="0"/>
+              </a:rPr>
+              <a:t>Un proveedor de servicios administrados (MSP, por sus siglas en inglés) </a:t>
+            </a:r>
+            <a:r>
+              <a:rPr lang="es-ES" sz="800" dirty="0" smtClean="0">
+                <a:solidFill>
+                  <a:schemeClr val="tx1"/>
+                </a:solidFill>
+                <a:latin typeface="Candara" panose="020E0502030303020204" pitchFamily="34" charset="0"/>
+                <a:cs typeface="Times New Roman" panose="02020603050405020304" pitchFamily="18" charset="0"/>
+              </a:rPr>
+              <a:t>que es </a:t>
+            </a:r>
+            <a:r>
+              <a:rPr lang="es-ES" sz="800" dirty="0">
+                <a:solidFill>
+                  <a:schemeClr val="tx1"/>
+                </a:solidFill>
+                <a:latin typeface="Candara" panose="020E0502030303020204" pitchFamily="34" charset="0"/>
+                <a:cs typeface="Times New Roman" panose="02020603050405020304" pitchFamily="18" charset="0"/>
+              </a:rPr>
+              <a:t>una empresa ofrece servicios de gestión de tecnología de la información (IT) de manera </a:t>
+            </a:r>
+            <a:r>
+              <a:rPr lang="es-ES" sz="800" dirty="0" smtClean="0">
+                <a:solidFill>
+                  <a:schemeClr val="tx1"/>
+                </a:solidFill>
+                <a:latin typeface="Candara" panose="020E0502030303020204" pitchFamily="34" charset="0"/>
+                <a:cs typeface="Times New Roman" panose="02020603050405020304" pitchFamily="18" charset="0"/>
+              </a:rPr>
+              <a:t>remota, fue vulnerado, y ocuparon su nombre para enviar una </a:t>
+            </a:r>
+            <a:r>
+              <a:rPr lang="es-ES" sz="800" dirty="0">
+                <a:solidFill>
+                  <a:schemeClr val="tx1"/>
+                </a:solidFill>
+                <a:latin typeface="Candara" panose="020E0502030303020204" pitchFamily="34" charset="0"/>
+                <a:cs typeface="Times New Roman" panose="02020603050405020304" pitchFamily="18" charset="0"/>
+              </a:rPr>
+              <a:t>actualización con permisos de administrador </a:t>
+            </a:r>
+            <a:r>
+              <a:rPr lang="es-ES" sz="800" dirty="0" smtClean="0">
+                <a:solidFill>
+                  <a:schemeClr val="tx1"/>
+                </a:solidFill>
+                <a:latin typeface="Candara" panose="020E0502030303020204" pitchFamily="34" charset="0"/>
+                <a:cs typeface="Times New Roman" panose="02020603050405020304" pitchFamily="18" charset="0"/>
+              </a:rPr>
+              <a:t>que </a:t>
+            </a:r>
+            <a:r>
+              <a:rPr lang="es-ES" sz="800" dirty="0">
+                <a:solidFill>
+                  <a:schemeClr val="tx1"/>
+                </a:solidFill>
+                <a:latin typeface="Candara" panose="020E0502030303020204" pitchFamily="34" charset="0"/>
+                <a:cs typeface="Times New Roman" panose="02020603050405020304" pitchFamily="18" charset="0"/>
+              </a:rPr>
+              <a:t>infectaron los sistemas de sus clientes con la </a:t>
+            </a:r>
+            <a:r>
+              <a:rPr lang="es-ES" sz="800" dirty="0" smtClean="0">
+                <a:solidFill>
+                  <a:schemeClr val="tx1"/>
+                </a:solidFill>
+                <a:latin typeface="Candara" panose="020E0502030303020204" pitchFamily="34" charset="0"/>
+                <a:cs typeface="Times New Roman" panose="02020603050405020304" pitchFamily="18" charset="0"/>
+              </a:rPr>
+              <a:t>amenaza.</a:t>
+            </a:r>
+          </a:p>
+          <a:p>
+            <a:pPr lvl="0">
+              <a:lnSpc>
+                <a:spcPct val="200000"/>
+              </a:lnSpc>
+            </a:pPr>
+            <a:r>
+              <a:rPr lang="es-ES" sz="800" dirty="0">
+                <a:solidFill>
+                  <a:schemeClr val="tx1"/>
+                </a:solidFill>
+                <a:latin typeface="Candara" panose="020E0502030303020204" pitchFamily="34" charset="0"/>
+                <a:cs typeface="Times New Roman" panose="02020603050405020304" pitchFamily="18" charset="0"/>
+              </a:rPr>
+              <a:t>Una vez que el </a:t>
+            </a:r>
+            <a:r>
+              <a:rPr lang="es-ES" sz="800" dirty="0" err="1">
+                <a:solidFill>
+                  <a:schemeClr val="tx1"/>
+                </a:solidFill>
+                <a:latin typeface="Candara" panose="020E0502030303020204" pitchFamily="34" charset="0"/>
+                <a:cs typeface="Times New Roman" panose="02020603050405020304" pitchFamily="18" charset="0"/>
+              </a:rPr>
+              <a:t>ransomware</a:t>
+            </a:r>
+            <a:r>
+              <a:rPr lang="es-ES" sz="800" dirty="0">
+                <a:solidFill>
+                  <a:schemeClr val="tx1"/>
+                </a:solidFill>
+                <a:latin typeface="Candara" panose="020E0502030303020204" pitchFamily="34" charset="0"/>
+                <a:cs typeface="Times New Roman" panose="02020603050405020304" pitchFamily="18" charset="0"/>
+              </a:rPr>
+              <a:t> </a:t>
+            </a:r>
+            <a:r>
+              <a:rPr lang="es-ES" sz="800" dirty="0" smtClean="0">
+                <a:solidFill>
+                  <a:schemeClr val="tx1"/>
+                </a:solidFill>
+                <a:latin typeface="Candara" panose="020E0502030303020204" pitchFamily="34" charset="0"/>
+                <a:cs typeface="Times New Roman" panose="02020603050405020304" pitchFamily="18" charset="0"/>
+              </a:rPr>
+              <a:t>cifró </a:t>
+            </a:r>
+            <a:r>
+              <a:rPr lang="es-ES" sz="800" dirty="0">
+                <a:solidFill>
+                  <a:schemeClr val="tx1"/>
+                </a:solidFill>
+                <a:latin typeface="Candara" panose="020E0502030303020204" pitchFamily="34" charset="0"/>
+                <a:cs typeface="Times New Roman" panose="02020603050405020304" pitchFamily="18" charset="0"/>
+              </a:rPr>
+              <a:t>la </a:t>
+            </a:r>
+            <a:r>
+              <a:rPr lang="es-ES" sz="800" dirty="0" smtClean="0">
+                <a:solidFill>
+                  <a:schemeClr val="tx1"/>
+                </a:solidFill>
+                <a:latin typeface="Candara" panose="020E0502030303020204" pitchFamily="34" charset="0"/>
+                <a:cs typeface="Times New Roman" panose="02020603050405020304" pitchFamily="18" charset="0"/>
+              </a:rPr>
+              <a:t>información, </a:t>
+            </a:r>
+            <a:r>
+              <a:rPr lang="es-ES" sz="800" dirty="0">
+                <a:solidFill>
+                  <a:schemeClr val="tx1"/>
+                </a:solidFill>
+                <a:latin typeface="Candara" panose="020E0502030303020204" pitchFamily="34" charset="0"/>
+                <a:cs typeface="Times New Roman" panose="02020603050405020304" pitchFamily="18" charset="0"/>
+              </a:rPr>
+              <a:t>el fondo del </a:t>
+            </a:r>
+            <a:r>
+              <a:rPr lang="es-ES" sz="800" dirty="0" smtClean="0">
+                <a:solidFill>
+                  <a:schemeClr val="tx1"/>
+                </a:solidFill>
+                <a:latin typeface="Candara" panose="020E0502030303020204" pitchFamily="34" charset="0"/>
+                <a:cs typeface="Times New Roman" panose="02020603050405020304" pitchFamily="18" charset="0"/>
+              </a:rPr>
+              <a:t>escritorio de los usuarios cambió </a:t>
+            </a:r>
+            <a:r>
+              <a:rPr lang="es-ES" sz="800" dirty="0">
+                <a:solidFill>
+                  <a:schemeClr val="tx1"/>
+                </a:solidFill>
+                <a:latin typeface="Candara" panose="020E0502030303020204" pitchFamily="34" charset="0"/>
+                <a:cs typeface="Times New Roman" panose="02020603050405020304" pitchFamily="18" charset="0"/>
+              </a:rPr>
+              <a:t>a una </a:t>
+            </a:r>
+            <a:r>
+              <a:rPr lang="es-ES" sz="800" dirty="0" smtClean="0">
+                <a:solidFill>
+                  <a:schemeClr val="tx1"/>
+                </a:solidFill>
+                <a:latin typeface="Candara" panose="020E0502030303020204" pitchFamily="34" charset="0"/>
+                <a:cs typeface="Times New Roman" panose="02020603050405020304" pitchFamily="18" charset="0"/>
+              </a:rPr>
+              <a:t>imagen con las instrucciones para pagar el rescate.</a:t>
+            </a:r>
+            <a:endParaRPr sz="800" dirty="0">
+              <a:solidFill>
+                <a:schemeClr val="tx1"/>
+              </a:solidFill>
+              <a:latin typeface="Candara" panose="020E0502030303020204" pitchFamily="34" charset="0"/>
+              <a:ea typeface="Open Sans"/>
+              <a:cs typeface="Times New Roman" panose="02020603050405020304" pitchFamily="18" charset="0"/>
+              <a:sym typeface="Open Sans"/>
+            </a:endParaRPr>
+          </a:p>
+          <a:p>
+            <a:pPr marL="0" lvl="0" indent="0" algn="l" rtl="0">
+              <a:lnSpc>
+                <a:spcPct val="200000"/>
+              </a:lnSpc>
+              <a:spcBef>
+                <a:spcPts val="0"/>
+              </a:spcBef>
+              <a:spcAft>
+                <a:spcPts val="0"/>
+              </a:spcAft>
+              <a:buNone/>
+            </a:pPr>
+            <a:r>
+              <a:rPr lang="es" sz="800" b="1" u="sng" dirty="0">
+                <a:solidFill>
+                  <a:schemeClr val="tx1"/>
+                </a:solidFill>
+                <a:latin typeface="Candara" panose="020E0502030303020204" pitchFamily="34" charset="0"/>
                 <a:ea typeface="Open Sans"/>
-                <a:cs typeface="Open Sans"/>
+                <a:cs typeface="Times New Roman" panose="02020603050405020304" pitchFamily="18" charset="0"/>
                 <a:sym typeface="Open Sans"/>
               </a:rPr>
-              <a:t>¿Qué solución o medida recomendarían ?</a:t>
-            </a:r>
-            <a:endParaRPr/>
-          </a:p>
-          <a:p>
-            <a:pPr indent="0" lvl="0" marL="0" rtl="0" algn="l">
+              <a:t>¿Hay más de una amenaza aplicada </a:t>
+            </a:r>
+            <a:r>
+              <a:rPr lang="es" sz="800" b="1" u="sng" dirty="0" smtClean="0">
+                <a:solidFill>
+                  <a:schemeClr val="tx1"/>
+                </a:solidFill>
+                <a:latin typeface="Candara" panose="020E0502030303020204" pitchFamily="34" charset="0"/>
+                <a:ea typeface="Open Sans"/>
+                <a:cs typeface="Times New Roman" panose="02020603050405020304" pitchFamily="18" charset="0"/>
+                <a:sym typeface="Open Sans"/>
+              </a:rPr>
+              <a:t>?</a:t>
+            </a:r>
+          </a:p>
+          <a:p>
+            <a:pPr marL="0" lvl="0" indent="0" algn="l" rtl="0">
+              <a:lnSpc>
+                <a:spcPct val="200000"/>
+              </a:lnSpc>
+              <a:spcBef>
+                <a:spcPts val="0"/>
+              </a:spcBef>
+              <a:spcAft>
+                <a:spcPts val="0"/>
+              </a:spcAft>
+              <a:buNone/>
+            </a:pPr>
+            <a:r>
+              <a:rPr lang="es" sz="800" dirty="0" smtClean="0">
+                <a:solidFill>
+                  <a:schemeClr val="tx1"/>
+                </a:solidFill>
+                <a:latin typeface="Candara" panose="020E0502030303020204" pitchFamily="34" charset="0"/>
+                <a:ea typeface="Open Sans"/>
+                <a:cs typeface="Times New Roman" panose="02020603050405020304" pitchFamily="18" charset="0"/>
+                <a:sym typeface="Open Sans"/>
+              </a:rPr>
+              <a:t>No, solo una</a:t>
+            </a:r>
+            <a:endParaRPr sz="800" dirty="0">
+              <a:solidFill>
+                <a:schemeClr val="tx1"/>
+              </a:solidFill>
+              <a:latin typeface="Candara" panose="020E0502030303020204" pitchFamily="34" charset="0"/>
+              <a:ea typeface="Open Sans"/>
+              <a:cs typeface="Times New Roman" panose="02020603050405020304" pitchFamily="18" charset="0"/>
+              <a:sym typeface="Open Sans"/>
+            </a:endParaRPr>
+          </a:p>
+          <a:p>
+            <a:pPr marL="0" lvl="0" indent="0" algn="l" rtl="0">
+              <a:lnSpc>
+                <a:spcPct val="200000"/>
+              </a:lnSpc>
+              <a:spcBef>
+                <a:spcPts val="0"/>
+              </a:spcBef>
+              <a:spcAft>
+                <a:spcPts val="0"/>
+              </a:spcAft>
+              <a:buNone/>
+            </a:pPr>
+            <a:r>
+              <a:rPr lang="es" sz="800" b="1" u="sng" dirty="0">
+                <a:solidFill>
+                  <a:schemeClr val="tx1"/>
+                </a:solidFill>
+                <a:latin typeface="Candara" panose="020E0502030303020204" pitchFamily="34" charset="0"/>
+                <a:ea typeface="Open Sans"/>
+                <a:cs typeface="Times New Roman" panose="02020603050405020304" pitchFamily="18" charset="0"/>
+                <a:sym typeface="Open Sans"/>
+              </a:rPr>
+              <a:t>¿Qué solución o medida recomendarían </a:t>
+            </a:r>
+            <a:r>
+              <a:rPr lang="es" sz="800" b="1" u="sng" dirty="0" smtClean="0">
+                <a:solidFill>
+                  <a:schemeClr val="tx1"/>
+                </a:solidFill>
+                <a:latin typeface="Candara" panose="020E0502030303020204" pitchFamily="34" charset="0"/>
+                <a:ea typeface="Open Sans"/>
+                <a:cs typeface="Times New Roman" panose="02020603050405020304" pitchFamily="18" charset="0"/>
+                <a:sym typeface="Open Sans"/>
+              </a:rPr>
+              <a:t>?</a:t>
+            </a:r>
+            <a:endParaRPr lang="es-ES" sz="800" b="1" i="1" u="sng" dirty="0" smtClean="0">
+              <a:solidFill>
+                <a:schemeClr val="tx1"/>
+              </a:solidFill>
+              <a:latin typeface="Candara" panose="020E0502030303020204" pitchFamily="34" charset="0"/>
+              <a:cs typeface="Times New Roman" panose="02020603050405020304" pitchFamily="18" charset="0"/>
+            </a:endParaRPr>
+          </a:p>
+          <a:p>
+            <a:pPr lvl="0">
               <a:spcBef>
                 <a:spcPts val="600"/>
               </a:spcBef>
-              <a:spcAft>
-                <a:spcPts val="0"/>
-              </a:spcAft>
-              <a:buNone/>
-            </a:pPr>
-            <a:r>
-              <a:t/>
-            </a:r>
-            <a:endParaRPr/>
-          </a:p>
-          <a:p>
-            <a:pPr indent="0" lvl="0" marL="0" rtl="0" algn="l">
-              <a:spcBef>
-                <a:spcPts val="0"/>
-              </a:spcBef>
-              <a:spcAft>
-                <a:spcPts val="0"/>
-              </a:spcAft>
-              <a:buNone/>
-            </a:pPr>
-            <a:r>
-              <a:t/>
-            </a:r>
-            <a:endParaRPr/>
+            </a:pPr>
+            <a:r>
+              <a:rPr lang="es-ES" sz="800" i="1" dirty="0" smtClean="0">
+                <a:solidFill>
+                  <a:schemeClr val="tx1"/>
+                </a:solidFill>
+                <a:latin typeface="Candara" panose="020E0502030303020204" pitchFamily="34" charset="0"/>
+                <a:cs typeface="Times New Roman" panose="02020603050405020304" pitchFamily="18" charset="0"/>
+              </a:rPr>
+              <a:t>El </a:t>
+            </a:r>
+            <a:r>
+              <a:rPr lang="es-ES" sz="800" i="1" dirty="0">
+                <a:solidFill>
+                  <a:schemeClr val="tx1"/>
+                </a:solidFill>
+                <a:latin typeface="Candara" panose="020E0502030303020204" pitchFamily="34" charset="0"/>
+                <a:cs typeface="Times New Roman" panose="02020603050405020304" pitchFamily="18" charset="0"/>
+              </a:rPr>
+              <a:t>22 de julio la compañía </a:t>
+            </a:r>
+            <a:r>
+              <a:rPr lang="es-ES" sz="800" i="1" dirty="0" err="1">
+                <a:solidFill>
+                  <a:schemeClr val="tx1"/>
+                </a:solidFill>
+                <a:latin typeface="Candara" panose="020E0502030303020204" pitchFamily="34" charset="0"/>
+                <a:cs typeface="Times New Roman" panose="02020603050405020304" pitchFamily="18" charset="0"/>
+              </a:rPr>
+              <a:t>Kaseya</a:t>
+            </a:r>
+            <a:r>
+              <a:rPr lang="es-ES" sz="800" i="1" dirty="0">
+                <a:solidFill>
+                  <a:schemeClr val="tx1"/>
+                </a:solidFill>
+                <a:latin typeface="Candara" panose="020E0502030303020204" pitchFamily="34" charset="0"/>
+                <a:cs typeface="Times New Roman" panose="02020603050405020304" pitchFamily="18" charset="0"/>
+              </a:rPr>
+              <a:t> confirmó que obtuvo un descifrador universal para el </a:t>
+            </a:r>
+            <a:r>
+              <a:rPr lang="es-ES" sz="800" i="1" dirty="0" err="1">
+                <a:solidFill>
+                  <a:schemeClr val="tx1"/>
+                </a:solidFill>
+                <a:latin typeface="Candara" panose="020E0502030303020204" pitchFamily="34" charset="0"/>
+                <a:cs typeface="Times New Roman" panose="02020603050405020304" pitchFamily="18" charset="0"/>
+              </a:rPr>
+              <a:t>ransomware</a:t>
+            </a:r>
+            <a:r>
+              <a:rPr lang="es-ES" sz="800" i="1" dirty="0">
+                <a:solidFill>
+                  <a:schemeClr val="tx1"/>
+                </a:solidFill>
+                <a:latin typeface="Candara" panose="020E0502030303020204" pitchFamily="34" charset="0"/>
+                <a:cs typeface="Times New Roman" panose="02020603050405020304" pitchFamily="18" charset="0"/>
+              </a:rPr>
+              <a:t> </a:t>
+            </a:r>
+            <a:r>
+              <a:rPr lang="es-ES" sz="800" i="1" dirty="0" err="1">
+                <a:solidFill>
+                  <a:schemeClr val="tx1"/>
+                </a:solidFill>
+                <a:latin typeface="Candara" panose="020E0502030303020204" pitchFamily="34" charset="0"/>
+                <a:cs typeface="Times New Roman" panose="02020603050405020304" pitchFamily="18" charset="0"/>
+              </a:rPr>
+              <a:t>REvil</a:t>
+            </a:r>
+            <a:r>
+              <a:rPr lang="es-ES" sz="800" i="1" dirty="0">
+                <a:solidFill>
+                  <a:schemeClr val="tx1"/>
+                </a:solidFill>
+                <a:latin typeface="Candara" panose="020E0502030303020204" pitchFamily="34" charset="0"/>
+                <a:cs typeface="Times New Roman" panose="02020603050405020304" pitchFamily="18" charset="0"/>
+              </a:rPr>
+              <a:t> que </a:t>
+            </a:r>
+            <a:r>
+              <a:rPr lang="es-ES" sz="800" i="1" dirty="0">
+                <a:solidFill>
+                  <a:schemeClr val="tx1"/>
+                </a:solidFill>
+                <a:latin typeface="Candara" panose="020E0502030303020204" pitchFamily="34" charset="0"/>
+                <a:cs typeface="Times New Roman" panose="02020603050405020304" pitchFamily="18" charset="0"/>
+              </a:rPr>
+              <a:t>permitiría a todas las víctimas afectadas por el ataque de </a:t>
+            </a:r>
+            <a:r>
+              <a:rPr lang="es-ES" sz="800" i="1" dirty="0" err="1">
+                <a:solidFill>
+                  <a:schemeClr val="tx1"/>
+                </a:solidFill>
+                <a:latin typeface="Candara" panose="020E0502030303020204" pitchFamily="34" charset="0"/>
+                <a:cs typeface="Times New Roman" panose="02020603050405020304" pitchFamily="18" charset="0"/>
+              </a:rPr>
+              <a:t>ransomware</a:t>
+            </a:r>
+            <a:r>
+              <a:rPr lang="es-ES" sz="800" i="1" dirty="0">
+                <a:solidFill>
+                  <a:schemeClr val="tx1"/>
+                </a:solidFill>
+                <a:latin typeface="Candara" panose="020E0502030303020204" pitchFamily="34" charset="0"/>
+                <a:cs typeface="Times New Roman" panose="02020603050405020304" pitchFamily="18" charset="0"/>
+              </a:rPr>
+              <a:t> del 2 de julio poder recuperar los archivos cifrados y reestablecer sus sistemas</a:t>
+            </a:r>
+            <a:r>
+              <a:rPr lang="es-ES" sz="800" i="1" dirty="0" smtClean="0">
+                <a:solidFill>
+                  <a:schemeClr val="tx1"/>
+                </a:solidFill>
+                <a:latin typeface="Candara" panose="020E0502030303020204" pitchFamily="34" charset="0"/>
+                <a:cs typeface="Times New Roman" panose="02020603050405020304" pitchFamily="18" charset="0"/>
+              </a:rPr>
+              <a:t>.</a:t>
+            </a:r>
+          </a:p>
+          <a:p>
+            <a:pPr lvl="0">
+              <a:spcBef>
+                <a:spcPts val="600"/>
+              </a:spcBef>
+            </a:pPr>
+            <a:r>
+              <a:rPr lang="es-ES" sz="800" dirty="0">
+                <a:solidFill>
+                  <a:schemeClr val="tx1"/>
+                </a:solidFill>
+                <a:latin typeface="Candara" panose="020E0502030303020204" pitchFamily="34" charset="0"/>
+                <a:cs typeface="Times New Roman" panose="02020603050405020304" pitchFamily="18" charset="0"/>
+              </a:rPr>
+              <a:t>Se </a:t>
+            </a:r>
+            <a:r>
+              <a:rPr lang="es-ES" sz="800" dirty="0" smtClean="0">
+                <a:solidFill>
+                  <a:schemeClr val="tx1"/>
+                </a:solidFill>
+                <a:latin typeface="Candara" panose="020E0502030303020204" pitchFamily="34" charset="0"/>
+                <a:cs typeface="Times New Roman" panose="02020603050405020304" pitchFamily="18" charset="0"/>
+              </a:rPr>
+              <a:t>recomendó </a:t>
+            </a:r>
+            <a:r>
+              <a:rPr lang="es-ES" sz="800" dirty="0">
+                <a:solidFill>
+                  <a:schemeClr val="tx1"/>
+                </a:solidFill>
+                <a:latin typeface="Candara" panose="020E0502030303020204" pitchFamily="34" charset="0"/>
+                <a:cs typeface="Times New Roman" panose="02020603050405020304" pitchFamily="18" charset="0"/>
+              </a:rPr>
+              <a:t>que aquellas empresas que tienen servidores que pueden haber sido comprometidos por este </a:t>
+            </a:r>
+            <a:r>
+              <a:rPr lang="es-ES" sz="800" dirty="0" smtClean="0">
+                <a:solidFill>
+                  <a:schemeClr val="tx1"/>
+                </a:solidFill>
+                <a:latin typeface="Candara" panose="020E0502030303020204" pitchFamily="34" charset="0"/>
+                <a:cs typeface="Times New Roman" panose="02020603050405020304" pitchFamily="18" charset="0"/>
+              </a:rPr>
+              <a:t>ataque </a:t>
+            </a:r>
+            <a:r>
+              <a:rPr lang="es-ES" sz="800" dirty="0">
+                <a:solidFill>
+                  <a:schemeClr val="tx1"/>
+                </a:solidFill>
+                <a:latin typeface="Candara" panose="020E0502030303020204" pitchFamily="34" charset="0"/>
+                <a:cs typeface="Times New Roman" panose="02020603050405020304" pitchFamily="18" charset="0"/>
+              </a:rPr>
+              <a:t>se mantengan informadas y que apaguen las máquinas potencialmente vulnerables o que al menos las aíslen de la red hasta que aparezca más </a:t>
+            </a:r>
+            <a:r>
+              <a:rPr lang="es-ES" sz="800" dirty="0" smtClean="0">
+                <a:solidFill>
+                  <a:schemeClr val="tx1"/>
+                </a:solidFill>
+                <a:latin typeface="Candara" panose="020E0502030303020204" pitchFamily="34" charset="0"/>
+                <a:cs typeface="Times New Roman" panose="02020603050405020304" pitchFamily="18" charset="0"/>
+              </a:rPr>
+              <a:t>información.</a:t>
+            </a:r>
+            <a:endParaRPr sz="800" dirty="0">
+              <a:solidFill>
+                <a:schemeClr val="tx1"/>
+              </a:solidFill>
+              <a:latin typeface="Candara" panose="020E0502030303020204" pitchFamily="34" charset="0"/>
+              <a:cs typeface="Times New Roman" panose="02020603050405020304" pitchFamily="18" charset="0"/>
+            </a:endParaRPr>
+          </a:p>
+          <a:p>
+            <a:pPr marL="0" lvl="0" indent="0" algn="l" rtl="0">
+              <a:spcBef>
+                <a:spcPts val="0"/>
+              </a:spcBef>
+              <a:spcAft>
+                <a:spcPts val="0"/>
+              </a:spcAft>
+              <a:buNone/>
+            </a:pPr>
+            <a:endParaRPr sz="800" dirty="0"/>
           </a:p>
         </p:txBody>
       </p:sp>
@@ -9304,11 +9861,11 @@
 </file>
 
 <file path=ppt/slides/slide9.xml><?xml version="1.0" encoding="utf-8"?>
-<p:sld xmlns:a="http://schemas.openxmlformats.org/drawingml/2006/main" xmlns:r="http://schemas.openxmlformats.org/officeDocument/2006/relationships" xmlns:mc="http://schemas.openxmlformats.org/markup-compatibility/2006" xmlns:mv="urn:schemas-microsoft-com:mac:vml" xmlns:p="http://schemas.openxmlformats.org/presentationml/2006/main" xmlns:c="http://schemas.openxmlformats.org/drawingml/2006/chart" xmlns:dgm="http://schemas.openxmlformats.org/drawingml/2006/diagram" xmlns:o="urn:schemas-microsoft-com:office:office" xmlns:v="urn:schemas-microsoft-com:vml" xmlns:pvml="urn:schemas-microsoft-com:office:powerpoint" xmlns:com="http://schemas.openxmlformats.org/drawingml/2006/compatibility" xmlns:p14="http://schemas.microsoft.com/office/powerpoint/2010/main" xmlns:p15="http://schemas.microsoft.com/office/powerpoint/2012/main" xmlns:ahyp="http://schemas.microsoft.com/office/drawing/2018/hyperlinkcolor">
+<p:sld xmlns:a="http://schemas.openxmlformats.org/drawingml/2006/main" xmlns:r="http://schemas.openxmlformats.org/officeDocument/2006/relationships" xmlns:p="http://schemas.openxmlformats.org/presentationml/2006/main">
   <p:cSld>
     <p:spTree>
       <p:nvGrpSpPr>
-        <p:cNvPr id="102" name="Shape 102"/>
+        <p:cNvPr id="1" name="Shape 102"/>
         <p:cNvGrpSpPr/>
         <p:nvPr/>
       </p:nvGrpSpPr>
@@ -9340,12 +9897,12 @@
           </a:ln>
         </p:spPr>
         <p:txBody>
-          <a:bodyPr anchorCtr="0" anchor="t" bIns="91425" lIns="91425" spcFirstLastPara="1" rIns="91425" wrap="square" tIns="91425">
+          <a:bodyPr spcFirstLastPara="1" wrap="square" lIns="91425" tIns="91425" rIns="91425" bIns="91425" anchor="t" anchorCtr="0">
             <a:spAutoFit/>
           </a:bodyPr>
           <a:lstStyle/>
           <a:p>
-            <a:pPr indent="0" lvl="0" marL="0" rtl="0" algn="l">
+            <a:pPr marL="0" lvl="0" indent="0" algn="l" rtl="0">
               <a:lnSpc>
                 <a:spcPct val="90000"/>
               </a:lnSpc>
@@ -9358,7 +9915,7 @@
               <a:buNone/>
             </a:pPr>
             <a:r>
-              <a:rPr b="1" lang="es" sz="3000">
+              <a:rPr lang="es" sz="3000" b="1">
                 <a:solidFill>
                   <a:srgbClr val="EC183F"/>
                 </a:solidFill>
@@ -9370,7 +9927,7 @@
               <a:t>Mesa</a:t>
             </a:r>
             <a:r>
-              <a:rPr b="1" lang="es" sz="3000">
+              <a:rPr lang="es" sz="3000" b="1">
                 <a:solidFill>
                   <a:srgbClr val="434343"/>
                 </a:solidFill>
@@ -9405,12 +9962,12 @@
           </a:ln>
         </p:spPr>
         <p:txBody>
-          <a:bodyPr anchorCtr="0" anchor="t" bIns="91425" lIns="91425" spcFirstLastPara="1" rIns="91425" wrap="square" tIns="91425">
+          <a:bodyPr spcFirstLastPara="1" wrap="square" lIns="91425" tIns="91425" rIns="91425" bIns="91425" anchor="t" anchorCtr="0">
             <a:spAutoFit/>
           </a:bodyPr>
           <a:lstStyle/>
           <a:p>
-            <a:pPr indent="0" lvl="0" marL="0" rtl="0" algn="l">
+            <a:pPr marL="0" lvl="0" indent="0" algn="l" rtl="0">
               <a:lnSpc>
                 <a:spcPct val="200000"/>
               </a:lnSpc>
@@ -9445,7 +10002,7 @@
             </a:endParaRPr>
           </a:p>
           <a:p>
-            <a:pPr indent="0" lvl="0" marL="0" rtl="0" algn="l">
+            <a:pPr marL="0" lvl="0" indent="0" algn="l" rtl="0">
               <a:lnSpc>
                 <a:spcPct val="200000"/>
               </a:lnSpc>
@@ -9480,7 +10037,7 @@
             </a:endParaRPr>
           </a:p>
           <a:p>
-            <a:pPr indent="0" lvl="0" marL="0" rtl="0" algn="l">
+            <a:pPr marL="0" lvl="0" indent="0" algn="l" rtl="0">
               <a:lnSpc>
                 <a:spcPct val="200000"/>
               </a:lnSpc>
@@ -9515,7 +10072,7 @@
             </a:endParaRPr>
           </a:p>
           <a:p>
-            <a:pPr indent="0" lvl="0" marL="0" rtl="0" algn="l">
+            <a:pPr marL="0" lvl="0" indent="0" algn="l" rtl="0">
               <a:lnSpc>
                 <a:spcPct val="200000"/>
               </a:lnSpc>
@@ -9550,7 +10107,7 @@
             </a:endParaRPr>
           </a:p>
           <a:p>
-            <a:pPr indent="0" lvl="0" marL="0" rtl="0" algn="l">
+            <a:pPr marL="0" lvl="0" indent="0" algn="l" rtl="0">
               <a:lnSpc>
                 <a:spcPct val="200000"/>
               </a:lnSpc>
@@ -9577,7 +10134,7 @@
             <a:endParaRPr/>
           </a:p>
           <a:p>
-            <a:pPr indent="0" lvl="0" marL="0" rtl="0" algn="l">
+            <a:pPr marL="0" lvl="0" indent="0" algn="l" rtl="0">
               <a:spcBef>
                 <a:spcPts val="600"/>
               </a:spcBef>
@@ -9586,24 +10143,18 @@
               </a:spcAft>
               <a:buNone/>
             </a:pPr>
-            <a:r>
-              <a:t/>
-            </a:r>
             <a:endParaRPr/>
           </a:p>
           <a:p>
-            <a:pPr indent="0" lvl="0" marL="0" rtl="0" algn="l">
-              <a:spcBef>
-                <a:spcPts val="0"/>
-              </a:spcBef>
-              <a:spcAft>
-                <a:spcPts val="0"/>
-              </a:spcAft>
-              <a:buNone/>
-            </a:pPr>
-            <a:r>
-              <a:t/>
-            </a:r>
+            <a:pPr marL="0" lvl="0" indent="0" algn="l" rtl="0">
+              <a:spcBef>
+                <a:spcPts val="0"/>
+              </a:spcBef>
+              <a:spcAft>
+                <a:spcPts val="0"/>
+              </a:spcAft>
+              <a:buNone/>
+            </a:pPr>
             <a:endParaRPr/>
           </a:p>
         </p:txBody>
@@ -9617,7 +10168,288 @@
 </file>
 
 <file path=ppt/theme/theme1.xml><?xml version="1.0" encoding="utf-8"?>
-<a:theme xmlns:a="http://schemas.openxmlformats.org/drawingml/2006/main" xmlns:r="http://schemas.openxmlformats.org/officeDocument/2006/relationships">
+<a:theme xmlns:a="http://schemas.openxmlformats.org/drawingml/2006/main" name="Simple Light">
+  <a:themeElements>
+    <a:clrScheme name="Simple Light">
+      <a:dk1>
+        <a:srgbClr val="000000"/>
+      </a:dk1>
+      <a:lt1>
+        <a:srgbClr val="FFFFFF"/>
+      </a:lt1>
+      <a:dk2>
+        <a:srgbClr val="595959"/>
+      </a:dk2>
+      <a:lt2>
+        <a:srgbClr val="EEEEEE"/>
+      </a:lt2>
+      <a:accent1>
+        <a:srgbClr val="FFAB40"/>
+      </a:accent1>
+      <a:accent2>
+        <a:srgbClr val="212121"/>
+      </a:accent2>
+      <a:accent3>
+        <a:srgbClr val="78909C"/>
+      </a:accent3>
+      <a:accent4>
+        <a:srgbClr val="FFAB40"/>
+      </a:accent4>
+      <a:accent5>
+        <a:srgbClr val="0097A7"/>
+      </a:accent5>
+      <a:accent6>
+        <a:srgbClr val="EEFF41"/>
+      </a:accent6>
+      <a:hlink>
+        <a:srgbClr val="0097A7"/>
+      </a:hlink>
+      <a:folHlink>
+        <a:srgbClr val="0097A7"/>
+      </a:folHlink>
+    </a:clrScheme>
+    <a:fontScheme name="Office">
+      <a:majorFont>
+        <a:latin typeface="Arial"/>
+        <a:ea typeface=""/>
+        <a:cs typeface=""/>
+        <a:font script="Jpan" typeface="ＭＳ Ｐゴシック"/>
+        <a:font script="Hang" typeface="맑은 고딕"/>
+        <a:font script="Hans" typeface="宋体"/>
+        <a:font script="Hant" typeface="新細明體"/>
+        <a:font script="Arab" typeface="Times New Roman"/>
+        <a:font script="Hebr" typeface="Times New Roman"/>
+        <a:font script="Thai" typeface="Angsana New"/>
+        <a:font script="Ethi" typeface="Nyala"/>
+        <a:font script="Beng" typeface="Vrinda"/>
+        <a:font script="Gujr" typeface="Shruti"/>
+        <a:font script="Khmr" typeface="MoolBoran"/>
+        <a:font script="Knda" typeface="Tunga"/>
+        <a:font script="Guru" typeface="Raavi"/>
+        <a:font script="Cans" typeface="Euphemia"/>
+        <a:font script="Cher" typeface="Plantagenet Cherokee"/>
+        <a:font script="Yiii" typeface="Microsoft Yi Baiti"/>
+        <a:font script="Tibt" typeface="Microsoft Himalaya"/>
+        <a:font script="Thaa" typeface="MV Boli"/>
+        <a:font script="Deva" typeface="Mangal"/>
+        <a:font script="Telu" typeface="Gautami"/>
+        <a:font script="Taml" typeface="Latha"/>
+        <a:font script="Syrc" typeface="Estrangelo Edessa"/>
+        <a:font script="Orya" typeface="Kalinga"/>
+        <a:font script="Mlym" typeface="Kartika"/>
+        <a:font script="Laoo" typeface="DokChampa"/>
+        <a:font script="Sinh" typeface="Iskoola Pota"/>
+        <a:font script="Mong" typeface="Mongolian Baiti"/>
+        <a:font script="Viet" typeface="Times New Roman"/>
+        <a:font script="Uigh" typeface="Microsoft Uighur"/>
+        <a:font script="Geor" typeface="Sylfaen"/>
+      </a:majorFont>
+      <a:minorFont>
+        <a:latin typeface="Arial"/>
+        <a:ea typeface=""/>
+        <a:cs typeface=""/>
+        <a:font script="Jpan" typeface="ＭＳ Ｐゴシック"/>
+        <a:font script="Hang" typeface="맑은 고딕"/>
+        <a:font script="Hans" typeface="宋体"/>
+        <a:font script="Hant" typeface="新細明體"/>
+        <a:font script="Arab" typeface="Arial"/>
+        <a:font script="Hebr" typeface="Arial"/>
+        <a:font script="Thai" typeface="Cordia New"/>
+        <a:font script="Ethi" typeface="Nyala"/>
+        <a:font script="Beng" typeface="Vrinda"/>
+        <a:font script="Gujr" typeface="Shruti"/>
+        <a:font script="Khmr" typeface="DaunPenh"/>
+        <a:font script="Knda" typeface="Tunga"/>
+        <a:font script="Guru" typeface="Raavi"/>
+        <a:font script="Cans" typeface="Euphemia"/>
+        <a:font script="Cher" typeface="Plantagenet Cherokee"/>
+        <a:font script="Yiii" typeface="Microsoft Yi Baiti"/>
+        <a:font script="Tibt" typeface="Microsoft Himalaya"/>
+        <a:font script="Thaa" typeface="MV Boli"/>
+        <a:font script="Deva" typeface="Mangal"/>
+        <a:font script="Telu" typeface="Gautami"/>
+        <a:font script="Taml" typeface="Latha"/>
+        <a:font script="Syrc" typeface="Estrangelo Edessa"/>
+        <a:font script="Orya" typeface="Kalinga"/>
+        <a:font script="Mlym" typeface="Kartika"/>
+        <a:font script="Laoo" typeface="DokChampa"/>
+        <a:font script="Sinh" typeface="Iskoola Pota"/>
+        <a:font script="Mong" typeface="Mongolian Baiti"/>
+        <a:font script="Viet" typeface="Arial"/>
+        <a:font script="Uigh" typeface="Microsoft Uighur"/>
+        <a:font script="Geor" typeface="Sylfaen"/>
+      </a:minorFont>
+    </a:fontScheme>
+    <a:fmtScheme name="Office">
+      <a:fillStyleLst>
+        <a:solidFill>
+          <a:schemeClr val="phClr"/>
+        </a:solidFill>
+        <a:gradFill rotWithShape="1">
+          <a:gsLst>
+            <a:gs pos="0">
+              <a:schemeClr val="phClr">
+                <a:tint val="50000"/>
+                <a:satMod val="300000"/>
+              </a:schemeClr>
+            </a:gs>
+            <a:gs pos="35000">
+              <a:schemeClr val="phClr">
+                <a:tint val="37000"/>
+                <a:satMod val="300000"/>
+              </a:schemeClr>
+            </a:gs>
+            <a:gs pos="100000">
+              <a:schemeClr val="phClr">
+                <a:tint val="15000"/>
+                <a:satMod val="350000"/>
+              </a:schemeClr>
+            </a:gs>
+          </a:gsLst>
+          <a:lin ang="16200000" scaled="1"/>
+        </a:gradFill>
+        <a:gradFill rotWithShape="1">
+          <a:gsLst>
+            <a:gs pos="0">
+              <a:schemeClr val="phClr">
+                <a:tint val="100000"/>
+                <a:shade val="100000"/>
+                <a:satMod val="130000"/>
+              </a:schemeClr>
+            </a:gs>
+            <a:gs pos="100000">
+              <a:schemeClr val="phClr">
+                <a:tint val="50000"/>
+                <a:shade val="100000"/>
+                <a:satMod val="350000"/>
+              </a:schemeClr>
+            </a:gs>
+          </a:gsLst>
+          <a:lin ang="16200000" scaled="0"/>
+        </a:gradFill>
+      </a:fillStyleLst>
+      <a:lnStyleLst>
+        <a:ln w="9525" cap="flat" cmpd="sng" algn="ctr">
+          <a:solidFill>
+            <a:schemeClr val="phClr">
+              <a:shade val="95000"/>
+              <a:satMod val="105000"/>
+            </a:schemeClr>
+          </a:solidFill>
+          <a:prstDash val="solid"/>
+        </a:ln>
+        <a:ln w="25400" cap="flat" cmpd="sng" algn="ctr">
+          <a:solidFill>
+            <a:schemeClr val="phClr"/>
+          </a:solidFill>
+          <a:prstDash val="solid"/>
+        </a:ln>
+        <a:ln w="38100" cap="flat" cmpd="sng" algn="ctr">
+          <a:solidFill>
+            <a:schemeClr val="phClr"/>
+          </a:solidFill>
+          <a:prstDash val="solid"/>
+        </a:ln>
+      </a:lnStyleLst>
+      <a:effectStyleLst>
+        <a:effectStyle>
+          <a:effectLst>
+            <a:outerShdw blurRad="40000" dist="20000" dir="5400000" rotWithShape="0">
+              <a:srgbClr val="000000">
+                <a:alpha val="38000"/>
+              </a:srgbClr>
+            </a:outerShdw>
+          </a:effectLst>
+        </a:effectStyle>
+        <a:effectStyle>
+          <a:effectLst>
+            <a:outerShdw blurRad="40000" dist="23000" dir="5400000" rotWithShape="0">
+              <a:srgbClr val="000000">
+                <a:alpha val="35000"/>
+              </a:srgbClr>
+            </a:outerShdw>
+          </a:effectLst>
+        </a:effectStyle>
+        <a:effectStyle>
+          <a:effectLst>
+            <a:outerShdw blurRad="40000" dist="23000" dir="5400000" rotWithShape="0">
+              <a:srgbClr val="000000">
+                <a:alpha val="35000"/>
+              </a:srgbClr>
+            </a:outerShdw>
+          </a:effectLst>
+          <a:scene3d>
+            <a:camera prst="orthographicFront">
+              <a:rot lat="0" lon="0" rev="0"/>
+            </a:camera>
+            <a:lightRig rig="threePt" dir="t">
+              <a:rot lat="0" lon="0" rev="1200000"/>
+            </a:lightRig>
+          </a:scene3d>
+          <a:sp3d>
+            <a:bevelT w="63500" h="25400"/>
+          </a:sp3d>
+        </a:effectStyle>
+      </a:effectStyleLst>
+      <a:bgFillStyleLst>
+        <a:solidFill>
+          <a:schemeClr val="phClr"/>
+        </a:solidFill>
+        <a:gradFill rotWithShape="1">
+          <a:gsLst>
+            <a:gs pos="0">
+              <a:schemeClr val="phClr">
+                <a:tint val="40000"/>
+                <a:satMod val="350000"/>
+              </a:schemeClr>
+            </a:gs>
+            <a:gs pos="40000">
+              <a:schemeClr val="phClr">
+                <a:tint val="45000"/>
+                <a:shade val="99000"/>
+                <a:satMod val="350000"/>
+              </a:schemeClr>
+            </a:gs>
+            <a:gs pos="100000">
+              <a:schemeClr val="phClr">
+                <a:shade val="20000"/>
+                <a:satMod val="255000"/>
+              </a:schemeClr>
+            </a:gs>
+          </a:gsLst>
+          <a:path path="circle">
+            <a:fillToRect l="50000" t="-80000" r="50000" b="180000"/>
+          </a:path>
+        </a:gradFill>
+        <a:gradFill rotWithShape="1">
+          <a:gsLst>
+            <a:gs pos="0">
+              <a:schemeClr val="phClr">
+                <a:tint val="80000"/>
+                <a:satMod val="300000"/>
+              </a:schemeClr>
+            </a:gs>
+            <a:gs pos="100000">
+              <a:schemeClr val="phClr">
+                <a:shade val="30000"/>
+                <a:satMod val="200000"/>
+              </a:schemeClr>
+            </a:gs>
+          </a:gsLst>
+          <a:path path="circle">
+            <a:fillToRect l="50000" t="50000" r="50000" b="50000"/>
+          </a:path>
+        </a:gradFill>
+      </a:bgFillStyleLst>
+    </a:fmtScheme>
+  </a:themeElements>
+  <a:objectDefaults/>
+  <a:extraClrSchemeLst/>
+</a:theme>
+</file>
+
+<file path=ppt/theme/theme2.xml><?xml version="1.0" encoding="utf-8"?>
+<a:theme xmlns:a="http://schemas.openxmlformats.org/drawingml/2006/main">
   <a:themeElements>
     <a:clrScheme name="Default">
       <a:dk1>
@@ -9892,284 +10724,7 @@
       </a:bgFillStyleLst>
     </a:fmtScheme>
   </a:themeElements>
-</a:theme>
-</file>
-
-<file path=ppt/theme/theme2.xml><?xml version="1.0" encoding="utf-8"?>
-<a:theme xmlns:a="http://schemas.openxmlformats.org/drawingml/2006/main" xmlns:r="http://schemas.openxmlformats.org/officeDocument/2006/relationships" name="Simple Light">
-  <a:themeElements>
-    <a:clrScheme name="Simple Light">
-      <a:dk1>
-        <a:srgbClr val="000000"/>
-      </a:dk1>
-      <a:lt1>
-        <a:srgbClr val="FFFFFF"/>
-      </a:lt1>
-      <a:dk2>
-        <a:srgbClr val="595959"/>
-      </a:dk2>
-      <a:lt2>
-        <a:srgbClr val="EEEEEE"/>
-      </a:lt2>
-      <a:accent1>
-        <a:srgbClr val="FFAB40"/>
-      </a:accent1>
-      <a:accent2>
-        <a:srgbClr val="212121"/>
-      </a:accent2>
-      <a:accent3>
-        <a:srgbClr val="78909C"/>
-      </a:accent3>
-      <a:accent4>
-        <a:srgbClr val="FFAB40"/>
-      </a:accent4>
-      <a:accent5>
-        <a:srgbClr val="0097A7"/>
-      </a:accent5>
-      <a:accent6>
-        <a:srgbClr val="EEFF41"/>
-      </a:accent6>
-      <a:hlink>
-        <a:srgbClr val="0097A7"/>
-      </a:hlink>
-      <a:folHlink>
-        <a:srgbClr val="0097A7"/>
-      </a:folHlink>
-    </a:clrScheme>
-    <a:fontScheme name="Office">
-      <a:majorFont>
-        <a:latin typeface="Arial"/>
-        <a:ea typeface=""/>
-        <a:cs typeface=""/>
-        <a:font script="Jpan" typeface="ＭＳ Ｐゴシック"/>
-        <a:font script="Hang" typeface="맑은 고딕"/>
-        <a:font script="Hans" typeface="宋体"/>
-        <a:font script="Hant" typeface="新細明體"/>
-        <a:font script="Arab" typeface="Times New Roman"/>
-        <a:font script="Hebr" typeface="Times New Roman"/>
-        <a:font script="Thai" typeface="Angsana New"/>
-        <a:font script="Ethi" typeface="Nyala"/>
-        <a:font script="Beng" typeface="Vrinda"/>
-        <a:font script="Gujr" typeface="Shruti"/>
-        <a:font script="Khmr" typeface="MoolBoran"/>
-        <a:font script="Knda" typeface="Tunga"/>
-        <a:font script="Guru" typeface="Raavi"/>
-        <a:font script="Cans" typeface="Euphemia"/>
-        <a:font script="Cher" typeface="Plantagenet Cherokee"/>
-        <a:font script="Yiii" typeface="Microsoft Yi Baiti"/>
-        <a:font script="Tibt" typeface="Microsoft Himalaya"/>
-        <a:font script="Thaa" typeface="MV Boli"/>
-        <a:font script="Deva" typeface="Mangal"/>
-        <a:font script="Telu" typeface="Gautami"/>
-        <a:font script="Taml" typeface="Latha"/>
-        <a:font script="Syrc" typeface="Estrangelo Edessa"/>
-        <a:font script="Orya" typeface="Kalinga"/>
-        <a:font script="Mlym" typeface="Kartika"/>
-        <a:font script="Laoo" typeface="DokChampa"/>
-        <a:font script="Sinh" typeface="Iskoola Pota"/>
-        <a:font script="Mong" typeface="Mongolian Baiti"/>
-        <a:font script="Viet" typeface="Times New Roman"/>
-        <a:font script="Uigh" typeface="Microsoft Uighur"/>
-        <a:font script="Geor" typeface="Sylfaen"/>
-      </a:majorFont>
-      <a:minorFont>
-        <a:latin typeface="Arial"/>
-        <a:ea typeface=""/>
-        <a:cs typeface=""/>
-        <a:font script="Jpan" typeface="ＭＳ Ｐゴシック"/>
-        <a:font script="Hang" typeface="맑은 고딕"/>
-        <a:font script="Hans" typeface="宋体"/>
-        <a:font script="Hant" typeface="新細明體"/>
-        <a:font script="Arab" typeface="Arial"/>
-        <a:font script="Hebr" typeface="Arial"/>
-        <a:font script="Thai" typeface="Cordia New"/>
-        <a:font script="Ethi" typeface="Nyala"/>
-        <a:font script="Beng" typeface="Vrinda"/>
-        <a:font script="Gujr" typeface="Shruti"/>
-        <a:font script="Khmr" typeface="DaunPenh"/>
-        <a:font script="Knda" typeface="Tunga"/>
-        <a:font script="Guru" typeface="Raavi"/>
-        <a:font script="Cans" typeface="Euphemia"/>
-        <a:font script="Cher" typeface="Plantagenet Cherokee"/>
-        <a:font script="Yiii" typeface="Microsoft Yi Baiti"/>
-        <a:font script="Tibt" typeface="Microsoft Himalaya"/>
-        <a:font script="Thaa" typeface="MV Boli"/>
-        <a:font script="Deva" typeface="Mangal"/>
-        <a:font script="Telu" typeface="Gautami"/>
-        <a:font script="Taml" typeface="Latha"/>
-        <a:font script="Syrc" typeface="Estrangelo Edessa"/>
-        <a:font script="Orya" typeface="Kalinga"/>
-        <a:font script="Mlym" typeface="Kartika"/>
-        <a:font script="Laoo" typeface="DokChampa"/>
-        <a:font script="Sinh" typeface="Iskoola Pota"/>
-        <a:font script="Mong" typeface="Mongolian Baiti"/>
-        <a:font script="Viet" typeface="Arial"/>
-        <a:font script="Uigh" typeface="Microsoft Uighur"/>
-        <a:font script="Geor" typeface="Sylfaen"/>
-      </a:minorFont>
-    </a:fontScheme>
-    <a:fmtScheme name="Office">
-      <a:fillStyleLst>
-        <a:solidFill>
-          <a:schemeClr val="phClr"/>
-        </a:solidFill>
-        <a:gradFill rotWithShape="1">
-          <a:gsLst>
-            <a:gs pos="0">
-              <a:schemeClr val="phClr">
-                <a:tint val="50000"/>
-                <a:satMod val="300000"/>
-              </a:schemeClr>
-            </a:gs>
-            <a:gs pos="35000">
-              <a:schemeClr val="phClr">
-                <a:tint val="37000"/>
-                <a:satMod val="300000"/>
-              </a:schemeClr>
-            </a:gs>
-            <a:gs pos="100000">
-              <a:schemeClr val="phClr">
-                <a:tint val="15000"/>
-                <a:satMod val="350000"/>
-              </a:schemeClr>
-            </a:gs>
-          </a:gsLst>
-          <a:lin ang="16200000" scaled="1"/>
-        </a:gradFill>
-        <a:gradFill rotWithShape="1">
-          <a:gsLst>
-            <a:gs pos="0">
-              <a:schemeClr val="phClr">
-                <a:tint val="100000"/>
-                <a:shade val="100000"/>
-                <a:satMod val="130000"/>
-              </a:schemeClr>
-            </a:gs>
-            <a:gs pos="100000">
-              <a:schemeClr val="phClr">
-                <a:tint val="50000"/>
-                <a:shade val="100000"/>
-                <a:satMod val="350000"/>
-              </a:schemeClr>
-            </a:gs>
-          </a:gsLst>
-          <a:lin ang="16200000" scaled="0"/>
-        </a:gradFill>
-      </a:fillStyleLst>
-      <a:lnStyleLst>
-        <a:ln w="9525" cap="flat" cmpd="sng" algn="ctr">
-          <a:solidFill>
-            <a:schemeClr val="phClr">
-              <a:shade val="95000"/>
-              <a:satMod val="105000"/>
-            </a:schemeClr>
-          </a:solidFill>
-          <a:prstDash val="solid"/>
-        </a:ln>
-        <a:ln w="25400" cap="flat" cmpd="sng" algn="ctr">
-          <a:solidFill>
-            <a:schemeClr val="phClr"/>
-          </a:solidFill>
-          <a:prstDash val="solid"/>
-        </a:ln>
-        <a:ln w="38100" cap="flat" cmpd="sng" algn="ctr">
-          <a:solidFill>
-            <a:schemeClr val="phClr"/>
-          </a:solidFill>
-          <a:prstDash val="solid"/>
-        </a:ln>
-      </a:lnStyleLst>
-      <a:effectStyleLst>
-        <a:effectStyle>
-          <a:effectLst>
-            <a:outerShdw blurRad="40000" dist="20000" dir="5400000" rotWithShape="0">
-              <a:srgbClr val="000000">
-                <a:alpha val="38000"/>
-              </a:srgbClr>
-            </a:outerShdw>
-          </a:effectLst>
-        </a:effectStyle>
-        <a:effectStyle>
-          <a:effectLst>
-            <a:outerShdw blurRad="40000" dist="23000" dir="5400000" rotWithShape="0">
-              <a:srgbClr val="000000">
-                <a:alpha val="35000"/>
-              </a:srgbClr>
-            </a:outerShdw>
-          </a:effectLst>
-        </a:effectStyle>
-        <a:effectStyle>
-          <a:effectLst>
-            <a:outerShdw blurRad="40000" dist="23000" dir="5400000" rotWithShape="0">
-              <a:srgbClr val="000000">
-                <a:alpha val="35000"/>
-              </a:srgbClr>
-            </a:outerShdw>
-          </a:effectLst>
-          <a:scene3d>
-            <a:camera prst="orthographicFront">
-              <a:rot lat="0" lon="0" rev="0"/>
-            </a:camera>
-            <a:lightRig rig="threePt" dir="t">
-              <a:rot lat="0" lon="0" rev="1200000"/>
-            </a:lightRig>
-          </a:scene3d>
-          <a:sp3d>
-            <a:bevelT w="63500" h="25400"/>
-          </a:sp3d>
-        </a:effectStyle>
-      </a:effectStyleLst>
-      <a:bgFillStyleLst>
-        <a:solidFill>
-          <a:schemeClr val="phClr"/>
-        </a:solidFill>
-        <a:gradFill rotWithShape="1">
-          <a:gsLst>
-            <a:gs pos="0">
-              <a:schemeClr val="phClr">
-                <a:tint val="40000"/>
-                <a:satMod val="350000"/>
-              </a:schemeClr>
-            </a:gs>
-            <a:gs pos="40000">
-              <a:schemeClr val="phClr">
-                <a:tint val="45000"/>
-                <a:shade val="99000"/>
-                <a:satMod val="350000"/>
-              </a:schemeClr>
-            </a:gs>
-            <a:gs pos="100000">
-              <a:schemeClr val="phClr">
-                <a:shade val="20000"/>
-                <a:satMod val="255000"/>
-              </a:schemeClr>
-            </a:gs>
-          </a:gsLst>
-          <a:path path="circle">
-            <a:fillToRect l="50000" t="-80000" r="50000" b="180000"/>
-          </a:path>
-        </a:gradFill>
-        <a:gradFill rotWithShape="1">
-          <a:gsLst>
-            <a:gs pos="0">
-              <a:schemeClr val="phClr">
-                <a:tint val="80000"/>
-                <a:satMod val="300000"/>
-              </a:schemeClr>
-            </a:gs>
-            <a:gs pos="100000">
-              <a:schemeClr val="phClr">
-                <a:shade val="30000"/>
-                <a:satMod val="200000"/>
-              </a:schemeClr>
-            </a:gs>
-          </a:gsLst>
-          <a:path path="circle">
-            <a:fillToRect l="50000" t="50000" r="50000" b="50000"/>
-          </a:path>
-        </a:gradFill>
-      </a:bgFillStyleLst>
-    </a:fmtScheme>
-  </a:themeElements>
+  <a:objectDefaults/>
+  <a:extraClrSchemeLst/>
 </a:theme>
 </file>
--- a/Clase 24- Amenazas/Material/Actividad Tipos de amenazas.pptx
+++ b/Clase 24- Amenazas/Material/Actividad Tipos de amenazas.pptx
@@ -25,16 +25,16 @@
   <p:notesSz cx="6858000" cy="9144000"/>
   <p:embeddedFontLst>
     <p:embeddedFont>
-      <p:font typeface="Rajdhani" panose="020B0604020202020204" charset="0"/>
+      <p:font typeface="Open Sans" panose="020B0604020202020204" charset="0"/>
       <p:regular r:id="rId15"/>
       <p:bold r:id="rId16"/>
+      <p:italic r:id="rId17"/>
+      <p:boldItalic r:id="rId18"/>
     </p:embeddedFont>
     <p:embeddedFont>
-      <p:font typeface="Open Sans" panose="020B0604020202020204" charset="0"/>
-      <p:regular r:id="rId17"/>
-      <p:bold r:id="rId18"/>
-      <p:italic r:id="rId19"/>
-      <p:boldItalic r:id="rId20"/>
+      <p:font typeface="Rajdhani" panose="020B0604020202020204" charset="0"/>
+      <p:regular r:id="rId19"/>
+      <p:bold r:id="rId20"/>
     </p:embeddedFont>
   </p:embeddedFontLst>
   <p:defaultTextStyle>
@@ -8261,7 +8261,7 @@
               <a:buNone/>
             </a:pPr>
             <a:r>
-              <a:rPr lang="es" sz="1600">
+              <a:rPr lang="es" sz="1600" dirty="0">
                 <a:solidFill>
                   <a:srgbClr val="3F3F3F"/>
                 </a:solidFill>
@@ -8272,7 +8272,7 @@
               </a:rPr>
               <a:t>Nota : &lt;Poner el link&gt;</a:t>
             </a:r>
-            <a:endParaRPr sz="1600">
+            <a:endParaRPr sz="1600" dirty="0">
               <a:solidFill>
                 <a:srgbClr val="3F3F3F"/>
               </a:solidFill>
@@ -8296,7 +8296,7 @@
               <a:buNone/>
             </a:pPr>
             <a:r>
-              <a:rPr lang="es" sz="1600">
+              <a:rPr lang="es" sz="1600" dirty="0">
                 <a:solidFill>
                   <a:srgbClr val="3F3F3F"/>
                 </a:solidFill>
@@ -8307,7 +8307,7 @@
               </a:rPr>
               <a:t>¿Qué tipo de amenaza es?</a:t>
             </a:r>
-            <a:endParaRPr sz="1600">
+            <a:endParaRPr sz="1600" dirty="0">
               <a:solidFill>
                 <a:srgbClr val="3F3F3F"/>
               </a:solidFill>
@@ -8331,7 +8331,7 @@
               <a:buNone/>
             </a:pPr>
             <a:r>
-              <a:rPr lang="es" sz="1600">
+              <a:rPr lang="es" sz="1600" dirty="0">
                 <a:solidFill>
                   <a:srgbClr val="3F3F3F"/>
                 </a:solidFill>
@@ -8342,7 +8342,7 @@
               </a:rPr>
               <a:t>¿Cómo comienza y cómo se propaga esta amenaza?</a:t>
             </a:r>
-            <a:endParaRPr sz="1600">
+            <a:endParaRPr sz="1600" dirty="0">
               <a:solidFill>
                 <a:srgbClr val="3F3F3F"/>
               </a:solidFill>
@@ -8366,7 +8366,7 @@
               <a:buNone/>
             </a:pPr>
             <a:r>
-              <a:rPr lang="es" sz="1600">
+              <a:rPr lang="es" sz="1600" dirty="0">
                 <a:solidFill>
                   <a:srgbClr val="3F3F3F"/>
                 </a:solidFill>
@@ -8377,7 +8377,7 @@
               </a:rPr>
               <a:t>¿Hay más de una amenaza aplicada ?</a:t>
             </a:r>
-            <a:endParaRPr sz="1600">
+            <a:endParaRPr sz="1600" dirty="0">
               <a:solidFill>
                 <a:srgbClr val="3F3F3F"/>
               </a:solidFill>
@@ -8401,7 +8401,7 @@
               <a:buNone/>
             </a:pPr>
             <a:r>
-              <a:rPr lang="es" sz="1600">
+              <a:rPr lang="es" sz="1600" dirty="0">
                 <a:solidFill>
                   <a:srgbClr val="3F3F3F"/>
                 </a:solidFill>
@@ -8412,7 +8412,7 @@
               </a:rPr>
               <a:t>¿Qué solución o medida recomendarían ?</a:t>
             </a:r>
-            <a:endParaRPr/>
+            <a:endParaRPr dirty="0"/>
           </a:p>
           <a:p>
             <a:pPr marL="0" lvl="0" indent="0" algn="l" rtl="0">
@@ -8424,19 +8424,19 @@
               </a:spcAft>
               <a:buNone/>
             </a:pPr>
-            <a:endParaRPr/>
-          </a:p>
-          <a:p>
-            <a:pPr marL="0" lvl="0" indent="0" algn="l" rtl="0">
-              <a:spcBef>
-                <a:spcPts val="0"/>
-              </a:spcBef>
-              <a:spcAft>
-                <a:spcPts val="0"/>
-              </a:spcAft>
-              <a:buNone/>
-            </a:pPr>
-            <a:endParaRPr/>
+            <a:endParaRPr dirty="0"/>
+          </a:p>
+          <a:p>
+            <a:pPr marL="0" lvl="0" indent="0" algn="l" rtl="0">
+              <a:spcBef>
+                <a:spcPts val="0"/>
+              </a:spcBef>
+              <a:spcAft>
+                <a:spcPts val="0"/>
+              </a:spcAft>
+              <a:buNone/>
+            </a:pPr>
+            <a:endParaRPr dirty="0"/>
           </a:p>
         </p:txBody>
       </p:sp>
@@ -8532,14 +8532,14 @@
       </p:sp>
       <p:sp>
         <p:nvSpPr>
-          <p:cNvPr id="86" name="Google Shape;86;p20"/>
+          <p:cNvPr id="5" name="Google Shape;80;p19"/>
           <p:cNvSpPr txBox="1"/>
           <p:nvPr/>
         </p:nvSpPr>
         <p:spPr>
           <a:xfrm>
-            <a:off x="123290" y="300150"/>
-            <a:ext cx="9020710" cy="5062894"/>
+            <a:off x="766075" y="1203800"/>
+            <a:ext cx="7633200" cy="3155400"/>
           </a:xfrm>
           <a:prstGeom prst="rect">
             <a:avLst/>
@@ -8555,13 +8555,20 @@
           </a:bodyPr>
           <a:lstStyle/>
           <a:p>
-            <a:pPr lvl="0">
+            <a:pPr marL="0" lvl="0" indent="0" algn="l" rtl="0">
               <a:lnSpc>
                 <a:spcPct val="200000"/>
               </a:lnSpc>
+              <a:spcBef>
+                <a:spcPts val="0"/>
+              </a:spcBef>
+              <a:spcAft>
+                <a:spcPts val="0"/>
+              </a:spcAft>
+              <a:buNone/>
             </a:pPr>
             <a:r>
-              <a:rPr lang="es" b="1" dirty="0">
+              <a:rPr lang="es" sz="1600" dirty="0">
                 <a:solidFill>
                   <a:srgbClr val="3F3F3F"/>
                 </a:solidFill>
@@ -8570,10 +8577,33 @@
                 <a:cs typeface="Open Sans"/>
                 <a:sym typeface="Open Sans"/>
               </a:rPr>
-              <a:t>Nota</a:t>
+              <a:t>Nota : &lt;Poner el link&gt;</a:t>
             </a:r>
+            <a:endParaRPr sz="1600" dirty="0">
+              <a:solidFill>
+                <a:srgbClr val="3F3F3F"/>
+              </a:solidFill>
+              <a:latin typeface="Open Sans"/>
+              <a:ea typeface="Open Sans"/>
+              <a:cs typeface="Open Sans"/>
+              <a:sym typeface="Open Sans"/>
+            </a:endParaRPr>
+          </a:p>
+          <a:p>
+            <a:pPr marL="0" lvl="0" indent="0" algn="l" rtl="0">
+              <a:lnSpc>
+                <a:spcPct val="200000"/>
+              </a:lnSpc>
+              <a:spcBef>
+                <a:spcPts val="0"/>
+              </a:spcBef>
+              <a:spcAft>
+                <a:spcPts val="0"/>
+              </a:spcAft>
+              <a:buNone/>
+            </a:pPr>
             <a:r>
-              <a:rPr lang="es" dirty="0">
+              <a:rPr lang="es" sz="1600" dirty="0">
                 <a:solidFill>
                   <a:srgbClr val="3F3F3F"/>
                 </a:solidFill>
@@ -8582,10 +8612,33 @@
                 <a:cs typeface="Open Sans"/>
                 <a:sym typeface="Open Sans"/>
               </a:rPr>
-              <a:t> </a:t>
+              <a:t>¿Qué tipo de amenaza es?</a:t>
             </a:r>
+            <a:endParaRPr sz="1600" dirty="0">
+              <a:solidFill>
+                <a:srgbClr val="3F3F3F"/>
+              </a:solidFill>
+              <a:latin typeface="Open Sans"/>
+              <a:ea typeface="Open Sans"/>
+              <a:cs typeface="Open Sans"/>
+              <a:sym typeface="Open Sans"/>
+            </a:endParaRPr>
+          </a:p>
+          <a:p>
+            <a:pPr marL="0" lvl="0" indent="0" algn="l" rtl="0">
+              <a:lnSpc>
+                <a:spcPct val="200000"/>
+              </a:lnSpc>
+              <a:spcBef>
+                <a:spcPts val="0"/>
+              </a:spcBef>
+              <a:spcAft>
+                <a:spcPts val="0"/>
+              </a:spcAft>
+              <a:buNone/>
+            </a:pPr>
             <a:r>
-              <a:rPr lang="es" dirty="0" smtClean="0">
+              <a:rPr lang="es" sz="1600" dirty="0">
                 <a:solidFill>
                   <a:srgbClr val="3F3F3F"/>
                 </a:solidFill>
@@ -8594,10 +8647,33 @@
                 <a:cs typeface="Open Sans"/>
                 <a:sym typeface="Open Sans"/>
               </a:rPr>
-              <a:t>:”</a:t>
+              <a:t>¿Cómo comienza y cómo se propaga esta amenaza?</a:t>
             </a:r>
+            <a:endParaRPr sz="1600" dirty="0">
+              <a:solidFill>
+                <a:srgbClr val="3F3F3F"/>
+              </a:solidFill>
+              <a:latin typeface="Open Sans"/>
+              <a:ea typeface="Open Sans"/>
+              <a:cs typeface="Open Sans"/>
+              <a:sym typeface="Open Sans"/>
+            </a:endParaRPr>
+          </a:p>
+          <a:p>
+            <a:pPr marL="0" lvl="0" indent="0" algn="l" rtl="0">
+              <a:lnSpc>
+                <a:spcPct val="200000"/>
+              </a:lnSpc>
+              <a:spcBef>
+                <a:spcPts val="0"/>
+              </a:spcBef>
+              <a:spcAft>
+                <a:spcPts val="0"/>
+              </a:spcAft>
+              <a:buNone/>
+            </a:pPr>
             <a:r>
-              <a:rPr lang="es-AR" dirty="0" smtClean="0">
+              <a:rPr lang="es" sz="1600" dirty="0">
                 <a:solidFill>
                   <a:srgbClr val="3F3F3F"/>
                 </a:solidFill>
@@ -8606,10 +8682,33 @@
                 <a:cs typeface="Open Sans"/>
                 <a:sym typeface="Open Sans"/>
               </a:rPr>
-              <a:t>https</a:t>
+              <a:t>¿Hay más de una amenaza aplicada ?</a:t>
             </a:r>
+            <a:endParaRPr sz="1600" dirty="0">
+              <a:solidFill>
+                <a:srgbClr val="3F3F3F"/>
+              </a:solidFill>
+              <a:latin typeface="Open Sans"/>
+              <a:ea typeface="Open Sans"/>
+              <a:cs typeface="Open Sans"/>
+              <a:sym typeface="Open Sans"/>
+            </a:endParaRPr>
+          </a:p>
+          <a:p>
+            <a:pPr marL="0" lvl="0" indent="0" algn="l" rtl="0">
+              <a:lnSpc>
+                <a:spcPct val="200000"/>
+              </a:lnSpc>
+              <a:spcBef>
+                <a:spcPts val="0"/>
+              </a:spcBef>
+              <a:spcAft>
+                <a:spcPts val="0"/>
+              </a:spcAft>
+              <a:buNone/>
+            </a:pPr>
             <a:r>
-              <a:rPr lang="es-AR" dirty="0">
+              <a:rPr lang="es" sz="1600" dirty="0">
                 <a:solidFill>
                   <a:srgbClr val="3F3F3F"/>
                 </a:solidFill>
@@ -8618,327 +8717,7 @@
                 <a:cs typeface="Open Sans"/>
                 <a:sym typeface="Open Sans"/>
               </a:rPr>
-              <a:t>://www.welivesecurity.com/la-es/2019/10/22/navegador-tor-troyanizado-robar-bitcoins-darknet</a:t>
-            </a:r>
-            <a:r>
-              <a:rPr lang="es-AR" dirty="0" smtClean="0">
-                <a:solidFill>
-                  <a:srgbClr val="3F3F3F"/>
-                </a:solidFill>
-                <a:latin typeface="Open Sans"/>
-                <a:ea typeface="Open Sans"/>
-                <a:cs typeface="Open Sans"/>
-                <a:sym typeface="Open Sans"/>
-              </a:rPr>
-              <a:t>/”</a:t>
-            </a:r>
-            <a:endParaRPr dirty="0">
-              <a:solidFill>
-                <a:srgbClr val="3F3F3F"/>
-              </a:solidFill>
-              <a:latin typeface="Open Sans"/>
-              <a:ea typeface="Open Sans"/>
-              <a:cs typeface="Open Sans"/>
-              <a:sym typeface="Open Sans"/>
-            </a:endParaRPr>
-          </a:p>
-          <a:p>
-            <a:pPr marL="0" lvl="0" indent="0" algn="l" rtl="0">
-              <a:lnSpc>
-                <a:spcPct val="200000"/>
-              </a:lnSpc>
-              <a:spcBef>
-                <a:spcPts val="0"/>
-              </a:spcBef>
-              <a:spcAft>
-                <a:spcPts val="0"/>
-              </a:spcAft>
-              <a:buNone/>
-            </a:pPr>
-            <a:r>
-              <a:rPr lang="es" b="1" dirty="0">
-                <a:solidFill>
-                  <a:srgbClr val="3F3F3F"/>
-                </a:solidFill>
-                <a:latin typeface="Open Sans"/>
-                <a:ea typeface="Open Sans"/>
-                <a:cs typeface="Open Sans"/>
-                <a:sym typeface="Open Sans"/>
-              </a:rPr>
-              <a:t>¿Qué tipo de amenaza es</a:t>
-            </a:r>
-            <a:r>
-              <a:rPr lang="es" b="1" dirty="0" smtClean="0">
-                <a:solidFill>
-                  <a:srgbClr val="3F3F3F"/>
-                </a:solidFill>
-                <a:latin typeface="Open Sans"/>
-                <a:ea typeface="Open Sans"/>
-                <a:cs typeface="Open Sans"/>
-                <a:sym typeface="Open Sans"/>
-              </a:rPr>
-              <a:t>? </a:t>
-            </a:r>
-            <a:r>
-              <a:rPr lang="es" dirty="0" smtClean="0">
-                <a:solidFill>
-                  <a:srgbClr val="3F3F3F"/>
-                </a:solidFill>
-                <a:latin typeface="Open Sans"/>
-                <a:ea typeface="Open Sans"/>
-                <a:cs typeface="Open Sans"/>
-                <a:sym typeface="Open Sans"/>
-              </a:rPr>
-              <a:t>: Troyano en TOR.</a:t>
-            </a:r>
-            <a:endParaRPr dirty="0">
-              <a:solidFill>
-                <a:srgbClr val="3F3F3F"/>
-              </a:solidFill>
-              <a:latin typeface="Open Sans"/>
-              <a:ea typeface="Open Sans"/>
-              <a:cs typeface="Open Sans"/>
-              <a:sym typeface="Open Sans"/>
-            </a:endParaRPr>
-          </a:p>
-          <a:p>
-            <a:pPr marL="0" lvl="0" indent="0" algn="l" rtl="0">
-              <a:lnSpc>
-                <a:spcPct val="200000"/>
-              </a:lnSpc>
-              <a:spcBef>
-                <a:spcPts val="0"/>
-              </a:spcBef>
-              <a:spcAft>
-                <a:spcPts val="0"/>
-              </a:spcAft>
-              <a:buNone/>
-            </a:pPr>
-            <a:r>
-              <a:rPr lang="es" b="1" dirty="0">
-                <a:solidFill>
-                  <a:srgbClr val="3F3F3F"/>
-                </a:solidFill>
-                <a:latin typeface="Open Sans"/>
-                <a:ea typeface="Open Sans"/>
-                <a:cs typeface="Open Sans"/>
-                <a:sym typeface="Open Sans"/>
-              </a:rPr>
-              <a:t>¿Cómo comienza y cómo se propaga esta amenaza</a:t>
-            </a:r>
-            <a:r>
-              <a:rPr lang="es" b="1" dirty="0" smtClean="0">
-                <a:solidFill>
-                  <a:srgbClr val="3F3F3F"/>
-                </a:solidFill>
-                <a:latin typeface="Open Sans"/>
-                <a:ea typeface="Open Sans"/>
-                <a:cs typeface="Open Sans"/>
-                <a:sym typeface="Open Sans"/>
-              </a:rPr>
-              <a:t>? </a:t>
-            </a:r>
-            <a:r>
-              <a:rPr lang="es" dirty="0" smtClean="0">
-                <a:solidFill>
-                  <a:srgbClr val="3F3F3F"/>
-                </a:solidFill>
-                <a:latin typeface="Open Sans"/>
-                <a:ea typeface="Open Sans"/>
-                <a:cs typeface="Open Sans"/>
-                <a:sym typeface="Open Sans"/>
-              </a:rPr>
-              <a:t>:comienza a expandirse a </a:t>
-            </a:r>
-            <a:r>
-              <a:rPr lang="es" dirty="0" smtClean="0">
-                <a:solidFill>
-                  <a:srgbClr val="3F3F3F"/>
-                </a:solidFill>
-                <a:latin typeface="Open Sans"/>
-                <a:ea typeface="Open Sans"/>
-                <a:cs typeface="Open Sans"/>
-                <a:sym typeface="Open Sans"/>
-              </a:rPr>
-              <a:t>traves de foros rusos , pasando los sitios con spam e instalando la pagina. </a:t>
-            </a:r>
-            <a:r>
-              <a:rPr lang="es-AR" dirty="0" smtClean="0">
-                <a:solidFill>
-                  <a:srgbClr val="3F3F3F"/>
-                </a:solidFill>
-                <a:latin typeface="Open Sans"/>
-                <a:ea typeface="Open Sans"/>
-                <a:cs typeface="Open Sans"/>
-                <a:sym typeface="Open Sans"/>
-              </a:rPr>
-              <a:t>Y</a:t>
-            </a:r>
-            <a:r>
-              <a:rPr lang="es" dirty="0" smtClean="0">
-                <a:solidFill>
-                  <a:srgbClr val="3F3F3F"/>
-                </a:solidFill>
-                <a:latin typeface="Open Sans"/>
-                <a:ea typeface="Open Sans"/>
-                <a:cs typeface="Open Sans"/>
-                <a:sym typeface="Open Sans"/>
-              </a:rPr>
-              <a:t> de esa manera sacan la informacion del usuario para robar criptomonedas.</a:t>
-            </a:r>
-            <a:endParaRPr dirty="0">
-              <a:solidFill>
-                <a:srgbClr val="3F3F3F"/>
-              </a:solidFill>
-              <a:latin typeface="Open Sans"/>
-              <a:ea typeface="Open Sans"/>
-              <a:cs typeface="Open Sans"/>
-              <a:sym typeface="Open Sans"/>
-            </a:endParaRPr>
-          </a:p>
-          <a:p>
-            <a:pPr marL="0" lvl="0" indent="0" algn="l" rtl="0">
-              <a:lnSpc>
-                <a:spcPct val="200000"/>
-              </a:lnSpc>
-              <a:spcBef>
-                <a:spcPts val="0"/>
-              </a:spcBef>
-              <a:spcAft>
-                <a:spcPts val="0"/>
-              </a:spcAft>
-              <a:buNone/>
-            </a:pPr>
-            <a:r>
-              <a:rPr lang="es" b="1" dirty="0">
-                <a:solidFill>
-                  <a:srgbClr val="3F3F3F"/>
-                </a:solidFill>
-                <a:latin typeface="Open Sans"/>
-                <a:ea typeface="Open Sans"/>
-                <a:cs typeface="Open Sans"/>
-                <a:sym typeface="Open Sans"/>
-              </a:rPr>
-              <a:t>¿Hay más de una amenaza aplicada </a:t>
-            </a:r>
-            <a:r>
-              <a:rPr lang="es" b="1" dirty="0" smtClean="0">
-                <a:solidFill>
-                  <a:srgbClr val="3F3F3F"/>
-                </a:solidFill>
-                <a:latin typeface="Open Sans"/>
-                <a:ea typeface="Open Sans"/>
-                <a:cs typeface="Open Sans"/>
-                <a:sym typeface="Open Sans"/>
-              </a:rPr>
-              <a:t>? </a:t>
-            </a:r>
-            <a:r>
-              <a:rPr lang="es" dirty="0" smtClean="0">
-                <a:solidFill>
-                  <a:srgbClr val="3F3F3F"/>
-                </a:solidFill>
-                <a:latin typeface="Open Sans"/>
-                <a:ea typeface="Open Sans"/>
-                <a:cs typeface="Open Sans"/>
-                <a:sym typeface="Open Sans"/>
-              </a:rPr>
-              <a:t>– SI ya que te sacaban datos personales e informaciones bancarias / billeteras virtuales.</a:t>
-            </a:r>
-            <a:endParaRPr dirty="0">
-              <a:solidFill>
-                <a:srgbClr val="3F3F3F"/>
-              </a:solidFill>
-              <a:latin typeface="Open Sans"/>
-              <a:ea typeface="Open Sans"/>
-              <a:cs typeface="Open Sans"/>
-              <a:sym typeface="Open Sans"/>
-            </a:endParaRPr>
-          </a:p>
-          <a:p>
-            <a:pPr marL="0" lvl="0" indent="0" algn="l" rtl="0">
-              <a:lnSpc>
-                <a:spcPct val="200000"/>
-              </a:lnSpc>
-              <a:spcBef>
-                <a:spcPts val="0"/>
-              </a:spcBef>
-              <a:spcAft>
-                <a:spcPts val="0"/>
-              </a:spcAft>
-              <a:buNone/>
-            </a:pPr>
-            <a:r>
-              <a:rPr lang="es" b="1" dirty="0">
-                <a:solidFill>
-                  <a:srgbClr val="3F3F3F"/>
-                </a:solidFill>
-                <a:latin typeface="Open Sans"/>
-                <a:ea typeface="Open Sans"/>
-                <a:cs typeface="Open Sans"/>
-                <a:sym typeface="Open Sans"/>
-              </a:rPr>
-              <a:t>¿Qué solución o medida recomendarían </a:t>
-            </a:r>
-            <a:r>
-              <a:rPr lang="es" b="1" dirty="0" smtClean="0">
-                <a:solidFill>
-                  <a:srgbClr val="3F3F3F"/>
-                </a:solidFill>
-                <a:latin typeface="Open Sans"/>
-                <a:ea typeface="Open Sans"/>
-                <a:cs typeface="Open Sans"/>
-                <a:sym typeface="Open Sans"/>
-              </a:rPr>
-              <a:t>? </a:t>
-            </a:r>
-            <a:r>
-              <a:rPr lang="es" dirty="0" smtClean="0">
-                <a:solidFill>
-                  <a:srgbClr val="3F3F3F"/>
-                </a:solidFill>
-                <a:latin typeface="Open Sans"/>
-                <a:ea typeface="Open Sans"/>
-                <a:cs typeface="Open Sans"/>
-                <a:sym typeface="Open Sans"/>
-              </a:rPr>
-              <a:t>: Ver y revisar enlaces y dominios. </a:t>
-            </a:r>
-            <a:r>
-              <a:rPr lang="es-AR" dirty="0" smtClean="0">
-                <a:solidFill>
-                  <a:srgbClr val="3F3F3F"/>
-                </a:solidFill>
-                <a:latin typeface="Open Sans"/>
-                <a:ea typeface="Open Sans"/>
-                <a:cs typeface="Open Sans"/>
-                <a:sym typeface="Open Sans"/>
-              </a:rPr>
-              <a:t>N</a:t>
-            </a:r>
-            <a:r>
-              <a:rPr lang="es" dirty="0" smtClean="0">
-                <a:solidFill>
-                  <a:srgbClr val="3F3F3F"/>
-                </a:solidFill>
-                <a:latin typeface="Open Sans"/>
-                <a:ea typeface="Open Sans"/>
-                <a:cs typeface="Open Sans"/>
-                <a:sym typeface="Open Sans"/>
-              </a:rPr>
-              <a:t>o siempre entrar paginas externas sino en paginas oficiales</a:t>
-            </a:r>
-            <a:r>
-              <a:rPr lang="es" sz="1600" dirty="0" smtClean="0">
-                <a:solidFill>
-                  <a:srgbClr val="3F3F3F"/>
-                </a:solidFill>
-                <a:latin typeface="Open Sans"/>
-                <a:ea typeface="Open Sans"/>
-                <a:cs typeface="Open Sans"/>
-                <a:sym typeface="Open Sans"/>
-              </a:rPr>
-              <a:t>.</a:t>
+              <a:t>¿Qué solución o medida recomendarían ?</a:t>
             </a:r>
             <a:endParaRPr dirty="0"/>
           </a:p>

--- a/Clase 24- Amenazas/Material/Actividad Tipos de amenazas.pptx
+++ b/Clase 24- Amenazas/Material/Actividad Tipos de amenazas.pptx
@@ -1,44 +1,48 @@
 
 <file path=ppt/presentation.xml><?xml version="1.0" encoding="utf-8"?>
-<p:presentation xmlns:a="http://schemas.openxmlformats.org/drawingml/2006/main" xmlns:r="http://schemas.openxmlformats.org/officeDocument/2006/relationships" xmlns:mc="http://schemas.openxmlformats.org/markup-compatibility/2006" xmlns:mv="urn:schemas-microsoft-com:mac:vml" xmlns:p="http://schemas.openxmlformats.org/presentationml/2006/main" xmlns:c="http://schemas.openxmlformats.org/drawingml/2006/chart" xmlns:dgm="http://schemas.openxmlformats.org/drawingml/2006/diagram" xmlns:o="urn:schemas-microsoft-com:office:office" xmlns:v="urn:schemas-microsoft-com:vml" xmlns:pvml="urn:schemas-microsoft-com:office:powerpoint" xmlns:com="http://schemas.openxmlformats.org/drawingml/2006/compatibility" xmlns:p14="http://schemas.microsoft.com/office/powerpoint/2010/main" xmlns:p15="http://schemas.microsoft.com/office/powerpoint/2012/main" xmlns:ahyp="http://schemas.microsoft.com/office/drawing/2018/hyperlinkcolor" autoCompressPictures="0" embedTrueTypeFonts="1" strictFirstAndLastChars="0" saveSubsetFonts="1">
+<p:presentation xmlns:a="http://schemas.openxmlformats.org/drawingml/2006/main" xmlns:r="http://schemas.openxmlformats.org/officeDocument/2006/relationships" xmlns:p="http://schemas.openxmlformats.org/presentationml/2006/main" strictFirstAndLastChars="0" embedTrueTypeFonts="1" saveSubsetFonts="1" autoCompressPictures="0">
   <p:sldMasterIdLst>
-    <p:sldMasterId id="2147483661" r:id="rId4"/>
+    <p:sldMasterId id="2147483661" r:id="rId1"/>
   </p:sldMasterIdLst>
   <p:notesMasterIdLst>
-    <p:notesMasterId r:id="rId5"/>
+    <p:notesMasterId r:id="rId18"/>
   </p:notesMasterIdLst>
   <p:sldIdLst>
-    <p:sldId id="256" r:id="rId6"/>
-    <p:sldId id="257" r:id="rId7"/>
-    <p:sldId id="258" r:id="rId8"/>
-    <p:sldId id="259" r:id="rId9"/>
-    <p:sldId id="260" r:id="rId10"/>
-    <p:sldId id="261" r:id="rId11"/>
-    <p:sldId id="262" r:id="rId12"/>
-    <p:sldId id="263" r:id="rId13"/>
+    <p:sldId id="256" r:id="rId2"/>
+    <p:sldId id="257" r:id="rId3"/>
+    <p:sldId id="258" r:id="rId4"/>
+    <p:sldId id="259" r:id="rId5"/>
+    <p:sldId id="260" r:id="rId6"/>
+    <p:sldId id="261" r:id="rId7"/>
+    <p:sldId id="262" r:id="rId8"/>
+    <p:sldId id="263" r:id="rId9"/>
+    <p:sldId id="268" r:id="rId10"/>
+    <p:sldId id="269" r:id="rId11"/>
+    <p:sldId id="270" r:id="rId12"/>
+    <p:sldId id="271" r:id="rId13"/>
     <p:sldId id="264" r:id="rId14"/>
     <p:sldId id="265" r:id="rId15"/>
     <p:sldId id="266" r:id="rId16"/>
     <p:sldId id="267" r:id="rId17"/>
   </p:sldIdLst>
-  <p:sldSz cy="5143500" cx="9144000"/>
+  <p:sldSz cx="9144000" cy="5143500" type="screen16x9"/>
   <p:notesSz cx="6858000" cy="9144000"/>
   <p:embeddedFontLst>
     <p:embeddedFont>
-      <p:font typeface="Rajdhani"/>
-      <p:regular r:id="rId18"/>
-      <p:bold r:id="rId19"/>
+      <p:font typeface="Open Sans" panose="020B0606030504020204" pitchFamily="34" charset="0"/>
+      <p:regular r:id="rId19"/>
+      <p:bold r:id="rId20"/>
+      <p:italic r:id="rId21"/>
+      <p:boldItalic r:id="rId22"/>
     </p:embeddedFont>
     <p:embeddedFont>
-      <p:font typeface="Open Sans"/>
-      <p:regular r:id="rId20"/>
-      <p:bold r:id="rId21"/>
-      <p:italic r:id="rId22"/>
-      <p:boldItalic r:id="rId23"/>
+      <p:font typeface="Rajdhani" panose="020B0604020202020204" charset="0"/>
+      <p:regular r:id="rId23"/>
+      <p:bold r:id="rId24"/>
     </p:embeddedFont>
   </p:embeddedFontLst>
   <p:defaultTextStyle>
-    <a:defPPr lvl="0" marR="0" rtl="0" algn="l">
+    <a:defPPr marR="0" lvl="0" algn="l" rtl="0">
       <a:lnSpc>
         <a:spcPct val="100000"/>
       </a:lnSpc>
@@ -49,7 +53,7 @@
         <a:spcPts val="0"/>
       </a:spcAft>
     </a:defPPr>
-    <a:lvl1pPr lvl="0" marR="0" rtl="0" algn="l">
+    <a:lvl1pPr marR="0" lvl="0" algn="l" rtl="0">
       <a:lnSpc>
         <a:spcPct val="100000"/>
       </a:lnSpc>
@@ -63,7 +67,7 @@
         <a:srgbClr val="000000"/>
       </a:buClr>
       <a:buFont typeface="Arial"/>
-      <a:defRPr b="0" i="0" sz="1400" u="none" cap="none" strike="noStrike">
+      <a:defRPr sz="1400" b="0" i="0" u="none" strike="noStrike" cap="none">
         <a:solidFill>
           <a:srgbClr val="000000"/>
         </a:solidFill>
@@ -73,7 +77,7 @@
         <a:sym typeface="Arial"/>
       </a:defRPr>
     </a:lvl1pPr>
-    <a:lvl2pPr lvl="1" marR="0" rtl="0" algn="l">
+    <a:lvl2pPr marR="0" lvl="1" algn="l" rtl="0">
       <a:lnSpc>
         <a:spcPct val="100000"/>
       </a:lnSpc>
@@ -87,7 +91,7 @@
         <a:srgbClr val="000000"/>
       </a:buClr>
       <a:buFont typeface="Arial"/>
-      <a:defRPr b="0" i="0" sz="1400" u="none" cap="none" strike="noStrike">
+      <a:defRPr sz="1400" b="0" i="0" u="none" strike="noStrike" cap="none">
         <a:solidFill>
           <a:srgbClr val="000000"/>
         </a:solidFill>
@@ -97,7 +101,7 @@
         <a:sym typeface="Arial"/>
       </a:defRPr>
     </a:lvl2pPr>
-    <a:lvl3pPr lvl="2" marR="0" rtl="0" algn="l">
+    <a:lvl3pPr marR="0" lvl="2" algn="l" rtl="0">
       <a:lnSpc>
         <a:spcPct val="100000"/>
       </a:lnSpc>
@@ -111,7 +115,7 @@
         <a:srgbClr val="000000"/>
       </a:buClr>
       <a:buFont typeface="Arial"/>
-      <a:defRPr b="0" i="0" sz="1400" u="none" cap="none" strike="noStrike">
+      <a:defRPr sz="1400" b="0" i="0" u="none" strike="noStrike" cap="none">
         <a:solidFill>
           <a:srgbClr val="000000"/>
         </a:solidFill>
@@ -121,7 +125,7 @@
         <a:sym typeface="Arial"/>
       </a:defRPr>
     </a:lvl3pPr>
-    <a:lvl4pPr lvl="3" marR="0" rtl="0" algn="l">
+    <a:lvl4pPr marR="0" lvl="3" algn="l" rtl="0">
       <a:lnSpc>
         <a:spcPct val="100000"/>
       </a:lnSpc>
@@ -135,7 +139,7 @@
         <a:srgbClr val="000000"/>
       </a:buClr>
       <a:buFont typeface="Arial"/>
-      <a:defRPr b="0" i="0" sz="1400" u="none" cap="none" strike="noStrike">
+      <a:defRPr sz="1400" b="0" i="0" u="none" strike="noStrike" cap="none">
         <a:solidFill>
           <a:srgbClr val="000000"/>
         </a:solidFill>
@@ -145,7 +149,7 @@
         <a:sym typeface="Arial"/>
       </a:defRPr>
     </a:lvl4pPr>
-    <a:lvl5pPr lvl="4" marR="0" rtl="0" algn="l">
+    <a:lvl5pPr marR="0" lvl="4" algn="l" rtl="0">
       <a:lnSpc>
         <a:spcPct val="100000"/>
       </a:lnSpc>
@@ -159,7 +163,7 @@
         <a:srgbClr val="000000"/>
       </a:buClr>
       <a:buFont typeface="Arial"/>
-      <a:defRPr b="0" i="0" sz="1400" u="none" cap="none" strike="noStrike">
+      <a:defRPr sz="1400" b="0" i="0" u="none" strike="noStrike" cap="none">
         <a:solidFill>
           <a:srgbClr val="000000"/>
         </a:solidFill>
@@ -169,7 +173,7 @@
         <a:sym typeface="Arial"/>
       </a:defRPr>
     </a:lvl5pPr>
-    <a:lvl6pPr lvl="5" marR="0" rtl="0" algn="l">
+    <a:lvl6pPr marR="0" lvl="5" algn="l" rtl="0">
       <a:lnSpc>
         <a:spcPct val="100000"/>
       </a:lnSpc>
@@ -183,7 +187,7 @@
         <a:srgbClr val="000000"/>
       </a:buClr>
       <a:buFont typeface="Arial"/>
-      <a:defRPr b="0" i="0" sz="1400" u="none" cap="none" strike="noStrike">
+      <a:defRPr sz="1400" b="0" i="0" u="none" strike="noStrike" cap="none">
         <a:solidFill>
           <a:srgbClr val="000000"/>
         </a:solidFill>
@@ -193,7 +197,7 @@
         <a:sym typeface="Arial"/>
       </a:defRPr>
     </a:lvl6pPr>
-    <a:lvl7pPr lvl="6" marR="0" rtl="0" algn="l">
+    <a:lvl7pPr marR="0" lvl="6" algn="l" rtl="0">
       <a:lnSpc>
         <a:spcPct val="100000"/>
       </a:lnSpc>
@@ -207,7 +211,7 @@
         <a:srgbClr val="000000"/>
       </a:buClr>
       <a:buFont typeface="Arial"/>
-      <a:defRPr b="0" i="0" sz="1400" u="none" cap="none" strike="noStrike">
+      <a:defRPr sz="1400" b="0" i="0" u="none" strike="noStrike" cap="none">
         <a:solidFill>
           <a:srgbClr val="000000"/>
         </a:solidFill>
@@ -217,7 +221,7 @@
         <a:sym typeface="Arial"/>
       </a:defRPr>
     </a:lvl7pPr>
-    <a:lvl8pPr lvl="7" marR="0" rtl="0" algn="l">
+    <a:lvl8pPr marR="0" lvl="7" algn="l" rtl="0">
       <a:lnSpc>
         <a:spcPct val="100000"/>
       </a:lnSpc>
@@ -231,7 +235,7 @@
         <a:srgbClr val="000000"/>
       </a:buClr>
       <a:buFont typeface="Arial"/>
-      <a:defRPr b="0" i="0" sz="1400" u="none" cap="none" strike="noStrike">
+      <a:defRPr sz="1400" b="0" i="0" u="none" strike="noStrike" cap="none">
         <a:solidFill>
           <a:srgbClr val="000000"/>
         </a:solidFill>
@@ -241,7 +245,7 @@
         <a:sym typeface="Arial"/>
       </a:defRPr>
     </a:lvl8pPr>
-    <a:lvl9pPr lvl="8" marR="0" rtl="0" algn="l">
+    <a:lvl9pPr marR="0" lvl="8" algn="l" rtl="0">
       <a:lnSpc>
         <a:spcPct val="100000"/>
       </a:lnSpc>
@@ -255,7 +259,7 @@
         <a:srgbClr val="000000"/>
       </a:buClr>
       <a:buFont typeface="Arial"/>
-      <a:defRPr b="0" i="0" sz="1400" u="none" cap="none" strike="noStrike">
+      <a:defRPr sz="1400" b="0" i="0" u="none" strike="noStrike" cap="none">
         <a:solidFill>
           <a:srgbClr val="000000"/>
         </a:solidFill>
@@ -268,7 +272,7 @@
   </p:defaultTextStyle>
   <p:extLst>
     <p:ext uri="{EFAFB233-063F-42B5-8137-9DF3F51BA10A}">
-      <p15:sldGuideLst>
+      <p15:sldGuideLst xmlns:p15="http://schemas.microsoft.com/office/powerpoint/2012/main">
         <p15:guide id="1" orient="horz" pos="1620">
           <p15:clr>
             <a:srgbClr val="A4A3A4"/>
@@ -286,11 +290,16 @@
 </file>
 
 <file path=ppt/notesMasters/notesMaster1.xml><?xml version="1.0" encoding="utf-8"?>
-<p:notesMaster xmlns:a="http://schemas.openxmlformats.org/drawingml/2006/main" xmlns:r="http://schemas.openxmlformats.org/officeDocument/2006/relationships" xmlns:mc="http://schemas.openxmlformats.org/markup-compatibility/2006" xmlns:mv="urn:schemas-microsoft-com:mac:vml" xmlns:p="http://schemas.openxmlformats.org/presentationml/2006/main" xmlns:c="http://schemas.openxmlformats.org/drawingml/2006/chart" xmlns:dgm="http://schemas.openxmlformats.org/drawingml/2006/diagram" xmlns:o="urn:schemas-microsoft-com:office:office" xmlns:v="urn:schemas-microsoft-com:vml" xmlns:pvml="urn:schemas-microsoft-com:office:powerpoint" xmlns:com="http://schemas.openxmlformats.org/drawingml/2006/compatibility" xmlns:p14="http://schemas.microsoft.com/office/powerpoint/2010/main" xmlns:p15="http://schemas.microsoft.com/office/powerpoint/2012/main" xmlns:ahyp="http://schemas.microsoft.com/office/drawing/2018/hyperlinkcolor">
+<p:notesMaster xmlns:a="http://schemas.openxmlformats.org/drawingml/2006/main" xmlns:r="http://schemas.openxmlformats.org/officeDocument/2006/relationships" xmlns:p="http://schemas.openxmlformats.org/presentationml/2006/main">
   <p:cSld>
+    <p:bg>
+      <p:bgRef idx="1001">
+        <a:schemeClr val="bg1"/>
+      </p:bgRef>
+    </p:bg>
     <p:spTree>
       <p:nvGrpSpPr>
-        <p:cNvPr id="2" name="Shape 2"/>
+        <p:cNvPr id="1" name="Shape 2"/>
         <p:cNvGrpSpPr/>
         <p:nvPr/>
       </p:nvGrpSpPr>
@@ -305,9 +314,11 @@
       <p:sp>
         <p:nvSpPr>
           <p:cNvPr id="3" name="Google Shape;3;n"/>
-          <p:cNvSpPr/>
+          <p:cNvSpPr>
+            <a:spLocks noGrp="1" noRot="1" noChangeAspect="1"/>
+          </p:cNvSpPr>
           <p:nvPr>
-            <p:ph idx="2" type="sldImg"/>
+            <p:ph type="sldImg" idx="2"/>
           </p:nvPr>
         </p:nvSpPr>
         <p:spPr>
@@ -316,9 +327,13 @@
             <a:ext cx="6096075" cy="3429000"/>
           </a:xfrm>
           <a:custGeom>
-            <a:rect b="b" l="l" r="r" t="t"/>
+            <a:avLst/>
+            <a:gdLst/>
+            <a:ahLst/>
+            <a:cxnLst/>
+            <a:rect l="l" t="t" r="r" b="b"/>
             <a:pathLst>
-              <a:path extrusionOk="0" h="120000" w="120000">
+              <a:path w="120000" h="120000" extrusionOk="0">
                 <a:moveTo>
                   <a:pt x="0" y="0"/>
                 </a:moveTo>
@@ -336,23 +351,25 @@
             </a:pathLst>
           </a:custGeom>
           <a:noFill/>
-          <a:ln cap="flat" cmpd="sng" w="9525">
+          <a:ln w="9525" cap="flat" cmpd="sng">
             <a:solidFill>
               <a:srgbClr val="000000"/>
             </a:solidFill>
             <a:prstDash val="solid"/>
             <a:round/>
-            <a:headEnd len="sm" w="sm" type="none"/>
-            <a:tailEnd len="sm" w="sm" type="none"/>
+            <a:headEnd type="none" w="sm" len="sm"/>
+            <a:tailEnd type="none" w="sm" len="sm"/>
           </a:ln>
         </p:spPr>
       </p:sp>
       <p:sp>
         <p:nvSpPr>
           <p:cNvPr id="4" name="Google Shape;4;n"/>
-          <p:cNvSpPr txBox="1"/>
+          <p:cNvSpPr txBox="1">
+            <a:spLocks noGrp="1"/>
+          </p:cNvSpPr>
           <p:nvPr>
-            <p:ph idx="1" type="body"/>
+            <p:ph type="body" idx="1"/>
           </p:nvPr>
         </p:nvSpPr>
         <p:spPr>
@@ -369,11 +386,11 @@
           </a:ln>
         </p:spPr>
         <p:txBody>
-          <a:bodyPr anchorCtr="0" anchor="t" bIns="91425" lIns="91425" spcFirstLastPara="1" rIns="91425" wrap="square" tIns="91425">
+          <a:bodyPr spcFirstLastPara="1" wrap="square" lIns="91425" tIns="91425" rIns="91425" bIns="91425" anchor="t" anchorCtr="0">
             <a:noAutofit/>
           </a:bodyPr>
           <a:lstStyle>
-            <a:lvl1pPr indent="-298450" lvl="0" marL="457200">
+            <a:lvl1pPr marL="457200" lvl="0" indent="-298450">
               <a:spcBef>
                 <a:spcPts val="0"/>
               </a:spcBef>
@@ -384,7 +401,7 @@
               <a:buChar char="●"/>
               <a:defRPr sz="1100"/>
             </a:lvl1pPr>
-            <a:lvl2pPr indent="-298450" lvl="1" marL="914400">
+            <a:lvl2pPr marL="914400" lvl="1" indent="-298450">
               <a:spcBef>
                 <a:spcPts val="0"/>
               </a:spcBef>
@@ -395,7 +412,7 @@
               <a:buChar char="○"/>
               <a:defRPr sz="1100"/>
             </a:lvl2pPr>
-            <a:lvl3pPr indent="-298450" lvl="2" marL="1371600">
+            <a:lvl3pPr marL="1371600" lvl="2" indent="-298450">
               <a:spcBef>
                 <a:spcPts val="0"/>
               </a:spcBef>
@@ -406,7 +423,7 @@
               <a:buChar char="■"/>
               <a:defRPr sz="1100"/>
             </a:lvl3pPr>
-            <a:lvl4pPr indent="-298450" lvl="3" marL="1828800">
+            <a:lvl4pPr marL="1828800" lvl="3" indent="-298450">
               <a:spcBef>
                 <a:spcPts val="0"/>
               </a:spcBef>
@@ -417,7 +434,7 @@
               <a:buChar char="●"/>
               <a:defRPr sz="1100"/>
             </a:lvl4pPr>
-            <a:lvl5pPr indent="-298450" lvl="4" marL="2286000">
+            <a:lvl5pPr marL="2286000" lvl="4" indent="-298450">
               <a:spcBef>
                 <a:spcPts val="0"/>
               </a:spcBef>
@@ -428,7 +445,7 @@
               <a:buChar char="○"/>
               <a:defRPr sz="1100"/>
             </a:lvl5pPr>
-            <a:lvl6pPr indent="-298450" lvl="5" marL="2743200">
+            <a:lvl6pPr marL="2743200" lvl="5" indent="-298450">
               <a:spcBef>
                 <a:spcPts val="0"/>
               </a:spcBef>
@@ -439,7 +456,7 @@
               <a:buChar char="■"/>
               <a:defRPr sz="1100"/>
             </a:lvl6pPr>
-            <a:lvl7pPr indent="-298450" lvl="6" marL="3200400">
+            <a:lvl7pPr marL="3200400" lvl="6" indent="-298450">
               <a:spcBef>
                 <a:spcPts val="0"/>
               </a:spcBef>
@@ -450,7 +467,7 @@
               <a:buChar char="●"/>
               <a:defRPr sz="1100"/>
             </a:lvl7pPr>
-            <a:lvl8pPr indent="-298450" lvl="7" marL="3657600">
+            <a:lvl8pPr marL="3657600" lvl="7" indent="-298450">
               <a:spcBef>
                 <a:spcPts val="0"/>
               </a:spcBef>
@@ -461,7 +478,7 @@
               <a:buChar char="○"/>
               <a:defRPr sz="1100"/>
             </a:lvl8pPr>
-            <a:lvl9pPr indent="-298450" lvl="8" marL="4114800">
+            <a:lvl9pPr marL="4114800" lvl="8" indent="-298450">
               <a:spcBef>
                 <a:spcPts val="0"/>
               </a:spcBef>
@@ -473,14 +490,16 @@
               <a:defRPr sz="1100"/>
             </a:lvl9pPr>
           </a:lstStyle>
-          <a:p/>
+          <a:p>
+            <a:endParaRPr/>
+          </a:p>
         </p:txBody>
       </p:sp>
     </p:spTree>
   </p:cSld>
-  <p:clrMap accent1="accent1" accent2="accent2" accent3="accent3" accent4="accent4" accent5="accent5" accent6="accent6" bg1="lt1" bg2="dk2" tx1="dk1" tx2="lt2" folHlink="folHlink" hlink="hlink"/>
+  <p:clrMap bg1="lt1" tx1="dk1" bg2="dk2" tx2="lt2" accent1="accent1" accent2="accent2" accent3="accent3" accent4="accent4" accent5="accent5" accent6="accent6" hlink="hlink" folHlink="folHlink"/>
   <p:notesStyle>
-    <a:defPPr lvl="0" marR="0" rtl="0" algn="l">
+    <a:defPPr marR="0" lvl="0" algn="l" rtl="0">
       <a:lnSpc>
         <a:spcPct val="100000"/>
       </a:lnSpc>
@@ -491,7 +510,7 @@
         <a:spcPts val="0"/>
       </a:spcAft>
     </a:defPPr>
-    <a:lvl1pPr lvl="0" marR="0" rtl="0" algn="l">
+    <a:lvl1pPr marR="0" lvl="0" algn="l" rtl="0">
       <a:lnSpc>
         <a:spcPct val="100000"/>
       </a:lnSpc>
@@ -505,7 +524,7 @@
         <a:srgbClr val="000000"/>
       </a:buClr>
       <a:buFont typeface="Arial"/>
-      <a:defRPr b="0" i="0" sz="1400" u="none" cap="none" strike="noStrike">
+      <a:defRPr sz="1400" b="0" i="0" u="none" strike="noStrike" cap="none">
         <a:solidFill>
           <a:srgbClr val="000000"/>
         </a:solidFill>
@@ -515,7 +534,7 @@
         <a:sym typeface="Arial"/>
       </a:defRPr>
     </a:lvl1pPr>
-    <a:lvl2pPr lvl="1" marR="0" rtl="0" algn="l">
+    <a:lvl2pPr marR="0" lvl="1" algn="l" rtl="0">
       <a:lnSpc>
         <a:spcPct val="100000"/>
       </a:lnSpc>
@@ -529,7 +548,7 @@
         <a:srgbClr val="000000"/>
       </a:buClr>
       <a:buFont typeface="Arial"/>
-      <a:defRPr b="0" i="0" sz="1400" u="none" cap="none" strike="noStrike">
+      <a:defRPr sz="1400" b="0" i="0" u="none" strike="noStrike" cap="none">
         <a:solidFill>
           <a:srgbClr val="000000"/>
         </a:solidFill>
@@ -539,7 +558,7 @@
         <a:sym typeface="Arial"/>
       </a:defRPr>
     </a:lvl2pPr>
-    <a:lvl3pPr lvl="2" marR="0" rtl="0" algn="l">
+    <a:lvl3pPr marR="0" lvl="2" algn="l" rtl="0">
       <a:lnSpc>
         <a:spcPct val="100000"/>
       </a:lnSpc>
@@ -553,7 +572,7 @@
         <a:srgbClr val="000000"/>
       </a:buClr>
       <a:buFont typeface="Arial"/>
-      <a:defRPr b="0" i="0" sz="1400" u="none" cap="none" strike="noStrike">
+      <a:defRPr sz="1400" b="0" i="0" u="none" strike="noStrike" cap="none">
         <a:solidFill>
           <a:srgbClr val="000000"/>
         </a:solidFill>
@@ -563,7 +582,7 @@
         <a:sym typeface="Arial"/>
       </a:defRPr>
     </a:lvl3pPr>
-    <a:lvl4pPr lvl="3" marR="0" rtl="0" algn="l">
+    <a:lvl4pPr marR="0" lvl="3" algn="l" rtl="0">
       <a:lnSpc>
         <a:spcPct val="100000"/>
       </a:lnSpc>
@@ -577,7 +596,7 @@
         <a:srgbClr val="000000"/>
       </a:buClr>
       <a:buFont typeface="Arial"/>
-      <a:defRPr b="0" i="0" sz="1400" u="none" cap="none" strike="noStrike">
+      <a:defRPr sz="1400" b="0" i="0" u="none" strike="noStrike" cap="none">
         <a:solidFill>
           <a:srgbClr val="000000"/>
         </a:solidFill>
@@ -587,7 +606,7 @@
         <a:sym typeface="Arial"/>
       </a:defRPr>
     </a:lvl4pPr>
-    <a:lvl5pPr lvl="4" marR="0" rtl="0" algn="l">
+    <a:lvl5pPr marR="0" lvl="4" algn="l" rtl="0">
       <a:lnSpc>
         <a:spcPct val="100000"/>
       </a:lnSpc>
@@ -601,7 +620,7 @@
         <a:srgbClr val="000000"/>
       </a:buClr>
       <a:buFont typeface="Arial"/>
-      <a:defRPr b="0" i="0" sz="1400" u="none" cap="none" strike="noStrike">
+      <a:defRPr sz="1400" b="0" i="0" u="none" strike="noStrike" cap="none">
         <a:solidFill>
           <a:srgbClr val="000000"/>
         </a:solidFill>
@@ -611,7 +630,7 @@
         <a:sym typeface="Arial"/>
       </a:defRPr>
     </a:lvl5pPr>
-    <a:lvl6pPr lvl="5" marR="0" rtl="0" algn="l">
+    <a:lvl6pPr marR="0" lvl="5" algn="l" rtl="0">
       <a:lnSpc>
         <a:spcPct val="100000"/>
       </a:lnSpc>
@@ -625,7 +644,7 @@
         <a:srgbClr val="000000"/>
       </a:buClr>
       <a:buFont typeface="Arial"/>
-      <a:defRPr b="0" i="0" sz="1400" u="none" cap="none" strike="noStrike">
+      <a:defRPr sz="1400" b="0" i="0" u="none" strike="noStrike" cap="none">
         <a:solidFill>
           <a:srgbClr val="000000"/>
         </a:solidFill>
@@ -635,7 +654,7 @@
         <a:sym typeface="Arial"/>
       </a:defRPr>
     </a:lvl6pPr>
-    <a:lvl7pPr lvl="6" marR="0" rtl="0" algn="l">
+    <a:lvl7pPr marR="0" lvl="6" algn="l" rtl="0">
       <a:lnSpc>
         <a:spcPct val="100000"/>
       </a:lnSpc>
@@ -649,7 +668,7 @@
         <a:srgbClr val="000000"/>
       </a:buClr>
       <a:buFont typeface="Arial"/>
-      <a:defRPr b="0" i="0" sz="1400" u="none" cap="none" strike="noStrike">
+      <a:defRPr sz="1400" b="0" i="0" u="none" strike="noStrike" cap="none">
         <a:solidFill>
           <a:srgbClr val="000000"/>
         </a:solidFill>
@@ -659,7 +678,7 @@
         <a:sym typeface="Arial"/>
       </a:defRPr>
     </a:lvl7pPr>
-    <a:lvl8pPr lvl="7" marR="0" rtl="0" algn="l">
+    <a:lvl8pPr marR="0" lvl="7" algn="l" rtl="0">
       <a:lnSpc>
         <a:spcPct val="100000"/>
       </a:lnSpc>
@@ -673,7 +692,7 @@
         <a:srgbClr val="000000"/>
       </a:buClr>
       <a:buFont typeface="Arial"/>
-      <a:defRPr b="0" i="0" sz="1400" u="none" cap="none" strike="noStrike">
+      <a:defRPr sz="1400" b="0" i="0" u="none" strike="noStrike" cap="none">
         <a:solidFill>
           <a:srgbClr val="000000"/>
         </a:solidFill>
@@ -683,7 +702,7 @@
         <a:sym typeface="Arial"/>
       </a:defRPr>
     </a:lvl8pPr>
-    <a:lvl9pPr lvl="8" marR="0" rtl="0" algn="l">
+    <a:lvl9pPr marR="0" lvl="8" algn="l" rtl="0">
       <a:lnSpc>
         <a:spcPct val="100000"/>
       </a:lnSpc>
@@ -697,7 +716,7 @@
         <a:srgbClr val="000000"/>
       </a:buClr>
       <a:buFont typeface="Arial"/>
-      <a:defRPr b="0" i="0" sz="1400" u="none" cap="none" strike="noStrike">
+      <a:defRPr sz="1400" b="0" i="0" u="none" strike="noStrike" cap="none">
         <a:solidFill>
           <a:srgbClr val="000000"/>
         </a:solidFill>
@@ -712,11 +731,11 @@
 </file>
 
 <file path=ppt/notesSlides/notesSlide1.xml><?xml version="1.0" encoding="utf-8"?>
-<p:notes xmlns:a="http://schemas.openxmlformats.org/drawingml/2006/main" xmlns:r="http://schemas.openxmlformats.org/officeDocument/2006/relationships" xmlns:mc="http://schemas.openxmlformats.org/markup-compatibility/2006" xmlns:mv="urn:schemas-microsoft-com:mac:vml" xmlns:p="http://schemas.openxmlformats.org/presentationml/2006/main" xmlns:c="http://schemas.openxmlformats.org/drawingml/2006/chart" xmlns:dgm="http://schemas.openxmlformats.org/drawingml/2006/diagram" xmlns:o="urn:schemas-microsoft-com:office:office" xmlns:v="urn:schemas-microsoft-com:vml" xmlns:pvml="urn:schemas-microsoft-com:office:powerpoint" xmlns:com="http://schemas.openxmlformats.org/drawingml/2006/compatibility" xmlns:p14="http://schemas.microsoft.com/office/powerpoint/2010/main" xmlns:p15="http://schemas.microsoft.com/office/powerpoint/2012/main" xmlns:ahyp="http://schemas.microsoft.com/office/drawing/2018/hyperlinkcolor" showMasterPhAnim="0" showMasterSp="0">
+<p:notes xmlns:a="http://schemas.openxmlformats.org/drawingml/2006/main" xmlns:r="http://schemas.openxmlformats.org/officeDocument/2006/relationships" xmlns:p="http://schemas.openxmlformats.org/presentationml/2006/main" showMasterSp="0" showMasterPhAnim="0">
   <p:cSld>
     <p:spTree>
       <p:nvGrpSpPr>
-        <p:cNvPr id="49" name="Shape 49"/>
+        <p:cNvPr id="1" name="Shape 49"/>
         <p:cNvGrpSpPr/>
         <p:nvPr/>
       </p:nvGrpSpPr>
@@ -731,9 +750,11 @@
       <p:sp>
         <p:nvSpPr>
           <p:cNvPr id="50" name="Google Shape;50;p:notes"/>
-          <p:cNvSpPr/>
+          <p:cNvSpPr>
+            <a:spLocks noGrp="1" noRot="1" noChangeAspect="1"/>
+          </p:cNvSpPr>
           <p:nvPr>
-            <p:ph idx="2" type="sldImg"/>
+            <p:ph type="sldImg" idx="2"/>
           </p:nvPr>
         </p:nvSpPr>
         <p:spPr>
@@ -742,9 +763,13 @@
             <a:ext cx="6096075" cy="3429000"/>
           </a:xfrm>
           <a:custGeom>
-            <a:rect b="b" l="l" r="r" t="t"/>
+            <a:avLst/>
+            <a:gdLst/>
+            <a:ahLst/>
+            <a:cxnLst/>
+            <a:rect l="l" t="t" r="r" b="b"/>
             <a:pathLst>
-              <a:path extrusionOk="0" h="120000" w="120000">
+              <a:path w="120000" h="120000" extrusionOk="0">
                 <a:moveTo>
                   <a:pt x="0" y="0"/>
                 </a:moveTo>
@@ -766,9 +791,11 @@
       <p:sp>
         <p:nvSpPr>
           <p:cNvPr id="51" name="Google Shape;51;p:notes"/>
-          <p:cNvSpPr txBox="1"/>
+          <p:cNvSpPr txBox="1">
+            <a:spLocks noGrp="1"/>
+          </p:cNvSpPr>
           <p:nvPr>
-            <p:ph idx="1" type="body"/>
+            <p:ph type="body" idx="1"/>
           </p:nvPr>
         </p:nvSpPr>
         <p:spPr>
@@ -781,23 +808,20 @@
           </a:prstGeom>
         </p:spPr>
         <p:txBody>
-          <a:bodyPr anchorCtr="0" anchor="t" bIns="91425" lIns="91425" spcFirstLastPara="1" rIns="91425" wrap="square" tIns="91425">
+          <a:bodyPr spcFirstLastPara="1" wrap="square" lIns="91425" tIns="91425" rIns="91425" bIns="91425" anchor="t" anchorCtr="0">
             <a:noAutofit/>
           </a:bodyPr>
           <a:lstStyle/>
           <a:p>
-            <a:pPr indent="0" lvl="0" marL="0" rtl="0" algn="l">
-              <a:spcBef>
-                <a:spcPts val="0"/>
-              </a:spcBef>
-              <a:spcAft>
-                <a:spcPts val="0"/>
-              </a:spcAft>
-              <a:buNone/>
-            </a:pPr>
-            <a:r>
-              <a:t/>
-            </a:r>
+            <a:pPr marL="0" lvl="0" indent="0" algn="l" rtl="0">
+              <a:spcBef>
+                <a:spcPts val="0"/>
+              </a:spcBef>
+              <a:spcAft>
+                <a:spcPts val="0"/>
+              </a:spcAft>
+              <a:buNone/>
+            </a:pPr>
             <a:endParaRPr/>
           </a:p>
         </p:txBody>
@@ -811,11 +835,11 @@
 </file>
 
 <file path=ppt/notesSlides/notesSlide10.xml><?xml version="1.0" encoding="utf-8"?>
-<p:notes xmlns:a="http://schemas.openxmlformats.org/drawingml/2006/main" xmlns:r="http://schemas.openxmlformats.org/officeDocument/2006/relationships" xmlns:mc="http://schemas.openxmlformats.org/markup-compatibility/2006" xmlns:mv="urn:schemas-microsoft-com:mac:vml" xmlns:p="http://schemas.openxmlformats.org/presentationml/2006/main" xmlns:c="http://schemas.openxmlformats.org/drawingml/2006/chart" xmlns:dgm="http://schemas.openxmlformats.org/drawingml/2006/diagram" xmlns:o="urn:schemas-microsoft-com:office:office" xmlns:v="urn:schemas-microsoft-com:vml" xmlns:pvml="urn:schemas-microsoft-com:office:powerpoint" xmlns:com="http://schemas.openxmlformats.org/drawingml/2006/compatibility" xmlns:p14="http://schemas.microsoft.com/office/powerpoint/2010/main" xmlns:p15="http://schemas.microsoft.com/office/powerpoint/2012/main" xmlns:ahyp="http://schemas.microsoft.com/office/drawing/2018/hyperlinkcolor" showMasterPhAnim="0" showMasterSp="0">
+<p:notes xmlns:a="http://schemas.openxmlformats.org/drawingml/2006/main" xmlns:r="http://schemas.openxmlformats.org/officeDocument/2006/relationships" xmlns:p="http://schemas.openxmlformats.org/presentationml/2006/main" showMasterSp="0" showMasterPhAnim="0">
   <p:cSld>
     <p:spTree>
       <p:nvGrpSpPr>
-        <p:cNvPr id="105" name="Shape 105"/>
+        <p:cNvPr id="1" name="Shape 105"/>
         <p:cNvGrpSpPr/>
         <p:nvPr/>
       </p:nvGrpSpPr>
@@ -830,9 +854,11 @@
       <p:sp>
         <p:nvSpPr>
           <p:cNvPr id="106" name="Google Shape;106;ge4c4a8e2be_0_144:notes"/>
-          <p:cNvSpPr/>
+          <p:cNvSpPr>
+            <a:spLocks noGrp="1" noRot="1" noChangeAspect="1"/>
+          </p:cNvSpPr>
           <p:nvPr>
-            <p:ph idx="2" type="sldImg"/>
+            <p:ph type="sldImg" idx="2"/>
           </p:nvPr>
         </p:nvSpPr>
         <p:spPr>
@@ -841,9 +867,13 @@
             <a:ext cx="6096000" cy="3429000"/>
           </a:xfrm>
           <a:custGeom>
-            <a:rect b="b" l="l" r="r" t="t"/>
+            <a:avLst/>
+            <a:gdLst/>
+            <a:ahLst/>
+            <a:cxnLst/>
+            <a:rect l="l" t="t" r="r" b="b"/>
             <a:pathLst>
-              <a:path extrusionOk="0" h="120000" w="120000">
+              <a:path w="120000" h="120000" extrusionOk="0">
                 <a:moveTo>
                   <a:pt x="0" y="0"/>
                 </a:moveTo>
@@ -865,9 +895,11 @@
       <p:sp>
         <p:nvSpPr>
           <p:cNvPr id="107" name="Google Shape;107;ge4c4a8e2be_0_144:notes"/>
-          <p:cNvSpPr txBox="1"/>
+          <p:cNvSpPr txBox="1">
+            <a:spLocks noGrp="1"/>
+          </p:cNvSpPr>
           <p:nvPr>
-            <p:ph idx="1" type="body"/>
+            <p:ph type="body" idx="1"/>
           </p:nvPr>
         </p:nvSpPr>
         <p:spPr>
@@ -880,23 +912,20 @@
           </a:prstGeom>
         </p:spPr>
         <p:txBody>
-          <a:bodyPr anchorCtr="0" anchor="t" bIns="91425" lIns="91425" spcFirstLastPara="1" rIns="91425" wrap="square" tIns="91425">
+          <a:bodyPr spcFirstLastPara="1" wrap="square" lIns="91425" tIns="91425" rIns="91425" bIns="91425" anchor="t" anchorCtr="0">
             <a:noAutofit/>
           </a:bodyPr>
           <a:lstStyle/>
           <a:p>
-            <a:pPr indent="0" lvl="0" marL="0" rtl="0" algn="l">
-              <a:spcBef>
-                <a:spcPts val="0"/>
-              </a:spcBef>
-              <a:spcAft>
-                <a:spcPts val="0"/>
-              </a:spcAft>
-              <a:buNone/>
-            </a:pPr>
-            <a:r>
-              <a:t/>
-            </a:r>
+            <a:pPr marL="0" lvl="0" indent="0" algn="l" rtl="0">
+              <a:spcBef>
+                <a:spcPts val="0"/>
+              </a:spcBef>
+              <a:spcAft>
+                <a:spcPts val="0"/>
+              </a:spcAft>
+              <a:buNone/>
+            </a:pPr>
             <a:endParaRPr/>
           </a:p>
         </p:txBody>
@@ -910,11 +939,11 @@
 </file>
 
 <file path=ppt/notesSlides/notesSlide11.xml><?xml version="1.0" encoding="utf-8"?>
-<p:notes xmlns:a="http://schemas.openxmlformats.org/drawingml/2006/main" xmlns:r="http://schemas.openxmlformats.org/officeDocument/2006/relationships" xmlns:mc="http://schemas.openxmlformats.org/markup-compatibility/2006" xmlns:mv="urn:schemas-microsoft-com:mac:vml" xmlns:p="http://schemas.openxmlformats.org/presentationml/2006/main" xmlns:c="http://schemas.openxmlformats.org/drawingml/2006/chart" xmlns:dgm="http://schemas.openxmlformats.org/drawingml/2006/diagram" xmlns:o="urn:schemas-microsoft-com:office:office" xmlns:v="urn:schemas-microsoft-com:vml" xmlns:pvml="urn:schemas-microsoft-com:office:powerpoint" xmlns:com="http://schemas.openxmlformats.org/drawingml/2006/compatibility" xmlns:p14="http://schemas.microsoft.com/office/powerpoint/2010/main" xmlns:p15="http://schemas.microsoft.com/office/powerpoint/2012/main" xmlns:ahyp="http://schemas.microsoft.com/office/drawing/2018/hyperlinkcolor" showMasterPhAnim="0" showMasterSp="0">
+<p:notes xmlns:a="http://schemas.openxmlformats.org/drawingml/2006/main" xmlns:r="http://schemas.openxmlformats.org/officeDocument/2006/relationships" xmlns:p="http://schemas.openxmlformats.org/presentationml/2006/main" showMasterSp="0" showMasterPhAnim="0">
   <p:cSld>
     <p:spTree>
       <p:nvGrpSpPr>
-        <p:cNvPr id="111" name="Shape 111"/>
+        <p:cNvPr id="1" name="Shape 111"/>
         <p:cNvGrpSpPr/>
         <p:nvPr/>
       </p:nvGrpSpPr>
@@ -929,9 +958,11 @@
       <p:sp>
         <p:nvSpPr>
           <p:cNvPr id="112" name="Google Shape;112;ge4c4a8e2be_0_149:notes"/>
-          <p:cNvSpPr/>
+          <p:cNvSpPr>
+            <a:spLocks noGrp="1" noRot="1" noChangeAspect="1"/>
+          </p:cNvSpPr>
           <p:nvPr>
-            <p:ph idx="2" type="sldImg"/>
+            <p:ph type="sldImg" idx="2"/>
           </p:nvPr>
         </p:nvSpPr>
         <p:spPr>
@@ -940,9 +971,13 @@
             <a:ext cx="6096000" cy="3429000"/>
           </a:xfrm>
           <a:custGeom>
-            <a:rect b="b" l="l" r="r" t="t"/>
+            <a:avLst/>
+            <a:gdLst/>
+            <a:ahLst/>
+            <a:cxnLst/>
+            <a:rect l="l" t="t" r="r" b="b"/>
             <a:pathLst>
-              <a:path extrusionOk="0" h="120000" w="120000">
+              <a:path w="120000" h="120000" extrusionOk="0">
                 <a:moveTo>
                   <a:pt x="0" y="0"/>
                 </a:moveTo>
@@ -964,9 +999,11 @@
       <p:sp>
         <p:nvSpPr>
           <p:cNvPr id="113" name="Google Shape;113;ge4c4a8e2be_0_149:notes"/>
-          <p:cNvSpPr txBox="1"/>
+          <p:cNvSpPr txBox="1">
+            <a:spLocks noGrp="1"/>
+          </p:cNvSpPr>
           <p:nvPr>
-            <p:ph idx="1" type="body"/>
+            <p:ph type="body" idx="1"/>
           </p:nvPr>
         </p:nvSpPr>
         <p:spPr>
@@ -979,23 +1016,20 @@
           </a:prstGeom>
         </p:spPr>
         <p:txBody>
-          <a:bodyPr anchorCtr="0" anchor="t" bIns="91425" lIns="91425" spcFirstLastPara="1" rIns="91425" wrap="square" tIns="91425">
+          <a:bodyPr spcFirstLastPara="1" wrap="square" lIns="91425" tIns="91425" rIns="91425" bIns="91425" anchor="t" anchorCtr="0">
             <a:noAutofit/>
           </a:bodyPr>
           <a:lstStyle/>
           <a:p>
-            <a:pPr indent="0" lvl="0" marL="0" rtl="0" algn="l">
-              <a:spcBef>
-                <a:spcPts val="0"/>
-              </a:spcBef>
-              <a:spcAft>
-                <a:spcPts val="0"/>
-              </a:spcAft>
-              <a:buNone/>
-            </a:pPr>
-            <a:r>
-              <a:t/>
-            </a:r>
+            <a:pPr marL="0" lvl="0" indent="0" algn="l" rtl="0">
+              <a:spcBef>
+                <a:spcPts val="0"/>
+              </a:spcBef>
+              <a:spcAft>
+                <a:spcPts val="0"/>
+              </a:spcAft>
+              <a:buNone/>
+            </a:pPr>
             <a:endParaRPr/>
           </a:p>
         </p:txBody>
@@ -1009,11 +1043,11 @@
 </file>
 
 <file path=ppt/notesSlides/notesSlide12.xml><?xml version="1.0" encoding="utf-8"?>
-<p:notes xmlns:a="http://schemas.openxmlformats.org/drawingml/2006/main" xmlns:r="http://schemas.openxmlformats.org/officeDocument/2006/relationships" xmlns:mc="http://schemas.openxmlformats.org/markup-compatibility/2006" xmlns:mv="urn:schemas-microsoft-com:mac:vml" xmlns:p="http://schemas.openxmlformats.org/presentationml/2006/main" xmlns:c="http://schemas.openxmlformats.org/drawingml/2006/chart" xmlns:dgm="http://schemas.openxmlformats.org/drawingml/2006/diagram" xmlns:o="urn:schemas-microsoft-com:office:office" xmlns:v="urn:schemas-microsoft-com:vml" xmlns:pvml="urn:schemas-microsoft-com:office:powerpoint" xmlns:com="http://schemas.openxmlformats.org/drawingml/2006/compatibility" xmlns:p14="http://schemas.microsoft.com/office/powerpoint/2010/main" xmlns:p15="http://schemas.microsoft.com/office/powerpoint/2012/main" xmlns:ahyp="http://schemas.microsoft.com/office/drawing/2018/hyperlinkcolor" showMasterPhAnim="0" showMasterSp="0">
+<p:notes xmlns:a="http://schemas.openxmlformats.org/drawingml/2006/main" xmlns:r="http://schemas.openxmlformats.org/officeDocument/2006/relationships" xmlns:p="http://schemas.openxmlformats.org/presentationml/2006/main" showMasterSp="0" showMasterPhAnim="0">
   <p:cSld>
     <p:spTree>
       <p:nvGrpSpPr>
-        <p:cNvPr id="117" name="Shape 117"/>
+        <p:cNvPr id="1" name="Shape 117"/>
         <p:cNvGrpSpPr/>
         <p:nvPr/>
       </p:nvGrpSpPr>
@@ -1028,9 +1062,11 @@
       <p:sp>
         <p:nvSpPr>
           <p:cNvPr id="118" name="Google Shape;118;ge4c4a8e2be_0_154:notes"/>
-          <p:cNvSpPr/>
+          <p:cNvSpPr>
+            <a:spLocks noGrp="1" noRot="1" noChangeAspect="1"/>
+          </p:cNvSpPr>
           <p:nvPr>
-            <p:ph idx="2" type="sldImg"/>
+            <p:ph type="sldImg" idx="2"/>
           </p:nvPr>
         </p:nvSpPr>
         <p:spPr>
@@ -1039,9 +1075,13 @@
             <a:ext cx="6096000" cy="3429000"/>
           </a:xfrm>
           <a:custGeom>
-            <a:rect b="b" l="l" r="r" t="t"/>
+            <a:avLst/>
+            <a:gdLst/>
+            <a:ahLst/>
+            <a:cxnLst/>
+            <a:rect l="l" t="t" r="r" b="b"/>
             <a:pathLst>
-              <a:path extrusionOk="0" h="120000" w="120000">
+              <a:path w="120000" h="120000" extrusionOk="0">
                 <a:moveTo>
                   <a:pt x="0" y="0"/>
                 </a:moveTo>
@@ -1063,9 +1103,11 @@
       <p:sp>
         <p:nvSpPr>
           <p:cNvPr id="119" name="Google Shape;119;ge4c4a8e2be_0_154:notes"/>
-          <p:cNvSpPr txBox="1"/>
+          <p:cNvSpPr txBox="1">
+            <a:spLocks noGrp="1"/>
+          </p:cNvSpPr>
           <p:nvPr>
-            <p:ph idx="1" type="body"/>
+            <p:ph type="body" idx="1"/>
           </p:nvPr>
         </p:nvSpPr>
         <p:spPr>
@@ -1078,23 +1120,20 @@
           </a:prstGeom>
         </p:spPr>
         <p:txBody>
-          <a:bodyPr anchorCtr="0" anchor="t" bIns="91425" lIns="91425" spcFirstLastPara="1" rIns="91425" wrap="square" tIns="91425">
+          <a:bodyPr spcFirstLastPara="1" wrap="square" lIns="91425" tIns="91425" rIns="91425" bIns="91425" anchor="t" anchorCtr="0">
             <a:noAutofit/>
           </a:bodyPr>
           <a:lstStyle/>
           <a:p>
-            <a:pPr indent="0" lvl="0" marL="0" rtl="0" algn="l">
-              <a:spcBef>
-                <a:spcPts val="0"/>
-              </a:spcBef>
-              <a:spcAft>
-                <a:spcPts val="0"/>
-              </a:spcAft>
-              <a:buNone/>
-            </a:pPr>
-            <a:r>
-              <a:t/>
-            </a:r>
+            <a:pPr marL="0" lvl="0" indent="0" algn="l" rtl="0">
+              <a:spcBef>
+                <a:spcPts val="0"/>
+              </a:spcBef>
+              <a:spcAft>
+                <a:spcPts val="0"/>
+              </a:spcAft>
+              <a:buNone/>
+            </a:pPr>
             <a:endParaRPr/>
           </a:p>
         </p:txBody>
@@ -1108,11 +1147,11 @@
 </file>
 
 <file path=ppt/notesSlides/notesSlide2.xml><?xml version="1.0" encoding="utf-8"?>
-<p:notes xmlns:a="http://schemas.openxmlformats.org/drawingml/2006/main" xmlns:r="http://schemas.openxmlformats.org/officeDocument/2006/relationships" xmlns:mc="http://schemas.openxmlformats.org/markup-compatibility/2006" xmlns:mv="urn:schemas-microsoft-com:mac:vml" xmlns:p="http://schemas.openxmlformats.org/presentationml/2006/main" xmlns:c="http://schemas.openxmlformats.org/drawingml/2006/chart" xmlns:dgm="http://schemas.openxmlformats.org/drawingml/2006/diagram" xmlns:o="urn:schemas-microsoft-com:office:office" xmlns:v="urn:schemas-microsoft-com:vml" xmlns:pvml="urn:schemas-microsoft-com:office:powerpoint" xmlns:com="http://schemas.openxmlformats.org/drawingml/2006/compatibility" xmlns:p14="http://schemas.microsoft.com/office/powerpoint/2010/main" xmlns:p15="http://schemas.microsoft.com/office/powerpoint/2012/main" xmlns:ahyp="http://schemas.microsoft.com/office/drawing/2018/hyperlinkcolor" showMasterPhAnim="0" showMasterSp="0">
+<p:notes xmlns:a="http://schemas.openxmlformats.org/drawingml/2006/main" xmlns:r="http://schemas.openxmlformats.org/officeDocument/2006/relationships" xmlns:p="http://schemas.openxmlformats.org/presentationml/2006/main" showMasterSp="0" showMasterPhAnim="0">
   <p:cSld>
     <p:spTree>
       <p:nvGrpSpPr>
-        <p:cNvPr id="57" name="Shape 57"/>
+        <p:cNvPr id="1" name="Shape 57"/>
         <p:cNvGrpSpPr/>
         <p:nvPr/>
       </p:nvGrpSpPr>
@@ -1127,9 +1166,11 @@
       <p:sp>
         <p:nvSpPr>
           <p:cNvPr id="58" name="Google Shape;58;ge4c4a8e2be_0_3:notes"/>
-          <p:cNvSpPr/>
+          <p:cNvSpPr>
+            <a:spLocks noGrp="1" noRot="1" noChangeAspect="1"/>
+          </p:cNvSpPr>
           <p:nvPr>
-            <p:ph idx="2" type="sldImg"/>
+            <p:ph type="sldImg" idx="2"/>
           </p:nvPr>
         </p:nvSpPr>
         <p:spPr>
@@ -1138,9 +1179,13 @@
             <a:ext cx="6096000" cy="3429000"/>
           </a:xfrm>
           <a:custGeom>
-            <a:rect b="b" l="l" r="r" t="t"/>
+            <a:avLst/>
+            <a:gdLst/>
+            <a:ahLst/>
+            <a:cxnLst/>
+            <a:rect l="l" t="t" r="r" b="b"/>
             <a:pathLst>
-              <a:path extrusionOk="0" h="120000" w="120000">
+              <a:path w="120000" h="120000" extrusionOk="0">
                 <a:moveTo>
                   <a:pt x="0" y="0"/>
                 </a:moveTo>
@@ -1162,9 +1207,11 @@
       <p:sp>
         <p:nvSpPr>
           <p:cNvPr id="59" name="Google Shape;59;ge4c4a8e2be_0_3:notes"/>
-          <p:cNvSpPr txBox="1"/>
+          <p:cNvSpPr txBox="1">
+            <a:spLocks noGrp="1"/>
+          </p:cNvSpPr>
           <p:nvPr>
-            <p:ph idx="1" type="body"/>
+            <p:ph type="body" idx="1"/>
           </p:nvPr>
         </p:nvSpPr>
         <p:spPr>
@@ -1177,23 +1224,20 @@
           </a:prstGeom>
         </p:spPr>
         <p:txBody>
-          <a:bodyPr anchorCtr="0" anchor="t" bIns="91425" lIns="91425" spcFirstLastPara="1" rIns="91425" wrap="square" tIns="91425">
+          <a:bodyPr spcFirstLastPara="1" wrap="square" lIns="91425" tIns="91425" rIns="91425" bIns="91425" anchor="t" anchorCtr="0">
             <a:noAutofit/>
           </a:bodyPr>
           <a:lstStyle/>
           <a:p>
-            <a:pPr indent="0" lvl="0" marL="0" rtl="0" algn="l">
-              <a:spcBef>
-                <a:spcPts val="0"/>
-              </a:spcBef>
-              <a:spcAft>
-                <a:spcPts val="0"/>
-              </a:spcAft>
-              <a:buNone/>
-            </a:pPr>
-            <a:r>
-              <a:t/>
-            </a:r>
+            <a:pPr marL="0" lvl="0" indent="0" algn="l" rtl="0">
+              <a:spcBef>
+                <a:spcPts val="0"/>
+              </a:spcBef>
+              <a:spcAft>
+                <a:spcPts val="0"/>
+              </a:spcAft>
+              <a:buNone/>
+            </a:pPr>
             <a:endParaRPr/>
           </a:p>
         </p:txBody>
@@ -1207,11 +1251,11 @@
 </file>
 
 <file path=ppt/notesSlides/notesSlide3.xml><?xml version="1.0" encoding="utf-8"?>
-<p:notes xmlns:a="http://schemas.openxmlformats.org/drawingml/2006/main" xmlns:r="http://schemas.openxmlformats.org/officeDocument/2006/relationships" xmlns:mc="http://schemas.openxmlformats.org/markup-compatibility/2006" xmlns:mv="urn:schemas-microsoft-com:mac:vml" xmlns:p="http://schemas.openxmlformats.org/presentationml/2006/main" xmlns:c="http://schemas.openxmlformats.org/drawingml/2006/chart" xmlns:dgm="http://schemas.openxmlformats.org/drawingml/2006/diagram" xmlns:o="urn:schemas-microsoft-com:office:office" xmlns:v="urn:schemas-microsoft-com:vml" xmlns:pvml="urn:schemas-microsoft-com:office:powerpoint" xmlns:com="http://schemas.openxmlformats.org/drawingml/2006/compatibility" xmlns:p14="http://schemas.microsoft.com/office/powerpoint/2010/main" xmlns:p15="http://schemas.microsoft.com/office/powerpoint/2012/main" xmlns:ahyp="http://schemas.microsoft.com/office/drawing/2018/hyperlinkcolor" showMasterPhAnim="0" showMasterSp="0">
+<p:notes xmlns:a="http://schemas.openxmlformats.org/drawingml/2006/main" xmlns:r="http://schemas.openxmlformats.org/officeDocument/2006/relationships" xmlns:p="http://schemas.openxmlformats.org/presentationml/2006/main" showMasterSp="0" showMasterPhAnim="0">
   <p:cSld>
     <p:spTree>
       <p:nvGrpSpPr>
-        <p:cNvPr id="63" name="Shape 63"/>
+        <p:cNvPr id="1" name="Shape 63"/>
         <p:cNvGrpSpPr/>
         <p:nvPr/>
       </p:nvGrpSpPr>
@@ -1226,9 +1270,11 @@
       <p:sp>
         <p:nvSpPr>
           <p:cNvPr id="64" name="Google Shape;64;ge4c4a8e2be_0_109:notes"/>
-          <p:cNvSpPr/>
+          <p:cNvSpPr>
+            <a:spLocks noGrp="1" noRot="1" noChangeAspect="1"/>
+          </p:cNvSpPr>
           <p:nvPr>
-            <p:ph idx="2" type="sldImg"/>
+            <p:ph type="sldImg" idx="2"/>
           </p:nvPr>
         </p:nvSpPr>
         <p:spPr>
@@ -1237,9 +1283,13 @@
             <a:ext cx="6096000" cy="3429000"/>
           </a:xfrm>
           <a:custGeom>
-            <a:rect b="b" l="l" r="r" t="t"/>
+            <a:avLst/>
+            <a:gdLst/>
+            <a:ahLst/>
+            <a:cxnLst/>
+            <a:rect l="l" t="t" r="r" b="b"/>
             <a:pathLst>
-              <a:path extrusionOk="0" h="120000" w="120000">
+              <a:path w="120000" h="120000" extrusionOk="0">
                 <a:moveTo>
                   <a:pt x="0" y="0"/>
                 </a:moveTo>
@@ -1261,9 +1311,11 @@
       <p:sp>
         <p:nvSpPr>
           <p:cNvPr id="65" name="Google Shape;65;ge4c4a8e2be_0_109:notes"/>
-          <p:cNvSpPr txBox="1"/>
+          <p:cNvSpPr txBox="1">
+            <a:spLocks noGrp="1"/>
+          </p:cNvSpPr>
           <p:nvPr>
-            <p:ph idx="1" type="body"/>
+            <p:ph type="body" idx="1"/>
           </p:nvPr>
         </p:nvSpPr>
         <p:spPr>
@@ -1276,23 +1328,20 @@
           </a:prstGeom>
         </p:spPr>
         <p:txBody>
-          <a:bodyPr anchorCtr="0" anchor="t" bIns="91425" lIns="91425" spcFirstLastPara="1" rIns="91425" wrap="square" tIns="91425">
+          <a:bodyPr spcFirstLastPara="1" wrap="square" lIns="91425" tIns="91425" rIns="91425" bIns="91425" anchor="t" anchorCtr="0">
             <a:noAutofit/>
           </a:bodyPr>
           <a:lstStyle/>
           <a:p>
-            <a:pPr indent="0" lvl="0" marL="0" rtl="0" algn="l">
-              <a:spcBef>
-                <a:spcPts val="0"/>
-              </a:spcBef>
-              <a:spcAft>
-                <a:spcPts val="0"/>
-              </a:spcAft>
-              <a:buNone/>
-            </a:pPr>
-            <a:r>
-              <a:t/>
-            </a:r>
+            <a:pPr marL="0" lvl="0" indent="0" algn="l" rtl="0">
+              <a:spcBef>
+                <a:spcPts val="0"/>
+              </a:spcBef>
+              <a:spcAft>
+                <a:spcPts val="0"/>
+              </a:spcAft>
+              <a:buNone/>
+            </a:pPr>
             <a:endParaRPr/>
           </a:p>
         </p:txBody>
@@ -1306,11 +1355,11 @@
 </file>
 
 <file path=ppt/notesSlides/notesSlide4.xml><?xml version="1.0" encoding="utf-8"?>
-<p:notes xmlns:a="http://schemas.openxmlformats.org/drawingml/2006/main" xmlns:r="http://schemas.openxmlformats.org/officeDocument/2006/relationships" xmlns:mc="http://schemas.openxmlformats.org/markup-compatibility/2006" xmlns:mv="urn:schemas-microsoft-com:mac:vml" xmlns:p="http://schemas.openxmlformats.org/presentationml/2006/main" xmlns:c="http://schemas.openxmlformats.org/drawingml/2006/chart" xmlns:dgm="http://schemas.openxmlformats.org/drawingml/2006/diagram" xmlns:o="urn:schemas-microsoft-com:office:office" xmlns:v="urn:schemas-microsoft-com:vml" xmlns:pvml="urn:schemas-microsoft-com:office:powerpoint" xmlns:com="http://schemas.openxmlformats.org/drawingml/2006/compatibility" xmlns:p14="http://schemas.microsoft.com/office/powerpoint/2010/main" xmlns:p15="http://schemas.microsoft.com/office/powerpoint/2012/main" xmlns:ahyp="http://schemas.microsoft.com/office/drawing/2018/hyperlinkcolor" showMasterPhAnim="0" showMasterSp="0">
+<p:notes xmlns:a="http://schemas.openxmlformats.org/drawingml/2006/main" xmlns:r="http://schemas.openxmlformats.org/officeDocument/2006/relationships" xmlns:p="http://schemas.openxmlformats.org/presentationml/2006/main" showMasterSp="0" showMasterPhAnim="0">
   <p:cSld>
     <p:spTree>
       <p:nvGrpSpPr>
-        <p:cNvPr id="69" name="Shape 69"/>
+        <p:cNvPr id="1" name="Shape 69"/>
         <p:cNvGrpSpPr/>
         <p:nvPr/>
       </p:nvGrpSpPr>
@@ -1325,9 +1374,11 @@
       <p:sp>
         <p:nvSpPr>
           <p:cNvPr id="70" name="Google Shape;70;ge4c4a8e2be_0_114:notes"/>
-          <p:cNvSpPr/>
+          <p:cNvSpPr>
+            <a:spLocks noGrp="1" noRot="1" noChangeAspect="1"/>
+          </p:cNvSpPr>
           <p:nvPr>
-            <p:ph idx="2" type="sldImg"/>
+            <p:ph type="sldImg" idx="2"/>
           </p:nvPr>
         </p:nvSpPr>
         <p:spPr>
@@ -1336,9 +1387,13 @@
             <a:ext cx="6096000" cy="3429000"/>
           </a:xfrm>
           <a:custGeom>
-            <a:rect b="b" l="l" r="r" t="t"/>
+            <a:avLst/>
+            <a:gdLst/>
+            <a:ahLst/>
+            <a:cxnLst/>
+            <a:rect l="l" t="t" r="r" b="b"/>
             <a:pathLst>
-              <a:path extrusionOk="0" h="120000" w="120000">
+              <a:path w="120000" h="120000" extrusionOk="0">
                 <a:moveTo>
                   <a:pt x="0" y="0"/>
                 </a:moveTo>
@@ -1360,9 +1415,11 @@
       <p:sp>
         <p:nvSpPr>
           <p:cNvPr id="71" name="Google Shape;71;ge4c4a8e2be_0_114:notes"/>
-          <p:cNvSpPr txBox="1"/>
+          <p:cNvSpPr txBox="1">
+            <a:spLocks noGrp="1"/>
+          </p:cNvSpPr>
           <p:nvPr>
-            <p:ph idx="1" type="body"/>
+            <p:ph type="body" idx="1"/>
           </p:nvPr>
         </p:nvSpPr>
         <p:spPr>
@@ -1375,23 +1432,20 @@
           </a:prstGeom>
         </p:spPr>
         <p:txBody>
-          <a:bodyPr anchorCtr="0" anchor="t" bIns="91425" lIns="91425" spcFirstLastPara="1" rIns="91425" wrap="square" tIns="91425">
+          <a:bodyPr spcFirstLastPara="1" wrap="square" lIns="91425" tIns="91425" rIns="91425" bIns="91425" anchor="t" anchorCtr="0">
             <a:noAutofit/>
           </a:bodyPr>
           <a:lstStyle/>
           <a:p>
-            <a:pPr indent="0" lvl="0" marL="0" rtl="0" algn="l">
-              <a:spcBef>
-                <a:spcPts val="0"/>
-              </a:spcBef>
-              <a:spcAft>
-                <a:spcPts val="0"/>
-              </a:spcAft>
-              <a:buNone/>
-            </a:pPr>
-            <a:r>
-              <a:t/>
-            </a:r>
+            <a:pPr marL="0" lvl="0" indent="0" algn="l" rtl="0">
+              <a:spcBef>
+                <a:spcPts val="0"/>
+              </a:spcBef>
+              <a:spcAft>
+                <a:spcPts val="0"/>
+              </a:spcAft>
+              <a:buNone/>
+            </a:pPr>
             <a:endParaRPr/>
           </a:p>
         </p:txBody>
@@ -1405,11 +1459,11 @@
 </file>
 
 <file path=ppt/notesSlides/notesSlide5.xml><?xml version="1.0" encoding="utf-8"?>
-<p:notes xmlns:a="http://schemas.openxmlformats.org/drawingml/2006/main" xmlns:r="http://schemas.openxmlformats.org/officeDocument/2006/relationships" xmlns:mc="http://schemas.openxmlformats.org/markup-compatibility/2006" xmlns:mv="urn:schemas-microsoft-com:mac:vml" xmlns:p="http://schemas.openxmlformats.org/presentationml/2006/main" xmlns:c="http://schemas.openxmlformats.org/drawingml/2006/chart" xmlns:dgm="http://schemas.openxmlformats.org/drawingml/2006/diagram" xmlns:o="urn:schemas-microsoft-com:office:office" xmlns:v="urn:schemas-microsoft-com:vml" xmlns:pvml="urn:schemas-microsoft-com:office:powerpoint" xmlns:com="http://schemas.openxmlformats.org/drawingml/2006/compatibility" xmlns:p14="http://schemas.microsoft.com/office/powerpoint/2010/main" xmlns:p15="http://schemas.microsoft.com/office/powerpoint/2012/main" xmlns:ahyp="http://schemas.microsoft.com/office/drawing/2018/hyperlinkcolor" showMasterPhAnim="0" showMasterSp="0">
+<p:notes xmlns:a="http://schemas.openxmlformats.org/drawingml/2006/main" xmlns:r="http://schemas.openxmlformats.org/officeDocument/2006/relationships" xmlns:p="http://schemas.openxmlformats.org/presentationml/2006/main" showMasterSp="0" showMasterPhAnim="0">
   <p:cSld>
     <p:spTree>
       <p:nvGrpSpPr>
-        <p:cNvPr id="75" name="Shape 75"/>
+        <p:cNvPr id="1" name="Shape 75"/>
         <p:cNvGrpSpPr/>
         <p:nvPr/>
       </p:nvGrpSpPr>
@@ -1424,9 +1478,11 @@
       <p:sp>
         <p:nvSpPr>
           <p:cNvPr id="76" name="Google Shape;76;ge4c4a8e2be_0_119:notes"/>
-          <p:cNvSpPr/>
+          <p:cNvSpPr>
+            <a:spLocks noGrp="1" noRot="1" noChangeAspect="1"/>
+          </p:cNvSpPr>
           <p:nvPr>
-            <p:ph idx="2" type="sldImg"/>
+            <p:ph type="sldImg" idx="2"/>
           </p:nvPr>
         </p:nvSpPr>
         <p:spPr>
@@ -1435,9 +1491,13 @@
             <a:ext cx="6096000" cy="3429000"/>
           </a:xfrm>
           <a:custGeom>
-            <a:rect b="b" l="l" r="r" t="t"/>
+            <a:avLst/>
+            <a:gdLst/>
+            <a:ahLst/>
+            <a:cxnLst/>
+            <a:rect l="l" t="t" r="r" b="b"/>
             <a:pathLst>
-              <a:path extrusionOk="0" h="120000" w="120000">
+              <a:path w="120000" h="120000" extrusionOk="0">
                 <a:moveTo>
                   <a:pt x="0" y="0"/>
                 </a:moveTo>
@@ -1459,9 +1519,11 @@
       <p:sp>
         <p:nvSpPr>
           <p:cNvPr id="77" name="Google Shape;77;ge4c4a8e2be_0_119:notes"/>
-          <p:cNvSpPr txBox="1"/>
+          <p:cNvSpPr txBox="1">
+            <a:spLocks noGrp="1"/>
+          </p:cNvSpPr>
           <p:nvPr>
-            <p:ph idx="1" type="body"/>
+            <p:ph type="body" idx="1"/>
           </p:nvPr>
         </p:nvSpPr>
         <p:spPr>
@@ -1474,23 +1536,20 @@
           </a:prstGeom>
         </p:spPr>
         <p:txBody>
-          <a:bodyPr anchorCtr="0" anchor="t" bIns="91425" lIns="91425" spcFirstLastPara="1" rIns="91425" wrap="square" tIns="91425">
+          <a:bodyPr spcFirstLastPara="1" wrap="square" lIns="91425" tIns="91425" rIns="91425" bIns="91425" anchor="t" anchorCtr="0">
             <a:noAutofit/>
           </a:bodyPr>
           <a:lstStyle/>
           <a:p>
-            <a:pPr indent="0" lvl="0" marL="0" rtl="0" algn="l">
-              <a:spcBef>
-                <a:spcPts val="0"/>
-              </a:spcBef>
-              <a:spcAft>
-                <a:spcPts val="0"/>
-              </a:spcAft>
-              <a:buNone/>
-            </a:pPr>
-            <a:r>
-              <a:t/>
-            </a:r>
+            <a:pPr marL="0" lvl="0" indent="0" algn="l" rtl="0">
+              <a:spcBef>
+                <a:spcPts val="0"/>
+              </a:spcBef>
+              <a:spcAft>
+                <a:spcPts val="0"/>
+              </a:spcAft>
+              <a:buNone/>
+            </a:pPr>
             <a:endParaRPr/>
           </a:p>
         </p:txBody>
@@ -1504,11 +1563,11 @@
 </file>
 
 <file path=ppt/notesSlides/notesSlide6.xml><?xml version="1.0" encoding="utf-8"?>
-<p:notes xmlns:a="http://schemas.openxmlformats.org/drawingml/2006/main" xmlns:r="http://schemas.openxmlformats.org/officeDocument/2006/relationships" xmlns:mc="http://schemas.openxmlformats.org/markup-compatibility/2006" xmlns:mv="urn:schemas-microsoft-com:mac:vml" xmlns:p="http://schemas.openxmlformats.org/presentationml/2006/main" xmlns:c="http://schemas.openxmlformats.org/drawingml/2006/chart" xmlns:dgm="http://schemas.openxmlformats.org/drawingml/2006/diagram" xmlns:o="urn:schemas-microsoft-com:office:office" xmlns:v="urn:schemas-microsoft-com:vml" xmlns:pvml="urn:schemas-microsoft-com:office:powerpoint" xmlns:com="http://schemas.openxmlformats.org/drawingml/2006/compatibility" xmlns:p14="http://schemas.microsoft.com/office/powerpoint/2010/main" xmlns:p15="http://schemas.microsoft.com/office/powerpoint/2012/main" xmlns:ahyp="http://schemas.microsoft.com/office/drawing/2018/hyperlinkcolor" showMasterPhAnim="0" showMasterSp="0">
+<p:notes xmlns:a="http://schemas.openxmlformats.org/drawingml/2006/main" xmlns:r="http://schemas.openxmlformats.org/officeDocument/2006/relationships" xmlns:p="http://schemas.openxmlformats.org/presentationml/2006/main" showMasterSp="0" showMasterPhAnim="0">
   <p:cSld>
     <p:spTree>
       <p:nvGrpSpPr>
-        <p:cNvPr id="81" name="Shape 81"/>
+        <p:cNvPr id="1" name="Shape 81"/>
         <p:cNvGrpSpPr/>
         <p:nvPr/>
       </p:nvGrpSpPr>
@@ -1523,20 +1582,26 @@
       <p:sp>
         <p:nvSpPr>
           <p:cNvPr id="82" name="Google Shape;82;ge4c4a8e2be_0_124:notes"/>
-          <p:cNvSpPr/>
+          <p:cNvSpPr>
+            <a:spLocks noGrp="1" noRot="1" noChangeAspect="1"/>
+          </p:cNvSpPr>
           <p:nvPr>
-            <p:ph idx="2" type="sldImg"/>
+            <p:ph type="sldImg" idx="2"/>
           </p:nvPr>
         </p:nvSpPr>
         <p:spPr>
           <a:xfrm>
-            <a:off x="381300" y="685800"/>
+            <a:off x="381000" y="685800"/>
             <a:ext cx="6096000" cy="3429000"/>
           </a:xfrm>
           <a:custGeom>
-            <a:rect b="b" l="l" r="r" t="t"/>
+            <a:avLst/>
+            <a:gdLst/>
+            <a:ahLst/>
+            <a:cxnLst/>
+            <a:rect l="l" t="t" r="r" b="b"/>
             <a:pathLst>
-              <a:path extrusionOk="0" h="120000" w="120000">
+              <a:path w="120000" h="120000" extrusionOk="0">
                 <a:moveTo>
                   <a:pt x="0" y="0"/>
                 </a:moveTo>
@@ -1558,9 +1623,11 @@
       <p:sp>
         <p:nvSpPr>
           <p:cNvPr id="83" name="Google Shape;83;ge4c4a8e2be_0_124:notes"/>
-          <p:cNvSpPr txBox="1"/>
+          <p:cNvSpPr txBox="1">
+            <a:spLocks noGrp="1"/>
+          </p:cNvSpPr>
           <p:nvPr>
-            <p:ph idx="1" type="body"/>
+            <p:ph type="body" idx="1"/>
           </p:nvPr>
         </p:nvSpPr>
         <p:spPr>
@@ -1573,23 +1640,20 @@
           </a:prstGeom>
         </p:spPr>
         <p:txBody>
-          <a:bodyPr anchorCtr="0" anchor="t" bIns="91425" lIns="91425" spcFirstLastPara="1" rIns="91425" wrap="square" tIns="91425">
+          <a:bodyPr spcFirstLastPara="1" wrap="square" lIns="91425" tIns="91425" rIns="91425" bIns="91425" anchor="t" anchorCtr="0">
             <a:noAutofit/>
           </a:bodyPr>
           <a:lstStyle/>
           <a:p>
-            <a:pPr indent="0" lvl="0" marL="0" rtl="0" algn="l">
-              <a:spcBef>
-                <a:spcPts val="0"/>
-              </a:spcBef>
-              <a:spcAft>
-                <a:spcPts val="0"/>
-              </a:spcAft>
-              <a:buNone/>
-            </a:pPr>
-            <a:r>
-              <a:t/>
-            </a:r>
+            <a:pPr marL="0" lvl="0" indent="0" algn="l" rtl="0">
+              <a:spcBef>
+                <a:spcPts val="0"/>
+              </a:spcBef>
+              <a:spcAft>
+                <a:spcPts val="0"/>
+              </a:spcAft>
+              <a:buNone/>
+            </a:pPr>
             <a:endParaRPr/>
           </a:p>
         </p:txBody>
@@ -1603,11 +1667,11 @@
 </file>
 
 <file path=ppt/notesSlides/notesSlide7.xml><?xml version="1.0" encoding="utf-8"?>
-<p:notes xmlns:a="http://schemas.openxmlformats.org/drawingml/2006/main" xmlns:r="http://schemas.openxmlformats.org/officeDocument/2006/relationships" xmlns:mc="http://schemas.openxmlformats.org/markup-compatibility/2006" xmlns:mv="urn:schemas-microsoft-com:mac:vml" xmlns:p="http://schemas.openxmlformats.org/presentationml/2006/main" xmlns:c="http://schemas.openxmlformats.org/drawingml/2006/chart" xmlns:dgm="http://schemas.openxmlformats.org/drawingml/2006/diagram" xmlns:o="urn:schemas-microsoft-com:office:office" xmlns:v="urn:schemas-microsoft-com:vml" xmlns:pvml="urn:schemas-microsoft-com:office:powerpoint" xmlns:com="http://schemas.openxmlformats.org/drawingml/2006/compatibility" xmlns:p14="http://schemas.microsoft.com/office/powerpoint/2010/main" xmlns:p15="http://schemas.microsoft.com/office/powerpoint/2012/main" xmlns:ahyp="http://schemas.microsoft.com/office/drawing/2018/hyperlinkcolor" showMasterPhAnim="0" showMasterSp="0">
+<p:notes xmlns:a="http://schemas.openxmlformats.org/drawingml/2006/main" xmlns:r="http://schemas.openxmlformats.org/officeDocument/2006/relationships" xmlns:p="http://schemas.openxmlformats.org/presentationml/2006/main" showMasterSp="0" showMasterPhAnim="0">
   <p:cSld>
     <p:spTree>
       <p:nvGrpSpPr>
-        <p:cNvPr id="87" name="Shape 87"/>
+        <p:cNvPr id="1" name="Shape 87"/>
         <p:cNvGrpSpPr/>
         <p:nvPr/>
       </p:nvGrpSpPr>
@@ -1622,9 +1686,11 @@
       <p:sp>
         <p:nvSpPr>
           <p:cNvPr id="88" name="Google Shape;88;ge4c4a8e2be_0_129:notes"/>
-          <p:cNvSpPr/>
+          <p:cNvSpPr>
+            <a:spLocks noGrp="1" noRot="1" noChangeAspect="1"/>
+          </p:cNvSpPr>
           <p:nvPr>
-            <p:ph idx="2" type="sldImg"/>
+            <p:ph type="sldImg" idx="2"/>
           </p:nvPr>
         </p:nvSpPr>
         <p:spPr>
@@ -1633,9 +1699,13 @@
             <a:ext cx="6096000" cy="3429000"/>
           </a:xfrm>
           <a:custGeom>
-            <a:rect b="b" l="l" r="r" t="t"/>
+            <a:avLst/>
+            <a:gdLst/>
+            <a:ahLst/>
+            <a:cxnLst/>
+            <a:rect l="l" t="t" r="r" b="b"/>
             <a:pathLst>
-              <a:path extrusionOk="0" h="120000" w="120000">
+              <a:path w="120000" h="120000" extrusionOk="0">
                 <a:moveTo>
                   <a:pt x="0" y="0"/>
                 </a:moveTo>
@@ -1657,9 +1727,11 @@
       <p:sp>
         <p:nvSpPr>
           <p:cNvPr id="89" name="Google Shape;89;ge4c4a8e2be_0_129:notes"/>
-          <p:cNvSpPr txBox="1"/>
+          <p:cNvSpPr txBox="1">
+            <a:spLocks noGrp="1"/>
+          </p:cNvSpPr>
           <p:nvPr>
-            <p:ph idx="1" type="body"/>
+            <p:ph type="body" idx="1"/>
           </p:nvPr>
         </p:nvSpPr>
         <p:spPr>
@@ -1672,23 +1744,20 @@
           </a:prstGeom>
         </p:spPr>
         <p:txBody>
-          <a:bodyPr anchorCtr="0" anchor="t" bIns="91425" lIns="91425" spcFirstLastPara="1" rIns="91425" wrap="square" tIns="91425">
+          <a:bodyPr spcFirstLastPara="1" wrap="square" lIns="91425" tIns="91425" rIns="91425" bIns="91425" anchor="t" anchorCtr="0">
             <a:noAutofit/>
           </a:bodyPr>
           <a:lstStyle/>
           <a:p>
-            <a:pPr indent="0" lvl="0" marL="0" rtl="0" algn="l">
-              <a:spcBef>
-                <a:spcPts val="0"/>
-              </a:spcBef>
-              <a:spcAft>
-                <a:spcPts val="0"/>
-              </a:spcAft>
-              <a:buNone/>
-            </a:pPr>
-            <a:r>
-              <a:t/>
-            </a:r>
+            <a:pPr marL="0" lvl="0" indent="0" algn="l" rtl="0">
+              <a:spcBef>
+                <a:spcPts val="0"/>
+              </a:spcBef>
+              <a:spcAft>
+                <a:spcPts val="0"/>
+              </a:spcAft>
+              <a:buNone/>
+            </a:pPr>
             <a:endParaRPr/>
           </a:p>
         </p:txBody>
@@ -1702,11 +1771,11 @@
 </file>
 
 <file path=ppt/notesSlides/notesSlide8.xml><?xml version="1.0" encoding="utf-8"?>
-<p:notes xmlns:a="http://schemas.openxmlformats.org/drawingml/2006/main" xmlns:r="http://schemas.openxmlformats.org/officeDocument/2006/relationships" xmlns:mc="http://schemas.openxmlformats.org/markup-compatibility/2006" xmlns:mv="urn:schemas-microsoft-com:mac:vml" xmlns:p="http://schemas.openxmlformats.org/presentationml/2006/main" xmlns:c="http://schemas.openxmlformats.org/drawingml/2006/chart" xmlns:dgm="http://schemas.openxmlformats.org/drawingml/2006/diagram" xmlns:o="urn:schemas-microsoft-com:office:office" xmlns:v="urn:schemas-microsoft-com:vml" xmlns:pvml="urn:schemas-microsoft-com:office:powerpoint" xmlns:com="http://schemas.openxmlformats.org/drawingml/2006/compatibility" xmlns:p14="http://schemas.microsoft.com/office/powerpoint/2010/main" xmlns:p15="http://schemas.microsoft.com/office/powerpoint/2012/main" xmlns:ahyp="http://schemas.microsoft.com/office/drawing/2018/hyperlinkcolor" showMasterPhAnim="0" showMasterSp="0">
+<p:notes xmlns:a="http://schemas.openxmlformats.org/drawingml/2006/main" xmlns:r="http://schemas.openxmlformats.org/officeDocument/2006/relationships" xmlns:p="http://schemas.openxmlformats.org/presentationml/2006/main" showMasterSp="0" showMasterPhAnim="0">
   <p:cSld>
     <p:spTree>
       <p:nvGrpSpPr>
-        <p:cNvPr id="93" name="Shape 93"/>
+        <p:cNvPr id="1" name="Shape 93"/>
         <p:cNvGrpSpPr/>
         <p:nvPr/>
       </p:nvGrpSpPr>
@@ -1721,20 +1790,26 @@
       <p:sp>
         <p:nvSpPr>
           <p:cNvPr id="94" name="Google Shape;94;ge4c4a8e2be_0_134:notes"/>
-          <p:cNvSpPr/>
+          <p:cNvSpPr>
+            <a:spLocks noGrp="1" noRot="1" noChangeAspect="1"/>
+          </p:cNvSpPr>
           <p:nvPr>
-            <p:ph idx="2" type="sldImg"/>
+            <p:ph type="sldImg" idx="2"/>
           </p:nvPr>
         </p:nvSpPr>
         <p:spPr>
           <a:xfrm>
-            <a:off x="381300" y="685800"/>
+            <a:off x="381000" y="685800"/>
             <a:ext cx="6096000" cy="3429000"/>
           </a:xfrm>
           <a:custGeom>
-            <a:rect b="b" l="l" r="r" t="t"/>
+            <a:avLst/>
+            <a:gdLst/>
+            <a:ahLst/>
+            <a:cxnLst/>
+            <a:rect l="l" t="t" r="r" b="b"/>
             <a:pathLst>
-              <a:path extrusionOk="0" h="120000" w="120000">
+              <a:path w="120000" h="120000" extrusionOk="0">
                 <a:moveTo>
                   <a:pt x="0" y="0"/>
                 </a:moveTo>
@@ -1756,9 +1831,11 @@
       <p:sp>
         <p:nvSpPr>
           <p:cNvPr id="95" name="Google Shape;95;ge4c4a8e2be_0_134:notes"/>
-          <p:cNvSpPr txBox="1"/>
+          <p:cNvSpPr txBox="1">
+            <a:spLocks noGrp="1"/>
+          </p:cNvSpPr>
           <p:nvPr>
-            <p:ph idx="1" type="body"/>
+            <p:ph type="body" idx="1"/>
           </p:nvPr>
         </p:nvSpPr>
         <p:spPr>
@@ -1771,23 +1848,20 @@
           </a:prstGeom>
         </p:spPr>
         <p:txBody>
-          <a:bodyPr anchorCtr="0" anchor="t" bIns="91425" lIns="91425" spcFirstLastPara="1" rIns="91425" wrap="square" tIns="91425">
+          <a:bodyPr spcFirstLastPara="1" wrap="square" lIns="91425" tIns="91425" rIns="91425" bIns="91425" anchor="t" anchorCtr="0">
             <a:noAutofit/>
           </a:bodyPr>
           <a:lstStyle/>
           <a:p>
-            <a:pPr indent="0" lvl="0" marL="0" rtl="0" algn="l">
-              <a:spcBef>
-                <a:spcPts val="0"/>
-              </a:spcBef>
-              <a:spcAft>
-                <a:spcPts val="0"/>
-              </a:spcAft>
-              <a:buNone/>
-            </a:pPr>
-            <a:r>
-              <a:t/>
-            </a:r>
+            <a:pPr marL="0" lvl="0" indent="0" algn="l" rtl="0">
+              <a:spcBef>
+                <a:spcPts val="0"/>
+              </a:spcBef>
+              <a:spcAft>
+                <a:spcPts val="0"/>
+              </a:spcAft>
+              <a:buNone/>
+            </a:pPr>
             <a:endParaRPr/>
           </a:p>
         </p:txBody>
@@ -1801,11 +1875,11 @@
 </file>
 
 <file path=ppt/notesSlides/notesSlide9.xml><?xml version="1.0" encoding="utf-8"?>
-<p:notes xmlns:a="http://schemas.openxmlformats.org/drawingml/2006/main" xmlns:r="http://schemas.openxmlformats.org/officeDocument/2006/relationships" xmlns:mc="http://schemas.openxmlformats.org/markup-compatibility/2006" xmlns:mv="urn:schemas-microsoft-com:mac:vml" xmlns:p="http://schemas.openxmlformats.org/presentationml/2006/main" xmlns:c="http://schemas.openxmlformats.org/drawingml/2006/chart" xmlns:dgm="http://schemas.openxmlformats.org/drawingml/2006/diagram" xmlns:o="urn:schemas-microsoft-com:office:office" xmlns:v="urn:schemas-microsoft-com:vml" xmlns:pvml="urn:schemas-microsoft-com:office:powerpoint" xmlns:com="http://schemas.openxmlformats.org/drawingml/2006/compatibility" xmlns:p14="http://schemas.microsoft.com/office/powerpoint/2010/main" xmlns:p15="http://schemas.microsoft.com/office/powerpoint/2012/main" xmlns:ahyp="http://schemas.microsoft.com/office/drawing/2018/hyperlinkcolor" showMasterPhAnim="0" showMasterSp="0">
+<p:notes xmlns:a="http://schemas.openxmlformats.org/drawingml/2006/main" xmlns:r="http://schemas.openxmlformats.org/officeDocument/2006/relationships" xmlns:p="http://schemas.openxmlformats.org/presentationml/2006/main" showMasterSp="0" showMasterPhAnim="0">
   <p:cSld>
     <p:spTree>
       <p:nvGrpSpPr>
-        <p:cNvPr id="99" name="Shape 99"/>
+        <p:cNvPr id="1" name="Shape 99"/>
         <p:cNvGrpSpPr/>
         <p:nvPr/>
       </p:nvGrpSpPr>
@@ -1820,9 +1894,11 @@
       <p:sp>
         <p:nvSpPr>
           <p:cNvPr id="100" name="Google Shape;100;ge4c4a8e2be_0_139:notes"/>
-          <p:cNvSpPr/>
+          <p:cNvSpPr>
+            <a:spLocks noGrp="1" noRot="1" noChangeAspect="1"/>
+          </p:cNvSpPr>
           <p:nvPr>
-            <p:ph idx="2" type="sldImg"/>
+            <p:ph type="sldImg" idx="2"/>
           </p:nvPr>
         </p:nvSpPr>
         <p:spPr>
@@ -1831,9 +1907,13 @@
             <a:ext cx="6096000" cy="3429000"/>
           </a:xfrm>
           <a:custGeom>
-            <a:rect b="b" l="l" r="r" t="t"/>
+            <a:avLst/>
+            <a:gdLst/>
+            <a:ahLst/>
+            <a:cxnLst/>
+            <a:rect l="l" t="t" r="r" b="b"/>
             <a:pathLst>
-              <a:path extrusionOk="0" h="120000" w="120000">
+              <a:path w="120000" h="120000" extrusionOk="0">
                 <a:moveTo>
                   <a:pt x="0" y="0"/>
                 </a:moveTo>
@@ -1855,9 +1935,11 @@
       <p:sp>
         <p:nvSpPr>
           <p:cNvPr id="101" name="Google Shape;101;ge4c4a8e2be_0_139:notes"/>
-          <p:cNvSpPr txBox="1"/>
+          <p:cNvSpPr txBox="1">
+            <a:spLocks noGrp="1"/>
+          </p:cNvSpPr>
           <p:nvPr>
-            <p:ph idx="1" type="body"/>
+            <p:ph type="body" idx="1"/>
           </p:nvPr>
         </p:nvSpPr>
         <p:spPr>
@@ -1870,23 +1952,20 @@
           </a:prstGeom>
         </p:spPr>
         <p:txBody>
-          <a:bodyPr anchorCtr="0" anchor="t" bIns="91425" lIns="91425" spcFirstLastPara="1" rIns="91425" wrap="square" tIns="91425">
+          <a:bodyPr spcFirstLastPara="1" wrap="square" lIns="91425" tIns="91425" rIns="91425" bIns="91425" anchor="t" anchorCtr="0">
             <a:noAutofit/>
           </a:bodyPr>
           <a:lstStyle/>
           <a:p>
-            <a:pPr indent="0" lvl="0" marL="0" rtl="0" algn="l">
-              <a:spcBef>
-                <a:spcPts val="0"/>
-              </a:spcBef>
-              <a:spcAft>
-                <a:spcPts val="0"/>
-              </a:spcAft>
-              <a:buNone/>
-            </a:pPr>
-            <a:r>
-              <a:t/>
-            </a:r>
+            <a:pPr marL="0" lvl="0" indent="0" algn="l" rtl="0">
+              <a:spcBef>
+                <a:spcPts val="0"/>
+              </a:spcBef>
+              <a:spcAft>
+                <a:spcPts val="0"/>
+              </a:spcAft>
+              <a:buNone/>
+            </a:pPr>
             <a:endParaRPr/>
           </a:p>
         </p:txBody>
@@ -1900,11 +1979,11 @@
 </file>
 
 <file path=ppt/slideLayouts/slideLayout1.xml><?xml version="1.0" encoding="utf-8"?>
-<p:sldLayout xmlns:a="http://schemas.openxmlformats.org/drawingml/2006/main" xmlns:r="http://schemas.openxmlformats.org/officeDocument/2006/relationships" xmlns:mc="http://schemas.openxmlformats.org/markup-compatibility/2006" xmlns:mv="urn:schemas-microsoft-com:mac:vml" xmlns:p="http://schemas.openxmlformats.org/presentationml/2006/main" xmlns:c="http://schemas.openxmlformats.org/drawingml/2006/chart" xmlns:dgm="http://schemas.openxmlformats.org/drawingml/2006/diagram" xmlns:o="urn:schemas-microsoft-com:office:office" xmlns:v="urn:schemas-microsoft-com:vml" xmlns:pvml="urn:schemas-microsoft-com:office:powerpoint" xmlns:com="http://schemas.openxmlformats.org/drawingml/2006/compatibility" xmlns:p14="http://schemas.microsoft.com/office/powerpoint/2010/main" xmlns:p15="http://schemas.microsoft.com/office/powerpoint/2012/main" xmlns:ahyp="http://schemas.microsoft.com/office/drawing/2018/hyperlinkcolor" matchingName="Title slide" type="title">
+<p:sldLayout xmlns:a="http://schemas.openxmlformats.org/drawingml/2006/main" xmlns:r="http://schemas.openxmlformats.org/officeDocument/2006/relationships" xmlns:p="http://schemas.openxmlformats.org/presentationml/2006/main" matchingName="Title slide" type="title">
   <p:cSld name="TITLE">
     <p:spTree>
       <p:nvGrpSpPr>
-        <p:cNvPr id="13" name="Shape 13"/>
+        <p:cNvPr id="1" name="Shape 13"/>
         <p:cNvGrpSpPr/>
         <p:nvPr/>
       </p:nvGrpSpPr>
@@ -1919,7 +1998,9 @@
       <p:sp>
         <p:nvSpPr>
           <p:cNvPr id="14" name="Google Shape;14;p2"/>
-          <p:cNvSpPr txBox="1"/>
+          <p:cNvSpPr txBox="1">
+            <a:spLocks noGrp="1"/>
+          </p:cNvSpPr>
           <p:nvPr>
             <p:ph type="ctrTitle"/>
           </p:nvPr>
@@ -1938,7 +2019,7 @@
           </a:ln>
         </p:spPr>
         <p:txBody>
-          <a:bodyPr anchorCtr="0" anchor="b" bIns="91425" lIns="91425" spcFirstLastPara="1" rIns="91425" wrap="square" tIns="91425">
+          <a:bodyPr spcFirstLastPara="1" wrap="square" lIns="91425" tIns="91425" rIns="91425" bIns="91425" anchor="b" anchorCtr="0">
             <a:noAutofit/>
           </a:bodyPr>
           <a:lstStyle>
@@ -2042,15 +2123,19 @@
               <a:defRPr sz="5200"/>
             </a:lvl9pPr>
           </a:lstStyle>
-          <a:p/>
+          <a:p>
+            <a:endParaRPr/>
+          </a:p>
         </p:txBody>
       </p:sp>
       <p:sp>
         <p:nvSpPr>
           <p:cNvPr id="15" name="Google Shape;15;p2"/>
-          <p:cNvSpPr txBox="1"/>
+          <p:cNvSpPr txBox="1">
+            <a:spLocks noGrp="1"/>
+          </p:cNvSpPr>
           <p:nvPr>
-            <p:ph idx="1" type="subTitle"/>
+            <p:ph type="subTitle" idx="1"/>
           </p:nvPr>
         </p:nvSpPr>
         <p:spPr>
@@ -2067,7 +2152,7 @@
           </a:ln>
         </p:spPr>
         <p:txBody>
-          <a:bodyPr anchorCtr="0" anchor="ctr" bIns="91425" lIns="91425" spcFirstLastPara="1" rIns="91425" wrap="square" tIns="91425">
+          <a:bodyPr spcFirstLastPara="1" wrap="square" lIns="91425" tIns="91425" rIns="91425" bIns="91425" anchor="ctr" anchorCtr="0">
             <a:noAutofit/>
           </a:bodyPr>
           <a:lstStyle>
@@ -2198,7 +2283,9 @@
               <a:defRPr sz="2800"/>
             </a:lvl9pPr>
           </a:lstStyle>
-          <a:p/>
+          <a:p>
+            <a:endParaRPr/>
+          </a:p>
         </p:txBody>
       </p:sp>
     </p:spTree>
@@ -2210,11 +2297,11 @@
 </file>
 
 <file path=ppt/slideLayouts/slideLayout10.xml><?xml version="1.0" encoding="utf-8"?>
-<p:sldLayout xmlns:a="http://schemas.openxmlformats.org/drawingml/2006/main" xmlns:r="http://schemas.openxmlformats.org/officeDocument/2006/relationships" xmlns:mc="http://schemas.openxmlformats.org/markup-compatibility/2006" xmlns:mv="urn:schemas-microsoft-com:mac:vml" xmlns:p="http://schemas.openxmlformats.org/presentationml/2006/main" xmlns:c="http://schemas.openxmlformats.org/drawingml/2006/chart" xmlns:dgm="http://schemas.openxmlformats.org/drawingml/2006/diagram" xmlns:o="urn:schemas-microsoft-com:office:office" xmlns:v="urn:schemas-microsoft-com:vml" xmlns:pvml="urn:schemas-microsoft-com:office:powerpoint" xmlns:com="http://schemas.openxmlformats.org/drawingml/2006/compatibility" xmlns:p14="http://schemas.microsoft.com/office/powerpoint/2010/main" xmlns:p15="http://schemas.microsoft.com/office/powerpoint/2012/main" xmlns:ahyp="http://schemas.microsoft.com/office/drawing/2018/hyperlinkcolor" matchingName="Big number">
+<p:sldLayout xmlns:a="http://schemas.openxmlformats.org/drawingml/2006/main" xmlns:r="http://schemas.openxmlformats.org/officeDocument/2006/relationships" xmlns:p="http://schemas.openxmlformats.org/presentationml/2006/main" matchingName="Big number">
   <p:cSld name="BIG_NUMBER">
     <p:spTree>
       <p:nvGrpSpPr>
-        <p:cNvPr id="39" name="Shape 39"/>
+        <p:cNvPr id="1" name="Shape 39"/>
         <p:cNvGrpSpPr/>
         <p:nvPr/>
       </p:nvGrpSpPr>
@@ -2229,9 +2316,11 @@
       <p:sp>
         <p:nvSpPr>
           <p:cNvPr id="40" name="Google Shape;40;p11"/>
-          <p:cNvSpPr txBox="1"/>
+          <p:cNvSpPr txBox="1">
+            <a:spLocks noGrp="1"/>
+          </p:cNvSpPr>
           <p:nvPr>
-            <p:ph hasCustomPrompt="1" type="title"/>
+            <p:ph type="title" hasCustomPrompt="1"/>
           </p:nvPr>
         </p:nvSpPr>
         <p:spPr>
@@ -2248,7 +2337,7 @@
           </a:ln>
         </p:spPr>
         <p:txBody>
-          <a:bodyPr anchorCtr="0" anchor="b" bIns="91425" lIns="91425" spcFirstLastPara="1" rIns="91425" wrap="square" tIns="91425">
+          <a:bodyPr spcFirstLastPara="1" wrap="square" lIns="91425" tIns="91425" rIns="91425" bIns="91425" anchor="b" anchorCtr="0">
             <a:noAutofit/>
           </a:bodyPr>
           <a:lstStyle>
@@ -2362,9 +2451,11 @@
       <p:sp>
         <p:nvSpPr>
           <p:cNvPr id="41" name="Google Shape;41;p11"/>
-          <p:cNvSpPr txBox="1"/>
+          <p:cNvSpPr txBox="1">
+            <a:spLocks noGrp="1"/>
+          </p:cNvSpPr>
           <p:nvPr>
-            <p:ph idx="1" type="body"/>
+            <p:ph type="body" idx="1"/>
           </p:nvPr>
         </p:nvSpPr>
         <p:spPr>
@@ -2381,11 +2472,11 @@
           </a:ln>
         </p:spPr>
         <p:txBody>
-          <a:bodyPr anchorCtr="0" anchor="ctr" bIns="91425" lIns="91425" spcFirstLastPara="1" rIns="91425" wrap="square" tIns="91425">
+          <a:bodyPr spcFirstLastPara="1" wrap="square" lIns="91425" tIns="91425" rIns="91425" bIns="91425" anchor="ctr" anchorCtr="0">
             <a:noAutofit/>
           </a:bodyPr>
           <a:lstStyle>
-            <a:lvl1pPr indent="-317500" lvl="0" marL="457200" algn="ctr">
+            <a:lvl1pPr marL="457200" lvl="0" indent="-317500" algn="ctr">
               <a:spcBef>
                 <a:spcPts val="0"/>
               </a:spcBef>
@@ -2396,7 +2487,7 @@
               <a:buChar char="●"/>
               <a:defRPr/>
             </a:lvl1pPr>
-            <a:lvl2pPr indent="-317500" lvl="1" marL="914400" algn="ctr">
+            <a:lvl2pPr marL="914400" lvl="1" indent="-317500" algn="ctr">
               <a:spcBef>
                 <a:spcPts val="0"/>
               </a:spcBef>
@@ -2407,7 +2498,7 @@
               <a:buChar char="○"/>
               <a:defRPr/>
             </a:lvl2pPr>
-            <a:lvl3pPr indent="-317500" lvl="2" marL="1371600" algn="ctr">
+            <a:lvl3pPr marL="1371600" lvl="2" indent="-317500" algn="ctr">
               <a:spcBef>
                 <a:spcPts val="0"/>
               </a:spcBef>
@@ -2418,7 +2509,7 @@
               <a:buChar char="■"/>
               <a:defRPr/>
             </a:lvl3pPr>
-            <a:lvl4pPr indent="-317500" lvl="3" marL="1828800" algn="ctr">
+            <a:lvl4pPr marL="1828800" lvl="3" indent="-317500" algn="ctr">
               <a:spcBef>
                 <a:spcPts val="0"/>
               </a:spcBef>
@@ -2429,7 +2520,7 @@
               <a:buChar char="●"/>
               <a:defRPr/>
             </a:lvl4pPr>
-            <a:lvl5pPr indent="-317500" lvl="4" marL="2286000" algn="ctr">
+            <a:lvl5pPr marL="2286000" lvl="4" indent="-317500" algn="ctr">
               <a:spcBef>
                 <a:spcPts val="0"/>
               </a:spcBef>
@@ -2440,7 +2531,7 @@
               <a:buChar char="○"/>
               <a:defRPr/>
             </a:lvl5pPr>
-            <a:lvl6pPr indent="-317500" lvl="5" marL="2743200" algn="ctr">
+            <a:lvl6pPr marL="2743200" lvl="5" indent="-317500" algn="ctr">
               <a:spcBef>
                 <a:spcPts val="0"/>
               </a:spcBef>
@@ -2451,7 +2542,7 @@
               <a:buChar char="■"/>
               <a:defRPr/>
             </a:lvl6pPr>
-            <a:lvl7pPr indent="-317500" lvl="6" marL="3200400" algn="ctr">
+            <a:lvl7pPr marL="3200400" lvl="6" indent="-317500" algn="ctr">
               <a:spcBef>
                 <a:spcPts val="0"/>
               </a:spcBef>
@@ -2462,7 +2553,7 @@
               <a:buChar char="●"/>
               <a:defRPr/>
             </a:lvl7pPr>
-            <a:lvl8pPr indent="-317500" lvl="7" marL="3657600" algn="ctr">
+            <a:lvl8pPr marL="3657600" lvl="7" indent="-317500" algn="ctr">
               <a:spcBef>
                 <a:spcPts val="0"/>
               </a:spcBef>
@@ -2473,7 +2564,7 @@
               <a:buChar char="○"/>
               <a:defRPr/>
             </a:lvl8pPr>
-            <a:lvl9pPr indent="-317500" lvl="8" marL="4114800" algn="ctr">
+            <a:lvl9pPr marL="4114800" lvl="8" indent="-317500" algn="ctr">
               <a:spcBef>
                 <a:spcPts val="0"/>
               </a:spcBef>
@@ -2485,7 +2576,9 @@
               <a:defRPr/>
             </a:lvl9pPr>
           </a:lstStyle>
-          <a:p/>
+          <a:p>
+            <a:endParaRPr/>
+          </a:p>
         </p:txBody>
       </p:sp>
     </p:spTree>
@@ -2497,11 +2590,11 @@
 </file>
 
 <file path=ppt/slideLayouts/slideLayout11.xml><?xml version="1.0" encoding="utf-8"?>
-<p:sldLayout xmlns:a="http://schemas.openxmlformats.org/drawingml/2006/main" xmlns:r="http://schemas.openxmlformats.org/officeDocument/2006/relationships" xmlns:mc="http://schemas.openxmlformats.org/markup-compatibility/2006" xmlns:mv="urn:schemas-microsoft-com:mac:vml" xmlns:p="http://schemas.openxmlformats.org/presentationml/2006/main" xmlns:c="http://schemas.openxmlformats.org/drawingml/2006/chart" xmlns:dgm="http://schemas.openxmlformats.org/drawingml/2006/diagram" xmlns:o="urn:schemas-microsoft-com:office:office" xmlns:v="urn:schemas-microsoft-com:vml" xmlns:pvml="urn:schemas-microsoft-com:office:powerpoint" xmlns:com="http://schemas.openxmlformats.org/drawingml/2006/compatibility" xmlns:p14="http://schemas.microsoft.com/office/powerpoint/2010/main" xmlns:p15="http://schemas.microsoft.com/office/powerpoint/2012/main" xmlns:ahyp="http://schemas.microsoft.com/office/drawing/2018/hyperlinkcolor" matchingName="Blank" type="blank">
+<p:sldLayout xmlns:a="http://schemas.openxmlformats.org/drawingml/2006/main" xmlns:r="http://schemas.openxmlformats.org/officeDocument/2006/relationships" xmlns:p="http://schemas.openxmlformats.org/presentationml/2006/main" matchingName="Blank" type="blank">
   <p:cSld name="BLANK">
     <p:spTree>
       <p:nvGrpSpPr>
-        <p:cNvPr id="42" name="Shape 42"/>
+        <p:cNvPr id="1" name="Shape 42"/>
         <p:cNvGrpSpPr/>
         <p:nvPr/>
       </p:nvGrpSpPr>
@@ -2522,11 +2615,11 @@
 </file>
 
 <file path=ppt/slideLayouts/slideLayout12.xml><?xml version="1.0" encoding="utf-8"?>
-<p:sldLayout xmlns:a="http://schemas.openxmlformats.org/drawingml/2006/main" xmlns:r="http://schemas.openxmlformats.org/officeDocument/2006/relationships" xmlns:mc="http://schemas.openxmlformats.org/markup-compatibility/2006" xmlns:mv="urn:schemas-microsoft-com:mac:vml" xmlns:p="http://schemas.openxmlformats.org/presentationml/2006/main" xmlns:c="http://schemas.openxmlformats.org/drawingml/2006/chart" xmlns:dgm="http://schemas.openxmlformats.org/drawingml/2006/diagram" xmlns:o="urn:schemas-microsoft-com:office:office" xmlns:v="urn:schemas-microsoft-com:vml" xmlns:pvml="urn:schemas-microsoft-com:office:powerpoint" xmlns:com="http://schemas.openxmlformats.org/drawingml/2006/compatibility" xmlns:p14="http://schemas.microsoft.com/office/powerpoint/2010/main" xmlns:p15="http://schemas.microsoft.com/office/powerpoint/2012/main" xmlns:ahyp="http://schemas.microsoft.com/office/drawing/2018/hyperlinkcolor" matchingName="Diseño personalizado 1">
+<p:sldLayout xmlns:a="http://schemas.openxmlformats.org/drawingml/2006/main" xmlns:r="http://schemas.openxmlformats.org/officeDocument/2006/relationships" xmlns:p="http://schemas.openxmlformats.org/presentationml/2006/main" matchingName="Diseño personalizado 1">
   <p:cSld name="CUSTOM_1">
     <p:spTree>
       <p:nvGrpSpPr>
-        <p:cNvPr id="43" name="Shape 43"/>
+        <p:cNvPr id="1" name="Shape 43"/>
         <p:cNvGrpSpPr/>
         <p:nvPr/>
       </p:nvGrpSpPr>
@@ -2555,34 +2648,31 @@
           <a:solidFill>
             <a:srgbClr val="33383C"/>
           </a:solidFill>
-          <a:ln cap="flat" cmpd="sng" w="9525">
+          <a:ln w="9525" cap="flat" cmpd="sng">
             <a:solidFill>
               <a:schemeClr val="dk2"/>
             </a:solidFill>
             <a:prstDash val="solid"/>
             <a:round/>
-            <a:headEnd len="sm" w="sm" type="none"/>
-            <a:tailEnd len="sm" w="sm" type="none"/>
+            <a:headEnd type="none" w="sm" len="sm"/>
+            <a:tailEnd type="none" w="sm" len="sm"/>
           </a:ln>
         </p:spPr>
         <p:txBody>
-          <a:bodyPr anchorCtr="0" anchor="ctr" bIns="91425" lIns="91425" spcFirstLastPara="1" rIns="91425" wrap="square" tIns="91425">
+          <a:bodyPr spcFirstLastPara="1" wrap="square" lIns="91425" tIns="91425" rIns="91425" bIns="91425" anchor="ctr" anchorCtr="0">
             <a:noAutofit/>
           </a:bodyPr>
           <a:lstStyle/>
           <a:p>
-            <a:pPr indent="0" lvl="0" marL="0" rtl="0" algn="l">
-              <a:spcBef>
-                <a:spcPts val="0"/>
-              </a:spcBef>
-              <a:spcAft>
-                <a:spcPts val="0"/>
-              </a:spcAft>
-              <a:buNone/>
-            </a:pPr>
-            <a:r>
-              <a:t/>
-            </a:r>
+            <a:pPr marL="0" lvl="0" indent="0" algn="l" rtl="0">
+              <a:spcBef>
+                <a:spcPts val="0"/>
+              </a:spcBef>
+              <a:spcAft>
+                <a:spcPts val="0"/>
+              </a:spcAft>
+              <a:buNone/>
+            </a:pPr>
             <a:endParaRPr/>
           </a:p>
         </p:txBody>
@@ -2624,7 +2714,7 @@
 </file>
 
 <file path=ppt/slideLayouts/slideLayout13.xml><?xml version="1.0" encoding="utf-8"?>
-<p:sldLayout xmlns:a="http://schemas.openxmlformats.org/drawingml/2006/main" xmlns:r="http://schemas.openxmlformats.org/officeDocument/2006/relationships" xmlns:mc="http://schemas.openxmlformats.org/markup-compatibility/2006" xmlns:mv="urn:schemas-microsoft-com:mac:vml" xmlns:p="http://schemas.openxmlformats.org/presentationml/2006/main" xmlns:c="http://schemas.openxmlformats.org/drawingml/2006/chart" xmlns:dgm="http://schemas.openxmlformats.org/drawingml/2006/diagram" xmlns:o="urn:schemas-microsoft-com:office:office" xmlns:v="urn:schemas-microsoft-com:vml" xmlns:pvml="urn:schemas-microsoft-com:office:powerpoint" xmlns:com="http://schemas.openxmlformats.org/drawingml/2006/compatibility" xmlns:p14="http://schemas.microsoft.com/office/powerpoint/2010/main" xmlns:p15="http://schemas.microsoft.com/office/powerpoint/2012/main" xmlns:ahyp="http://schemas.microsoft.com/office/drawing/2018/hyperlinkcolor" matchingName="Portada">
+<p:sldLayout xmlns:a="http://schemas.openxmlformats.org/drawingml/2006/main" xmlns:r="http://schemas.openxmlformats.org/officeDocument/2006/relationships" xmlns:p="http://schemas.openxmlformats.org/presentationml/2006/main" matchingName="Portada">
   <p:cSld name="CUSTOM">
     <p:bg>
       <p:bgPr>
@@ -2636,11 +2726,12 @@
             <a:fillRect/>
           </a:stretch>
         </a:blipFill>
+        <a:effectLst/>
       </p:bgPr>
     </p:bg>
     <p:spTree>
       <p:nvGrpSpPr>
-        <p:cNvPr id="46" name="Shape 46"/>
+        <p:cNvPr id="1" name="Shape 46"/>
         <p:cNvGrpSpPr/>
         <p:nvPr/>
       </p:nvGrpSpPr>
@@ -2655,7 +2746,9 @@
       <p:sp>
         <p:nvSpPr>
           <p:cNvPr id="47" name="Google Shape;47;p14"/>
-          <p:cNvSpPr txBox="1"/>
+          <p:cNvSpPr txBox="1">
+            <a:spLocks noGrp="1"/>
+          </p:cNvSpPr>
           <p:nvPr>
             <p:ph type="title"/>
           </p:nvPr>
@@ -2674,7 +2767,7 @@
           </a:ln>
         </p:spPr>
         <p:txBody>
-          <a:bodyPr anchorCtr="0" anchor="ctr" bIns="91425" lIns="91425" spcFirstLastPara="1" rIns="91425" wrap="square" tIns="91425">
+          <a:bodyPr spcFirstLastPara="1" wrap="square" lIns="91425" tIns="91425" rIns="91425" bIns="91425" anchor="ctr" anchorCtr="0">
             <a:noAutofit/>
           </a:bodyPr>
           <a:lstStyle>
@@ -2686,7 +2779,7 @@
                 <a:spcPts val="0"/>
               </a:spcAft>
               <a:buNone/>
-              <a:defRPr b="1" sz="5000">
+              <a:defRPr sz="5000" b="1">
                 <a:solidFill>
                   <a:srgbClr val="FFFFFF"/>
                 </a:solidFill>
@@ -2704,7 +2797,7 @@
                 <a:spcPts val="0"/>
               </a:spcAft>
               <a:buNone/>
-              <a:defRPr b="1" sz="5000">
+              <a:defRPr sz="5000" b="1">
                 <a:solidFill>
                   <a:srgbClr val="FFFFFF"/>
                 </a:solidFill>
@@ -2722,7 +2815,7 @@
                 <a:spcPts val="0"/>
               </a:spcAft>
               <a:buNone/>
-              <a:defRPr b="1" sz="5000">
+              <a:defRPr sz="5000" b="1">
                 <a:solidFill>
                   <a:srgbClr val="FFFFFF"/>
                 </a:solidFill>
@@ -2740,7 +2833,7 @@
                 <a:spcPts val="0"/>
               </a:spcAft>
               <a:buNone/>
-              <a:defRPr b="1" sz="5000">
+              <a:defRPr sz="5000" b="1">
                 <a:solidFill>
                   <a:srgbClr val="FFFFFF"/>
                 </a:solidFill>
@@ -2758,7 +2851,7 @@
                 <a:spcPts val="0"/>
               </a:spcAft>
               <a:buNone/>
-              <a:defRPr b="1" sz="5000">
+              <a:defRPr sz="5000" b="1">
                 <a:solidFill>
                   <a:srgbClr val="FFFFFF"/>
                 </a:solidFill>
@@ -2776,7 +2869,7 @@
                 <a:spcPts val="0"/>
               </a:spcAft>
               <a:buNone/>
-              <a:defRPr b="1" sz="5000">
+              <a:defRPr sz="5000" b="1">
                 <a:solidFill>
                   <a:srgbClr val="FFFFFF"/>
                 </a:solidFill>
@@ -2794,7 +2887,7 @@
                 <a:spcPts val="0"/>
               </a:spcAft>
               <a:buNone/>
-              <a:defRPr b="1" sz="5000">
+              <a:defRPr sz="5000" b="1">
                 <a:solidFill>
                   <a:srgbClr val="FFFFFF"/>
                 </a:solidFill>
@@ -2812,7 +2905,7 @@
                 <a:spcPts val="0"/>
               </a:spcAft>
               <a:buNone/>
-              <a:defRPr b="1" sz="5000">
+              <a:defRPr sz="5000" b="1">
                 <a:solidFill>
                   <a:srgbClr val="FFFFFF"/>
                 </a:solidFill>
@@ -2830,7 +2923,7 @@
                 <a:spcPts val="0"/>
               </a:spcAft>
               <a:buNone/>
-              <a:defRPr b="1" sz="5000">
+              <a:defRPr sz="5000" b="1">
                 <a:solidFill>
                   <a:srgbClr val="FFFFFF"/>
                 </a:solidFill>
@@ -2841,7 +2934,9 @@
               </a:defRPr>
             </a:lvl9pPr>
           </a:lstStyle>
-          <a:p/>
+          <a:p>
+            <a:endParaRPr/>
+          </a:p>
         </p:txBody>
       </p:sp>
       <p:pic>
@@ -2881,11 +2976,11 @@
 </file>
 
 <file path=ppt/slideLayouts/slideLayout2.xml><?xml version="1.0" encoding="utf-8"?>
-<p:sldLayout xmlns:a="http://schemas.openxmlformats.org/drawingml/2006/main" xmlns:r="http://schemas.openxmlformats.org/officeDocument/2006/relationships" xmlns:mc="http://schemas.openxmlformats.org/markup-compatibility/2006" xmlns:mv="urn:schemas-microsoft-com:mac:vml" xmlns:p="http://schemas.openxmlformats.org/presentationml/2006/main" xmlns:c="http://schemas.openxmlformats.org/drawingml/2006/chart" xmlns:dgm="http://schemas.openxmlformats.org/drawingml/2006/diagram" xmlns:o="urn:schemas-microsoft-com:office:office" xmlns:v="urn:schemas-microsoft-com:vml" xmlns:pvml="urn:schemas-microsoft-com:office:powerpoint" xmlns:com="http://schemas.openxmlformats.org/drawingml/2006/compatibility" xmlns:p14="http://schemas.microsoft.com/office/powerpoint/2010/main" xmlns:p15="http://schemas.microsoft.com/office/powerpoint/2012/main" xmlns:ahyp="http://schemas.microsoft.com/office/drawing/2018/hyperlinkcolor" matchingName="Section header" type="secHead">
+<p:sldLayout xmlns:a="http://schemas.openxmlformats.org/drawingml/2006/main" xmlns:r="http://schemas.openxmlformats.org/officeDocument/2006/relationships" xmlns:p="http://schemas.openxmlformats.org/presentationml/2006/main" matchingName="Section header" type="secHead">
   <p:cSld name="SECTION_HEADER">
     <p:spTree>
       <p:nvGrpSpPr>
-        <p:cNvPr id="16" name="Shape 16"/>
+        <p:cNvPr id="1" name="Shape 16"/>
         <p:cNvGrpSpPr/>
         <p:nvPr/>
       </p:nvGrpSpPr>
@@ -2900,7 +2995,9 @@
       <p:sp>
         <p:nvSpPr>
           <p:cNvPr id="17" name="Google Shape;17;p3"/>
-          <p:cNvSpPr txBox="1"/>
+          <p:cNvSpPr txBox="1">
+            <a:spLocks noGrp="1"/>
+          </p:cNvSpPr>
           <p:nvPr>
             <p:ph type="title"/>
           </p:nvPr>
@@ -2919,7 +3016,7 @@
           </a:ln>
         </p:spPr>
         <p:txBody>
-          <a:bodyPr anchorCtr="0" anchor="ctr" bIns="91425" lIns="91425" spcFirstLastPara="1" rIns="91425" wrap="square" tIns="91425">
+          <a:bodyPr spcFirstLastPara="1" wrap="square" lIns="91425" tIns="91425" rIns="91425" bIns="91425" anchor="ctr" anchorCtr="0">
             <a:noAutofit/>
           </a:bodyPr>
           <a:lstStyle>
@@ -3023,7 +3120,9 @@
               <a:defRPr sz="3600"/>
             </a:lvl9pPr>
           </a:lstStyle>
-          <a:p/>
+          <a:p>
+            <a:endParaRPr/>
+          </a:p>
         </p:txBody>
       </p:sp>
     </p:spTree>
@@ -3035,11 +3134,11 @@
 </file>
 
 <file path=ppt/slideLayouts/slideLayout3.xml><?xml version="1.0" encoding="utf-8"?>
-<p:sldLayout xmlns:a="http://schemas.openxmlformats.org/drawingml/2006/main" xmlns:r="http://schemas.openxmlformats.org/officeDocument/2006/relationships" xmlns:mc="http://schemas.openxmlformats.org/markup-compatibility/2006" xmlns:mv="urn:schemas-microsoft-com:mac:vml" xmlns:p="http://schemas.openxmlformats.org/presentationml/2006/main" xmlns:c="http://schemas.openxmlformats.org/drawingml/2006/chart" xmlns:dgm="http://schemas.openxmlformats.org/drawingml/2006/diagram" xmlns:o="urn:schemas-microsoft-com:office:office" xmlns:v="urn:schemas-microsoft-com:vml" xmlns:pvml="urn:schemas-microsoft-com:office:powerpoint" xmlns:com="http://schemas.openxmlformats.org/drawingml/2006/compatibility" xmlns:p14="http://schemas.microsoft.com/office/powerpoint/2010/main" xmlns:p15="http://schemas.microsoft.com/office/powerpoint/2012/main" xmlns:ahyp="http://schemas.microsoft.com/office/drawing/2018/hyperlinkcolor" matchingName="Title and body" type="tx">
+<p:sldLayout xmlns:a="http://schemas.openxmlformats.org/drawingml/2006/main" xmlns:r="http://schemas.openxmlformats.org/officeDocument/2006/relationships" xmlns:p="http://schemas.openxmlformats.org/presentationml/2006/main" matchingName="Title and body" type="tx">
   <p:cSld name="TITLE_AND_BODY">
     <p:spTree>
       <p:nvGrpSpPr>
-        <p:cNvPr id="18" name="Shape 18"/>
+        <p:cNvPr id="1" name="Shape 18"/>
         <p:cNvGrpSpPr/>
         <p:nvPr/>
       </p:nvGrpSpPr>
@@ -3054,7 +3153,9 @@
       <p:sp>
         <p:nvSpPr>
           <p:cNvPr id="19" name="Google Shape;19;p4"/>
-          <p:cNvSpPr txBox="1"/>
+          <p:cNvSpPr txBox="1">
+            <a:spLocks noGrp="1"/>
+          </p:cNvSpPr>
           <p:nvPr>
             <p:ph type="title"/>
           </p:nvPr>
@@ -3073,7 +3174,7 @@
           </a:ln>
         </p:spPr>
         <p:txBody>
-          <a:bodyPr anchorCtr="0" anchor="ctr" bIns="91425" lIns="91425" spcFirstLastPara="1" rIns="91425" wrap="square" tIns="91425">
+          <a:bodyPr spcFirstLastPara="1" wrap="square" lIns="91425" tIns="91425" rIns="91425" bIns="91425" anchor="ctr" anchorCtr="0">
             <a:noAutofit/>
           </a:bodyPr>
           <a:lstStyle>
@@ -3177,15 +3278,19 @@
               <a:defRPr/>
             </a:lvl9pPr>
           </a:lstStyle>
-          <a:p/>
+          <a:p>
+            <a:endParaRPr/>
+          </a:p>
         </p:txBody>
       </p:sp>
       <p:sp>
         <p:nvSpPr>
           <p:cNvPr id="20" name="Google Shape;20;p4"/>
-          <p:cNvSpPr txBox="1"/>
+          <p:cNvSpPr txBox="1">
+            <a:spLocks noGrp="1"/>
+          </p:cNvSpPr>
           <p:nvPr>
-            <p:ph idx="1" type="body"/>
+            <p:ph type="body" idx="1"/>
           </p:nvPr>
         </p:nvSpPr>
         <p:spPr>
@@ -3202,11 +3307,11 @@
           </a:ln>
         </p:spPr>
         <p:txBody>
-          <a:bodyPr anchorCtr="0" anchor="ctr" bIns="91425" lIns="91425" spcFirstLastPara="1" rIns="91425" wrap="square" tIns="91425">
+          <a:bodyPr spcFirstLastPara="1" wrap="square" lIns="91425" tIns="91425" rIns="91425" bIns="91425" anchor="ctr" anchorCtr="0">
             <a:noAutofit/>
           </a:bodyPr>
           <a:lstStyle>
-            <a:lvl1pPr indent="-317500" lvl="0" marL="457200">
+            <a:lvl1pPr marL="457200" lvl="0" indent="-317500">
               <a:spcBef>
                 <a:spcPts val="0"/>
               </a:spcBef>
@@ -3217,7 +3322,7 @@
               <a:buChar char="●"/>
               <a:defRPr/>
             </a:lvl1pPr>
-            <a:lvl2pPr indent="-317500" lvl="1" marL="914400">
+            <a:lvl2pPr marL="914400" lvl="1" indent="-317500">
               <a:spcBef>
                 <a:spcPts val="0"/>
               </a:spcBef>
@@ -3228,7 +3333,7 @@
               <a:buChar char="○"/>
               <a:defRPr/>
             </a:lvl2pPr>
-            <a:lvl3pPr indent="-317500" lvl="2" marL="1371600">
+            <a:lvl3pPr marL="1371600" lvl="2" indent="-317500">
               <a:spcBef>
                 <a:spcPts val="0"/>
               </a:spcBef>
@@ -3239,7 +3344,7 @@
               <a:buChar char="■"/>
               <a:defRPr/>
             </a:lvl3pPr>
-            <a:lvl4pPr indent="-317500" lvl="3" marL="1828800">
+            <a:lvl4pPr marL="1828800" lvl="3" indent="-317500">
               <a:spcBef>
                 <a:spcPts val="0"/>
               </a:spcBef>
@@ -3250,7 +3355,7 @@
               <a:buChar char="●"/>
               <a:defRPr/>
             </a:lvl4pPr>
-            <a:lvl5pPr indent="-317500" lvl="4" marL="2286000">
+            <a:lvl5pPr marL="2286000" lvl="4" indent="-317500">
               <a:spcBef>
                 <a:spcPts val="0"/>
               </a:spcBef>
@@ -3261,7 +3366,7 @@
               <a:buChar char="○"/>
               <a:defRPr/>
             </a:lvl5pPr>
-            <a:lvl6pPr indent="-317500" lvl="5" marL="2743200">
+            <a:lvl6pPr marL="2743200" lvl="5" indent="-317500">
               <a:spcBef>
                 <a:spcPts val="0"/>
               </a:spcBef>
@@ -3272,7 +3377,7 @@
               <a:buChar char="■"/>
               <a:defRPr/>
             </a:lvl6pPr>
-            <a:lvl7pPr indent="-317500" lvl="6" marL="3200400">
+            <a:lvl7pPr marL="3200400" lvl="6" indent="-317500">
               <a:spcBef>
                 <a:spcPts val="0"/>
               </a:spcBef>
@@ -3283,7 +3388,7 @@
               <a:buChar char="●"/>
               <a:defRPr/>
             </a:lvl7pPr>
-            <a:lvl8pPr indent="-317500" lvl="7" marL="3657600">
+            <a:lvl8pPr marL="3657600" lvl="7" indent="-317500">
               <a:spcBef>
                 <a:spcPts val="0"/>
               </a:spcBef>
@@ -3294,7 +3399,7 @@
               <a:buChar char="○"/>
               <a:defRPr/>
             </a:lvl8pPr>
-            <a:lvl9pPr indent="-317500" lvl="8" marL="4114800">
+            <a:lvl9pPr marL="4114800" lvl="8" indent="-317500">
               <a:spcBef>
                 <a:spcPts val="0"/>
               </a:spcBef>
@@ -3306,7 +3411,9 @@
               <a:defRPr/>
             </a:lvl9pPr>
           </a:lstStyle>
-          <a:p/>
+          <a:p>
+            <a:endParaRPr/>
+          </a:p>
         </p:txBody>
       </p:sp>
     </p:spTree>
@@ -3318,11 +3425,11 @@
 </file>
 
 <file path=ppt/slideLayouts/slideLayout4.xml><?xml version="1.0" encoding="utf-8"?>
-<p:sldLayout xmlns:a="http://schemas.openxmlformats.org/drawingml/2006/main" xmlns:r="http://schemas.openxmlformats.org/officeDocument/2006/relationships" xmlns:mc="http://schemas.openxmlformats.org/markup-compatibility/2006" xmlns:mv="urn:schemas-microsoft-com:mac:vml" xmlns:p="http://schemas.openxmlformats.org/presentationml/2006/main" xmlns:c="http://schemas.openxmlformats.org/drawingml/2006/chart" xmlns:dgm="http://schemas.openxmlformats.org/drawingml/2006/diagram" xmlns:o="urn:schemas-microsoft-com:office:office" xmlns:v="urn:schemas-microsoft-com:vml" xmlns:pvml="urn:schemas-microsoft-com:office:powerpoint" xmlns:com="http://schemas.openxmlformats.org/drawingml/2006/compatibility" xmlns:p14="http://schemas.microsoft.com/office/powerpoint/2010/main" xmlns:p15="http://schemas.microsoft.com/office/powerpoint/2012/main" xmlns:ahyp="http://schemas.microsoft.com/office/drawing/2018/hyperlinkcolor" matchingName="Title and two columns" type="twoColTx">
+<p:sldLayout xmlns:a="http://schemas.openxmlformats.org/drawingml/2006/main" xmlns:r="http://schemas.openxmlformats.org/officeDocument/2006/relationships" xmlns:p="http://schemas.openxmlformats.org/presentationml/2006/main" matchingName="Title and two columns" type="twoColTx">
   <p:cSld name="TITLE_AND_TWO_COLUMNS">
     <p:spTree>
       <p:nvGrpSpPr>
-        <p:cNvPr id="21" name="Shape 21"/>
+        <p:cNvPr id="1" name="Shape 21"/>
         <p:cNvGrpSpPr/>
         <p:nvPr/>
       </p:nvGrpSpPr>
@@ -3337,7 +3444,9 @@
       <p:sp>
         <p:nvSpPr>
           <p:cNvPr id="22" name="Google Shape;22;p5"/>
-          <p:cNvSpPr txBox="1"/>
+          <p:cNvSpPr txBox="1">
+            <a:spLocks noGrp="1"/>
+          </p:cNvSpPr>
           <p:nvPr>
             <p:ph type="title"/>
           </p:nvPr>
@@ -3356,7 +3465,7 @@
           </a:ln>
         </p:spPr>
         <p:txBody>
-          <a:bodyPr anchorCtr="0" anchor="ctr" bIns="91425" lIns="91425" spcFirstLastPara="1" rIns="91425" wrap="square" tIns="91425">
+          <a:bodyPr spcFirstLastPara="1" wrap="square" lIns="91425" tIns="91425" rIns="91425" bIns="91425" anchor="ctr" anchorCtr="0">
             <a:noAutofit/>
           </a:bodyPr>
           <a:lstStyle>
@@ -3460,15 +3569,19 @@
               <a:defRPr/>
             </a:lvl9pPr>
           </a:lstStyle>
-          <a:p/>
+          <a:p>
+            <a:endParaRPr/>
+          </a:p>
         </p:txBody>
       </p:sp>
       <p:sp>
         <p:nvSpPr>
           <p:cNvPr id="23" name="Google Shape;23;p5"/>
-          <p:cNvSpPr txBox="1"/>
+          <p:cNvSpPr txBox="1">
+            <a:spLocks noGrp="1"/>
+          </p:cNvSpPr>
           <p:nvPr>
-            <p:ph idx="1" type="body"/>
+            <p:ph type="body" idx="1"/>
           </p:nvPr>
         </p:nvSpPr>
         <p:spPr>
@@ -3485,11 +3598,11 @@
           </a:ln>
         </p:spPr>
         <p:txBody>
-          <a:bodyPr anchorCtr="0" anchor="ctr" bIns="91425" lIns="91425" spcFirstLastPara="1" rIns="91425" wrap="square" tIns="91425">
+          <a:bodyPr spcFirstLastPara="1" wrap="square" lIns="91425" tIns="91425" rIns="91425" bIns="91425" anchor="ctr" anchorCtr="0">
             <a:noAutofit/>
           </a:bodyPr>
           <a:lstStyle>
-            <a:lvl1pPr indent="-317500" lvl="0" marL="457200">
+            <a:lvl1pPr marL="457200" lvl="0" indent="-317500">
               <a:spcBef>
                 <a:spcPts val="0"/>
               </a:spcBef>
@@ -3500,7 +3613,7 @@
               <a:buChar char="●"/>
               <a:defRPr sz="1400"/>
             </a:lvl1pPr>
-            <a:lvl2pPr indent="-304800" lvl="1" marL="914400">
+            <a:lvl2pPr marL="914400" lvl="1" indent="-304800">
               <a:spcBef>
                 <a:spcPts val="0"/>
               </a:spcBef>
@@ -3511,7 +3624,7 @@
               <a:buChar char="○"/>
               <a:defRPr sz="1200"/>
             </a:lvl2pPr>
-            <a:lvl3pPr indent="-304800" lvl="2" marL="1371600">
+            <a:lvl3pPr marL="1371600" lvl="2" indent="-304800">
               <a:spcBef>
                 <a:spcPts val="0"/>
               </a:spcBef>
@@ -3522,7 +3635,7 @@
               <a:buChar char="■"/>
               <a:defRPr sz="1200"/>
             </a:lvl3pPr>
-            <a:lvl4pPr indent="-304800" lvl="3" marL="1828800">
+            <a:lvl4pPr marL="1828800" lvl="3" indent="-304800">
               <a:spcBef>
                 <a:spcPts val="0"/>
               </a:spcBef>
@@ -3533,7 +3646,7 @@
               <a:buChar char="●"/>
               <a:defRPr sz="1200"/>
             </a:lvl4pPr>
-            <a:lvl5pPr indent="-304800" lvl="4" marL="2286000">
+            <a:lvl5pPr marL="2286000" lvl="4" indent="-304800">
               <a:spcBef>
                 <a:spcPts val="0"/>
               </a:spcBef>
@@ -3544,7 +3657,7 @@
               <a:buChar char="○"/>
               <a:defRPr sz="1200"/>
             </a:lvl5pPr>
-            <a:lvl6pPr indent="-304800" lvl="5" marL="2743200">
+            <a:lvl6pPr marL="2743200" lvl="5" indent="-304800">
               <a:spcBef>
                 <a:spcPts val="0"/>
               </a:spcBef>
@@ -3555,7 +3668,7 @@
               <a:buChar char="■"/>
               <a:defRPr sz="1200"/>
             </a:lvl6pPr>
-            <a:lvl7pPr indent="-304800" lvl="6" marL="3200400">
+            <a:lvl7pPr marL="3200400" lvl="6" indent="-304800">
               <a:spcBef>
                 <a:spcPts val="0"/>
               </a:spcBef>
@@ -3566,7 +3679,7 @@
               <a:buChar char="●"/>
               <a:defRPr sz="1200"/>
             </a:lvl7pPr>
-            <a:lvl8pPr indent="-304800" lvl="7" marL="3657600">
+            <a:lvl8pPr marL="3657600" lvl="7" indent="-304800">
               <a:spcBef>
                 <a:spcPts val="0"/>
               </a:spcBef>
@@ -3577,7 +3690,7 @@
               <a:buChar char="○"/>
               <a:defRPr sz="1200"/>
             </a:lvl8pPr>
-            <a:lvl9pPr indent="-304800" lvl="8" marL="4114800">
+            <a:lvl9pPr marL="4114800" lvl="8" indent="-304800">
               <a:spcBef>
                 <a:spcPts val="0"/>
               </a:spcBef>
@@ -3589,15 +3702,19 @@
               <a:defRPr sz="1200"/>
             </a:lvl9pPr>
           </a:lstStyle>
-          <a:p/>
+          <a:p>
+            <a:endParaRPr/>
+          </a:p>
         </p:txBody>
       </p:sp>
       <p:sp>
         <p:nvSpPr>
           <p:cNvPr id="24" name="Google Shape;24;p5"/>
-          <p:cNvSpPr txBox="1"/>
+          <p:cNvSpPr txBox="1">
+            <a:spLocks noGrp="1"/>
+          </p:cNvSpPr>
           <p:nvPr>
-            <p:ph idx="2" type="body"/>
+            <p:ph type="body" idx="2"/>
           </p:nvPr>
         </p:nvSpPr>
         <p:spPr>
@@ -3614,11 +3731,11 @@
           </a:ln>
         </p:spPr>
         <p:txBody>
-          <a:bodyPr anchorCtr="0" anchor="ctr" bIns="91425" lIns="91425" spcFirstLastPara="1" rIns="91425" wrap="square" tIns="91425">
+          <a:bodyPr spcFirstLastPara="1" wrap="square" lIns="91425" tIns="91425" rIns="91425" bIns="91425" anchor="ctr" anchorCtr="0">
             <a:noAutofit/>
           </a:bodyPr>
           <a:lstStyle>
-            <a:lvl1pPr indent="-317500" lvl="0" marL="457200">
+            <a:lvl1pPr marL="457200" lvl="0" indent="-317500">
               <a:spcBef>
                 <a:spcPts val="0"/>
               </a:spcBef>
@@ -3629,7 +3746,7 @@
               <a:buChar char="●"/>
               <a:defRPr sz="1400"/>
             </a:lvl1pPr>
-            <a:lvl2pPr indent="-304800" lvl="1" marL="914400">
+            <a:lvl2pPr marL="914400" lvl="1" indent="-304800">
               <a:spcBef>
                 <a:spcPts val="0"/>
               </a:spcBef>
@@ -3640,7 +3757,7 @@
               <a:buChar char="○"/>
               <a:defRPr sz="1200"/>
             </a:lvl2pPr>
-            <a:lvl3pPr indent="-304800" lvl="2" marL="1371600">
+            <a:lvl3pPr marL="1371600" lvl="2" indent="-304800">
               <a:spcBef>
                 <a:spcPts val="0"/>
               </a:spcBef>
@@ -3651,7 +3768,7 @@
               <a:buChar char="■"/>
               <a:defRPr sz="1200"/>
             </a:lvl3pPr>
-            <a:lvl4pPr indent="-304800" lvl="3" marL="1828800">
+            <a:lvl4pPr marL="1828800" lvl="3" indent="-304800">
               <a:spcBef>
                 <a:spcPts val="0"/>
               </a:spcBef>
@@ -3662,7 +3779,7 @@
               <a:buChar char="●"/>
               <a:defRPr sz="1200"/>
             </a:lvl4pPr>
-            <a:lvl5pPr indent="-304800" lvl="4" marL="2286000">
+            <a:lvl5pPr marL="2286000" lvl="4" indent="-304800">
               <a:spcBef>
                 <a:spcPts val="0"/>
               </a:spcBef>
@@ -3673,7 +3790,7 @@
               <a:buChar char="○"/>
               <a:defRPr sz="1200"/>
             </a:lvl5pPr>
-            <a:lvl6pPr indent="-304800" lvl="5" marL="2743200">
+            <a:lvl6pPr marL="2743200" lvl="5" indent="-304800">
               <a:spcBef>
                 <a:spcPts val="0"/>
               </a:spcBef>
@@ -3684,7 +3801,7 @@
               <a:buChar char="■"/>
               <a:defRPr sz="1200"/>
             </a:lvl6pPr>
-            <a:lvl7pPr indent="-304800" lvl="6" marL="3200400">
+            <a:lvl7pPr marL="3200400" lvl="6" indent="-304800">
               <a:spcBef>
                 <a:spcPts val="0"/>
               </a:spcBef>
@@ -3695,7 +3812,7 @@
               <a:buChar char="●"/>
               <a:defRPr sz="1200"/>
             </a:lvl7pPr>
-            <a:lvl8pPr indent="-304800" lvl="7" marL="3657600">
+            <a:lvl8pPr marL="3657600" lvl="7" indent="-304800">
               <a:spcBef>
                 <a:spcPts val="0"/>
               </a:spcBef>
@@ -3706,7 +3823,7 @@
               <a:buChar char="○"/>
               <a:defRPr sz="1200"/>
             </a:lvl8pPr>
-            <a:lvl9pPr indent="-304800" lvl="8" marL="4114800">
+            <a:lvl9pPr marL="4114800" lvl="8" indent="-304800">
               <a:spcBef>
                 <a:spcPts val="0"/>
               </a:spcBef>
@@ -3718,7 +3835,9 @@
               <a:defRPr sz="1200"/>
             </a:lvl9pPr>
           </a:lstStyle>
-          <a:p/>
+          <a:p>
+            <a:endParaRPr/>
+          </a:p>
         </p:txBody>
       </p:sp>
     </p:spTree>
@@ -3730,11 +3849,11 @@
 </file>
 
 <file path=ppt/slideLayouts/slideLayout5.xml><?xml version="1.0" encoding="utf-8"?>
-<p:sldLayout xmlns:a="http://schemas.openxmlformats.org/drawingml/2006/main" xmlns:r="http://schemas.openxmlformats.org/officeDocument/2006/relationships" xmlns:mc="http://schemas.openxmlformats.org/markup-compatibility/2006" xmlns:mv="urn:schemas-microsoft-com:mac:vml" xmlns:p="http://schemas.openxmlformats.org/presentationml/2006/main" xmlns:c="http://schemas.openxmlformats.org/drawingml/2006/chart" xmlns:dgm="http://schemas.openxmlformats.org/drawingml/2006/diagram" xmlns:o="urn:schemas-microsoft-com:office:office" xmlns:v="urn:schemas-microsoft-com:vml" xmlns:pvml="urn:schemas-microsoft-com:office:powerpoint" xmlns:com="http://schemas.openxmlformats.org/drawingml/2006/compatibility" xmlns:p14="http://schemas.microsoft.com/office/powerpoint/2010/main" xmlns:p15="http://schemas.microsoft.com/office/powerpoint/2012/main" xmlns:ahyp="http://schemas.microsoft.com/office/drawing/2018/hyperlinkcolor" matchingName="Title only" type="titleOnly">
+<p:sldLayout xmlns:a="http://schemas.openxmlformats.org/drawingml/2006/main" xmlns:r="http://schemas.openxmlformats.org/officeDocument/2006/relationships" xmlns:p="http://schemas.openxmlformats.org/presentationml/2006/main" matchingName="Title only" type="titleOnly">
   <p:cSld name="TITLE_ONLY">
     <p:spTree>
       <p:nvGrpSpPr>
-        <p:cNvPr id="25" name="Shape 25"/>
+        <p:cNvPr id="1" name="Shape 25"/>
         <p:cNvGrpSpPr/>
         <p:nvPr/>
       </p:nvGrpSpPr>
@@ -3749,7 +3868,9 @@
       <p:sp>
         <p:nvSpPr>
           <p:cNvPr id="26" name="Google Shape;26;p6"/>
-          <p:cNvSpPr txBox="1"/>
+          <p:cNvSpPr txBox="1">
+            <a:spLocks noGrp="1"/>
+          </p:cNvSpPr>
           <p:nvPr>
             <p:ph type="title"/>
           </p:nvPr>
@@ -3768,7 +3889,7 @@
           </a:ln>
         </p:spPr>
         <p:txBody>
-          <a:bodyPr anchorCtr="0" anchor="ctr" bIns="91425" lIns="91425" spcFirstLastPara="1" rIns="91425" wrap="square" tIns="91425">
+          <a:bodyPr spcFirstLastPara="1" wrap="square" lIns="91425" tIns="91425" rIns="91425" bIns="91425" anchor="ctr" anchorCtr="0">
             <a:noAutofit/>
           </a:bodyPr>
           <a:lstStyle>
@@ -3872,7 +3993,9 @@
               <a:defRPr/>
             </a:lvl9pPr>
           </a:lstStyle>
-          <a:p/>
+          <a:p>
+            <a:endParaRPr/>
+          </a:p>
         </p:txBody>
       </p:sp>
     </p:spTree>
@@ -3884,11 +4007,11 @@
 </file>
 
 <file path=ppt/slideLayouts/slideLayout6.xml><?xml version="1.0" encoding="utf-8"?>
-<p:sldLayout xmlns:a="http://schemas.openxmlformats.org/drawingml/2006/main" xmlns:r="http://schemas.openxmlformats.org/officeDocument/2006/relationships" xmlns:mc="http://schemas.openxmlformats.org/markup-compatibility/2006" xmlns:mv="urn:schemas-microsoft-com:mac:vml" xmlns:p="http://schemas.openxmlformats.org/presentationml/2006/main" xmlns:c="http://schemas.openxmlformats.org/drawingml/2006/chart" xmlns:dgm="http://schemas.openxmlformats.org/drawingml/2006/diagram" xmlns:o="urn:schemas-microsoft-com:office:office" xmlns:v="urn:schemas-microsoft-com:vml" xmlns:pvml="urn:schemas-microsoft-com:office:powerpoint" xmlns:com="http://schemas.openxmlformats.org/drawingml/2006/compatibility" xmlns:p14="http://schemas.microsoft.com/office/powerpoint/2010/main" xmlns:p15="http://schemas.microsoft.com/office/powerpoint/2012/main" xmlns:ahyp="http://schemas.microsoft.com/office/drawing/2018/hyperlinkcolor" matchingName="One column text">
+<p:sldLayout xmlns:a="http://schemas.openxmlformats.org/drawingml/2006/main" xmlns:r="http://schemas.openxmlformats.org/officeDocument/2006/relationships" xmlns:p="http://schemas.openxmlformats.org/presentationml/2006/main" matchingName="One column text">
   <p:cSld name="ONE_COLUMN_TEXT">
     <p:spTree>
       <p:nvGrpSpPr>
-        <p:cNvPr id="27" name="Shape 27"/>
+        <p:cNvPr id="1" name="Shape 27"/>
         <p:cNvGrpSpPr/>
         <p:nvPr/>
       </p:nvGrpSpPr>
@@ -3903,7 +4026,9 @@
       <p:sp>
         <p:nvSpPr>
           <p:cNvPr id="28" name="Google Shape;28;p7"/>
-          <p:cNvSpPr txBox="1"/>
+          <p:cNvSpPr txBox="1">
+            <a:spLocks noGrp="1"/>
+          </p:cNvSpPr>
           <p:nvPr>
             <p:ph type="title"/>
           </p:nvPr>
@@ -3922,7 +4047,7 @@
           </a:ln>
         </p:spPr>
         <p:txBody>
-          <a:bodyPr anchorCtr="0" anchor="b" bIns="91425" lIns="91425" spcFirstLastPara="1" rIns="91425" wrap="square" tIns="91425">
+          <a:bodyPr spcFirstLastPara="1" wrap="square" lIns="91425" tIns="91425" rIns="91425" bIns="91425" anchor="b" anchorCtr="0">
             <a:noAutofit/>
           </a:bodyPr>
           <a:lstStyle>
@@ -4026,15 +4151,19 @@
               <a:defRPr sz="2400"/>
             </a:lvl9pPr>
           </a:lstStyle>
-          <a:p/>
+          <a:p>
+            <a:endParaRPr/>
+          </a:p>
         </p:txBody>
       </p:sp>
       <p:sp>
         <p:nvSpPr>
           <p:cNvPr id="29" name="Google Shape;29;p7"/>
-          <p:cNvSpPr txBox="1"/>
+          <p:cNvSpPr txBox="1">
+            <a:spLocks noGrp="1"/>
+          </p:cNvSpPr>
           <p:nvPr>
-            <p:ph idx="1" type="body"/>
+            <p:ph type="body" idx="1"/>
           </p:nvPr>
         </p:nvSpPr>
         <p:spPr>
@@ -4051,11 +4180,11 @@
           </a:ln>
         </p:spPr>
         <p:txBody>
-          <a:bodyPr anchorCtr="0" anchor="ctr" bIns="91425" lIns="91425" spcFirstLastPara="1" rIns="91425" wrap="square" tIns="91425">
+          <a:bodyPr spcFirstLastPara="1" wrap="square" lIns="91425" tIns="91425" rIns="91425" bIns="91425" anchor="ctr" anchorCtr="0">
             <a:noAutofit/>
           </a:bodyPr>
           <a:lstStyle>
-            <a:lvl1pPr indent="-304800" lvl="0" marL="457200">
+            <a:lvl1pPr marL="457200" lvl="0" indent="-304800">
               <a:spcBef>
                 <a:spcPts val="0"/>
               </a:spcBef>
@@ -4066,7 +4195,7 @@
               <a:buChar char="●"/>
               <a:defRPr sz="1200"/>
             </a:lvl1pPr>
-            <a:lvl2pPr indent="-304800" lvl="1" marL="914400">
+            <a:lvl2pPr marL="914400" lvl="1" indent="-304800">
               <a:spcBef>
                 <a:spcPts val="0"/>
               </a:spcBef>
@@ -4077,7 +4206,7 @@
               <a:buChar char="○"/>
               <a:defRPr sz="1200"/>
             </a:lvl2pPr>
-            <a:lvl3pPr indent="-304800" lvl="2" marL="1371600">
+            <a:lvl3pPr marL="1371600" lvl="2" indent="-304800">
               <a:spcBef>
                 <a:spcPts val="0"/>
               </a:spcBef>
@@ -4088,7 +4217,7 @@
               <a:buChar char="■"/>
               <a:defRPr sz="1200"/>
             </a:lvl3pPr>
-            <a:lvl4pPr indent="-304800" lvl="3" marL="1828800">
+            <a:lvl4pPr marL="1828800" lvl="3" indent="-304800">
               <a:spcBef>
                 <a:spcPts val="0"/>
               </a:spcBef>
@@ -4099,7 +4228,7 @@
               <a:buChar char="●"/>
               <a:defRPr sz="1200"/>
             </a:lvl4pPr>
-            <a:lvl5pPr indent="-304800" lvl="4" marL="2286000">
+            <a:lvl5pPr marL="2286000" lvl="4" indent="-304800">
               <a:spcBef>
                 <a:spcPts val="0"/>
               </a:spcBef>
@@ -4110,7 +4239,7 @@
               <a:buChar char="○"/>
               <a:defRPr sz="1200"/>
             </a:lvl5pPr>
-            <a:lvl6pPr indent="-304800" lvl="5" marL="2743200">
+            <a:lvl6pPr marL="2743200" lvl="5" indent="-304800">
               <a:spcBef>
                 <a:spcPts val="0"/>
               </a:spcBef>
@@ -4121,7 +4250,7 @@
               <a:buChar char="■"/>
               <a:defRPr sz="1200"/>
             </a:lvl6pPr>
-            <a:lvl7pPr indent="-304800" lvl="6" marL="3200400">
+            <a:lvl7pPr marL="3200400" lvl="6" indent="-304800">
               <a:spcBef>
                 <a:spcPts val="0"/>
               </a:spcBef>
@@ -4132,7 +4261,7 @@
               <a:buChar char="●"/>
               <a:defRPr sz="1200"/>
             </a:lvl7pPr>
-            <a:lvl8pPr indent="-304800" lvl="7" marL="3657600">
+            <a:lvl8pPr marL="3657600" lvl="7" indent="-304800">
               <a:spcBef>
                 <a:spcPts val="0"/>
               </a:spcBef>
@@ -4143,7 +4272,7 @@
               <a:buChar char="○"/>
               <a:defRPr sz="1200"/>
             </a:lvl8pPr>
-            <a:lvl9pPr indent="-304800" lvl="8" marL="4114800">
+            <a:lvl9pPr marL="4114800" lvl="8" indent="-304800">
               <a:spcBef>
                 <a:spcPts val="0"/>
               </a:spcBef>
@@ -4155,7 +4284,9 @@
               <a:defRPr sz="1200"/>
             </a:lvl9pPr>
           </a:lstStyle>
-          <a:p/>
+          <a:p>
+            <a:endParaRPr/>
+          </a:p>
         </p:txBody>
       </p:sp>
     </p:spTree>
@@ -4167,11 +4298,11 @@
 </file>
 
 <file path=ppt/slideLayouts/slideLayout7.xml><?xml version="1.0" encoding="utf-8"?>
-<p:sldLayout xmlns:a="http://schemas.openxmlformats.org/drawingml/2006/main" xmlns:r="http://schemas.openxmlformats.org/officeDocument/2006/relationships" xmlns:mc="http://schemas.openxmlformats.org/markup-compatibility/2006" xmlns:mv="urn:schemas-microsoft-com:mac:vml" xmlns:p="http://schemas.openxmlformats.org/presentationml/2006/main" xmlns:c="http://schemas.openxmlformats.org/drawingml/2006/chart" xmlns:dgm="http://schemas.openxmlformats.org/drawingml/2006/diagram" xmlns:o="urn:schemas-microsoft-com:office:office" xmlns:v="urn:schemas-microsoft-com:vml" xmlns:pvml="urn:schemas-microsoft-com:office:powerpoint" xmlns:com="http://schemas.openxmlformats.org/drawingml/2006/compatibility" xmlns:p14="http://schemas.microsoft.com/office/powerpoint/2010/main" xmlns:p15="http://schemas.microsoft.com/office/powerpoint/2012/main" xmlns:ahyp="http://schemas.microsoft.com/office/drawing/2018/hyperlinkcolor" matchingName="Main point">
+<p:sldLayout xmlns:a="http://schemas.openxmlformats.org/drawingml/2006/main" xmlns:r="http://schemas.openxmlformats.org/officeDocument/2006/relationships" xmlns:p="http://schemas.openxmlformats.org/presentationml/2006/main" matchingName="Main point">
   <p:cSld name="MAIN_POINT">
     <p:spTree>
       <p:nvGrpSpPr>
-        <p:cNvPr id="30" name="Shape 30"/>
+        <p:cNvPr id="1" name="Shape 30"/>
         <p:cNvGrpSpPr/>
         <p:nvPr/>
       </p:nvGrpSpPr>
@@ -4186,7 +4317,9 @@
       <p:sp>
         <p:nvSpPr>
           <p:cNvPr id="31" name="Google Shape;31;p8"/>
-          <p:cNvSpPr txBox="1"/>
+          <p:cNvSpPr txBox="1">
+            <a:spLocks noGrp="1"/>
+          </p:cNvSpPr>
           <p:nvPr>
             <p:ph type="title"/>
           </p:nvPr>
@@ -4205,7 +4338,7 @@
           </a:ln>
         </p:spPr>
         <p:txBody>
-          <a:bodyPr anchorCtr="0" anchor="ctr" bIns="91425" lIns="91425" spcFirstLastPara="1" rIns="91425" wrap="square" tIns="91425">
+          <a:bodyPr spcFirstLastPara="1" wrap="square" lIns="91425" tIns="91425" rIns="91425" bIns="91425" anchor="ctr" anchorCtr="0">
             <a:noAutofit/>
           </a:bodyPr>
           <a:lstStyle>
@@ -4309,7 +4442,9 @@
               <a:defRPr sz="4800"/>
             </a:lvl9pPr>
           </a:lstStyle>
-          <a:p/>
+          <a:p>
+            <a:endParaRPr/>
+          </a:p>
         </p:txBody>
       </p:sp>
     </p:spTree>
@@ -4321,11 +4456,11 @@
 </file>
 
 <file path=ppt/slideLayouts/slideLayout8.xml><?xml version="1.0" encoding="utf-8"?>
-<p:sldLayout xmlns:a="http://schemas.openxmlformats.org/drawingml/2006/main" xmlns:r="http://schemas.openxmlformats.org/officeDocument/2006/relationships" xmlns:mc="http://schemas.openxmlformats.org/markup-compatibility/2006" xmlns:mv="urn:schemas-microsoft-com:mac:vml" xmlns:p="http://schemas.openxmlformats.org/presentationml/2006/main" xmlns:c="http://schemas.openxmlformats.org/drawingml/2006/chart" xmlns:dgm="http://schemas.openxmlformats.org/drawingml/2006/diagram" xmlns:o="urn:schemas-microsoft-com:office:office" xmlns:v="urn:schemas-microsoft-com:vml" xmlns:pvml="urn:schemas-microsoft-com:office:powerpoint" xmlns:com="http://schemas.openxmlformats.org/drawingml/2006/compatibility" xmlns:p14="http://schemas.microsoft.com/office/powerpoint/2010/main" xmlns:p15="http://schemas.microsoft.com/office/powerpoint/2012/main" xmlns:ahyp="http://schemas.microsoft.com/office/drawing/2018/hyperlinkcolor" matchingName="Section title and description">
+<p:sldLayout xmlns:a="http://schemas.openxmlformats.org/drawingml/2006/main" xmlns:r="http://schemas.openxmlformats.org/officeDocument/2006/relationships" xmlns:p="http://schemas.openxmlformats.org/presentationml/2006/main" matchingName="Section title and description">
   <p:cSld name="SECTION_TITLE_AND_DESCRIPTION">
     <p:spTree>
       <p:nvGrpSpPr>
-        <p:cNvPr id="32" name="Shape 32"/>
+        <p:cNvPr id="1" name="Shape 32"/>
         <p:cNvGrpSpPr/>
         <p:nvPr/>
       </p:nvGrpSpPr>
@@ -4359,23 +4494,20 @@
           </a:ln>
         </p:spPr>
         <p:txBody>
-          <a:bodyPr anchorCtr="0" anchor="ctr" bIns="91425" lIns="91425" spcFirstLastPara="1" rIns="91425" wrap="square" tIns="91425">
+          <a:bodyPr spcFirstLastPara="1" wrap="square" lIns="91425" tIns="91425" rIns="91425" bIns="91425" anchor="ctr" anchorCtr="0">
             <a:noAutofit/>
           </a:bodyPr>
           <a:lstStyle/>
           <a:p>
-            <a:pPr indent="0" lvl="0" marL="0" rtl="0" algn="l">
-              <a:spcBef>
-                <a:spcPts val="0"/>
-              </a:spcBef>
-              <a:spcAft>
-                <a:spcPts val="0"/>
-              </a:spcAft>
-              <a:buNone/>
-            </a:pPr>
-            <a:r>
-              <a:t/>
-            </a:r>
+            <a:pPr marL="0" lvl="0" indent="0" algn="l" rtl="0">
+              <a:spcBef>
+                <a:spcPts val="0"/>
+              </a:spcBef>
+              <a:spcAft>
+                <a:spcPts val="0"/>
+              </a:spcAft>
+              <a:buNone/>
+            </a:pPr>
             <a:endParaRPr/>
           </a:p>
         </p:txBody>
@@ -4383,7 +4515,9 @@
       <p:sp>
         <p:nvSpPr>
           <p:cNvPr id="34" name="Google Shape;34;p9"/>
-          <p:cNvSpPr txBox="1"/>
+          <p:cNvSpPr txBox="1">
+            <a:spLocks noGrp="1"/>
+          </p:cNvSpPr>
           <p:nvPr>
             <p:ph type="title"/>
           </p:nvPr>
@@ -4402,7 +4536,7 @@
           </a:ln>
         </p:spPr>
         <p:txBody>
-          <a:bodyPr anchorCtr="0" anchor="b" bIns="91425" lIns="91425" spcFirstLastPara="1" rIns="91425" wrap="square" tIns="91425">
+          <a:bodyPr spcFirstLastPara="1" wrap="square" lIns="91425" tIns="91425" rIns="91425" bIns="91425" anchor="b" anchorCtr="0">
             <a:noAutofit/>
           </a:bodyPr>
           <a:lstStyle>
@@ -4506,15 +4640,19 @@
               <a:defRPr sz="4200"/>
             </a:lvl9pPr>
           </a:lstStyle>
-          <a:p/>
+          <a:p>
+            <a:endParaRPr/>
+          </a:p>
         </p:txBody>
       </p:sp>
       <p:sp>
         <p:nvSpPr>
           <p:cNvPr id="35" name="Google Shape;35;p9"/>
-          <p:cNvSpPr txBox="1"/>
+          <p:cNvSpPr txBox="1">
+            <a:spLocks noGrp="1"/>
+          </p:cNvSpPr>
           <p:nvPr>
-            <p:ph idx="1" type="subTitle"/>
+            <p:ph type="subTitle" idx="1"/>
           </p:nvPr>
         </p:nvSpPr>
         <p:spPr>
@@ -4531,7 +4669,7 @@
           </a:ln>
         </p:spPr>
         <p:txBody>
-          <a:bodyPr anchorCtr="0" anchor="ctr" bIns="91425" lIns="91425" spcFirstLastPara="1" rIns="91425" wrap="square" tIns="91425">
+          <a:bodyPr spcFirstLastPara="1" wrap="square" lIns="91425" tIns="91425" rIns="91425" bIns="91425" anchor="ctr" anchorCtr="0">
             <a:noAutofit/>
           </a:bodyPr>
           <a:lstStyle>
@@ -4662,15 +4800,19 @@
               <a:defRPr sz="2100"/>
             </a:lvl9pPr>
           </a:lstStyle>
-          <a:p/>
+          <a:p>
+            <a:endParaRPr/>
+          </a:p>
         </p:txBody>
       </p:sp>
       <p:sp>
         <p:nvSpPr>
           <p:cNvPr id="36" name="Google Shape;36;p9"/>
-          <p:cNvSpPr txBox="1"/>
+          <p:cNvSpPr txBox="1">
+            <a:spLocks noGrp="1"/>
+          </p:cNvSpPr>
           <p:nvPr>
-            <p:ph idx="2" type="body"/>
+            <p:ph type="body" idx="2"/>
           </p:nvPr>
         </p:nvSpPr>
         <p:spPr>
@@ -4687,11 +4829,11 @@
           </a:ln>
         </p:spPr>
         <p:txBody>
-          <a:bodyPr anchorCtr="0" anchor="ctr" bIns="91425" lIns="91425" spcFirstLastPara="1" rIns="91425" wrap="square" tIns="91425">
+          <a:bodyPr spcFirstLastPara="1" wrap="square" lIns="91425" tIns="91425" rIns="91425" bIns="91425" anchor="ctr" anchorCtr="0">
             <a:noAutofit/>
           </a:bodyPr>
           <a:lstStyle>
-            <a:lvl1pPr indent="-317500" lvl="0" marL="457200">
+            <a:lvl1pPr marL="457200" lvl="0" indent="-317500">
               <a:spcBef>
                 <a:spcPts val="0"/>
               </a:spcBef>
@@ -4702,7 +4844,7 @@
               <a:buChar char="●"/>
               <a:defRPr/>
             </a:lvl1pPr>
-            <a:lvl2pPr indent="-317500" lvl="1" marL="914400">
+            <a:lvl2pPr marL="914400" lvl="1" indent="-317500">
               <a:spcBef>
                 <a:spcPts val="0"/>
               </a:spcBef>
@@ -4713,7 +4855,7 @@
               <a:buChar char="○"/>
               <a:defRPr/>
             </a:lvl2pPr>
-            <a:lvl3pPr indent="-317500" lvl="2" marL="1371600">
+            <a:lvl3pPr marL="1371600" lvl="2" indent="-317500">
               <a:spcBef>
                 <a:spcPts val="0"/>
               </a:spcBef>
@@ -4724,7 +4866,7 @@
               <a:buChar char="■"/>
               <a:defRPr/>
             </a:lvl3pPr>
-            <a:lvl4pPr indent="-317500" lvl="3" marL="1828800">
+            <a:lvl4pPr marL="1828800" lvl="3" indent="-317500">
               <a:spcBef>
                 <a:spcPts val="0"/>
               </a:spcBef>
@@ -4735,7 +4877,7 @@
               <a:buChar char="●"/>
               <a:defRPr/>
             </a:lvl4pPr>
-            <a:lvl5pPr indent="-317500" lvl="4" marL="2286000">
+            <a:lvl5pPr marL="2286000" lvl="4" indent="-317500">
               <a:spcBef>
                 <a:spcPts val="0"/>
               </a:spcBef>
@@ -4746,7 +4888,7 @@
               <a:buChar char="○"/>
               <a:defRPr/>
             </a:lvl5pPr>
-            <a:lvl6pPr indent="-317500" lvl="5" marL="2743200">
+            <a:lvl6pPr marL="2743200" lvl="5" indent="-317500">
               <a:spcBef>
                 <a:spcPts val="0"/>
               </a:spcBef>
@@ -4757,7 +4899,7 @@
               <a:buChar char="■"/>
               <a:defRPr/>
             </a:lvl6pPr>
-            <a:lvl7pPr indent="-317500" lvl="6" marL="3200400">
+            <a:lvl7pPr marL="3200400" lvl="6" indent="-317500">
               <a:spcBef>
                 <a:spcPts val="0"/>
               </a:spcBef>
@@ -4768,7 +4910,7 @@
               <a:buChar char="●"/>
               <a:defRPr/>
             </a:lvl7pPr>
-            <a:lvl8pPr indent="-317500" lvl="7" marL="3657600">
+            <a:lvl8pPr marL="3657600" lvl="7" indent="-317500">
               <a:spcBef>
                 <a:spcPts val="0"/>
               </a:spcBef>
@@ -4779,7 +4921,7 @@
               <a:buChar char="○"/>
               <a:defRPr/>
             </a:lvl8pPr>
-            <a:lvl9pPr indent="-317500" lvl="8" marL="4114800">
+            <a:lvl9pPr marL="4114800" lvl="8" indent="-317500">
               <a:spcBef>
                 <a:spcPts val="0"/>
               </a:spcBef>
@@ -4791,7 +4933,9 @@
               <a:defRPr/>
             </a:lvl9pPr>
           </a:lstStyle>
-          <a:p/>
+          <a:p>
+            <a:endParaRPr/>
+          </a:p>
         </p:txBody>
       </p:sp>
     </p:spTree>
@@ -4803,11 +4947,11 @@
 </file>
 
 <file path=ppt/slideLayouts/slideLayout9.xml><?xml version="1.0" encoding="utf-8"?>
-<p:sldLayout xmlns:a="http://schemas.openxmlformats.org/drawingml/2006/main" xmlns:r="http://schemas.openxmlformats.org/officeDocument/2006/relationships" xmlns:mc="http://schemas.openxmlformats.org/markup-compatibility/2006" xmlns:mv="urn:schemas-microsoft-com:mac:vml" xmlns:p="http://schemas.openxmlformats.org/presentationml/2006/main" xmlns:c="http://schemas.openxmlformats.org/drawingml/2006/chart" xmlns:dgm="http://schemas.openxmlformats.org/drawingml/2006/diagram" xmlns:o="urn:schemas-microsoft-com:office:office" xmlns:v="urn:schemas-microsoft-com:vml" xmlns:pvml="urn:schemas-microsoft-com:office:powerpoint" xmlns:com="http://schemas.openxmlformats.org/drawingml/2006/compatibility" xmlns:p14="http://schemas.microsoft.com/office/powerpoint/2010/main" xmlns:p15="http://schemas.microsoft.com/office/powerpoint/2012/main" xmlns:ahyp="http://schemas.microsoft.com/office/drawing/2018/hyperlinkcolor" matchingName="Caption">
+<p:sldLayout xmlns:a="http://schemas.openxmlformats.org/drawingml/2006/main" xmlns:r="http://schemas.openxmlformats.org/officeDocument/2006/relationships" xmlns:p="http://schemas.openxmlformats.org/presentationml/2006/main" matchingName="Caption">
   <p:cSld name="CAPTION_ONLY">
     <p:spTree>
       <p:nvGrpSpPr>
-        <p:cNvPr id="37" name="Shape 37"/>
+        <p:cNvPr id="1" name="Shape 37"/>
         <p:cNvGrpSpPr/>
         <p:nvPr/>
       </p:nvGrpSpPr>
@@ -4822,9 +4966,11 @@
       <p:sp>
         <p:nvSpPr>
           <p:cNvPr id="38" name="Google Shape;38;p10"/>
-          <p:cNvSpPr txBox="1"/>
+          <p:cNvSpPr txBox="1">
+            <a:spLocks noGrp="1"/>
+          </p:cNvSpPr>
           <p:nvPr>
-            <p:ph idx="1" type="body"/>
+            <p:ph type="body" idx="1"/>
           </p:nvPr>
         </p:nvSpPr>
         <p:spPr>
@@ -4841,11 +4987,11 @@
           </a:ln>
         </p:spPr>
         <p:txBody>
-          <a:bodyPr anchorCtr="0" anchor="ctr" bIns="91425" lIns="91425" spcFirstLastPara="1" rIns="91425" wrap="square" tIns="91425">
+          <a:bodyPr spcFirstLastPara="1" wrap="square" lIns="91425" tIns="91425" rIns="91425" bIns="91425" anchor="ctr" anchorCtr="0">
             <a:noAutofit/>
           </a:bodyPr>
           <a:lstStyle>
-            <a:lvl1pPr indent="-228600" lvl="0" marL="457200">
+            <a:lvl1pPr marL="457200" lvl="0" indent="-228600">
               <a:lnSpc>
                 <a:spcPct val="100000"/>
               </a:lnSpc>
@@ -4860,7 +5006,9 @@
               <a:defRPr/>
             </a:lvl1pPr>
           </a:lstStyle>
-          <a:p/>
+          <a:p>
+            <a:endParaRPr/>
+          </a:p>
         </p:txBody>
       </p:sp>
     </p:spTree>
@@ -4872,18 +5020,19 @@
 </file>
 
 <file path=ppt/slideMasters/slideMaster1.xml><?xml version="1.0" encoding="utf-8"?>
-<p:sldMaster xmlns:a="http://schemas.openxmlformats.org/drawingml/2006/main" xmlns:r="http://schemas.openxmlformats.org/officeDocument/2006/relationships" xmlns:mc="http://schemas.openxmlformats.org/markup-compatibility/2006" xmlns:mv="urn:schemas-microsoft-com:mac:vml" xmlns:p="http://schemas.openxmlformats.org/presentationml/2006/main" xmlns:c="http://schemas.openxmlformats.org/drawingml/2006/chart" xmlns:dgm="http://schemas.openxmlformats.org/drawingml/2006/diagram" xmlns:o="urn:schemas-microsoft-com:office:office" xmlns:v="urn:schemas-microsoft-com:vml" xmlns:pvml="urn:schemas-microsoft-com:office:powerpoint" xmlns:com="http://schemas.openxmlformats.org/drawingml/2006/compatibility" xmlns:p14="http://schemas.microsoft.com/office/powerpoint/2010/main" xmlns:p15="http://schemas.microsoft.com/office/powerpoint/2012/main" xmlns:ahyp="http://schemas.microsoft.com/office/drawing/2018/hyperlinkcolor">
+<p:sldMaster xmlns:a="http://schemas.openxmlformats.org/drawingml/2006/main" xmlns:r="http://schemas.openxmlformats.org/officeDocument/2006/relationships" xmlns:p="http://schemas.openxmlformats.org/presentationml/2006/main">
   <p:cSld name="simple-light-2">
     <p:bg>
       <p:bgPr>
         <a:solidFill>
           <a:schemeClr val="lt1"/>
         </a:solidFill>
+        <a:effectLst/>
       </p:bgPr>
     </p:bg>
     <p:spTree>
       <p:nvGrpSpPr>
-        <p:cNvPr id="5" name="Shape 5"/>
+        <p:cNvPr id="1" name="Shape 5"/>
         <p:cNvGrpSpPr/>
         <p:nvPr/>
       </p:nvGrpSpPr>
@@ -4910,14 +5059,14 @@
             <a:avLst/>
           </a:prstGeom>
           <a:noFill/>
-          <a:ln cap="flat" cmpd="sng" w="9525">
+          <a:ln w="9525" cap="flat" cmpd="sng">
             <a:solidFill>
               <a:srgbClr val="FCD8D6"/>
             </a:solidFill>
             <a:prstDash val="dot"/>
             <a:round/>
-            <a:headEnd len="med" w="med" type="none"/>
-            <a:tailEnd len="med" w="med" type="none"/>
+            <a:headEnd type="none" w="med" len="med"/>
+            <a:tailEnd type="none" w="med" len="med"/>
           </a:ln>
         </p:spPr>
       </p:cxnSp>
@@ -4936,14 +5085,14 @@
             <a:avLst/>
           </a:prstGeom>
           <a:noFill/>
-          <a:ln cap="flat" cmpd="sng" w="9525">
+          <a:ln w="9525" cap="flat" cmpd="sng">
             <a:solidFill>
               <a:srgbClr val="FCD8D6"/>
             </a:solidFill>
             <a:prstDash val="dot"/>
             <a:round/>
-            <a:headEnd len="med" w="med" type="none"/>
-            <a:tailEnd len="med" w="med" type="none"/>
+            <a:headEnd type="none" w="med" len="med"/>
+            <a:tailEnd type="none" w="med" len="med"/>
           </a:ln>
         </p:spPr>
       </p:cxnSp>
@@ -4954,7 +5103,7 @@
           <p:nvPr/>
         </p:nvCxnSpPr>
         <p:spPr>
-          <a:xfrm flipH="1" rot="10800000">
+          <a:xfrm rot="10800000" flipH="1">
             <a:off x="-8000" y="1178475"/>
             <a:ext cx="9175200" cy="5400"/>
           </a:xfrm>
@@ -4962,14 +5111,14 @@
             <a:avLst/>
           </a:prstGeom>
           <a:noFill/>
-          <a:ln cap="flat" cmpd="sng" w="9525">
+          <a:ln w="9525" cap="flat" cmpd="sng">
             <a:solidFill>
               <a:srgbClr val="FCD8D6"/>
             </a:solidFill>
             <a:prstDash val="dot"/>
             <a:round/>
-            <a:headEnd len="med" w="med" type="none"/>
-            <a:tailEnd len="med" w="med" type="none"/>
+            <a:headEnd type="none" w="med" len="med"/>
+            <a:tailEnd type="none" w="med" len="med"/>
           </a:ln>
         </p:spPr>
       </p:cxnSp>
@@ -4980,7 +5129,7 @@
           <p:nvPr/>
         </p:nvCxnSpPr>
         <p:spPr>
-          <a:xfrm flipH="1" rot="10800000">
+          <a:xfrm rot="10800000" flipH="1">
             <a:off x="-15600" y="4860825"/>
             <a:ext cx="9175200" cy="5400"/>
           </a:xfrm>
@@ -4988,14 +5137,14 @@
             <a:avLst/>
           </a:prstGeom>
           <a:noFill/>
-          <a:ln cap="flat" cmpd="sng" w="9525">
+          <a:ln w="9525" cap="flat" cmpd="sng">
             <a:solidFill>
               <a:srgbClr val="FCD8D6"/>
             </a:solidFill>
             <a:prstDash val="dot"/>
             <a:round/>
-            <a:headEnd len="med" w="med" type="none"/>
-            <a:tailEnd len="med" w="med" type="none"/>
+            <a:headEnd type="none" w="med" len="med"/>
+            <a:tailEnd type="none" w="med" len="med"/>
           </a:ln>
         </p:spPr>
       </p:cxnSp>
@@ -5021,23 +5170,20 @@
           </a:ln>
         </p:spPr>
         <p:txBody>
-          <a:bodyPr anchorCtr="0" anchor="ctr" bIns="91425" lIns="91425" spcFirstLastPara="1" rIns="91425" wrap="square" tIns="91425">
+          <a:bodyPr spcFirstLastPara="1" wrap="square" lIns="91425" tIns="91425" rIns="91425" bIns="91425" anchor="ctr" anchorCtr="0">
             <a:noAutofit/>
           </a:bodyPr>
           <a:lstStyle/>
           <a:p>
-            <a:pPr indent="0" lvl="0" marL="0" rtl="0" algn="l">
-              <a:spcBef>
-                <a:spcPts val="0"/>
-              </a:spcBef>
-              <a:spcAft>
-                <a:spcPts val="0"/>
-              </a:spcAft>
-              <a:buNone/>
-            </a:pPr>
-            <a:r>
-              <a:t/>
-            </a:r>
+            <a:pPr marL="0" lvl="0" indent="0" algn="l" rtl="0">
+              <a:spcBef>
+                <a:spcPts val="0"/>
+              </a:spcBef>
+              <a:spcAft>
+                <a:spcPts val="0"/>
+              </a:spcAft>
+              <a:buNone/>
+            </a:pPr>
             <a:endParaRPr/>
           </a:p>
         </p:txBody>
@@ -5062,12 +5208,12 @@
           </a:ln>
         </p:spPr>
         <p:txBody>
-          <a:bodyPr anchorCtr="0" anchor="ctr" bIns="22850" lIns="45725" spcFirstLastPara="1" rIns="45725" wrap="square" tIns="22850">
+          <a:bodyPr spcFirstLastPara="1" wrap="square" lIns="45725" tIns="22850" rIns="45725" bIns="22850" anchor="ctr" anchorCtr="0">
             <a:noAutofit/>
           </a:bodyPr>
           <a:lstStyle/>
           <a:p>
-            <a:pPr indent="0" lvl="0" marL="0" rtl="0" algn="l">
+            <a:pPr marL="0" lvl="0" indent="0" algn="l" rtl="0">
               <a:spcBef>
                 <a:spcPts val="0"/>
               </a:spcBef>
@@ -5107,7 +5253,7 @@
           <p:nvPr/>
         </p:nvPicPr>
         <p:blipFill>
-          <a:blip r:embed="rId1">
+          <a:blip r:embed="rId15">
             <a:alphaModFix/>
           </a:blip>
           <a:stretch>
@@ -5130,26 +5276,26 @@
       </p:pic>
     </p:spTree>
   </p:cSld>
-  <p:clrMap accent1="accent1" accent2="accent2" accent3="accent3" accent4="accent4" accent5="accent5" accent6="accent6" bg1="lt1" bg2="dk2" tx1="dk1" tx2="lt2" folHlink="folHlink" hlink="hlink"/>
+  <p:clrMap bg1="lt1" tx1="dk1" bg2="dk2" tx2="lt2" accent1="accent1" accent2="accent2" accent3="accent3" accent4="accent4" accent5="accent5" accent6="accent6" hlink="hlink" folHlink="folHlink"/>
   <p:sldLayoutIdLst>
-    <p:sldLayoutId id="2147483648" r:id="rId2"/>
-    <p:sldLayoutId id="2147483649" r:id="rId3"/>
-    <p:sldLayoutId id="2147483650" r:id="rId4"/>
-    <p:sldLayoutId id="2147483651" r:id="rId5"/>
-    <p:sldLayoutId id="2147483652" r:id="rId6"/>
-    <p:sldLayoutId id="2147483653" r:id="rId7"/>
-    <p:sldLayoutId id="2147483654" r:id="rId8"/>
-    <p:sldLayoutId id="2147483655" r:id="rId9"/>
-    <p:sldLayoutId id="2147483656" r:id="rId10"/>
-    <p:sldLayoutId id="2147483657" r:id="rId11"/>
-    <p:sldLayoutId id="2147483658" r:id="rId12"/>
-    <p:sldLayoutId id="2147483659" r:id="rId13"/>
-    <p:sldLayoutId id="2147483660" r:id="rId14"/>
+    <p:sldLayoutId id="2147483648" r:id="rId1"/>
+    <p:sldLayoutId id="2147483649" r:id="rId2"/>
+    <p:sldLayoutId id="2147483650" r:id="rId3"/>
+    <p:sldLayoutId id="2147483651" r:id="rId4"/>
+    <p:sldLayoutId id="2147483652" r:id="rId5"/>
+    <p:sldLayoutId id="2147483653" r:id="rId6"/>
+    <p:sldLayoutId id="2147483654" r:id="rId7"/>
+    <p:sldLayoutId id="2147483655" r:id="rId8"/>
+    <p:sldLayoutId id="2147483656" r:id="rId9"/>
+    <p:sldLayoutId id="2147483657" r:id="rId10"/>
+    <p:sldLayoutId id="2147483658" r:id="rId11"/>
+    <p:sldLayoutId id="2147483659" r:id="rId12"/>
+    <p:sldLayoutId id="2147483660" r:id="rId13"/>
   </p:sldLayoutIdLst>
-  <p:hf dt="0" ftr="0" hdr="0" sldNum="0"/>
+  <p:hf sldNum="0" hdr="0" ftr="0" dt="0"/>
   <p:txStyles>
     <p:titleStyle>
-      <a:defPPr lvl="0" marR="0" rtl="0" algn="l">
+      <a:defPPr marR="0" lvl="0" algn="l" rtl="0">
         <a:lnSpc>
           <a:spcPct val="100000"/>
         </a:lnSpc>
@@ -5160,7 +5306,7 @@
           <a:spcPts val="0"/>
         </a:spcAft>
       </a:defPPr>
-      <a:lvl1pPr lvl="0" marR="0" rtl="0" algn="l">
+      <a:lvl1pPr marR="0" lvl="0" algn="l" rtl="0">
         <a:lnSpc>
           <a:spcPct val="100000"/>
         </a:lnSpc>
@@ -5174,7 +5320,7 @@
           <a:srgbClr val="000000"/>
         </a:buClr>
         <a:buFont typeface="Arial"/>
-        <a:defRPr b="0" i="0" sz="1400" u="none" cap="none" strike="noStrike">
+        <a:defRPr sz="1400" b="0" i="0" u="none" strike="noStrike" cap="none">
           <a:solidFill>
             <a:srgbClr val="000000"/>
           </a:solidFill>
@@ -5184,7 +5330,7 @@
           <a:sym typeface="Arial"/>
         </a:defRPr>
       </a:lvl1pPr>
-      <a:lvl2pPr lvl="1" marR="0" rtl="0" algn="l">
+      <a:lvl2pPr marR="0" lvl="1" algn="l" rtl="0">
         <a:lnSpc>
           <a:spcPct val="100000"/>
         </a:lnSpc>
@@ -5198,7 +5344,7 @@
           <a:srgbClr val="000000"/>
         </a:buClr>
         <a:buFont typeface="Arial"/>
-        <a:defRPr b="0" i="0" sz="1400" u="none" cap="none" strike="noStrike">
+        <a:defRPr sz="1400" b="0" i="0" u="none" strike="noStrike" cap="none">
           <a:solidFill>
             <a:srgbClr val="000000"/>
           </a:solidFill>
@@ -5208,7 +5354,7 @@
           <a:sym typeface="Arial"/>
         </a:defRPr>
       </a:lvl2pPr>
-      <a:lvl3pPr lvl="2" marR="0" rtl="0" algn="l">
+      <a:lvl3pPr marR="0" lvl="2" algn="l" rtl="0">
         <a:lnSpc>
           <a:spcPct val="100000"/>
         </a:lnSpc>
@@ -5222,7 +5368,7 @@
           <a:srgbClr val="000000"/>
         </a:buClr>
         <a:buFont typeface="Arial"/>
-        <a:defRPr b="0" i="0" sz="1400" u="none" cap="none" strike="noStrike">
+        <a:defRPr sz="1400" b="0" i="0" u="none" strike="noStrike" cap="none">
           <a:solidFill>
             <a:srgbClr val="000000"/>
           </a:solidFill>
@@ -5232,7 +5378,7 @@
           <a:sym typeface="Arial"/>
         </a:defRPr>
       </a:lvl3pPr>
-      <a:lvl4pPr lvl="3" marR="0" rtl="0" algn="l">
+      <a:lvl4pPr marR="0" lvl="3" algn="l" rtl="0">
         <a:lnSpc>
           <a:spcPct val="100000"/>
         </a:lnSpc>
@@ -5246,7 +5392,7 @@
           <a:srgbClr val="000000"/>
         </a:buClr>
         <a:buFont typeface="Arial"/>
-        <a:defRPr b="0" i="0" sz="1400" u="none" cap="none" strike="noStrike">
+        <a:defRPr sz="1400" b="0" i="0" u="none" strike="noStrike" cap="none">
           <a:solidFill>
             <a:srgbClr val="000000"/>
           </a:solidFill>
@@ -5256,7 +5402,7 @@
           <a:sym typeface="Arial"/>
         </a:defRPr>
       </a:lvl4pPr>
-      <a:lvl5pPr lvl="4" marR="0" rtl="0" algn="l">
+      <a:lvl5pPr marR="0" lvl="4" algn="l" rtl="0">
         <a:lnSpc>
           <a:spcPct val="100000"/>
         </a:lnSpc>
@@ -5270,7 +5416,7 @@
           <a:srgbClr val="000000"/>
         </a:buClr>
         <a:buFont typeface="Arial"/>
-        <a:defRPr b="0" i="0" sz="1400" u="none" cap="none" strike="noStrike">
+        <a:defRPr sz="1400" b="0" i="0" u="none" strike="noStrike" cap="none">
           <a:solidFill>
             <a:srgbClr val="000000"/>
           </a:solidFill>
@@ -5280,7 +5426,7 @@
           <a:sym typeface="Arial"/>
         </a:defRPr>
       </a:lvl5pPr>
-      <a:lvl6pPr lvl="5" marR="0" rtl="0" algn="l">
+      <a:lvl6pPr marR="0" lvl="5" algn="l" rtl="0">
         <a:lnSpc>
           <a:spcPct val="100000"/>
         </a:lnSpc>
@@ -5294,7 +5440,7 @@
           <a:srgbClr val="000000"/>
         </a:buClr>
         <a:buFont typeface="Arial"/>
-        <a:defRPr b="0" i="0" sz="1400" u="none" cap="none" strike="noStrike">
+        <a:defRPr sz="1400" b="0" i="0" u="none" strike="noStrike" cap="none">
           <a:solidFill>
             <a:srgbClr val="000000"/>
           </a:solidFill>
@@ -5304,7 +5450,7 @@
           <a:sym typeface="Arial"/>
         </a:defRPr>
       </a:lvl6pPr>
-      <a:lvl7pPr lvl="6" marR="0" rtl="0" algn="l">
+      <a:lvl7pPr marR="0" lvl="6" algn="l" rtl="0">
         <a:lnSpc>
           <a:spcPct val="100000"/>
         </a:lnSpc>
@@ -5318,7 +5464,7 @@
           <a:srgbClr val="000000"/>
         </a:buClr>
         <a:buFont typeface="Arial"/>
-        <a:defRPr b="0" i="0" sz="1400" u="none" cap="none" strike="noStrike">
+        <a:defRPr sz="1400" b="0" i="0" u="none" strike="noStrike" cap="none">
           <a:solidFill>
             <a:srgbClr val="000000"/>
           </a:solidFill>
@@ -5328,7 +5474,7 @@
           <a:sym typeface="Arial"/>
         </a:defRPr>
       </a:lvl7pPr>
-      <a:lvl8pPr lvl="7" marR="0" rtl="0" algn="l">
+      <a:lvl8pPr marR="0" lvl="7" algn="l" rtl="0">
         <a:lnSpc>
           <a:spcPct val="100000"/>
         </a:lnSpc>
@@ -5342,7 +5488,7 @@
           <a:srgbClr val="000000"/>
         </a:buClr>
         <a:buFont typeface="Arial"/>
-        <a:defRPr b="0" i="0" sz="1400" u="none" cap="none" strike="noStrike">
+        <a:defRPr sz="1400" b="0" i="0" u="none" strike="noStrike" cap="none">
           <a:solidFill>
             <a:srgbClr val="000000"/>
           </a:solidFill>
@@ -5352,7 +5498,7 @@
           <a:sym typeface="Arial"/>
         </a:defRPr>
       </a:lvl8pPr>
-      <a:lvl9pPr lvl="8" marR="0" rtl="0" algn="l">
+      <a:lvl9pPr marR="0" lvl="8" algn="l" rtl="0">
         <a:lnSpc>
           <a:spcPct val="100000"/>
         </a:lnSpc>
@@ -5366,7 +5512,7 @@
           <a:srgbClr val="000000"/>
         </a:buClr>
         <a:buFont typeface="Arial"/>
-        <a:defRPr b="0" i="0" sz="1400" u="none" cap="none" strike="noStrike">
+        <a:defRPr sz="1400" b="0" i="0" u="none" strike="noStrike" cap="none">
           <a:solidFill>
             <a:srgbClr val="000000"/>
           </a:solidFill>
@@ -5378,7 +5524,7 @@
       </a:lvl9pPr>
     </p:titleStyle>
     <p:bodyStyle>
-      <a:defPPr lvl="0" marR="0" rtl="0" algn="l">
+      <a:defPPr marR="0" lvl="0" algn="l" rtl="0">
         <a:lnSpc>
           <a:spcPct val="100000"/>
         </a:lnSpc>
@@ -5389,7 +5535,7 @@
           <a:spcPts val="0"/>
         </a:spcAft>
       </a:defPPr>
-      <a:lvl1pPr lvl="0" marR="0" rtl="0" algn="l">
+      <a:lvl1pPr marR="0" lvl="0" algn="l" rtl="0">
         <a:lnSpc>
           <a:spcPct val="100000"/>
         </a:lnSpc>
@@ -5403,7 +5549,7 @@
           <a:srgbClr val="000000"/>
         </a:buClr>
         <a:buFont typeface="Arial"/>
-        <a:defRPr b="0" i="0" sz="1400" u="none" cap="none" strike="noStrike">
+        <a:defRPr sz="1400" b="0" i="0" u="none" strike="noStrike" cap="none">
           <a:solidFill>
             <a:srgbClr val="000000"/>
           </a:solidFill>
@@ -5413,7 +5559,7 @@
           <a:sym typeface="Arial"/>
         </a:defRPr>
       </a:lvl1pPr>
-      <a:lvl2pPr lvl="1" marR="0" rtl="0" algn="l">
+      <a:lvl2pPr marR="0" lvl="1" algn="l" rtl="0">
         <a:lnSpc>
           <a:spcPct val="100000"/>
         </a:lnSpc>
@@ -5427,7 +5573,7 @@
           <a:srgbClr val="000000"/>
         </a:buClr>
         <a:buFont typeface="Arial"/>
-        <a:defRPr b="0" i="0" sz="1400" u="none" cap="none" strike="noStrike">
+        <a:defRPr sz="1400" b="0" i="0" u="none" strike="noStrike" cap="none">
           <a:solidFill>
             <a:srgbClr val="000000"/>
           </a:solidFill>
@@ -5437,7 +5583,7 @@
           <a:sym typeface="Arial"/>
         </a:defRPr>
       </a:lvl2pPr>
-      <a:lvl3pPr lvl="2" marR="0" rtl="0" algn="l">
+      <a:lvl3pPr marR="0" lvl="2" algn="l" rtl="0">
         <a:lnSpc>
           <a:spcPct val="100000"/>
         </a:lnSpc>
@@ -5451,7 +5597,7 @@
           <a:srgbClr val="000000"/>
         </a:buClr>
         <a:buFont typeface="Arial"/>
-        <a:defRPr b="0" i="0" sz="1400" u="none" cap="none" strike="noStrike">
+        <a:defRPr sz="1400" b="0" i="0" u="none" strike="noStrike" cap="none">
           <a:solidFill>
             <a:srgbClr val="000000"/>
           </a:solidFill>
@@ -5461,7 +5607,7 @@
           <a:sym typeface="Arial"/>
         </a:defRPr>
       </a:lvl3pPr>
-      <a:lvl4pPr lvl="3" marR="0" rtl="0" algn="l">
+      <a:lvl4pPr marR="0" lvl="3" algn="l" rtl="0">
         <a:lnSpc>
           <a:spcPct val="100000"/>
         </a:lnSpc>
@@ -5475,7 +5621,7 @@
           <a:srgbClr val="000000"/>
         </a:buClr>
         <a:buFont typeface="Arial"/>
-        <a:defRPr b="0" i="0" sz="1400" u="none" cap="none" strike="noStrike">
+        <a:defRPr sz="1400" b="0" i="0" u="none" strike="noStrike" cap="none">
           <a:solidFill>
             <a:srgbClr val="000000"/>
           </a:solidFill>
@@ -5485,7 +5631,7 @@
           <a:sym typeface="Arial"/>
         </a:defRPr>
       </a:lvl4pPr>
-      <a:lvl5pPr lvl="4" marR="0" rtl="0" algn="l">
+      <a:lvl5pPr marR="0" lvl="4" algn="l" rtl="0">
         <a:lnSpc>
           <a:spcPct val="100000"/>
         </a:lnSpc>
@@ -5499,7 +5645,7 @@
           <a:srgbClr val="000000"/>
         </a:buClr>
         <a:buFont typeface="Arial"/>
-        <a:defRPr b="0" i="0" sz="1400" u="none" cap="none" strike="noStrike">
+        <a:defRPr sz="1400" b="0" i="0" u="none" strike="noStrike" cap="none">
           <a:solidFill>
             <a:srgbClr val="000000"/>
           </a:solidFill>
@@ -5509,7 +5655,7 @@
           <a:sym typeface="Arial"/>
         </a:defRPr>
       </a:lvl5pPr>
-      <a:lvl6pPr lvl="5" marR="0" rtl="0" algn="l">
+      <a:lvl6pPr marR="0" lvl="5" algn="l" rtl="0">
         <a:lnSpc>
           <a:spcPct val="100000"/>
         </a:lnSpc>
@@ -5523,7 +5669,7 @@
           <a:srgbClr val="000000"/>
         </a:buClr>
         <a:buFont typeface="Arial"/>
-        <a:defRPr b="0" i="0" sz="1400" u="none" cap="none" strike="noStrike">
+        <a:defRPr sz="1400" b="0" i="0" u="none" strike="noStrike" cap="none">
           <a:solidFill>
             <a:srgbClr val="000000"/>
           </a:solidFill>
@@ -5533,7 +5679,7 @@
           <a:sym typeface="Arial"/>
         </a:defRPr>
       </a:lvl6pPr>
-      <a:lvl7pPr lvl="6" marR="0" rtl="0" algn="l">
+      <a:lvl7pPr marR="0" lvl="6" algn="l" rtl="0">
         <a:lnSpc>
           <a:spcPct val="100000"/>
         </a:lnSpc>
@@ -5547,7 +5693,7 @@
           <a:srgbClr val="000000"/>
         </a:buClr>
         <a:buFont typeface="Arial"/>
-        <a:defRPr b="0" i="0" sz="1400" u="none" cap="none" strike="noStrike">
+        <a:defRPr sz="1400" b="0" i="0" u="none" strike="noStrike" cap="none">
           <a:solidFill>
             <a:srgbClr val="000000"/>
           </a:solidFill>
@@ -5557,7 +5703,7 @@
           <a:sym typeface="Arial"/>
         </a:defRPr>
       </a:lvl7pPr>
-      <a:lvl8pPr lvl="7" marR="0" rtl="0" algn="l">
+      <a:lvl8pPr marR="0" lvl="7" algn="l" rtl="0">
         <a:lnSpc>
           <a:spcPct val="100000"/>
         </a:lnSpc>
@@ -5571,7 +5717,7 @@
           <a:srgbClr val="000000"/>
         </a:buClr>
         <a:buFont typeface="Arial"/>
-        <a:defRPr b="0" i="0" sz="1400" u="none" cap="none" strike="noStrike">
+        <a:defRPr sz="1400" b="0" i="0" u="none" strike="noStrike" cap="none">
           <a:solidFill>
             <a:srgbClr val="000000"/>
           </a:solidFill>
@@ -5581,7 +5727,7 @@
           <a:sym typeface="Arial"/>
         </a:defRPr>
       </a:lvl8pPr>
-      <a:lvl9pPr lvl="8" marR="0" rtl="0" algn="l">
+      <a:lvl9pPr marR="0" lvl="8" algn="l" rtl="0">
         <a:lnSpc>
           <a:spcPct val="100000"/>
         </a:lnSpc>
@@ -5595,7 +5741,7 @@
           <a:srgbClr val="000000"/>
         </a:buClr>
         <a:buFont typeface="Arial"/>
-        <a:defRPr b="0" i="0" sz="1400" u="none" cap="none" strike="noStrike">
+        <a:defRPr sz="1400" b="0" i="0" u="none" strike="noStrike" cap="none">
           <a:solidFill>
             <a:srgbClr val="000000"/>
           </a:solidFill>
@@ -5607,7 +5753,7 @@
       </a:lvl9pPr>
     </p:bodyStyle>
     <p:otherStyle>
-      <a:defPPr lvl="0" marR="0" rtl="0" algn="l">
+      <a:defPPr marR="0" lvl="0" algn="l" rtl="0">
         <a:lnSpc>
           <a:spcPct val="100000"/>
         </a:lnSpc>
@@ -5618,7 +5764,7 @@
           <a:spcPts val="0"/>
         </a:spcAft>
       </a:defPPr>
-      <a:lvl1pPr lvl="0" marR="0" rtl="0" algn="l">
+      <a:lvl1pPr marR="0" lvl="0" algn="l" rtl="0">
         <a:lnSpc>
           <a:spcPct val="100000"/>
         </a:lnSpc>
@@ -5632,7 +5778,7 @@
           <a:srgbClr val="000000"/>
         </a:buClr>
         <a:buFont typeface="Arial"/>
-        <a:defRPr b="0" i="0" sz="1400" u="none" cap="none" strike="noStrike">
+        <a:defRPr sz="1400" b="0" i="0" u="none" strike="noStrike" cap="none">
           <a:solidFill>
             <a:srgbClr val="000000"/>
           </a:solidFill>
@@ -5642,7 +5788,7 @@
           <a:sym typeface="Arial"/>
         </a:defRPr>
       </a:lvl1pPr>
-      <a:lvl2pPr lvl="1" marR="0" rtl="0" algn="l">
+      <a:lvl2pPr marR="0" lvl="1" algn="l" rtl="0">
         <a:lnSpc>
           <a:spcPct val="100000"/>
         </a:lnSpc>
@@ -5656,7 +5802,7 @@
           <a:srgbClr val="000000"/>
         </a:buClr>
         <a:buFont typeface="Arial"/>
-        <a:defRPr b="0" i="0" sz="1400" u="none" cap="none" strike="noStrike">
+        <a:defRPr sz="1400" b="0" i="0" u="none" strike="noStrike" cap="none">
           <a:solidFill>
             <a:srgbClr val="000000"/>
           </a:solidFill>
@@ -5666,7 +5812,7 @@
           <a:sym typeface="Arial"/>
         </a:defRPr>
       </a:lvl2pPr>
-      <a:lvl3pPr lvl="2" marR="0" rtl="0" algn="l">
+      <a:lvl3pPr marR="0" lvl="2" algn="l" rtl="0">
         <a:lnSpc>
           <a:spcPct val="100000"/>
         </a:lnSpc>
@@ -5680,7 +5826,7 @@
           <a:srgbClr val="000000"/>
         </a:buClr>
         <a:buFont typeface="Arial"/>
-        <a:defRPr b="0" i="0" sz="1400" u="none" cap="none" strike="noStrike">
+        <a:defRPr sz="1400" b="0" i="0" u="none" strike="noStrike" cap="none">
           <a:solidFill>
             <a:srgbClr val="000000"/>
           </a:solidFill>
@@ -5690,7 +5836,7 @@
           <a:sym typeface="Arial"/>
         </a:defRPr>
       </a:lvl3pPr>
-      <a:lvl4pPr lvl="3" marR="0" rtl="0" algn="l">
+      <a:lvl4pPr marR="0" lvl="3" algn="l" rtl="0">
         <a:lnSpc>
           <a:spcPct val="100000"/>
         </a:lnSpc>
@@ -5704,7 +5850,7 @@
           <a:srgbClr val="000000"/>
         </a:buClr>
         <a:buFont typeface="Arial"/>
-        <a:defRPr b="0" i="0" sz="1400" u="none" cap="none" strike="noStrike">
+        <a:defRPr sz="1400" b="0" i="0" u="none" strike="noStrike" cap="none">
           <a:solidFill>
             <a:srgbClr val="000000"/>
           </a:solidFill>
@@ -5714,7 +5860,7 @@
           <a:sym typeface="Arial"/>
         </a:defRPr>
       </a:lvl4pPr>
-      <a:lvl5pPr lvl="4" marR="0" rtl="0" algn="l">
+      <a:lvl5pPr marR="0" lvl="4" algn="l" rtl="0">
         <a:lnSpc>
           <a:spcPct val="100000"/>
         </a:lnSpc>
@@ -5728,7 +5874,7 @@
           <a:srgbClr val="000000"/>
         </a:buClr>
         <a:buFont typeface="Arial"/>
-        <a:defRPr b="0" i="0" sz="1400" u="none" cap="none" strike="noStrike">
+        <a:defRPr sz="1400" b="0" i="0" u="none" strike="noStrike" cap="none">
           <a:solidFill>
             <a:srgbClr val="000000"/>
           </a:solidFill>
@@ -5738,7 +5884,7 @@
           <a:sym typeface="Arial"/>
         </a:defRPr>
       </a:lvl5pPr>
-      <a:lvl6pPr lvl="5" marR="0" rtl="0" algn="l">
+      <a:lvl6pPr marR="0" lvl="5" algn="l" rtl="0">
         <a:lnSpc>
           <a:spcPct val="100000"/>
         </a:lnSpc>
@@ -5752,7 +5898,7 @@
           <a:srgbClr val="000000"/>
         </a:buClr>
         <a:buFont typeface="Arial"/>
-        <a:defRPr b="0" i="0" sz="1400" u="none" cap="none" strike="noStrike">
+        <a:defRPr sz="1400" b="0" i="0" u="none" strike="noStrike" cap="none">
           <a:solidFill>
             <a:srgbClr val="000000"/>
           </a:solidFill>
@@ -5762,7 +5908,7 @@
           <a:sym typeface="Arial"/>
         </a:defRPr>
       </a:lvl6pPr>
-      <a:lvl7pPr lvl="6" marR="0" rtl="0" algn="l">
+      <a:lvl7pPr marR="0" lvl="6" algn="l" rtl="0">
         <a:lnSpc>
           <a:spcPct val="100000"/>
         </a:lnSpc>
@@ -5776,7 +5922,7 @@
           <a:srgbClr val="000000"/>
         </a:buClr>
         <a:buFont typeface="Arial"/>
-        <a:defRPr b="0" i="0" sz="1400" u="none" cap="none" strike="noStrike">
+        <a:defRPr sz="1400" b="0" i="0" u="none" strike="noStrike" cap="none">
           <a:solidFill>
             <a:srgbClr val="000000"/>
           </a:solidFill>
@@ -5786,7 +5932,7 @@
           <a:sym typeface="Arial"/>
         </a:defRPr>
       </a:lvl7pPr>
-      <a:lvl8pPr lvl="7" marR="0" rtl="0" algn="l">
+      <a:lvl8pPr marR="0" lvl="7" algn="l" rtl="0">
         <a:lnSpc>
           <a:spcPct val="100000"/>
         </a:lnSpc>
@@ -5800,7 +5946,7 @@
           <a:srgbClr val="000000"/>
         </a:buClr>
         <a:buFont typeface="Arial"/>
-        <a:defRPr b="0" i="0" sz="1400" u="none" cap="none" strike="noStrike">
+        <a:defRPr sz="1400" b="0" i="0" u="none" strike="noStrike" cap="none">
           <a:solidFill>
             <a:srgbClr val="000000"/>
           </a:solidFill>
@@ -5810,7 +5956,7 @@
           <a:sym typeface="Arial"/>
         </a:defRPr>
       </a:lvl8pPr>
-      <a:lvl9pPr lvl="8" marR="0" rtl="0" algn="l">
+      <a:lvl9pPr marR="0" lvl="8" algn="l" rtl="0">
         <a:lnSpc>
           <a:spcPct val="100000"/>
         </a:lnSpc>
@@ -5824,7 +5970,7 @@
           <a:srgbClr val="000000"/>
         </a:buClr>
         <a:buFont typeface="Arial"/>
-        <a:defRPr b="0" i="0" sz="1400" u="none" cap="none" strike="noStrike">
+        <a:defRPr sz="1400" b="0" i="0" u="none" strike="noStrike" cap="none">
           <a:solidFill>
             <a:srgbClr val="000000"/>
           </a:solidFill>
@@ -5840,11 +5986,11 @@
 </file>
 
 <file path=ppt/slides/slide1.xml><?xml version="1.0" encoding="utf-8"?>
-<p:sld xmlns:a="http://schemas.openxmlformats.org/drawingml/2006/main" xmlns:r="http://schemas.openxmlformats.org/officeDocument/2006/relationships" xmlns:mc="http://schemas.openxmlformats.org/markup-compatibility/2006" xmlns:mv="urn:schemas-microsoft-com:mac:vml" xmlns:p="http://schemas.openxmlformats.org/presentationml/2006/main" xmlns:c="http://schemas.openxmlformats.org/drawingml/2006/chart" xmlns:dgm="http://schemas.openxmlformats.org/drawingml/2006/diagram" xmlns:o="urn:schemas-microsoft-com:office:office" xmlns:v="urn:schemas-microsoft-com:vml" xmlns:pvml="urn:schemas-microsoft-com:office:powerpoint" xmlns:com="http://schemas.openxmlformats.org/drawingml/2006/compatibility" xmlns:p14="http://schemas.microsoft.com/office/powerpoint/2010/main" xmlns:p15="http://schemas.microsoft.com/office/powerpoint/2012/main" xmlns:ahyp="http://schemas.microsoft.com/office/drawing/2018/hyperlinkcolor">
+<p:sld xmlns:a="http://schemas.openxmlformats.org/drawingml/2006/main" xmlns:r="http://schemas.openxmlformats.org/officeDocument/2006/relationships" xmlns:p="http://schemas.openxmlformats.org/presentationml/2006/main">
   <p:cSld>
     <p:spTree>
       <p:nvGrpSpPr>
-        <p:cNvPr id="52" name="Shape 52"/>
+        <p:cNvPr id="1" name="Shape 52"/>
         <p:cNvGrpSpPr/>
         <p:nvPr/>
       </p:nvGrpSpPr>
@@ -5876,12 +6022,12 @@
           </a:ln>
         </p:spPr>
         <p:txBody>
-          <a:bodyPr anchorCtr="0" anchor="t" bIns="91425" lIns="91425" spcFirstLastPara="1" rIns="91425" wrap="square" tIns="91425">
+          <a:bodyPr spcFirstLastPara="1" wrap="square" lIns="91425" tIns="91425" rIns="91425" bIns="91425" anchor="t" anchorCtr="0">
             <a:spAutoFit/>
           </a:bodyPr>
           <a:lstStyle/>
           <a:p>
-            <a:pPr indent="0" lvl="0" marL="0" rtl="0" algn="l">
+            <a:pPr marL="0" lvl="0" indent="0" algn="l" rtl="0">
               <a:lnSpc>
                 <a:spcPct val="90000"/>
               </a:lnSpc>
@@ -5899,7 +6045,7 @@
               <a:buNone/>
             </a:pPr>
             <a:r>
-              <a:rPr b="1" lang="es" sz="3000">
+              <a:rPr lang="es" sz="3000" b="1">
                 <a:solidFill>
                   <a:srgbClr val="EC183F"/>
                 </a:solidFill>
@@ -5911,7 +6057,7 @@
               <a:t>Actividad </a:t>
             </a:r>
             <a:r>
-              <a:rPr b="1" lang="es" sz="3000">
+              <a:rPr lang="es" sz="3000" b="1">
                 <a:solidFill>
                   <a:srgbClr val="434343"/>
                 </a:solidFill>
@@ -5922,7 +6068,7 @@
               </a:rPr>
               <a:t>Tipos de Amenazas</a:t>
             </a:r>
-            <a:endParaRPr b="1" sz="3000">
+            <a:endParaRPr sz="3000" b="1">
               <a:solidFill>
                 <a:srgbClr val="3F3F3F"/>
               </a:solidFill>
@@ -5933,18 +6079,15 @@
             </a:endParaRPr>
           </a:p>
           <a:p>
-            <a:pPr indent="0" lvl="0" marL="0" rtl="0" algn="ctr">
-              <a:spcBef>
-                <a:spcPts val="0"/>
-              </a:spcBef>
-              <a:spcAft>
-                <a:spcPts val="0"/>
-              </a:spcAft>
-              <a:buNone/>
-            </a:pPr>
-            <a:r>
-              <a:t/>
-            </a:r>
+            <a:pPr marL="0" lvl="0" indent="0" algn="ctr" rtl="0">
+              <a:spcBef>
+                <a:spcPts val="0"/>
+              </a:spcBef>
+              <a:spcAft>
+                <a:spcPts val="0"/>
+              </a:spcAft>
+              <a:buNone/>
+            </a:pPr>
             <a:endParaRPr b="1" u="sng"/>
           </a:p>
         </p:txBody>
@@ -5969,12 +6112,12 @@
           </a:ln>
         </p:spPr>
         <p:txBody>
-          <a:bodyPr anchorCtr="0" anchor="t" bIns="91425" lIns="91425" spcFirstLastPara="1" rIns="91425" wrap="square" tIns="91425">
+          <a:bodyPr spcFirstLastPara="1" wrap="square" lIns="91425" tIns="91425" rIns="91425" bIns="91425" anchor="t" anchorCtr="0">
             <a:spAutoFit/>
           </a:bodyPr>
           <a:lstStyle/>
           <a:p>
-            <a:pPr indent="0" lvl="0" marL="0" rtl="0" algn="l">
+            <a:pPr marL="0" lvl="0" indent="0" algn="l" rtl="0">
               <a:spcBef>
                 <a:spcPts val="0"/>
               </a:spcBef>
@@ -5988,24 +6131,18 @@
               <a:buFont typeface="Arial"/>
               <a:buNone/>
             </a:pPr>
-            <a:r>
-              <a:t/>
-            </a:r>
             <a:endParaRPr/>
           </a:p>
           <a:p>
-            <a:pPr indent="0" lvl="0" marL="0" rtl="0" algn="l">
-              <a:spcBef>
-                <a:spcPts val="0"/>
-              </a:spcBef>
-              <a:spcAft>
-                <a:spcPts val="0"/>
-              </a:spcAft>
-              <a:buNone/>
-            </a:pPr>
-            <a:r>
-              <a:t/>
-            </a:r>
+            <a:pPr marL="0" lvl="0" indent="0" algn="l" rtl="0">
+              <a:spcBef>
+                <a:spcPts val="0"/>
+              </a:spcBef>
+              <a:spcAft>
+                <a:spcPts val="0"/>
+              </a:spcAft>
+              <a:buNone/>
+            </a:pPr>
             <a:endParaRPr/>
           </a:p>
         </p:txBody>
@@ -6030,12 +6167,12 @@
           </a:ln>
         </p:spPr>
         <p:txBody>
-          <a:bodyPr anchorCtr="0" anchor="t" bIns="91425" lIns="91425" spcFirstLastPara="1" rIns="91425" wrap="square" tIns="91425">
+          <a:bodyPr spcFirstLastPara="1" wrap="square" lIns="91425" tIns="91425" rIns="91425" bIns="91425" anchor="t" anchorCtr="0">
             <a:spAutoFit/>
           </a:bodyPr>
           <a:lstStyle/>
           <a:p>
-            <a:pPr indent="0" lvl="0" marL="0" rtl="0" algn="l">
+            <a:pPr marL="0" lvl="0" indent="0" algn="l" rtl="0">
               <a:spcBef>
                 <a:spcPts val="0"/>
               </a:spcBef>
@@ -6054,79 +6191,7 @@
                 <a:cs typeface="Open Sans"/>
                 <a:sym typeface="Open Sans"/>
               </a:rPr>
-              <a:t>Utilizando este documento de presentación, cada </a:t>
-            </a:r>
-            <a:r>
-              <a:rPr lang="es" sz="1600">
-                <a:solidFill>
-                  <a:srgbClr val="3F3F3F"/>
-                </a:solidFill>
-                <a:latin typeface="Open Sans"/>
-                <a:ea typeface="Open Sans"/>
-                <a:cs typeface="Open Sans"/>
-                <a:sym typeface="Open Sans"/>
-              </a:rPr>
-              <a:t>mesa</a:t>
-            </a:r>
-            <a:r>
-              <a:rPr lang="es" sz="1600">
-                <a:solidFill>
-                  <a:srgbClr val="3F3F3F"/>
-                </a:solidFill>
-                <a:latin typeface="Open Sans"/>
-                <a:ea typeface="Open Sans"/>
-                <a:cs typeface="Open Sans"/>
-                <a:sym typeface="Open Sans"/>
-              </a:rPr>
-              <a:t> deberá resolver y completar en cada hoja , que le corresponde </a:t>
-            </a:r>
-            <a:r>
-              <a:rPr lang="es" sz="1600">
-                <a:solidFill>
-                  <a:srgbClr val="3F3F3F"/>
-                </a:solidFill>
-                <a:latin typeface="Open Sans"/>
-                <a:ea typeface="Open Sans"/>
-                <a:cs typeface="Open Sans"/>
-                <a:sym typeface="Open Sans"/>
-              </a:rPr>
-              <a:t>según</a:t>
-            </a:r>
-            <a:r>
-              <a:rPr lang="es" sz="1600">
-                <a:solidFill>
-                  <a:srgbClr val="3F3F3F"/>
-                </a:solidFill>
-                <a:latin typeface="Open Sans"/>
-                <a:ea typeface="Open Sans"/>
-                <a:cs typeface="Open Sans"/>
-                <a:sym typeface="Open Sans"/>
-              </a:rPr>
-              <a:t> su </a:t>
-            </a:r>
-            <a:r>
-              <a:rPr lang="es" sz="1600">
-                <a:solidFill>
-                  <a:srgbClr val="3F3F3F"/>
-                </a:solidFill>
-                <a:latin typeface="Open Sans"/>
-                <a:ea typeface="Open Sans"/>
-                <a:cs typeface="Open Sans"/>
-                <a:sym typeface="Open Sans"/>
-              </a:rPr>
-              <a:t>número</a:t>
-            </a:r>
-            <a:r>
-              <a:rPr lang="es" sz="1600">
-                <a:solidFill>
-                  <a:srgbClr val="3F3F3F"/>
-                </a:solidFill>
-                <a:latin typeface="Open Sans"/>
-                <a:ea typeface="Open Sans"/>
-                <a:cs typeface="Open Sans"/>
-                <a:sym typeface="Open Sans"/>
-              </a:rPr>
-              <a:t> de mesa.</a:t>
+              <a:t>Utilizando este documento de presentación, cada mesa deberá resolver y completar en cada hoja , que le corresponde según su número de mesa.</a:t>
             </a:r>
             <a:endParaRPr/>
           </a:p>
@@ -6169,11 +6234,729 @@
 </file>
 
 <file path=ppt/slides/slide10.xml><?xml version="1.0" encoding="utf-8"?>
-<p:sld xmlns:a="http://schemas.openxmlformats.org/drawingml/2006/main" xmlns:r="http://schemas.openxmlformats.org/officeDocument/2006/relationships" xmlns:mc="http://schemas.openxmlformats.org/markup-compatibility/2006" xmlns:mv="urn:schemas-microsoft-com:mac:vml" xmlns:p="http://schemas.openxmlformats.org/presentationml/2006/main" xmlns:c="http://schemas.openxmlformats.org/drawingml/2006/chart" xmlns:dgm="http://schemas.openxmlformats.org/drawingml/2006/diagram" xmlns:o="urn:schemas-microsoft-com:office:office" xmlns:v="urn:schemas-microsoft-com:vml" xmlns:pvml="urn:schemas-microsoft-com:office:powerpoint" xmlns:com="http://schemas.openxmlformats.org/drawingml/2006/compatibility" xmlns:p14="http://schemas.microsoft.com/office/powerpoint/2010/main" xmlns:p15="http://schemas.microsoft.com/office/powerpoint/2012/main" xmlns:ahyp="http://schemas.microsoft.com/office/drawing/2018/hyperlinkcolor">
+<p:sld xmlns:a="http://schemas.openxmlformats.org/drawingml/2006/main" xmlns:r="http://schemas.openxmlformats.org/officeDocument/2006/relationships" xmlns:p="http://schemas.openxmlformats.org/presentationml/2006/main">
   <p:cSld>
     <p:spTree>
       <p:nvGrpSpPr>
-        <p:cNvPr id="108" name="Shape 108"/>
+        <p:cNvPr id="1" name=""/>
+        <p:cNvGrpSpPr/>
+        <p:nvPr/>
+      </p:nvGrpSpPr>
+      <p:grpSpPr>
+        <a:xfrm>
+          <a:off x="0" y="0"/>
+          <a:ext cx="0" cy="0"/>
+          <a:chOff x="0" y="0"/>
+          <a:chExt cx="0" cy="0"/>
+        </a:xfrm>
+      </p:grpSpPr>
+      <p:sp>
+        <p:nvSpPr>
+          <p:cNvPr id="2" name="Título 1">
+            <a:extLst>
+              <a:ext uri="{FF2B5EF4-FFF2-40B4-BE49-F238E27FC236}">
+                <a16:creationId xmlns:a16="http://schemas.microsoft.com/office/drawing/2014/main" id="{F14B7C54-57F1-4E9B-AC37-68F9E747E5BC}"/>
+              </a:ext>
+            </a:extLst>
+          </p:cNvPr>
+          <p:cNvSpPr>
+            <a:spLocks noGrp="1"/>
+          </p:cNvSpPr>
+          <p:nvPr>
+            <p:ph type="title"/>
+          </p:nvPr>
+        </p:nvSpPr>
+        <p:spPr>
+          <a:xfrm>
+            <a:off x="247904" y="349332"/>
+            <a:ext cx="9076849" cy="572700"/>
+          </a:xfrm>
+        </p:spPr>
+        <p:txBody>
+          <a:bodyPr/>
+          <a:lstStyle/>
+          <a:p>
+            <a:pPr>
+              <a:buNone/>
+            </a:pPr>
+            <a:r>
+              <a:rPr lang="es" sz="2800" dirty="0">
+                <a:solidFill>
+                  <a:srgbClr val="3F3F3F"/>
+                </a:solidFill>
+                <a:latin typeface="Open Sans"/>
+                <a:ea typeface="Open Sans"/>
+                <a:cs typeface="Open Sans"/>
+                <a:sym typeface="Open Sans"/>
+              </a:rPr>
+              <a:t>¿Cómo comienza y cómo se propaga esta amenaza?</a:t>
+            </a:r>
+            <a:br>
+              <a:rPr lang="es" sz="2800" dirty="0">
+                <a:solidFill>
+                  <a:srgbClr val="3F3F3F"/>
+                </a:solidFill>
+                <a:latin typeface="Open Sans"/>
+                <a:ea typeface="Open Sans"/>
+                <a:cs typeface="Open Sans"/>
+                <a:sym typeface="Open Sans"/>
+              </a:rPr>
+            </a:br>
+            <a:endParaRPr lang="es-AR" sz="2800" dirty="0"/>
+          </a:p>
+        </p:txBody>
+      </p:sp>
+      <p:sp>
+        <p:nvSpPr>
+          <p:cNvPr id="5" name="CuadroTexto 4">
+            <a:extLst>
+              <a:ext uri="{FF2B5EF4-FFF2-40B4-BE49-F238E27FC236}">
+                <a16:creationId xmlns:a16="http://schemas.microsoft.com/office/drawing/2014/main" id="{CB1CDB63-A815-4A83-A477-DD81D8737CDC}"/>
+              </a:ext>
+            </a:extLst>
+          </p:cNvPr>
+          <p:cNvSpPr txBox="1"/>
+          <p:nvPr/>
+        </p:nvSpPr>
+        <p:spPr>
+          <a:xfrm>
+            <a:off x="574158" y="1010093"/>
+            <a:ext cx="8218968" cy="923330"/>
+          </a:xfrm>
+          <a:prstGeom prst="rect">
+            <a:avLst/>
+          </a:prstGeom>
+          <a:noFill/>
+        </p:spPr>
+        <p:txBody>
+          <a:bodyPr wrap="square" rtlCol="0">
+            <a:spAutoFit/>
+          </a:bodyPr>
+          <a:lstStyle/>
+          <a:p>
+            <a:r>
+              <a:rPr lang="es-ES" sz="1800" i="0" dirty="0">
+                <a:solidFill>
+                  <a:schemeClr val="tx1"/>
+                </a:solidFill>
+                <a:effectLst/>
+                <a:latin typeface="Open Sans" panose="020B0606030504020204" pitchFamily="34" charset="0"/>
+                <a:ea typeface="Open Sans" panose="020B0606030504020204" pitchFamily="34" charset="0"/>
+                <a:cs typeface="Open Sans" panose="020B0606030504020204" pitchFamily="34" charset="0"/>
+              </a:rPr>
+              <a:t>Las maneras más comunes de contraer una infección de </a:t>
+            </a:r>
+            <a:r>
+              <a:rPr lang="es-ES" sz="1800" i="0" dirty="0" err="1">
+                <a:solidFill>
+                  <a:schemeClr val="tx1"/>
+                </a:solidFill>
+                <a:effectLst/>
+                <a:latin typeface="Open Sans" panose="020B0606030504020204" pitchFamily="34" charset="0"/>
+                <a:ea typeface="Open Sans" panose="020B0606030504020204" pitchFamily="34" charset="0"/>
+                <a:cs typeface="Open Sans" panose="020B0606030504020204" pitchFamily="34" charset="0"/>
+              </a:rPr>
+              <a:t>ransomware</a:t>
+            </a:r>
+            <a:r>
+              <a:rPr lang="es-ES" sz="1800" i="0" dirty="0">
+                <a:solidFill>
+                  <a:schemeClr val="tx1"/>
+                </a:solidFill>
+                <a:effectLst/>
+                <a:latin typeface="Open Sans" panose="020B0606030504020204" pitchFamily="34" charset="0"/>
+                <a:ea typeface="Open Sans" panose="020B0606030504020204" pitchFamily="34" charset="0"/>
+                <a:cs typeface="Open Sans" panose="020B0606030504020204" pitchFamily="34" charset="0"/>
+              </a:rPr>
+              <a:t> son visitar un sitio web malicioso, abrir un adjunto maligno o descargar software con agregados indeseables</a:t>
+            </a:r>
+            <a:endParaRPr lang="es-AR" sz="1800" dirty="0">
+              <a:solidFill>
+                <a:schemeClr val="tx1"/>
+              </a:solidFill>
+              <a:latin typeface="Open Sans" panose="020B0606030504020204" pitchFamily="34" charset="0"/>
+              <a:ea typeface="Open Sans" panose="020B0606030504020204" pitchFamily="34" charset="0"/>
+              <a:cs typeface="Open Sans" panose="020B0606030504020204" pitchFamily="34" charset="0"/>
+            </a:endParaRPr>
+          </a:p>
+        </p:txBody>
+      </p:sp>
+    </p:spTree>
+    <p:extLst>
+      <p:ext uri="{BB962C8B-B14F-4D97-AF65-F5344CB8AC3E}">
+        <p14:creationId xmlns:p14="http://schemas.microsoft.com/office/powerpoint/2010/main" val="505238201"/>
+      </p:ext>
+    </p:extLst>
+  </p:cSld>
+  <p:clrMapOvr>
+    <a:masterClrMapping/>
+  </p:clrMapOvr>
+</p:sld>
+</file>
+
+<file path=ppt/slides/slide11.xml><?xml version="1.0" encoding="utf-8"?>
+<p:sld xmlns:a="http://schemas.openxmlformats.org/drawingml/2006/main" xmlns:r="http://schemas.openxmlformats.org/officeDocument/2006/relationships" xmlns:p="http://schemas.openxmlformats.org/presentationml/2006/main">
+  <p:cSld>
+    <p:spTree>
+      <p:nvGrpSpPr>
+        <p:cNvPr id="1" name=""/>
+        <p:cNvGrpSpPr/>
+        <p:nvPr/>
+      </p:nvGrpSpPr>
+      <p:grpSpPr>
+        <a:xfrm>
+          <a:off x="0" y="0"/>
+          <a:ext cx="0" cy="0"/>
+          <a:chOff x="0" y="0"/>
+          <a:chExt cx="0" cy="0"/>
+        </a:xfrm>
+      </p:grpSpPr>
+      <p:sp>
+        <p:nvSpPr>
+          <p:cNvPr id="2" name="Título 1">
+            <a:extLst>
+              <a:ext uri="{FF2B5EF4-FFF2-40B4-BE49-F238E27FC236}">
+                <a16:creationId xmlns:a16="http://schemas.microsoft.com/office/drawing/2014/main" id="{B2A870FD-9978-40D1-BDEB-B66A155ECD9E}"/>
+              </a:ext>
+            </a:extLst>
+          </p:cNvPr>
+          <p:cNvSpPr>
+            <a:spLocks noGrp="1"/>
+          </p:cNvSpPr>
+          <p:nvPr>
+            <p:ph type="title"/>
+          </p:nvPr>
+        </p:nvSpPr>
+        <p:spPr/>
+        <p:txBody>
+          <a:bodyPr/>
+          <a:lstStyle/>
+          <a:p>
+            <a:pPr algn="ctr">
+              <a:buNone/>
+            </a:pPr>
+            <a:r>
+              <a:rPr lang="es-ES" sz="2800" dirty="0">
+                <a:solidFill>
+                  <a:srgbClr val="3F3F3F"/>
+                </a:solidFill>
+                <a:latin typeface="Open Sans"/>
+                <a:ea typeface="Open Sans"/>
+                <a:cs typeface="Open Sans"/>
+                <a:sym typeface="Open Sans"/>
+              </a:rPr>
+              <a:t>¿Hay más de una amenaza aplicada ?</a:t>
+            </a:r>
+            <a:br>
+              <a:rPr lang="es-ES" sz="2800" dirty="0">
+                <a:solidFill>
+                  <a:srgbClr val="3F3F3F"/>
+                </a:solidFill>
+                <a:latin typeface="Open Sans"/>
+                <a:ea typeface="Open Sans"/>
+                <a:cs typeface="Open Sans"/>
+                <a:sym typeface="Open Sans"/>
+              </a:rPr>
+            </a:br>
+            <a:endParaRPr lang="es-AR" sz="2800" dirty="0"/>
+          </a:p>
+        </p:txBody>
+      </p:sp>
+    </p:spTree>
+    <p:extLst>
+      <p:ext uri="{BB962C8B-B14F-4D97-AF65-F5344CB8AC3E}">
+        <p14:creationId xmlns:p14="http://schemas.microsoft.com/office/powerpoint/2010/main" val="3005051169"/>
+      </p:ext>
+    </p:extLst>
+  </p:cSld>
+  <p:clrMapOvr>
+    <a:masterClrMapping/>
+  </p:clrMapOvr>
+</p:sld>
+</file>
+
+<file path=ppt/slides/slide12.xml><?xml version="1.0" encoding="utf-8"?>
+<p:sld xmlns:a="http://schemas.openxmlformats.org/drawingml/2006/main" xmlns:r="http://schemas.openxmlformats.org/officeDocument/2006/relationships" xmlns:p="http://schemas.openxmlformats.org/presentationml/2006/main">
+  <p:cSld>
+    <p:spTree>
+      <p:nvGrpSpPr>
+        <p:cNvPr id="1" name=""/>
+        <p:cNvGrpSpPr/>
+        <p:nvPr/>
+      </p:nvGrpSpPr>
+      <p:grpSpPr>
+        <a:xfrm>
+          <a:off x="0" y="0"/>
+          <a:ext cx="0" cy="0"/>
+          <a:chOff x="0" y="0"/>
+          <a:chExt cx="0" cy="0"/>
+        </a:xfrm>
+      </p:grpSpPr>
+      <p:sp>
+        <p:nvSpPr>
+          <p:cNvPr id="2" name="Título 1">
+            <a:extLst>
+              <a:ext uri="{FF2B5EF4-FFF2-40B4-BE49-F238E27FC236}">
+                <a16:creationId xmlns:a16="http://schemas.microsoft.com/office/drawing/2014/main" id="{2C787A74-B378-4FA7-90F6-BF7FA8C1D74E}"/>
+              </a:ext>
+            </a:extLst>
+          </p:cNvPr>
+          <p:cNvSpPr>
+            <a:spLocks noGrp="1"/>
+          </p:cNvSpPr>
+          <p:nvPr>
+            <p:ph type="title"/>
+          </p:nvPr>
+        </p:nvSpPr>
+        <p:spPr/>
+        <p:txBody>
+          <a:bodyPr/>
+          <a:lstStyle/>
+          <a:p>
+            <a:pPr algn="ctr">
+              <a:buNone/>
+            </a:pPr>
+            <a:r>
+              <a:rPr lang="es-ES" sz="2800" dirty="0"/>
+              <a:t>¿Qué solución o medida recomendarían ?</a:t>
+            </a:r>
+            <a:br>
+              <a:rPr lang="es-ES" dirty="0"/>
+            </a:br>
+            <a:endParaRPr lang="es-AR" dirty="0"/>
+          </a:p>
+        </p:txBody>
+      </p:sp>
+      <p:sp>
+        <p:nvSpPr>
+          <p:cNvPr id="3" name="CuadroTexto 2">
+            <a:extLst>
+              <a:ext uri="{FF2B5EF4-FFF2-40B4-BE49-F238E27FC236}">
+                <a16:creationId xmlns:a16="http://schemas.microsoft.com/office/drawing/2014/main" id="{C2873A67-1F04-44A9-9C05-2E348D4BD187}"/>
+              </a:ext>
+            </a:extLst>
+          </p:cNvPr>
+          <p:cNvSpPr txBox="1"/>
+          <p:nvPr/>
+        </p:nvSpPr>
+        <p:spPr>
+          <a:xfrm>
+            <a:off x="1233376" y="1424763"/>
+            <a:ext cx="6570921" cy="2308324"/>
+          </a:xfrm>
+          <a:prstGeom prst="rect">
+            <a:avLst/>
+          </a:prstGeom>
+          <a:noFill/>
+        </p:spPr>
+        <p:txBody>
+          <a:bodyPr wrap="square" rtlCol="0">
+            <a:spAutoFit/>
+          </a:bodyPr>
+          <a:lstStyle/>
+          <a:p>
+            <a:r>
+              <a:rPr lang="es-ES" sz="1800" dirty="0">
+                <a:latin typeface="Open Sans" panose="020B0606030504020204" pitchFamily="34" charset="0"/>
+                <a:ea typeface="Open Sans" panose="020B0606030504020204" pitchFamily="34" charset="0"/>
+                <a:cs typeface="Open Sans" panose="020B0606030504020204" pitchFamily="34" charset="0"/>
+              </a:rPr>
+              <a:t>La primera —que definitivamente no se recomienda— es pagar el dinero del rescate. </a:t>
+            </a:r>
+            <a:br>
+              <a:rPr lang="es-ES" sz="1800" dirty="0">
+                <a:latin typeface="Open Sans" panose="020B0606030504020204" pitchFamily="34" charset="0"/>
+                <a:ea typeface="Open Sans" panose="020B0606030504020204" pitchFamily="34" charset="0"/>
+                <a:cs typeface="Open Sans" panose="020B0606030504020204" pitchFamily="34" charset="0"/>
+              </a:rPr>
+            </a:br>
+            <a:endParaRPr lang="es-ES" sz="1800" dirty="0">
+              <a:latin typeface="Open Sans" panose="020B0606030504020204" pitchFamily="34" charset="0"/>
+              <a:ea typeface="Open Sans" panose="020B0606030504020204" pitchFamily="34" charset="0"/>
+              <a:cs typeface="Open Sans" panose="020B0606030504020204" pitchFamily="34" charset="0"/>
+            </a:endParaRPr>
+          </a:p>
+          <a:p>
+            <a:r>
+              <a:rPr lang="es-ES" sz="1800" dirty="0">
+                <a:latin typeface="Open Sans" panose="020B0606030504020204" pitchFamily="34" charset="0"/>
+                <a:ea typeface="Open Sans" panose="020B0606030504020204" pitchFamily="34" charset="0"/>
+                <a:cs typeface="Open Sans" panose="020B0606030504020204" pitchFamily="34" charset="0"/>
+              </a:rPr>
+              <a:t>La segunda opción, preferible a la primera, es intentar eliminar el </a:t>
+            </a:r>
+            <a:r>
+              <a:rPr lang="es-ES" sz="1800" dirty="0" err="1">
+                <a:latin typeface="Open Sans" panose="020B0606030504020204" pitchFamily="34" charset="0"/>
+                <a:ea typeface="Open Sans" panose="020B0606030504020204" pitchFamily="34" charset="0"/>
+                <a:cs typeface="Open Sans" panose="020B0606030504020204" pitchFamily="34" charset="0"/>
+              </a:rPr>
+              <a:t>ransomware</a:t>
+            </a:r>
+            <a:r>
+              <a:rPr lang="es-ES" sz="1800" dirty="0">
+                <a:latin typeface="Open Sans" panose="020B0606030504020204" pitchFamily="34" charset="0"/>
+                <a:ea typeface="Open Sans" panose="020B0606030504020204" pitchFamily="34" charset="0"/>
+                <a:cs typeface="Open Sans" panose="020B0606030504020204" pitchFamily="34" charset="0"/>
+              </a:rPr>
+              <a:t>. </a:t>
+            </a:r>
+            <a:br>
+              <a:rPr lang="es-ES" sz="1800" dirty="0">
+                <a:latin typeface="Open Sans" panose="020B0606030504020204" pitchFamily="34" charset="0"/>
+                <a:ea typeface="Open Sans" panose="020B0606030504020204" pitchFamily="34" charset="0"/>
+                <a:cs typeface="Open Sans" panose="020B0606030504020204" pitchFamily="34" charset="0"/>
+              </a:rPr>
+            </a:br>
+            <a:endParaRPr lang="es-ES" sz="1800" dirty="0">
+              <a:latin typeface="Open Sans" panose="020B0606030504020204" pitchFamily="34" charset="0"/>
+              <a:ea typeface="Open Sans" panose="020B0606030504020204" pitchFamily="34" charset="0"/>
+              <a:cs typeface="Open Sans" panose="020B0606030504020204" pitchFamily="34" charset="0"/>
+            </a:endParaRPr>
+          </a:p>
+          <a:p>
+            <a:r>
+              <a:rPr lang="es-ES" sz="1800" dirty="0">
+                <a:latin typeface="Open Sans" panose="020B0606030504020204" pitchFamily="34" charset="0"/>
+                <a:ea typeface="Open Sans" panose="020B0606030504020204" pitchFamily="34" charset="0"/>
+                <a:cs typeface="Open Sans" panose="020B0606030504020204" pitchFamily="34" charset="0"/>
+              </a:rPr>
+              <a:t>Si este intento no da fruto, queda solo una opción: dejar el dispositivo en cero, como si fuera recién comprado.</a:t>
+            </a:r>
+            <a:endParaRPr lang="es-AR" sz="1800" dirty="0">
+              <a:latin typeface="Open Sans" panose="020B0606030504020204" pitchFamily="34" charset="0"/>
+              <a:ea typeface="Open Sans" panose="020B0606030504020204" pitchFamily="34" charset="0"/>
+              <a:cs typeface="Open Sans" panose="020B0606030504020204" pitchFamily="34" charset="0"/>
+            </a:endParaRPr>
+          </a:p>
+        </p:txBody>
+      </p:sp>
+    </p:spTree>
+    <p:extLst>
+      <p:ext uri="{BB962C8B-B14F-4D97-AF65-F5344CB8AC3E}">
+        <p14:creationId xmlns:p14="http://schemas.microsoft.com/office/powerpoint/2010/main" val="3085144819"/>
+      </p:ext>
+    </p:extLst>
+  </p:cSld>
+  <p:clrMapOvr>
+    <a:masterClrMapping/>
+  </p:clrMapOvr>
+</p:sld>
+</file>
+
+<file path=ppt/slides/slide13.xml><?xml version="1.0" encoding="utf-8"?>
+<p:sld xmlns:a="http://schemas.openxmlformats.org/drawingml/2006/main" xmlns:r="http://schemas.openxmlformats.org/officeDocument/2006/relationships" xmlns:p="http://schemas.openxmlformats.org/presentationml/2006/main">
+  <p:cSld>
+    <p:spTree>
+      <p:nvGrpSpPr>
+        <p:cNvPr id="1" name="Shape 102"/>
+        <p:cNvGrpSpPr/>
+        <p:nvPr/>
+      </p:nvGrpSpPr>
+      <p:grpSpPr>
+        <a:xfrm>
+          <a:off x="0" y="0"/>
+          <a:ext cx="0" cy="0"/>
+          <a:chOff x="0" y="0"/>
+          <a:chExt cx="0" cy="0"/>
+        </a:xfrm>
+      </p:grpSpPr>
+      <p:sp>
+        <p:nvSpPr>
+          <p:cNvPr id="103" name="Google Shape;103;p23"/>
+          <p:cNvSpPr txBox="1"/>
+          <p:nvPr/>
+        </p:nvSpPr>
+        <p:spPr>
+          <a:xfrm>
+            <a:off x="766075" y="174875"/>
+            <a:ext cx="5927700" cy="600300"/>
+          </a:xfrm>
+          <a:prstGeom prst="rect">
+            <a:avLst/>
+          </a:prstGeom>
+          <a:noFill/>
+          <a:ln>
+            <a:noFill/>
+          </a:ln>
+        </p:spPr>
+        <p:txBody>
+          <a:bodyPr spcFirstLastPara="1" wrap="square" lIns="91425" tIns="91425" rIns="91425" bIns="91425" anchor="t" anchorCtr="0">
+            <a:spAutoFit/>
+          </a:bodyPr>
+          <a:lstStyle/>
+          <a:p>
+            <a:pPr marL="0" lvl="0" indent="0" algn="l" rtl="0">
+              <a:lnSpc>
+                <a:spcPct val="90000"/>
+              </a:lnSpc>
+              <a:spcBef>
+                <a:spcPts val="0"/>
+              </a:spcBef>
+              <a:spcAft>
+                <a:spcPts val="0"/>
+              </a:spcAft>
+              <a:buNone/>
+            </a:pPr>
+            <a:r>
+              <a:rPr lang="es" sz="3000" b="1">
+                <a:solidFill>
+                  <a:srgbClr val="EC183F"/>
+                </a:solidFill>
+                <a:latin typeface="Rajdhani"/>
+                <a:ea typeface="Rajdhani"/>
+                <a:cs typeface="Rajdhani"/>
+                <a:sym typeface="Rajdhani"/>
+              </a:rPr>
+              <a:t>Mesa</a:t>
+            </a:r>
+            <a:r>
+              <a:rPr lang="es" sz="3000" b="1">
+                <a:solidFill>
+                  <a:srgbClr val="434343"/>
+                </a:solidFill>
+                <a:latin typeface="Rajdhani"/>
+                <a:ea typeface="Rajdhani"/>
+                <a:cs typeface="Rajdhani"/>
+                <a:sym typeface="Rajdhani"/>
+              </a:rPr>
+              <a:t> 9</a:t>
+            </a:r>
+            <a:endParaRPr b="1" u="sng"/>
+          </a:p>
+        </p:txBody>
+      </p:sp>
+      <p:sp>
+        <p:nvSpPr>
+          <p:cNvPr id="104" name="Google Shape;104;p23"/>
+          <p:cNvSpPr txBox="1"/>
+          <p:nvPr/>
+        </p:nvSpPr>
+        <p:spPr>
+          <a:xfrm>
+            <a:off x="766075" y="1203800"/>
+            <a:ext cx="7633200" cy="3155400"/>
+          </a:xfrm>
+          <a:prstGeom prst="rect">
+            <a:avLst/>
+          </a:prstGeom>
+          <a:noFill/>
+          <a:ln>
+            <a:noFill/>
+          </a:ln>
+        </p:spPr>
+        <p:txBody>
+          <a:bodyPr spcFirstLastPara="1" wrap="square" lIns="91425" tIns="91425" rIns="91425" bIns="91425" anchor="t" anchorCtr="0">
+            <a:spAutoFit/>
+          </a:bodyPr>
+          <a:lstStyle/>
+          <a:p>
+            <a:pPr marL="0" lvl="0" indent="0" algn="l" rtl="0">
+              <a:lnSpc>
+                <a:spcPct val="200000"/>
+              </a:lnSpc>
+              <a:spcBef>
+                <a:spcPts val="0"/>
+              </a:spcBef>
+              <a:spcAft>
+                <a:spcPts val="0"/>
+              </a:spcAft>
+              <a:buNone/>
+            </a:pPr>
+            <a:r>
+              <a:rPr lang="es" sz="1600">
+                <a:solidFill>
+                  <a:srgbClr val="3F3F3F"/>
+                </a:solidFill>
+                <a:latin typeface="Open Sans"/>
+                <a:ea typeface="Open Sans"/>
+                <a:cs typeface="Open Sans"/>
+                <a:sym typeface="Open Sans"/>
+              </a:rPr>
+              <a:t>Nota : &lt;Poner el link&gt;</a:t>
+            </a:r>
+            <a:endParaRPr sz="1600">
+              <a:solidFill>
+                <a:srgbClr val="3F3F3F"/>
+              </a:solidFill>
+              <a:latin typeface="Open Sans"/>
+              <a:ea typeface="Open Sans"/>
+              <a:cs typeface="Open Sans"/>
+              <a:sym typeface="Open Sans"/>
+            </a:endParaRPr>
+          </a:p>
+          <a:p>
+            <a:pPr marL="0" lvl="0" indent="0" algn="l" rtl="0">
+              <a:lnSpc>
+                <a:spcPct val="200000"/>
+              </a:lnSpc>
+              <a:spcBef>
+                <a:spcPts val="0"/>
+              </a:spcBef>
+              <a:spcAft>
+                <a:spcPts val="0"/>
+              </a:spcAft>
+              <a:buNone/>
+            </a:pPr>
+            <a:r>
+              <a:rPr lang="es" sz="1600">
+                <a:solidFill>
+                  <a:srgbClr val="3F3F3F"/>
+                </a:solidFill>
+                <a:latin typeface="Open Sans"/>
+                <a:ea typeface="Open Sans"/>
+                <a:cs typeface="Open Sans"/>
+                <a:sym typeface="Open Sans"/>
+              </a:rPr>
+              <a:t>¿Qué tipo de amenaza es?</a:t>
+            </a:r>
+            <a:endParaRPr sz="1600">
+              <a:solidFill>
+                <a:srgbClr val="3F3F3F"/>
+              </a:solidFill>
+              <a:latin typeface="Open Sans"/>
+              <a:ea typeface="Open Sans"/>
+              <a:cs typeface="Open Sans"/>
+              <a:sym typeface="Open Sans"/>
+            </a:endParaRPr>
+          </a:p>
+          <a:p>
+            <a:pPr marL="0" lvl="0" indent="0" algn="l" rtl="0">
+              <a:lnSpc>
+                <a:spcPct val="200000"/>
+              </a:lnSpc>
+              <a:spcBef>
+                <a:spcPts val="0"/>
+              </a:spcBef>
+              <a:spcAft>
+                <a:spcPts val="0"/>
+              </a:spcAft>
+              <a:buNone/>
+            </a:pPr>
+            <a:r>
+              <a:rPr lang="es" sz="1600">
+                <a:solidFill>
+                  <a:srgbClr val="3F3F3F"/>
+                </a:solidFill>
+                <a:latin typeface="Open Sans"/>
+                <a:ea typeface="Open Sans"/>
+                <a:cs typeface="Open Sans"/>
+                <a:sym typeface="Open Sans"/>
+              </a:rPr>
+              <a:t>¿Cómo comienza y cómo se propaga esta amenaza?</a:t>
+            </a:r>
+            <a:endParaRPr sz="1600">
+              <a:solidFill>
+                <a:srgbClr val="3F3F3F"/>
+              </a:solidFill>
+              <a:latin typeface="Open Sans"/>
+              <a:ea typeface="Open Sans"/>
+              <a:cs typeface="Open Sans"/>
+              <a:sym typeface="Open Sans"/>
+            </a:endParaRPr>
+          </a:p>
+          <a:p>
+            <a:pPr marL="0" lvl="0" indent="0" algn="l" rtl="0">
+              <a:lnSpc>
+                <a:spcPct val="200000"/>
+              </a:lnSpc>
+              <a:spcBef>
+                <a:spcPts val="0"/>
+              </a:spcBef>
+              <a:spcAft>
+                <a:spcPts val="0"/>
+              </a:spcAft>
+              <a:buNone/>
+            </a:pPr>
+            <a:r>
+              <a:rPr lang="es" sz="1600">
+                <a:solidFill>
+                  <a:srgbClr val="3F3F3F"/>
+                </a:solidFill>
+                <a:latin typeface="Open Sans"/>
+                <a:ea typeface="Open Sans"/>
+                <a:cs typeface="Open Sans"/>
+                <a:sym typeface="Open Sans"/>
+              </a:rPr>
+              <a:t>¿Hay más de una amenaza aplicada ?</a:t>
+            </a:r>
+            <a:endParaRPr sz="1600">
+              <a:solidFill>
+                <a:srgbClr val="3F3F3F"/>
+              </a:solidFill>
+              <a:latin typeface="Open Sans"/>
+              <a:ea typeface="Open Sans"/>
+              <a:cs typeface="Open Sans"/>
+              <a:sym typeface="Open Sans"/>
+            </a:endParaRPr>
+          </a:p>
+          <a:p>
+            <a:pPr marL="0" lvl="0" indent="0" algn="l" rtl="0">
+              <a:lnSpc>
+                <a:spcPct val="200000"/>
+              </a:lnSpc>
+              <a:spcBef>
+                <a:spcPts val="0"/>
+              </a:spcBef>
+              <a:spcAft>
+                <a:spcPts val="0"/>
+              </a:spcAft>
+              <a:buNone/>
+            </a:pPr>
+            <a:r>
+              <a:rPr lang="es" sz="1600">
+                <a:solidFill>
+                  <a:srgbClr val="3F3F3F"/>
+                </a:solidFill>
+                <a:latin typeface="Open Sans"/>
+                <a:ea typeface="Open Sans"/>
+                <a:cs typeface="Open Sans"/>
+                <a:sym typeface="Open Sans"/>
+              </a:rPr>
+              <a:t>¿Qué solución o medida recomendarían ?</a:t>
+            </a:r>
+            <a:endParaRPr/>
+          </a:p>
+          <a:p>
+            <a:pPr marL="0" lvl="0" indent="0" algn="l" rtl="0">
+              <a:spcBef>
+                <a:spcPts val="600"/>
+              </a:spcBef>
+              <a:spcAft>
+                <a:spcPts val="0"/>
+              </a:spcAft>
+              <a:buNone/>
+            </a:pPr>
+            <a:endParaRPr/>
+          </a:p>
+          <a:p>
+            <a:pPr marL="0" lvl="0" indent="0" algn="l" rtl="0">
+              <a:spcBef>
+                <a:spcPts val="0"/>
+              </a:spcBef>
+              <a:spcAft>
+                <a:spcPts val="0"/>
+              </a:spcAft>
+              <a:buNone/>
+            </a:pPr>
+            <a:endParaRPr/>
+          </a:p>
+        </p:txBody>
+      </p:sp>
+    </p:spTree>
+  </p:cSld>
+  <p:clrMapOvr>
+    <a:masterClrMapping/>
+  </p:clrMapOvr>
+</p:sld>
+</file>
+
+<file path=ppt/slides/slide14.xml><?xml version="1.0" encoding="utf-8"?>
+<p:sld xmlns:a="http://schemas.openxmlformats.org/drawingml/2006/main" xmlns:r="http://schemas.openxmlformats.org/officeDocument/2006/relationships" xmlns:p="http://schemas.openxmlformats.org/presentationml/2006/main">
+  <p:cSld>
+    <p:spTree>
+      <p:nvGrpSpPr>
+        <p:cNvPr id="1" name="Shape 108"/>
         <p:cNvGrpSpPr/>
         <p:nvPr/>
       </p:nvGrpSpPr>
@@ -6205,12 +6988,12 @@
           </a:ln>
         </p:spPr>
         <p:txBody>
-          <a:bodyPr anchorCtr="0" anchor="t" bIns="91425" lIns="91425" spcFirstLastPara="1" rIns="91425" wrap="square" tIns="91425">
+          <a:bodyPr spcFirstLastPara="1" wrap="square" lIns="91425" tIns="91425" rIns="91425" bIns="91425" anchor="t" anchorCtr="0">
             <a:spAutoFit/>
           </a:bodyPr>
           <a:lstStyle/>
           <a:p>
-            <a:pPr indent="0" lvl="0" marL="0" rtl="0" algn="l">
+            <a:pPr marL="0" lvl="0" indent="0" algn="l" rtl="0">
               <a:lnSpc>
                 <a:spcPct val="90000"/>
               </a:lnSpc>
@@ -6223,7 +7006,7 @@
               <a:buNone/>
             </a:pPr>
             <a:r>
-              <a:rPr b="1" lang="es" sz="3000">
+              <a:rPr lang="es" sz="3000" b="1">
                 <a:solidFill>
                   <a:srgbClr val="EC183F"/>
                 </a:solidFill>
@@ -6235,7 +7018,7 @@
               <a:t>Mesa</a:t>
             </a:r>
             <a:r>
-              <a:rPr b="1" lang="es" sz="3000">
+              <a:rPr lang="es" sz="3000" b="1">
                 <a:solidFill>
                   <a:srgbClr val="434343"/>
                 </a:solidFill>
@@ -6270,12 +7053,12 @@
           </a:ln>
         </p:spPr>
         <p:txBody>
-          <a:bodyPr anchorCtr="0" anchor="t" bIns="91425" lIns="91425" spcFirstLastPara="1" rIns="91425" wrap="square" tIns="91425">
+          <a:bodyPr spcFirstLastPara="1" wrap="square" lIns="91425" tIns="91425" rIns="91425" bIns="91425" anchor="t" anchorCtr="0">
             <a:spAutoFit/>
           </a:bodyPr>
           <a:lstStyle/>
           <a:p>
-            <a:pPr indent="0" lvl="0" marL="0" rtl="0" algn="l">
+            <a:pPr marL="0" lvl="0" indent="0" algn="l" rtl="0">
               <a:lnSpc>
                 <a:spcPct val="200000"/>
               </a:lnSpc>
@@ -6310,7 +7093,7 @@
             </a:endParaRPr>
           </a:p>
           <a:p>
-            <a:pPr indent="0" lvl="0" marL="0" rtl="0" algn="l">
+            <a:pPr marL="0" lvl="0" indent="0" algn="l" rtl="0">
               <a:lnSpc>
                 <a:spcPct val="200000"/>
               </a:lnSpc>
@@ -6345,7 +7128,7 @@
             </a:endParaRPr>
           </a:p>
           <a:p>
-            <a:pPr indent="0" lvl="0" marL="0" rtl="0" algn="l">
+            <a:pPr marL="0" lvl="0" indent="0" algn="l" rtl="0">
               <a:lnSpc>
                 <a:spcPct val="200000"/>
               </a:lnSpc>
@@ -6380,7 +7163,7 @@
             </a:endParaRPr>
           </a:p>
           <a:p>
-            <a:pPr indent="0" lvl="0" marL="0" rtl="0" algn="l">
+            <a:pPr marL="0" lvl="0" indent="0" algn="l" rtl="0">
               <a:lnSpc>
                 <a:spcPct val="200000"/>
               </a:lnSpc>
@@ -6415,7 +7198,7 @@
             </a:endParaRPr>
           </a:p>
           <a:p>
-            <a:pPr indent="0" lvl="0" marL="0" rtl="0" algn="l">
+            <a:pPr marL="0" lvl="0" indent="0" algn="l" rtl="0">
               <a:lnSpc>
                 <a:spcPct val="200000"/>
               </a:lnSpc>
@@ -6442,7 +7225,7 @@
             <a:endParaRPr/>
           </a:p>
           <a:p>
-            <a:pPr indent="0" lvl="0" marL="0" rtl="0" algn="l">
+            <a:pPr marL="0" lvl="0" indent="0" algn="l" rtl="0">
               <a:spcBef>
                 <a:spcPts val="600"/>
               </a:spcBef>
@@ -6451,24 +7234,18 @@
               </a:spcAft>
               <a:buNone/>
             </a:pPr>
-            <a:r>
-              <a:t/>
-            </a:r>
             <a:endParaRPr/>
           </a:p>
           <a:p>
-            <a:pPr indent="0" lvl="0" marL="0" rtl="0" algn="l">
-              <a:spcBef>
-                <a:spcPts val="0"/>
-              </a:spcBef>
-              <a:spcAft>
-                <a:spcPts val="0"/>
-              </a:spcAft>
-              <a:buNone/>
-            </a:pPr>
-            <a:r>
-              <a:t/>
-            </a:r>
+            <a:pPr marL="0" lvl="0" indent="0" algn="l" rtl="0">
+              <a:spcBef>
+                <a:spcPts val="0"/>
+              </a:spcBef>
+              <a:spcAft>
+                <a:spcPts val="0"/>
+              </a:spcAft>
+              <a:buNone/>
+            </a:pPr>
             <a:endParaRPr/>
           </a:p>
         </p:txBody>
@@ -6481,12 +7258,12 @@
 </p:sld>
 </file>
 
-<file path=ppt/slides/slide11.xml><?xml version="1.0" encoding="utf-8"?>
-<p:sld xmlns:a="http://schemas.openxmlformats.org/drawingml/2006/main" xmlns:r="http://schemas.openxmlformats.org/officeDocument/2006/relationships" xmlns:mc="http://schemas.openxmlformats.org/markup-compatibility/2006" xmlns:mv="urn:schemas-microsoft-com:mac:vml" xmlns:p="http://schemas.openxmlformats.org/presentationml/2006/main" xmlns:c="http://schemas.openxmlformats.org/drawingml/2006/chart" xmlns:dgm="http://schemas.openxmlformats.org/drawingml/2006/diagram" xmlns:o="urn:schemas-microsoft-com:office:office" xmlns:v="urn:schemas-microsoft-com:vml" xmlns:pvml="urn:schemas-microsoft-com:office:powerpoint" xmlns:com="http://schemas.openxmlformats.org/drawingml/2006/compatibility" xmlns:p14="http://schemas.microsoft.com/office/powerpoint/2010/main" xmlns:p15="http://schemas.microsoft.com/office/powerpoint/2012/main" xmlns:ahyp="http://schemas.microsoft.com/office/drawing/2018/hyperlinkcolor">
+<file path=ppt/slides/slide15.xml><?xml version="1.0" encoding="utf-8"?>
+<p:sld xmlns:a="http://schemas.openxmlformats.org/drawingml/2006/main" xmlns:r="http://schemas.openxmlformats.org/officeDocument/2006/relationships" xmlns:p="http://schemas.openxmlformats.org/presentationml/2006/main">
   <p:cSld>
     <p:spTree>
       <p:nvGrpSpPr>
-        <p:cNvPr id="114" name="Shape 114"/>
+        <p:cNvPr id="1" name="Shape 114"/>
         <p:cNvGrpSpPr/>
         <p:nvPr/>
       </p:nvGrpSpPr>
@@ -6518,12 +7295,12 @@
           </a:ln>
         </p:spPr>
         <p:txBody>
-          <a:bodyPr anchorCtr="0" anchor="t" bIns="91425" lIns="91425" spcFirstLastPara="1" rIns="91425" wrap="square" tIns="91425">
+          <a:bodyPr spcFirstLastPara="1" wrap="square" lIns="91425" tIns="91425" rIns="91425" bIns="91425" anchor="t" anchorCtr="0">
             <a:spAutoFit/>
           </a:bodyPr>
           <a:lstStyle/>
           <a:p>
-            <a:pPr indent="0" lvl="0" marL="0" rtl="0" algn="l">
+            <a:pPr marL="0" lvl="0" indent="0" algn="l" rtl="0">
               <a:lnSpc>
                 <a:spcPct val="90000"/>
               </a:lnSpc>
@@ -6536,7 +7313,7 @@
               <a:buNone/>
             </a:pPr>
             <a:r>
-              <a:rPr b="1" lang="es" sz="3000">
+              <a:rPr lang="es" sz="3000" b="1">
                 <a:solidFill>
                   <a:srgbClr val="EC183F"/>
                 </a:solidFill>
@@ -6548,7 +7325,7 @@
               <a:t>Mesa</a:t>
             </a:r>
             <a:r>
-              <a:rPr b="1" lang="es" sz="3000">
+              <a:rPr lang="es" sz="3000" b="1">
                 <a:solidFill>
                   <a:srgbClr val="434343"/>
                 </a:solidFill>
@@ -6583,12 +7360,12 @@
           </a:ln>
         </p:spPr>
         <p:txBody>
-          <a:bodyPr anchorCtr="0" anchor="t" bIns="91425" lIns="91425" spcFirstLastPara="1" rIns="91425" wrap="square" tIns="91425">
+          <a:bodyPr spcFirstLastPara="1" wrap="square" lIns="91425" tIns="91425" rIns="91425" bIns="91425" anchor="t" anchorCtr="0">
             <a:spAutoFit/>
           </a:bodyPr>
           <a:lstStyle/>
           <a:p>
-            <a:pPr indent="0" lvl="0" marL="0" rtl="0" algn="l">
+            <a:pPr marL="0" lvl="0" indent="0" algn="l" rtl="0">
               <a:lnSpc>
                 <a:spcPct val="200000"/>
               </a:lnSpc>
@@ -6623,7 +7400,7 @@
             </a:endParaRPr>
           </a:p>
           <a:p>
-            <a:pPr indent="0" lvl="0" marL="0" rtl="0" algn="l">
+            <a:pPr marL="0" lvl="0" indent="0" algn="l" rtl="0">
               <a:lnSpc>
                 <a:spcPct val="200000"/>
               </a:lnSpc>
@@ -6658,7 +7435,7 @@
             </a:endParaRPr>
           </a:p>
           <a:p>
-            <a:pPr indent="0" lvl="0" marL="0" rtl="0" algn="l">
+            <a:pPr marL="0" lvl="0" indent="0" algn="l" rtl="0">
               <a:lnSpc>
                 <a:spcPct val="200000"/>
               </a:lnSpc>
@@ -6693,7 +7470,7 @@
             </a:endParaRPr>
           </a:p>
           <a:p>
-            <a:pPr indent="0" lvl="0" marL="0" rtl="0" algn="l">
+            <a:pPr marL="0" lvl="0" indent="0" algn="l" rtl="0">
               <a:lnSpc>
                 <a:spcPct val="200000"/>
               </a:lnSpc>
@@ -6728,7 +7505,7 @@
             </a:endParaRPr>
           </a:p>
           <a:p>
-            <a:pPr indent="0" lvl="0" marL="0" rtl="0" algn="l">
+            <a:pPr marL="0" lvl="0" indent="0" algn="l" rtl="0">
               <a:lnSpc>
                 <a:spcPct val="200000"/>
               </a:lnSpc>
@@ -6755,7 +7532,7 @@
             <a:endParaRPr/>
           </a:p>
           <a:p>
-            <a:pPr indent="0" lvl="0" marL="0" rtl="0" algn="l">
+            <a:pPr marL="0" lvl="0" indent="0" algn="l" rtl="0">
               <a:spcBef>
                 <a:spcPts val="600"/>
               </a:spcBef>
@@ -6764,24 +7541,18 @@
               </a:spcAft>
               <a:buNone/>
             </a:pPr>
-            <a:r>
-              <a:t/>
-            </a:r>
             <a:endParaRPr/>
           </a:p>
           <a:p>
-            <a:pPr indent="0" lvl="0" marL="0" rtl="0" algn="l">
-              <a:spcBef>
-                <a:spcPts val="0"/>
-              </a:spcBef>
-              <a:spcAft>
-                <a:spcPts val="0"/>
-              </a:spcAft>
-              <a:buNone/>
-            </a:pPr>
-            <a:r>
-              <a:t/>
-            </a:r>
+            <a:pPr marL="0" lvl="0" indent="0" algn="l" rtl="0">
+              <a:spcBef>
+                <a:spcPts val="0"/>
+              </a:spcBef>
+              <a:spcAft>
+                <a:spcPts val="0"/>
+              </a:spcAft>
+              <a:buNone/>
+            </a:pPr>
             <a:endParaRPr/>
           </a:p>
         </p:txBody>
@@ -6794,12 +7565,12 @@
 </p:sld>
 </file>
 
-<file path=ppt/slides/slide12.xml><?xml version="1.0" encoding="utf-8"?>
-<p:sld xmlns:a="http://schemas.openxmlformats.org/drawingml/2006/main" xmlns:r="http://schemas.openxmlformats.org/officeDocument/2006/relationships" xmlns:mc="http://schemas.openxmlformats.org/markup-compatibility/2006" xmlns:mv="urn:schemas-microsoft-com:mac:vml" xmlns:p="http://schemas.openxmlformats.org/presentationml/2006/main" xmlns:c="http://schemas.openxmlformats.org/drawingml/2006/chart" xmlns:dgm="http://schemas.openxmlformats.org/drawingml/2006/diagram" xmlns:o="urn:schemas-microsoft-com:office:office" xmlns:v="urn:schemas-microsoft-com:vml" xmlns:pvml="urn:schemas-microsoft-com:office:powerpoint" xmlns:com="http://schemas.openxmlformats.org/drawingml/2006/compatibility" xmlns:p14="http://schemas.microsoft.com/office/powerpoint/2010/main" xmlns:p15="http://schemas.microsoft.com/office/powerpoint/2012/main" xmlns:ahyp="http://schemas.microsoft.com/office/drawing/2018/hyperlinkcolor">
+<file path=ppt/slides/slide16.xml><?xml version="1.0" encoding="utf-8"?>
+<p:sld xmlns:a="http://schemas.openxmlformats.org/drawingml/2006/main" xmlns:r="http://schemas.openxmlformats.org/officeDocument/2006/relationships" xmlns:p="http://schemas.openxmlformats.org/presentationml/2006/main">
   <p:cSld>
     <p:spTree>
       <p:nvGrpSpPr>
-        <p:cNvPr id="120" name="Shape 120"/>
+        <p:cNvPr id="1" name="Shape 120"/>
         <p:cNvGrpSpPr/>
         <p:nvPr/>
       </p:nvGrpSpPr>
@@ -6831,12 +7602,12 @@
           </a:ln>
         </p:spPr>
         <p:txBody>
-          <a:bodyPr anchorCtr="0" anchor="t" bIns="91425" lIns="91425" spcFirstLastPara="1" rIns="91425" wrap="square" tIns="91425">
+          <a:bodyPr spcFirstLastPara="1" wrap="square" lIns="91425" tIns="91425" rIns="91425" bIns="91425" anchor="t" anchorCtr="0">
             <a:spAutoFit/>
           </a:bodyPr>
           <a:lstStyle/>
           <a:p>
-            <a:pPr indent="0" lvl="0" marL="0" rtl="0" algn="l">
+            <a:pPr marL="0" lvl="0" indent="0" algn="l" rtl="0">
               <a:lnSpc>
                 <a:spcPct val="90000"/>
               </a:lnSpc>
@@ -6849,7 +7620,7 @@
               <a:buNone/>
             </a:pPr>
             <a:r>
-              <a:rPr b="1" lang="es" sz="3000">
+              <a:rPr lang="es" sz="3000" b="1">
                 <a:solidFill>
                   <a:srgbClr val="EC183F"/>
                 </a:solidFill>
@@ -6861,7 +7632,7 @@
               <a:t>Mesa</a:t>
             </a:r>
             <a:r>
-              <a:rPr b="1" lang="es" sz="3000">
+              <a:rPr lang="es" sz="3000" b="1">
                 <a:solidFill>
                   <a:srgbClr val="434343"/>
                 </a:solidFill>
@@ -6896,12 +7667,12 @@
           </a:ln>
         </p:spPr>
         <p:txBody>
-          <a:bodyPr anchorCtr="0" anchor="t" bIns="91425" lIns="91425" spcFirstLastPara="1" rIns="91425" wrap="square" tIns="91425">
+          <a:bodyPr spcFirstLastPara="1" wrap="square" lIns="91425" tIns="91425" rIns="91425" bIns="91425" anchor="t" anchorCtr="0">
             <a:spAutoFit/>
           </a:bodyPr>
           <a:lstStyle/>
           <a:p>
-            <a:pPr indent="0" lvl="0" marL="0" rtl="0" algn="l">
+            <a:pPr marL="0" lvl="0" indent="0" algn="l" rtl="0">
               <a:lnSpc>
                 <a:spcPct val="200000"/>
               </a:lnSpc>
@@ -6936,7 +7707,7 @@
             </a:endParaRPr>
           </a:p>
           <a:p>
-            <a:pPr indent="0" lvl="0" marL="0" rtl="0" algn="l">
+            <a:pPr marL="0" lvl="0" indent="0" algn="l" rtl="0">
               <a:lnSpc>
                 <a:spcPct val="200000"/>
               </a:lnSpc>
@@ -6971,7 +7742,7 @@
             </a:endParaRPr>
           </a:p>
           <a:p>
-            <a:pPr indent="0" lvl="0" marL="0" rtl="0" algn="l">
+            <a:pPr marL="0" lvl="0" indent="0" algn="l" rtl="0">
               <a:lnSpc>
                 <a:spcPct val="200000"/>
               </a:lnSpc>
@@ -7006,7 +7777,7 @@
             </a:endParaRPr>
           </a:p>
           <a:p>
-            <a:pPr indent="0" lvl="0" marL="0" rtl="0" algn="l">
+            <a:pPr marL="0" lvl="0" indent="0" algn="l" rtl="0">
               <a:lnSpc>
                 <a:spcPct val="200000"/>
               </a:lnSpc>
@@ -7041,7 +7812,7 @@
             </a:endParaRPr>
           </a:p>
           <a:p>
-            <a:pPr indent="0" lvl="0" marL="0" rtl="0" algn="l">
+            <a:pPr marL="0" lvl="0" indent="0" algn="l" rtl="0">
               <a:lnSpc>
                 <a:spcPct val="200000"/>
               </a:lnSpc>
@@ -7068,7 +7839,7 @@
             <a:endParaRPr/>
           </a:p>
           <a:p>
-            <a:pPr indent="0" lvl="0" marL="0" rtl="0" algn="l">
+            <a:pPr marL="0" lvl="0" indent="0" algn="l" rtl="0">
               <a:spcBef>
                 <a:spcPts val="600"/>
               </a:spcBef>
@@ -7077,24 +7848,18 @@
               </a:spcAft>
               <a:buNone/>
             </a:pPr>
-            <a:r>
-              <a:t/>
-            </a:r>
             <a:endParaRPr/>
           </a:p>
           <a:p>
-            <a:pPr indent="0" lvl="0" marL="0" rtl="0" algn="l">
-              <a:spcBef>
-                <a:spcPts val="0"/>
-              </a:spcBef>
-              <a:spcAft>
-                <a:spcPts val="0"/>
-              </a:spcAft>
-              <a:buNone/>
-            </a:pPr>
-            <a:r>
-              <a:t/>
-            </a:r>
+            <a:pPr marL="0" lvl="0" indent="0" algn="l" rtl="0">
+              <a:spcBef>
+                <a:spcPts val="0"/>
+              </a:spcBef>
+              <a:spcAft>
+                <a:spcPts val="0"/>
+              </a:spcAft>
+              <a:buNone/>
+            </a:pPr>
             <a:endParaRPr/>
           </a:p>
         </p:txBody>
@@ -7108,11 +7873,11 @@
 </file>
 
 <file path=ppt/slides/slide2.xml><?xml version="1.0" encoding="utf-8"?>
-<p:sld xmlns:a="http://schemas.openxmlformats.org/drawingml/2006/main" xmlns:r="http://schemas.openxmlformats.org/officeDocument/2006/relationships" xmlns:mc="http://schemas.openxmlformats.org/markup-compatibility/2006" xmlns:mv="urn:schemas-microsoft-com:mac:vml" xmlns:p="http://schemas.openxmlformats.org/presentationml/2006/main" xmlns:c="http://schemas.openxmlformats.org/drawingml/2006/chart" xmlns:dgm="http://schemas.openxmlformats.org/drawingml/2006/diagram" xmlns:o="urn:schemas-microsoft-com:office:office" xmlns:v="urn:schemas-microsoft-com:vml" xmlns:pvml="urn:schemas-microsoft-com:office:powerpoint" xmlns:com="http://schemas.openxmlformats.org/drawingml/2006/compatibility" xmlns:p14="http://schemas.microsoft.com/office/powerpoint/2010/main" xmlns:p15="http://schemas.microsoft.com/office/powerpoint/2012/main" xmlns:ahyp="http://schemas.microsoft.com/office/drawing/2018/hyperlinkcolor">
+<p:sld xmlns:a="http://schemas.openxmlformats.org/drawingml/2006/main" xmlns:r="http://schemas.openxmlformats.org/officeDocument/2006/relationships" xmlns:p="http://schemas.openxmlformats.org/presentationml/2006/main">
   <p:cSld>
     <p:spTree>
       <p:nvGrpSpPr>
-        <p:cNvPr id="60" name="Shape 60"/>
+        <p:cNvPr id="1" name="Shape 60"/>
         <p:cNvGrpSpPr/>
         <p:nvPr/>
       </p:nvGrpSpPr>
@@ -7144,12 +7909,12 @@
           </a:ln>
         </p:spPr>
         <p:txBody>
-          <a:bodyPr anchorCtr="0" anchor="t" bIns="91425" lIns="91425" spcFirstLastPara="1" rIns="91425" wrap="square" tIns="91425">
+          <a:bodyPr spcFirstLastPara="1" wrap="square" lIns="91425" tIns="91425" rIns="91425" bIns="91425" anchor="t" anchorCtr="0">
             <a:spAutoFit/>
           </a:bodyPr>
           <a:lstStyle/>
           <a:p>
-            <a:pPr indent="0" lvl="0" marL="0" rtl="0" algn="l">
+            <a:pPr marL="0" lvl="0" indent="0" algn="l" rtl="0">
               <a:lnSpc>
                 <a:spcPct val="90000"/>
               </a:lnSpc>
@@ -7167,7 +7932,7 @@
               <a:buNone/>
             </a:pPr>
             <a:r>
-              <a:rPr b="1" lang="es" sz="3000">
+              <a:rPr lang="es" sz="3000" b="1">
                 <a:solidFill>
                   <a:srgbClr val="EC183F"/>
                 </a:solidFill>
@@ -7179,7 +7944,7 @@
               <a:t>Mesa</a:t>
             </a:r>
             <a:r>
-              <a:rPr b="1" lang="es" sz="3000">
+              <a:rPr lang="es" sz="3000" b="1">
                 <a:solidFill>
                   <a:srgbClr val="434343"/>
                 </a:solidFill>
@@ -7214,12 +7979,12 @@
           </a:ln>
         </p:spPr>
         <p:txBody>
-          <a:bodyPr anchorCtr="0" anchor="t" bIns="91425" lIns="91425" spcFirstLastPara="1" rIns="91425" wrap="square" tIns="91425">
+          <a:bodyPr spcFirstLastPara="1" wrap="square" lIns="91425" tIns="91425" rIns="91425" bIns="91425" anchor="t" anchorCtr="0">
             <a:spAutoFit/>
           </a:bodyPr>
           <a:lstStyle/>
           <a:p>
-            <a:pPr indent="0" lvl="0" marL="0" rtl="0" algn="l">
+            <a:pPr marL="0" lvl="0" indent="0" algn="l" rtl="0">
               <a:lnSpc>
                 <a:spcPct val="200000"/>
               </a:lnSpc>
@@ -7254,7 +8019,7 @@
             </a:endParaRPr>
           </a:p>
           <a:p>
-            <a:pPr indent="0" lvl="0" marL="0" rtl="0" algn="l">
+            <a:pPr marL="0" lvl="0" indent="0" algn="l" rtl="0">
               <a:lnSpc>
                 <a:spcPct val="200000"/>
               </a:lnSpc>
@@ -7289,7 +8054,7 @@
             </a:endParaRPr>
           </a:p>
           <a:p>
-            <a:pPr indent="0" lvl="0" marL="0" rtl="0" algn="l">
+            <a:pPr marL="0" lvl="0" indent="0" algn="l" rtl="0">
               <a:lnSpc>
                 <a:spcPct val="200000"/>
               </a:lnSpc>
@@ -7324,7 +8089,7 @@
             </a:endParaRPr>
           </a:p>
           <a:p>
-            <a:pPr indent="0" lvl="0" marL="0" rtl="0" algn="l">
+            <a:pPr marL="0" lvl="0" indent="0" algn="l" rtl="0">
               <a:lnSpc>
                 <a:spcPct val="200000"/>
               </a:lnSpc>
@@ -7359,7 +8124,7 @@
             </a:endParaRPr>
           </a:p>
           <a:p>
-            <a:pPr indent="0" lvl="0" marL="0" rtl="0" algn="l">
+            <a:pPr marL="0" lvl="0" indent="0" algn="l" rtl="0">
               <a:lnSpc>
                 <a:spcPct val="200000"/>
               </a:lnSpc>
@@ -7386,7 +8151,7 @@
             <a:endParaRPr/>
           </a:p>
           <a:p>
-            <a:pPr indent="0" lvl="0" marL="0" rtl="0" algn="l">
+            <a:pPr marL="0" lvl="0" indent="0" algn="l" rtl="0">
               <a:spcBef>
                 <a:spcPts val="600"/>
               </a:spcBef>
@@ -7395,24 +8160,18 @@
               </a:spcAft>
               <a:buNone/>
             </a:pPr>
-            <a:r>
-              <a:t/>
-            </a:r>
             <a:endParaRPr/>
           </a:p>
           <a:p>
-            <a:pPr indent="0" lvl="0" marL="0" rtl="0" algn="l">
-              <a:spcBef>
-                <a:spcPts val="0"/>
-              </a:spcBef>
-              <a:spcAft>
-                <a:spcPts val="0"/>
-              </a:spcAft>
-              <a:buNone/>
-            </a:pPr>
-            <a:r>
-              <a:t/>
-            </a:r>
+            <a:pPr marL="0" lvl="0" indent="0" algn="l" rtl="0">
+              <a:spcBef>
+                <a:spcPts val="0"/>
+              </a:spcBef>
+              <a:spcAft>
+                <a:spcPts val="0"/>
+              </a:spcAft>
+              <a:buNone/>
+            </a:pPr>
             <a:endParaRPr/>
           </a:p>
         </p:txBody>
@@ -7426,11 +8185,11 @@
 </file>
 
 <file path=ppt/slides/slide3.xml><?xml version="1.0" encoding="utf-8"?>
-<p:sld xmlns:a="http://schemas.openxmlformats.org/drawingml/2006/main" xmlns:r="http://schemas.openxmlformats.org/officeDocument/2006/relationships" xmlns:mc="http://schemas.openxmlformats.org/markup-compatibility/2006" xmlns:mv="urn:schemas-microsoft-com:mac:vml" xmlns:p="http://schemas.openxmlformats.org/presentationml/2006/main" xmlns:c="http://schemas.openxmlformats.org/drawingml/2006/chart" xmlns:dgm="http://schemas.openxmlformats.org/drawingml/2006/diagram" xmlns:o="urn:schemas-microsoft-com:office:office" xmlns:v="urn:schemas-microsoft-com:vml" xmlns:pvml="urn:schemas-microsoft-com:office:powerpoint" xmlns:com="http://schemas.openxmlformats.org/drawingml/2006/compatibility" xmlns:p14="http://schemas.microsoft.com/office/powerpoint/2010/main" xmlns:p15="http://schemas.microsoft.com/office/powerpoint/2012/main" xmlns:ahyp="http://schemas.microsoft.com/office/drawing/2018/hyperlinkcolor">
+<p:sld xmlns:a="http://schemas.openxmlformats.org/drawingml/2006/main" xmlns:r="http://schemas.openxmlformats.org/officeDocument/2006/relationships" xmlns:p="http://schemas.openxmlformats.org/presentationml/2006/main">
   <p:cSld>
     <p:spTree>
       <p:nvGrpSpPr>
-        <p:cNvPr id="66" name="Shape 66"/>
+        <p:cNvPr id="1" name="Shape 66"/>
         <p:cNvGrpSpPr/>
         <p:nvPr/>
       </p:nvGrpSpPr>
@@ -7462,12 +8221,12 @@
           </a:ln>
         </p:spPr>
         <p:txBody>
-          <a:bodyPr anchorCtr="0" anchor="t" bIns="91425" lIns="91425" spcFirstLastPara="1" rIns="91425" wrap="square" tIns="91425">
+          <a:bodyPr spcFirstLastPara="1" wrap="square" lIns="91425" tIns="91425" rIns="91425" bIns="91425" anchor="t" anchorCtr="0">
             <a:spAutoFit/>
           </a:bodyPr>
           <a:lstStyle/>
           <a:p>
-            <a:pPr indent="0" lvl="0" marL="0" rtl="0" algn="l">
+            <a:pPr marL="0" lvl="0" indent="0" algn="l" rtl="0">
               <a:lnSpc>
                 <a:spcPct val="90000"/>
               </a:lnSpc>
@@ -7480,7 +8239,7 @@
               <a:buNone/>
             </a:pPr>
             <a:r>
-              <a:rPr b="1" lang="es" sz="3000">
+              <a:rPr lang="es" sz="3000" b="1">
                 <a:solidFill>
                   <a:srgbClr val="EC183F"/>
                 </a:solidFill>
@@ -7492,7 +8251,7 @@
               <a:t>Mesa</a:t>
             </a:r>
             <a:r>
-              <a:rPr b="1" lang="es" sz="3000">
+              <a:rPr lang="es" sz="3000" b="1">
                 <a:solidFill>
                   <a:srgbClr val="434343"/>
                 </a:solidFill>
@@ -7527,12 +8286,12 @@
           </a:ln>
         </p:spPr>
         <p:txBody>
-          <a:bodyPr anchorCtr="0" anchor="t" bIns="91425" lIns="91425" spcFirstLastPara="1" rIns="91425" wrap="square" tIns="91425">
+          <a:bodyPr spcFirstLastPara="1" wrap="square" lIns="91425" tIns="91425" rIns="91425" bIns="91425" anchor="t" anchorCtr="0">
             <a:spAutoFit/>
           </a:bodyPr>
           <a:lstStyle/>
           <a:p>
-            <a:pPr indent="0" lvl="0" marL="0" rtl="0" algn="l">
+            <a:pPr marL="0" lvl="0" indent="0" algn="l" rtl="0">
               <a:lnSpc>
                 <a:spcPct val="200000"/>
               </a:lnSpc>
@@ -7567,7 +8326,7 @@
             </a:endParaRPr>
           </a:p>
           <a:p>
-            <a:pPr indent="0" lvl="0" marL="0" rtl="0" algn="l">
+            <a:pPr marL="0" lvl="0" indent="0" algn="l" rtl="0">
               <a:lnSpc>
                 <a:spcPct val="200000"/>
               </a:lnSpc>
@@ -7602,7 +8361,7 @@
             </a:endParaRPr>
           </a:p>
           <a:p>
-            <a:pPr indent="0" lvl="0" marL="0" rtl="0" algn="l">
+            <a:pPr marL="0" lvl="0" indent="0" algn="l" rtl="0">
               <a:lnSpc>
                 <a:spcPct val="200000"/>
               </a:lnSpc>
@@ -7637,7 +8396,7 @@
             </a:endParaRPr>
           </a:p>
           <a:p>
-            <a:pPr indent="0" lvl="0" marL="0" rtl="0" algn="l">
+            <a:pPr marL="0" lvl="0" indent="0" algn="l" rtl="0">
               <a:lnSpc>
                 <a:spcPct val="200000"/>
               </a:lnSpc>
@@ -7672,7 +8431,7 @@
             </a:endParaRPr>
           </a:p>
           <a:p>
-            <a:pPr indent="0" lvl="0" marL="0" rtl="0" algn="l">
+            <a:pPr marL="0" lvl="0" indent="0" algn="l" rtl="0">
               <a:lnSpc>
                 <a:spcPct val="200000"/>
               </a:lnSpc>
@@ -7699,7 +8458,7 @@
             <a:endParaRPr/>
           </a:p>
           <a:p>
-            <a:pPr indent="0" lvl="0" marL="0" rtl="0" algn="l">
+            <a:pPr marL="0" lvl="0" indent="0" algn="l" rtl="0">
               <a:spcBef>
                 <a:spcPts val="600"/>
               </a:spcBef>
@@ -7708,24 +8467,18 @@
               </a:spcAft>
               <a:buNone/>
             </a:pPr>
-            <a:r>
-              <a:t/>
-            </a:r>
             <a:endParaRPr/>
           </a:p>
           <a:p>
-            <a:pPr indent="0" lvl="0" marL="0" rtl="0" algn="l">
-              <a:spcBef>
-                <a:spcPts val="0"/>
-              </a:spcBef>
-              <a:spcAft>
-                <a:spcPts val="0"/>
-              </a:spcAft>
-              <a:buNone/>
-            </a:pPr>
-            <a:r>
-              <a:t/>
-            </a:r>
+            <a:pPr marL="0" lvl="0" indent="0" algn="l" rtl="0">
+              <a:spcBef>
+                <a:spcPts val="0"/>
+              </a:spcBef>
+              <a:spcAft>
+                <a:spcPts val="0"/>
+              </a:spcAft>
+              <a:buNone/>
+            </a:pPr>
             <a:endParaRPr/>
           </a:p>
         </p:txBody>
@@ -7739,11 +8492,11 @@
 </file>
 
 <file path=ppt/slides/slide4.xml><?xml version="1.0" encoding="utf-8"?>
-<p:sld xmlns:a="http://schemas.openxmlformats.org/drawingml/2006/main" xmlns:r="http://schemas.openxmlformats.org/officeDocument/2006/relationships" xmlns:mc="http://schemas.openxmlformats.org/markup-compatibility/2006" xmlns:mv="urn:schemas-microsoft-com:mac:vml" xmlns:p="http://schemas.openxmlformats.org/presentationml/2006/main" xmlns:c="http://schemas.openxmlformats.org/drawingml/2006/chart" xmlns:dgm="http://schemas.openxmlformats.org/drawingml/2006/diagram" xmlns:o="urn:schemas-microsoft-com:office:office" xmlns:v="urn:schemas-microsoft-com:vml" xmlns:pvml="urn:schemas-microsoft-com:office:powerpoint" xmlns:com="http://schemas.openxmlformats.org/drawingml/2006/compatibility" xmlns:p14="http://schemas.microsoft.com/office/powerpoint/2010/main" xmlns:p15="http://schemas.microsoft.com/office/powerpoint/2012/main" xmlns:ahyp="http://schemas.microsoft.com/office/drawing/2018/hyperlinkcolor">
+<p:sld xmlns:a="http://schemas.openxmlformats.org/drawingml/2006/main" xmlns:r="http://schemas.openxmlformats.org/officeDocument/2006/relationships" xmlns:p="http://schemas.openxmlformats.org/presentationml/2006/main">
   <p:cSld>
     <p:spTree>
       <p:nvGrpSpPr>
-        <p:cNvPr id="72" name="Shape 72"/>
+        <p:cNvPr id="1" name="Shape 72"/>
         <p:cNvGrpSpPr/>
         <p:nvPr/>
       </p:nvGrpSpPr>
@@ -7775,12 +8528,12 @@
           </a:ln>
         </p:spPr>
         <p:txBody>
-          <a:bodyPr anchorCtr="0" anchor="t" bIns="91425" lIns="91425" spcFirstLastPara="1" rIns="91425" wrap="square" tIns="91425">
+          <a:bodyPr spcFirstLastPara="1" wrap="square" lIns="91425" tIns="91425" rIns="91425" bIns="91425" anchor="t" anchorCtr="0">
             <a:spAutoFit/>
           </a:bodyPr>
           <a:lstStyle/>
           <a:p>
-            <a:pPr indent="0" lvl="0" marL="0" rtl="0" algn="l">
+            <a:pPr marL="0" lvl="0" indent="0" algn="l" rtl="0">
               <a:lnSpc>
                 <a:spcPct val="90000"/>
               </a:lnSpc>
@@ -7793,7 +8546,7 @@
               <a:buNone/>
             </a:pPr>
             <a:r>
-              <a:rPr b="1" lang="es" sz="3000">
+              <a:rPr lang="es" sz="3000" b="1">
                 <a:solidFill>
                   <a:srgbClr val="EC183F"/>
                 </a:solidFill>
@@ -7805,7 +8558,7 @@
               <a:t>Mesa</a:t>
             </a:r>
             <a:r>
-              <a:rPr b="1" lang="es" sz="3000">
+              <a:rPr lang="es" sz="3000" b="1">
                 <a:solidFill>
                   <a:srgbClr val="434343"/>
                 </a:solidFill>
@@ -7840,12 +8593,12 @@
           </a:ln>
         </p:spPr>
         <p:txBody>
-          <a:bodyPr anchorCtr="0" anchor="t" bIns="91425" lIns="91425" spcFirstLastPara="1" rIns="91425" wrap="square" tIns="91425">
+          <a:bodyPr spcFirstLastPara="1" wrap="square" lIns="91425" tIns="91425" rIns="91425" bIns="91425" anchor="t" anchorCtr="0">
             <a:spAutoFit/>
           </a:bodyPr>
           <a:lstStyle/>
           <a:p>
-            <a:pPr indent="0" lvl="0" marL="0" rtl="0" algn="l">
+            <a:pPr marL="0" lvl="0" indent="0" algn="l" rtl="0">
               <a:lnSpc>
                 <a:spcPct val="200000"/>
               </a:lnSpc>
@@ -7880,7 +8633,7 @@
             </a:endParaRPr>
           </a:p>
           <a:p>
-            <a:pPr indent="0" lvl="0" marL="0" rtl="0" algn="l">
+            <a:pPr marL="0" lvl="0" indent="0" algn="l" rtl="0">
               <a:lnSpc>
                 <a:spcPct val="200000"/>
               </a:lnSpc>
@@ -7915,7 +8668,7 @@
             </a:endParaRPr>
           </a:p>
           <a:p>
-            <a:pPr indent="0" lvl="0" marL="0" rtl="0" algn="l">
+            <a:pPr marL="0" lvl="0" indent="0" algn="l" rtl="0">
               <a:lnSpc>
                 <a:spcPct val="200000"/>
               </a:lnSpc>
@@ -7950,7 +8703,7 @@
             </a:endParaRPr>
           </a:p>
           <a:p>
-            <a:pPr indent="0" lvl="0" marL="0" rtl="0" algn="l">
+            <a:pPr marL="0" lvl="0" indent="0" algn="l" rtl="0">
               <a:lnSpc>
                 <a:spcPct val="200000"/>
               </a:lnSpc>
@@ -7985,7 +8738,7 @@
             </a:endParaRPr>
           </a:p>
           <a:p>
-            <a:pPr indent="0" lvl="0" marL="0" rtl="0" algn="l">
+            <a:pPr marL="0" lvl="0" indent="0" algn="l" rtl="0">
               <a:lnSpc>
                 <a:spcPct val="200000"/>
               </a:lnSpc>
@@ -8012,7 +8765,7 @@
             <a:endParaRPr/>
           </a:p>
           <a:p>
-            <a:pPr indent="0" lvl="0" marL="0" rtl="0" algn="l">
+            <a:pPr marL="0" lvl="0" indent="0" algn="l" rtl="0">
               <a:spcBef>
                 <a:spcPts val="600"/>
               </a:spcBef>
@@ -8021,24 +8774,18 @@
               </a:spcAft>
               <a:buNone/>
             </a:pPr>
-            <a:r>
-              <a:t/>
-            </a:r>
             <a:endParaRPr/>
           </a:p>
           <a:p>
-            <a:pPr indent="0" lvl="0" marL="0" rtl="0" algn="l">
-              <a:spcBef>
-                <a:spcPts val="0"/>
-              </a:spcBef>
-              <a:spcAft>
-                <a:spcPts val="0"/>
-              </a:spcAft>
-              <a:buNone/>
-            </a:pPr>
-            <a:r>
-              <a:t/>
-            </a:r>
+            <a:pPr marL="0" lvl="0" indent="0" algn="l" rtl="0">
+              <a:spcBef>
+                <a:spcPts val="0"/>
+              </a:spcBef>
+              <a:spcAft>
+                <a:spcPts val="0"/>
+              </a:spcAft>
+              <a:buNone/>
+            </a:pPr>
             <a:endParaRPr/>
           </a:p>
         </p:txBody>
@@ -8052,11 +8799,11 @@
 </file>
 
 <file path=ppt/slides/slide5.xml><?xml version="1.0" encoding="utf-8"?>
-<p:sld xmlns:a="http://schemas.openxmlformats.org/drawingml/2006/main" xmlns:r="http://schemas.openxmlformats.org/officeDocument/2006/relationships" xmlns:mc="http://schemas.openxmlformats.org/markup-compatibility/2006" xmlns:mv="urn:schemas-microsoft-com:mac:vml" xmlns:p="http://schemas.openxmlformats.org/presentationml/2006/main" xmlns:c="http://schemas.openxmlformats.org/drawingml/2006/chart" xmlns:dgm="http://schemas.openxmlformats.org/drawingml/2006/diagram" xmlns:o="urn:schemas-microsoft-com:office:office" xmlns:v="urn:schemas-microsoft-com:vml" xmlns:pvml="urn:schemas-microsoft-com:office:powerpoint" xmlns:com="http://schemas.openxmlformats.org/drawingml/2006/compatibility" xmlns:p14="http://schemas.microsoft.com/office/powerpoint/2010/main" xmlns:p15="http://schemas.microsoft.com/office/powerpoint/2012/main" xmlns:ahyp="http://schemas.microsoft.com/office/drawing/2018/hyperlinkcolor">
+<p:sld xmlns:a="http://schemas.openxmlformats.org/drawingml/2006/main" xmlns:r="http://schemas.openxmlformats.org/officeDocument/2006/relationships" xmlns:p="http://schemas.openxmlformats.org/presentationml/2006/main">
   <p:cSld>
     <p:spTree>
       <p:nvGrpSpPr>
-        <p:cNvPr id="78" name="Shape 78"/>
+        <p:cNvPr id="1" name="Shape 78"/>
         <p:cNvGrpSpPr/>
         <p:nvPr/>
       </p:nvGrpSpPr>
@@ -8088,12 +8835,12 @@
           </a:ln>
         </p:spPr>
         <p:txBody>
-          <a:bodyPr anchorCtr="0" anchor="t" bIns="91425" lIns="91425" spcFirstLastPara="1" rIns="91425" wrap="square" tIns="91425">
+          <a:bodyPr spcFirstLastPara="1" wrap="square" lIns="91425" tIns="91425" rIns="91425" bIns="91425" anchor="t" anchorCtr="0">
             <a:spAutoFit/>
           </a:bodyPr>
           <a:lstStyle/>
           <a:p>
-            <a:pPr indent="0" lvl="0" marL="0" rtl="0" algn="l">
+            <a:pPr marL="0" lvl="0" indent="0" algn="l" rtl="0">
               <a:lnSpc>
                 <a:spcPct val="90000"/>
               </a:lnSpc>
@@ -8106,7 +8853,7 @@
               <a:buNone/>
             </a:pPr>
             <a:r>
-              <a:rPr b="1" lang="es" sz="3000">
+              <a:rPr lang="es" sz="3000" b="1">
                 <a:solidFill>
                   <a:srgbClr val="EC183F"/>
                 </a:solidFill>
@@ -8118,7 +8865,7 @@
               <a:t>Mesa</a:t>
             </a:r>
             <a:r>
-              <a:rPr b="1" lang="es" sz="3000">
+              <a:rPr lang="es" sz="3000" b="1">
                 <a:solidFill>
                   <a:srgbClr val="434343"/>
                 </a:solidFill>
@@ -8153,12 +8900,12 @@
           </a:ln>
         </p:spPr>
         <p:txBody>
-          <a:bodyPr anchorCtr="0" anchor="t" bIns="91425" lIns="91425" spcFirstLastPara="1" rIns="91425" wrap="square" tIns="91425">
+          <a:bodyPr spcFirstLastPara="1" wrap="square" lIns="91425" tIns="91425" rIns="91425" bIns="91425" anchor="t" anchorCtr="0">
             <a:spAutoFit/>
           </a:bodyPr>
           <a:lstStyle/>
           <a:p>
-            <a:pPr indent="0" lvl="0" marL="0" rtl="0" algn="l">
+            <a:pPr marL="0" lvl="0" indent="0" algn="l" rtl="0">
               <a:lnSpc>
                 <a:spcPct val="200000"/>
               </a:lnSpc>
@@ -8193,7 +8940,7 @@
             </a:endParaRPr>
           </a:p>
           <a:p>
-            <a:pPr indent="0" lvl="0" marL="0" rtl="0" algn="l">
+            <a:pPr marL="0" lvl="0" indent="0" algn="l" rtl="0">
               <a:lnSpc>
                 <a:spcPct val="200000"/>
               </a:lnSpc>
@@ -8228,7 +8975,7 @@
             </a:endParaRPr>
           </a:p>
           <a:p>
-            <a:pPr indent="0" lvl="0" marL="0" rtl="0" algn="l">
+            <a:pPr marL="0" lvl="0" indent="0" algn="l" rtl="0">
               <a:lnSpc>
                 <a:spcPct val="200000"/>
               </a:lnSpc>
@@ -8263,7 +9010,7 @@
             </a:endParaRPr>
           </a:p>
           <a:p>
-            <a:pPr indent="0" lvl="0" marL="0" rtl="0" algn="l">
+            <a:pPr marL="0" lvl="0" indent="0" algn="l" rtl="0">
               <a:lnSpc>
                 <a:spcPct val="200000"/>
               </a:lnSpc>
@@ -8298,7 +9045,7 @@
             </a:endParaRPr>
           </a:p>
           <a:p>
-            <a:pPr indent="0" lvl="0" marL="0" rtl="0" algn="l">
+            <a:pPr marL="0" lvl="0" indent="0" algn="l" rtl="0">
               <a:lnSpc>
                 <a:spcPct val="200000"/>
               </a:lnSpc>
@@ -8325,7 +9072,7 @@
             <a:endParaRPr/>
           </a:p>
           <a:p>
-            <a:pPr indent="0" lvl="0" marL="0" rtl="0" algn="l">
+            <a:pPr marL="0" lvl="0" indent="0" algn="l" rtl="0">
               <a:spcBef>
                 <a:spcPts val="600"/>
               </a:spcBef>
@@ -8334,24 +9081,18 @@
               </a:spcAft>
               <a:buNone/>
             </a:pPr>
-            <a:r>
-              <a:t/>
-            </a:r>
             <a:endParaRPr/>
           </a:p>
           <a:p>
-            <a:pPr indent="0" lvl="0" marL="0" rtl="0" algn="l">
-              <a:spcBef>
-                <a:spcPts val="0"/>
-              </a:spcBef>
-              <a:spcAft>
-                <a:spcPts val="0"/>
-              </a:spcAft>
-              <a:buNone/>
-            </a:pPr>
-            <a:r>
-              <a:t/>
-            </a:r>
+            <a:pPr marL="0" lvl="0" indent="0" algn="l" rtl="0">
+              <a:spcBef>
+                <a:spcPts val="0"/>
+              </a:spcBef>
+              <a:spcAft>
+                <a:spcPts val="0"/>
+              </a:spcAft>
+              <a:buNone/>
+            </a:pPr>
             <a:endParaRPr/>
           </a:p>
         </p:txBody>
@@ -8365,11 +9106,11 @@
 </file>
 
 <file path=ppt/slides/slide6.xml><?xml version="1.0" encoding="utf-8"?>
-<p:sld xmlns:a="http://schemas.openxmlformats.org/drawingml/2006/main" xmlns:r="http://schemas.openxmlformats.org/officeDocument/2006/relationships" xmlns:mc="http://schemas.openxmlformats.org/markup-compatibility/2006" xmlns:mv="urn:schemas-microsoft-com:mac:vml" xmlns:p="http://schemas.openxmlformats.org/presentationml/2006/main" xmlns:c="http://schemas.openxmlformats.org/drawingml/2006/chart" xmlns:dgm="http://schemas.openxmlformats.org/drawingml/2006/diagram" xmlns:o="urn:schemas-microsoft-com:office:office" xmlns:v="urn:schemas-microsoft-com:vml" xmlns:pvml="urn:schemas-microsoft-com:office:powerpoint" xmlns:com="http://schemas.openxmlformats.org/drawingml/2006/compatibility" xmlns:p14="http://schemas.microsoft.com/office/powerpoint/2010/main" xmlns:p15="http://schemas.microsoft.com/office/powerpoint/2012/main" xmlns:ahyp="http://schemas.microsoft.com/office/drawing/2018/hyperlinkcolor">
+<p:sld xmlns:a="http://schemas.openxmlformats.org/drawingml/2006/main" xmlns:r="http://schemas.openxmlformats.org/officeDocument/2006/relationships" xmlns:p="http://schemas.openxmlformats.org/presentationml/2006/main">
   <p:cSld>
     <p:spTree>
       <p:nvGrpSpPr>
-        <p:cNvPr id="84" name="Shape 84"/>
+        <p:cNvPr id="1" name="Shape 84"/>
         <p:cNvGrpSpPr/>
         <p:nvPr/>
       </p:nvGrpSpPr>
@@ -8401,12 +9142,12 @@
           </a:ln>
         </p:spPr>
         <p:txBody>
-          <a:bodyPr anchorCtr="0" anchor="t" bIns="91425" lIns="91425" spcFirstLastPara="1" rIns="91425" wrap="square" tIns="91425">
+          <a:bodyPr spcFirstLastPara="1" wrap="square" lIns="91425" tIns="91425" rIns="91425" bIns="91425" anchor="t" anchorCtr="0">
             <a:spAutoFit/>
           </a:bodyPr>
           <a:lstStyle/>
           <a:p>
-            <a:pPr indent="0" lvl="0" marL="0" rtl="0" algn="l">
+            <a:pPr marL="0" lvl="0" indent="0" algn="l" rtl="0">
               <a:lnSpc>
                 <a:spcPct val="90000"/>
               </a:lnSpc>
@@ -8419,7 +9160,7 @@
               <a:buNone/>
             </a:pPr>
             <a:r>
-              <a:rPr b="1" lang="es" sz="3000">
+              <a:rPr lang="es" sz="3000" b="1">
                 <a:solidFill>
                   <a:srgbClr val="EC183F"/>
                 </a:solidFill>
@@ -8431,7 +9172,7 @@
               <a:t>Mesa</a:t>
             </a:r>
             <a:r>
-              <a:rPr b="1" lang="es" sz="3000">
+              <a:rPr lang="es" sz="3000" b="1">
                 <a:solidFill>
                   <a:srgbClr val="434343"/>
                 </a:solidFill>
@@ -8454,8 +9195,8 @@
         </p:nvSpPr>
         <p:spPr>
           <a:xfrm>
-            <a:off x="766075" y="1203800"/>
-            <a:ext cx="7633200" cy="3155400"/>
+            <a:off x="685842" y="621909"/>
+            <a:ext cx="7772315" cy="3154679"/>
           </a:xfrm>
           <a:prstGeom prst="rect">
             <a:avLst/>
@@ -8466,12 +9207,12 @@
           </a:ln>
         </p:spPr>
         <p:txBody>
-          <a:bodyPr anchorCtr="0" anchor="t" bIns="91425" lIns="91425" spcFirstLastPara="1" rIns="91425" wrap="square" tIns="91425">
+          <a:bodyPr spcFirstLastPara="1" wrap="square" lIns="91425" tIns="91425" rIns="91425" bIns="91425" anchor="t" anchorCtr="0">
             <a:spAutoFit/>
           </a:bodyPr>
           <a:lstStyle/>
           <a:p>
-            <a:pPr indent="0" lvl="0" marL="0" rtl="0" algn="l">
+            <a:pPr marL="0" lvl="0" indent="0" algn="l" rtl="0">
               <a:lnSpc>
                 <a:spcPct val="200000"/>
               </a:lnSpc>
@@ -8484,7 +9225,7 @@
               <a:buNone/>
             </a:pPr>
             <a:r>
-              <a:rPr lang="es" sz="1600">
+              <a:rPr lang="es" sz="1600" dirty="0">
                 <a:solidFill>
                   <a:srgbClr val="3F3F3F"/>
                 </a:solidFill>
@@ -8495,7 +9236,7 @@
               </a:rPr>
               <a:t>Nota : &lt;Poner el link&gt;</a:t>
             </a:r>
-            <a:endParaRPr sz="1600">
+            <a:endParaRPr sz="1600" dirty="0">
               <a:solidFill>
                 <a:srgbClr val="3F3F3F"/>
               </a:solidFill>
@@ -8506,7 +9247,7 @@
             </a:endParaRPr>
           </a:p>
           <a:p>
-            <a:pPr indent="0" lvl="0" marL="0" rtl="0" algn="l">
+            <a:pPr marL="0" lvl="0" indent="0" algn="l" rtl="0">
               <a:lnSpc>
                 <a:spcPct val="200000"/>
               </a:lnSpc>
@@ -8519,7 +9260,7 @@
               <a:buNone/>
             </a:pPr>
             <a:r>
-              <a:rPr lang="es" sz="1600">
+              <a:rPr lang="es" sz="1600" dirty="0">
                 <a:solidFill>
                   <a:srgbClr val="3F3F3F"/>
                 </a:solidFill>
@@ -8530,7 +9271,45 @@
               </a:rPr>
               <a:t>¿Qué tipo de amenaza es?</a:t>
             </a:r>
-            <a:endParaRPr sz="1600">
+          </a:p>
+          <a:p>
+            <a:pPr marL="0" lvl="0" indent="0" algn="l" rtl="0">
+              <a:lnSpc>
+                <a:spcPct val="200000"/>
+              </a:lnSpc>
+              <a:spcBef>
+                <a:spcPts val="0"/>
+              </a:spcBef>
+              <a:spcAft>
+                <a:spcPts val="0"/>
+              </a:spcAft>
+              <a:buNone/>
+            </a:pPr>
+            <a:r>
+              <a:rPr lang="es" sz="1600" dirty="0">
+                <a:solidFill>
+                  <a:srgbClr val="3F3F3F"/>
+                </a:solidFill>
+                <a:latin typeface="Open Sans"/>
+                <a:ea typeface="Open Sans"/>
+                <a:cs typeface="Open Sans"/>
+                <a:sym typeface="Open Sans"/>
+              </a:rPr>
+              <a:t>¿Cómo comienza y cómo se propaga esta amenaza?</a:t>
+            </a:r>
+            <a:r>
+              <a:rPr lang="es-ES" sz="1100" dirty="0">
+                <a:solidFill>
+                  <a:srgbClr val="3F3F3F"/>
+                </a:solidFill>
+                <a:latin typeface="Open Sans"/>
+                <a:ea typeface="Open Sans"/>
+                <a:cs typeface="Open Sans"/>
+                <a:sym typeface="Open Sans"/>
+              </a:rPr>
+              <a:t>	</a:t>
+            </a:r>
+            <a:endParaRPr sz="1100" dirty="0">
               <a:solidFill>
                 <a:srgbClr val="3F3F3F"/>
               </a:solidFill>
@@ -8541,7 +9320,7 @@
             </a:endParaRPr>
           </a:p>
           <a:p>
-            <a:pPr indent="0" lvl="0" marL="0" rtl="0" algn="l">
+            <a:pPr marL="0" lvl="0" indent="0" algn="l" rtl="0">
               <a:lnSpc>
                 <a:spcPct val="200000"/>
               </a:lnSpc>
@@ -8554,7 +9333,7 @@
               <a:buNone/>
             </a:pPr>
             <a:r>
-              <a:rPr lang="es" sz="1600">
+              <a:rPr lang="es" sz="1600" dirty="0">
                 <a:solidFill>
                   <a:srgbClr val="3F3F3F"/>
                 </a:solidFill>
@@ -8563,9 +9342,9 @@
                 <a:cs typeface="Open Sans"/>
                 <a:sym typeface="Open Sans"/>
               </a:rPr>
-              <a:t>¿Cómo comienza y cómo se propaga esta amenaza?</a:t>
-            </a:r>
-            <a:endParaRPr sz="1600">
+              <a:t>¿Hay más de una amenaza aplicada ?</a:t>
+            </a:r>
+            <a:endParaRPr sz="1600" dirty="0">
               <a:solidFill>
                 <a:srgbClr val="3F3F3F"/>
               </a:solidFill>
@@ -8576,7 +9355,7 @@
             </a:endParaRPr>
           </a:p>
           <a:p>
-            <a:pPr indent="0" lvl="0" marL="0" rtl="0" algn="l">
+            <a:pPr marL="0" lvl="0" indent="0" algn="l" rtl="0">
               <a:lnSpc>
                 <a:spcPct val="200000"/>
               </a:lnSpc>
@@ -8589,7 +9368,7 @@
               <a:buNone/>
             </a:pPr>
             <a:r>
-              <a:rPr lang="es" sz="1600">
+              <a:rPr lang="es" sz="1600" dirty="0">
                 <a:solidFill>
                   <a:srgbClr val="3F3F3F"/>
                 </a:solidFill>
@@ -8598,47 +9377,12 @@
                 <a:cs typeface="Open Sans"/>
                 <a:sym typeface="Open Sans"/>
               </a:rPr>
-              <a:t>¿Hay más de una amenaza aplicada ?</a:t>
-            </a:r>
-            <a:endParaRPr sz="1600">
-              <a:solidFill>
-                <a:srgbClr val="3F3F3F"/>
-              </a:solidFill>
-              <a:latin typeface="Open Sans"/>
-              <a:ea typeface="Open Sans"/>
-              <a:cs typeface="Open Sans"/>
-              <a:sym typeface="Open Sans"/>
-            </a:endParaRPr>
-          </a:p>
-          <a:p>
-            <a:pPr indent="0" lvl="0" marL="0" rtl="0" algn="l">
-              <a:lnSpc>
-                <a:spcPct val="200000"/>
-              </a:lnSpc>
-              <a:spcBef>
-                <a:spcPts val="0"/>
-              </a:spcBef>
-              <a:spcAft>
-                <a:spcPts val="0"/>
-              </a:spcAft>
-              <a:buNone/>
-            </a:pPr>
-            <a:r>
-              <a:rPr lang="es" sz="1600">
-                <a:solidFill>
-                  <a:srgbClr val="3F3F3F"/>
-                </a:solidFill>
-                <a:latin typeface="Open Sans"/>
-                <a:ea typeface="Open Sans"/>
-                <a:cs typeface="Open Sans"/>
-                <a:sym typeface="Open Sans"/>
-              </a:rPr>
               <a:t>¿Qué solución o medida recomendarían ?</a:t>
             </a:r>
-            <a:endParaRPr/>
-          </a:p>
-          <a:p>
-            <a:pPr indent="0" lvl="0" marL="0" rtl="0" algn="l">
+            <a:endParaRPr dirty="0"/>
+          </a:p>
+          <a:p>
+            <a:pPr marL="0" lvl="0" indent="0" algn="l" rtl="0">
               <a:spcBef>
                 <a:spcPts val="600"/>
               </a:spcBef>
@@ -8647,25 +9391,19 @@
               </a:spcAft>
               <a:buNone/>
             </a:pPr>
-            <a:r>
-              <a:t/>
-            </a:r>
-            <a:endParaRPr/>
-          </a:p>
-          <a:p>
-            <a:pPr indent="0" lvl="0" marL="0" rtl="0" algn="l">
-              <a:spcBef>
-                <a:spcPts val="0"/>
-              </a:spcBef>
-              <a:spcAft>
-                <a:spcPts val="0"/>
-              </a:spcAft>
-              <a:buNone/>
-            </a:pPr>
-            <a:r>
-              <a:t/>
-            </a:r>
-            <a:endParaRPr/>
+            <a:endParaRPr dirty="0"/>
+          </a:p>
+          <a:p>
+            <a:pPr marL="0" lvl="0" indent="0" algn="l" rtl="0">
+              <a:spcBef>
+                <a:spcPts val="0"/>
+              </a:spcBef>
+              <a:spcAft>
+                <a:spcPts val="0"/>
+              </a:spcAft>
+              <a:buNone/>
+            </a:pPr>
+            <a:endParaRPr dirty="0"/>
           </a:p>
         </p:txBody>
       </p:sp>
@@ -8678,11 +9416,11 @@
 </file>
 
 <file path=ppt/slides/slide7.xml><?xml version="1.0" encoding="utf-8"?>
-<p:sld xmlns:a="http://schemas.openxmlformats.org/drawingml/2006/main" xmlns:r="http://schemas.openxmlformats.org/officeDocument/2006/relationships" xmlns:mc="http://schemas.openxmlformats.org/markup-compatibility/2006" xmlns:mv="urn:schemas-microsoft-com:mac:vml" xmlns:p="http://schemas.openxmlformats.org/presentationml/2006/main" xmlns:c="http://schemas.openxmlformats.org/drawingml/2006/chart" xmlns:dgm="http://schemas.openxmlformats.org/drawingml/2006/diagram" xmlns:o="urn:schemas-microsoft-com:office:office" xmlns:v="urn:schemas-microsoft-com:vml" xmlns:pvml="urn:schemas-microsoft-com:office:powerpoint" xmlns:com="http://schemas.openxmlformats.org/drawingml/2006/compatibility" xmlns:p14="http://schemas.microsoft.com/office/powerpoint/2010/main" xmlns:p15="http://schemas.microsoft.com/office/powerpoint/2012/main" xmlns:ahyp="http://schemas.microsoft.com/office/drawing/2018/hyperlinkcolor">
+<p:sld xmlns:a="http://schemas.openxmlformats.org/drawingml/2006/main" xmlns:r="http://schemas.openxmlformats.org/officeDocument/2006/relationships" xmlns:p="http://schemas.openxmlformats.org/presentationml/2006/main">
   <p:cSld>
     <p:spTree>
       <p:nvGrpSpPr>
-        <p:cNvPr id="90" name="Shape 90"/>
+        <p:cNvPr id="1" name="Shape 90"/>
         <p:cNvGrpSpPr/>
         <p:nvPr/>
       </p:nvGrpSpPr>
@@ -8714,12 +9452,12 @@
           </a:ln>
         </p:spPr>
         <p:txBody>
-          <a:bodyPr anchorCtr="0" anchor="t" bIns="91425" lIns="91425" spcFirstLastPara="1" rIns="91425" wrap="square" tIns="91425">
+          <a:bodyPr spcFirstLastPara="1" wrap="square" lIns="91425" tIns="91425" rIns="91425" bIns="91425" anchor="t" anchorCtr="0">
             <a:spAutoFit/>
           </a:bodyPr>
           <a:lstStyle/>
           <a:p>
-            <a:pPr indent="0" lvl="0" marL="0" rtl="0" algn="l">
+            <a:pPr marL="0" lvl="0" indent="0" algn="l" rtl="0">
               <a:lnSpc>
                 <a:spcPct val="90000"/>
               </a:lnSpc>
@@ -8732,7 +9470,7 @@
               <a:buNone/>
             </a:pPr>
             <a:r>
-              <a:rPr b="1" lang="es" sz="3000">
+              <a:rPr lang="es" sz="3000" b="1">
                 <a:solidFill>
                   <a:srgbClr val="EC183F"/>
                 </a:solidFill>
@@ -8744,7 +9482,7 @@
               <a:t>Mesa</a:t>
             </a:r>
             <a:r>
-              <a:rPr b="1" lang="es" sz="3000">
+              <a:rPr lang="es" sz="3000" b="1">
                 <a:solidFill>
                   <a:srgbClr val="434343"/>
                 </a:solidFill>
@@ -8779,12 +9517,12 @@
           </a:ln>
         </p:spPr>
         <p:txBody>
-          <a:bodyPr anchorCtr="0" anchor="t" bIns="91425" lIns="91425" spcFirstLastPara="1" rIns="91425" wrap="square" tIns="91425">
+          <a:bodyPr spcFirstLastPara="1" wrap="square" lIns="91425" tIns="91425" rIns="91425" bIns="91425" anchor="t" anchorCtr="0">
             <a:spAutoFit/>
           </a:bodyPr>
           <a:lstStyle/>
           <a:p>
-            <a:pPr indent="0" lvl="0" marL="0" rtl="0" algn="l">
+            <a:pPr marL="0" lvl="0" indent="0" algn="l" rtl="0">
               <a:lnSpc>
                 <a:spcPct val="200000"/>
               </a:lnSpc>
@@ -8819,7 +9557,7 @@
             </a:endParaRPr>
           </a:p>
           <a:p>
-            <a:pPr indent="0" lvl="0" marL="0" rtl="0" algn="l">
+            <a:pPr marL="0" lvl="0" indent="0" algn="l" rtl="0">
               <a:lnSpc>
                 <a:spcPct val="200000"/>
               </a:lnSpc>
@@ -8854,7 +9592,7 @@
             </a:endParaRPr>
           </a:p>
           <a:p>
-            <a:pPr indent="0" lvl="0" marL="0" rtl="0" algn="l">
+            <a:pPr marL="0" lvl="0" indent="0" algn="l" rtl="0">
               <a:lnSpc>
                 <a:spcPct val="200000"/>
               </a:lnSpc>
@@ -8889,7 +9627,7 @@
             </a:endParaRPr>
           </a:p>
           <a:p>
-            <a:pPr indent="0" lvl="0" marL="0" rtl="0" algn="l">
+            <a:pPr marL="0" lvl="0" indent="0" algn="l" rtl="0">
               <a:lnSpc>
                 <a:spcPct val="200000"/>
               </a:lnSpc>
@@ -8924,7 +9662,7 @@
             </a:endParaRPr>
           </a:p>
           <a:p>
-            <a:pPr indent="0" lvl="0" marL="0" rtl="0" algn="l">
+            <a:pPr marL="0" lvl="0" indent="0" algn="l" rtl="0">
               <a:lnSpc>
                 <a:spcPct val="200000"/>
               </a:lnSpc>
@@ -8951,7 +9689,7 @@
             <a:endParaRPr/>
           </a:p>
           <a:p>
-            <a:pPr indent="0" lvl="0" marL="0" rtl="0" algn="l">
+            <a:pPr marL="0" lvl="0" indent="0" algn="l" rtl="0">
               <a:spcBef>
                 <a:spcPts val="600"/>
               </a:spcBef>
@@ -8960,24 +9698,18 @@
               </a:spcAft>
               <a:buNone/>
             </a:pPr>
-            <a:r>
-              <a:t/>
-            </a:r>
             <a:endParaRPr/>
           </a:p>
           <a:p>
-            <a:pPr indent="0" lvl="0" marL="0" rtl="0" algn="l">
-              <a:spcBef>
-                <a:spcPts val="0"/>
-              </a:spcBef>
-              <a:spcAft>
-                <a:spcPts val="0"/>
-              </a:spcAft>
-              <a:buNone/>
-            </a:pPr>
-            <a:r>
-              <a:t/>
-            </a:r>
+            <a:pPr marL="0" lvl="0" indent="0" algn="l" rtl="0">
+              <a:spcBef>
+                <a:spcPts val="0"/>
+              </a:spcBef>
+              <a:spcAft>
+                <a:spcPts val="0"/>
+              </a:spcAft>
+              <a:buNone/>
+            </a:pPr>
             <a:endParaRPr/>
           </a:p>
         </p:txBody>
@@ -8991,11 +9723,11 @@
 </file>
 
 <file path=ppt/slides/slide8.xml><?xml version="1.0" encoding="utf-8"?>
-<p:sld xmlns:a="http://schemas.openxmlformats.org/drawingml/2006/main" xmlns:r="http://schemas.openxmlformats.org/officeDocument/2006/relationships" xmlns:mc="http://schemas.openxmlformats.org/markup-compatibility/2006" xmlns:mv="urn:schemas-microsoft-com:mac:vml" xmlns:p="http://schemas.openxmlformats.org/presentationml/2006/main" xmlns:c="http://schemas.openxmlformats.org/drawingml/2006/chart" xmlns:dgm="http://schemas.openxmlformats.org/drawingml/2006/diagram" xmlns:o="urn:schemas-microsoft-com:office:office" xmlns:v="urn:schemas-microsoft-com:vml" xmlns:pvml="urn:schemas-microsoft-com:office:powerpoint" xmlns:com="http://schemas.openxmlformats.org/drawingml/2006/compatibility" xmlns:p14="http://schemas.microsoft.com/office/powerpoint/2010/main" xmlns:p15="http://schemas.microsoft.com/office/powerpoint/2012/main" xmlns:ahyp="http://schemas.microsoft.com/office/drawing/2018/hyperlinkcolor">
+<p:sld xmlns:a="http://schemas.openxmlformats.org/drawingml/2006/main" xmlns:r="http://schemas.openxmlformats.org/officeDocument/2006/relationships" xmlns:p="http://schemas.openxmlformats.org/presentationml/2006/main">
   <p:cSld>
     <p:spTree>
       <p:nvGrpSpPr>
-        <p:cNvPr id="96" name="Shape 96"/>
+        <p:cNvPr id="1" name="Shape 96"/>
         <p:cNvGrpSpPr/>
         <p:nvPr/>
       </p:nvGrpSpPr>
@@ -9015,7 +9747,7 @@
         </p:nvSpPr>
         <p:spPr>
           <a:xfrm>
-            <a:off x="766075" y="174875"/>
+            <a:off x="766075" y="184721"/>
             <a:ext cx="5927700" cy="600300"/>
           </a:xfrm>
           <a:prstGeom prst="rect">
@@ -9027,12 +9759,12 @@
           </a:ln>
         </p:spPr>
         <p:txBody>
-          <a:bodyPr anchorCtr="0" anchor="t" bIns="91425" lIns="91425" spcFirstLastPara="1" rIns="91425" wrap="square" tIns="91425">
+          <a:bodyPr spcFirstLastPara="1" wrap="square" lIns="91425" tIns="91425" rIns="91425" bIns="91425" anchor="t" anchorCtr="0">
             <a:spAutoFit/>
           </a:bodyPr>
           <a:lstStyle/>
           <a:p>
-            <a:pPr indent="0" lvl="0" marL="0" rtl="0" algn="l">
+            <a:pPr marL="0" lvl="0" indent="0" algn="l" rtl="0">
               <a:lnSpc>
                 <a:spcPct val="90000"/>
               </a:lnSpc>
@@ -9045,7 +9777,7 @@
               <a:buNone/>
             </a:pPr>
             <a:r>
-              <a:rPr b="1" lang="es" sz="3000">
+              <a:rPr lang="es" sz="3000" b="1">
                 <a:solidFill>
                   <a:srgbClr val="EC183F"/>
                 </a:solidFill>
@@ -9057,7 +9789,7 @@
               <a:t>Mesa</a:t>
             </a:r>
             <a:r>
-              <a:rPr b="1" lang="es" sz="3000">
+              <a:rPr lang="es" sz="3000" b="1">
                 <a:solidFill>
                   <a:srgbClr val="434343"/>
                 </a:solidFill>
@@ -9081,7 +9813,7 @@
         <p:spPr>
           <a:xfrm>
             <a:off x="766075" y="1203800"/>
-            <a:ext cx="7633200" cy="3155400"/>
+            <a:ext cx="7633200" cy="3154679"/>
           </a:xfrm>
           <a:prstGeom prst="rect">
             <a:avLst/>
@@ -9092,12 +9824,12 @@
           </a:ln>
         </p:spPr>
         <p:txBody>
-          <a:bodyPr anchorCtr="0" anchor="t" bIns="91425" lIns="91425" spcFirstLastPara="1" rIns="91425" wrap="square" tIns="91425">
+          <a:bodyPr spcFirstLastPara="1" wrap="square" lIns="91425" tIns="91425" rIns="91425" bIns="91425" anchor="t" anchorCtr="0">
             <a:spAutoFit/>
           </a:bodyPr>
           <a:lstStyle/>
           <a:p>
-            <a:pPr indent="0" lvl="0" marL="0" rtl="0" algn="l">
+            <a:pPr marL="0" lvl="0" indent="0" algn="l" rtl="0">
               <a:lnSpc>
                 <a:spcPct val="200000"/>
               </a:lnSpc>
@@ -9110,7 +9842,7 @@
               <a:buNone/>
             </a:pPr>
             <a:r>
-              <a:rPr lang="es" sz="1600">
+              <a:rPr lang="es" sz="1600" dirty="0">
                 <a:solidFill>
                   <a:srgbClr val="3F3F3F"/>
                 </a:solidFill>
@@ -9119,9 +9851,99 @@
                 <a:cs typeface="Open Sans"/>
                 <a:sym typeface="Open Sans"/>
               </a:rPr>
-              <a:t>Nota : &lt;Poner el link&gt;</a:t>
-            </a:r>
-            <a:endParaRPr sz="1600">
+              <a:t>Nota : </a:t>
+            </a:r>
+            <a:r>
+              <a:rPr lang="es-AR" sz="1600" dirty="0">
+                <a:solidFill>
+                  <a:srgbClr val="3F3F3F"/>
+                </a:solidFill>
+                <a:latin typeface="Open Sans"/>
+                <a:ea typeface="Open Sans"/>
+                <a:cs typeface="Open Sans"/>
+                <a:sym typeface="Open Sans"/>
+              </a:rPr>
+              <a:t>https://www.welivesecurity.com/la-es/2021/05/11/ataque-ransomwa</a:t>
+            </a:r>
+          </a:p>
+          <a:p>
+            <a:pPr marL="0" lvl="0" indent="0" algn="l" rtl="0">
+              <a:lnSpc>
+                <a:spcPct val="200000"/>
+              </a:lnSpc>
+              <a:spcBef>
+                <a:spcPts val="0"/>
+              </a:spcBef>
+              <a:spcAft>
+                <a:spcPts val="0"/>
+              </a:spcAft>
+              <a:buNone/>
+            </a:pPr>
+            <a:r>
+              <a:rPr lang="es" sz="1600" dirty="0">
+                <a:solidFill>
+                  <a:srgbClr val="3F3F3F"/>
+                </a:solidFill>
+                <a:latin typeface="Open Sans"/>
+                <a:ea typeface="Open Sans"/>
+                <a:cs typeface="Open Sans"/>
+                <a:sym typeface="Open Sans"/>
+              </a:rPr>
+              <a:t>¿Qué tipo de amenaza es?</a:t>
+            </a:r>
+          </a:p>
+          <a:p>
+            <a:pPr marL="0" lvl="0" indent="0" algn="l" rtl="0">
+              <a:lnSpc>
+                <a:spcPct val="200000"/>
+              </a:lnSpc>
+              <a:spcBef>
+                <a:spcPts val="0"/>
+              </a:spcBef>
+              <a:spcAft>
+                <a:spcPts val="0"/>
+              </a:spcAft>
+              <a:buNone/>
+            </a:pPr>
+            <a:r>
+              <a:rPr lang="es" sz="1600" dirty="0">
+                <a:solidFill>
+                  <a:srgbClr val="3F3F3F"/>
+                </a:solidFill>
+                <a:latin typeface="Open Sans"/>
+                <a:ea typeface="Open Sans"/>
+                <a:cs typeface="Open Sans"/>
+                <a:sym typeface="Open Sans"/>
+              </a:rPr>
+              <a:t>¿Cómo comienza y cómo se propaga esta amenaza?</a:t>
+            </a:r>
+          </a:p>
+          <a:p>
+            <a:pPr marL="0" lvl="0" indent="0" algn="l" rtl="0">
+              <a:lnSpc>
+                <a:spcPct val="200000"/>
+              </a:lnSpc>
+              <a:spcBef>
+                <a:spcPts val="0"/>
+              </a:spcBef>
+              <a:spcAft>
+                <a:spcPts val="0"/>
+              </a:spcAft>
+              <a:buNone/>
+            </a:pPr>
+            <a:r>
+              <a:rPr lang="es" sz="1600" dirty="0">
+                <a:solidFill>
+                  <a:srgbClr val="3F3F3F"/>
+                </a:solidFill>
+                <a:latin typeface="Open Sans"/>
+                <a:ea typeface="Open Sans"/>
+                <a:cs typeface="Open Sans"/>
+                <a:sym typeface="Open Sans"/>
+              </a:rPr>
+              <a:t>¿Hay más de una amenaza aplicada ?</a:t>
+            </a:r>
+            <a:endParaRPr sz="1600" dirty="0">
               <a:solidFill>
                 <a:srgbClr val="3F3F3F"/>
               </a:solidFill>
@@ -9132,7 +9954,7 @@
             </a:endParaRPr>
           </a:p>
           <a:p>
-            <a:pPr indent="0" lvl="0" marL="0" rtl="0" algn="l">
+            <a:pPr marL="0" lvl="0" indent="0" algn="l" rtl="0">
               <a:lnSpc>
                 <a:spcPct val="200000"/>
               </a:lnSpc>
@@ -9145,7 +9967,7 @@
               <a:buNone/>
             </a:pPr>
             <a:r>
-              <a:rPr lang="es" sz="1600">
+              <a:rPr lang="es" sz="1600" dirty="0">
                 <a:solidFill>
                   <a:srgbClr val="3F3F3F"/>
                 </a:solidFill>
@@ -9154,117 +9976,12 @@
                 <a:cs typeface="Open Sans"/>
                 <a:sym typeface="Open Sans"/>
               </a:rPr>
-              <a:t>¿Qué tipo de amenaza es?</a:t>
-            </a:r>
-            <a:endParaRPr sz="1600">
-              <a:solidFill>
-                <a:srgbClr val="3F3F3F"/>
-              </a:solidFill>
-              <a:latin typeface="Open Sans"/>
-              <a:ea typeface="Open Sans"/>
-              <a:cs typeface="Open Sans"/>
-              <a:sym typeface="Open Sans"/>
-            </a:endParaRPr>
-          </a:p>
-          <a:p>
-            <a:pPr indent="0" lvl="0" marL="0" rtl="0" algn="l">
-              <a:lnSpc>
-                <a:spcPct val="200000"/>
-              </a:lnSpc>
-              <a:spcBef>
-                <a:spcPts val="0"/>
-              </a:spcBef>
-              <a:spcAft>
-                <a:spcPts val="0"/>
-              </a:spcAft>
-              <a:buNone/>
-            </a:pPr>
-            <a:r>
-              <a:rPr lang="es" sz="1600">
-                <a:solidFill>
-                  <a:srgbClr val="3F3F3F"/>
-                </a:solidFill>
-                <a:latin typeface="Open Sans"/>
-                <a:ea typeface="Open Sans"/>
-                <a:cs typeface="Open Sans"/>
-                <a:sym typeface="Open Sans"/>
-              </a:rPr>
-              <a:t>¿Cómo comienza y cómo se propaga esta amenaza?</a:t>
-            </a:r>
-            <a:endParaRPr sz="1600">
-              <a:solidFill>
-                <a:srgbClr val="3F3F3F"/>
-              </a:solidFill>
-              <a:latin typeface="Open Sans"/>
-              <a:ea typeface="Open Sans"/>
-              <a:cs typeface="Open Sans"/>
-              <a:sym typeface="Open Sans"/>
-            </a:endParaRPr>
-          </a:p>
-          <a:p>
-            <a:pPr indent="0" lvl="0" marL="0" rtl="0" algn="l">
-              <a:lnSpc>
-                <a:spcPct val="200000"/>
-              </a:lnSpc>
-              <a:spcBef>
-                <a:spcPts val="0"/>
-              </a:spcBef>
-              <a:spcAft>
-                <a:spcPts val="0"/>
-              </a:spcAft>
-              <a:buNone/>
-            </a:pPr>
-            <a:r>
-              <a:rPr lang="es" sz="1600">
-                <a:solidFill>
-                  <a:srgbClr val="3F3F3F"/>
-                </a:solidFill>
-                <a:latin typeface="Open Sans"/>
-                <a:ea typeface="Open Sans"/>
-                <a:cs typeface="Open Sans"/>
-                <a:sym typeface="Open Sans"/>
-              </a:rPr>
-              <a:t>¿Hay más de una amenaza aplicada ?</a:t>
-            </a:r>
-            <a:endParaRPr sz="1600">
-              <a:solidFill>
-                <a:srgbClr val="3F3F3F"/>
-              </a:solidFill>
-              <a:latin typeface="Open Sans"/>
-              <a:ea typeface="Open Sans"/>
-              <a:cs typeface="Open Sans"/>
-              <a:sym typeface="Open Sans"/>
-            </a:endParaRPr>
-          </a:p>
-          <a:p>
-            <a:pPr indent="0" lvl="0" marL="0" rtl="0" algn="l">
-              <a:lnSpc>
-                <a:spcPct val="200000"/>
-              </a:lnSpc>
-              <a:spcBef>
-                <a:spcPts val="0"/>
-              </a:spcBef>
-              <a:spcAft>
-                <a:spcPts val="0"/>
-              </a:spcAft>
-              <a:buNone/>
-            </a:pPr>
-            <a:r>
-              <a:rPr lang="es" sz="1600">
-                <a:solidFill>
-                  <a:srgbClr val="3F3F3F"/>
-                </a:solidFill>
-                <a:latin typeface="Open Sans"/>
-                <a:ea typeface="Open Sans"/>
-                <a:cs typeface="Open Sans"/>
-                <a:sym typeface="Open Sans"/>
-              </a:rPr>
               <a:t>¿Qué solución o medida recomendarían ?</a:t>
             </a:r>
-            <a:endParaRPr/>
-          </a:p>
-          <a:p>
-            <a:pPr indent="0" lvl="0" marL="0" rtl="0" algn="l">
+            <a:endParaRPr dirty="0"/>
+          </a:p>
+          <a:p>
+            <a:pPr marL="0" lvl="0" indent="0" algn="l" rtl="0">
               <a:spcBef>
                 <a:spcPts val="600"/>
               </a:spcBef>
@@ -9273,25 +9990,19 @@
               </a:spcAft>
               <a:buNone/>
             </a:pPr>
-            <a:r>
-              <a:t/>
-            </a:r>
-            <a:endParaRPr/>
-          </a:p>
-          <a:p>
-            <a:pPr indent="0" lvl="0" marL="0" rtl="0" algn="l">
-              <a:spcBef>
-                <a:spcPts val="0"/>
-              </a:spcBef>
-              <a:spcAft>
-                <a:spcPts val="0"/>
-              </a:spcAft>
-              <a:buNone/>
-            </a:pPr>
-            <a:r>
-              <a:t/>
-            </a:r>
-            <a:endParaRPr/>
+            <a:endParaRPr dirty="0"/>
+          </a:p>
+          <a:p>
+            <a:pPr marL="0" lvl="0" indent="0" algn="l" rtl="0">
+              <a:spcBef>
+                <a:spcPts val="0"/>
+              </a:spcBef>
+              <a:spcAft>
+                <a:spcPts val="0"/>
+              </a:spcAft>
+              <a:buNone/>
+            </a:pPr>
+            <a:endParaRPr dirty="0"/>
           </a:p>
         </p:txBody>
       </p:sp>
@@ -9304,11 +10015,11 @@
 </file>
 
 <file path=ppt/slides/slide9.xml><?xml version="1.0" encoding="utf-8"?>
-<p:sld xmlns:a="http://schemas.openxmlformats.org/drawingml/2006/main" xmlns:r="http://schemas.openxmlformats.org/officeDocument/2006/relationships" xmlns:mc="http://schemas.openxmlformats.org/markup-compatibility/2006" xmlns:mv="urn:schemas-microsoft-com:mac:vml" xmlns:p="http://schemas.openxmlformats.org/presentationml/2006/main" xmlns:c="http://schemas.openxmlformats.org/drawingml/2006/chart" xmlns:dgm="http://schemas.openxmlformats.org/drawingml/2006/diagram" xmlns:o="urn:schemas-microsoft-com:office:office" xmlns:v="urn:schemas-microsoft-com:vml" xmlns:pvml="urn:schemas-microsoft-com:office:powerpoint" xmlns:com="http://schemas.openxmlformats.org/drawingml/2006/compatibility" xmlns:p14="http://schemas.microsoft.com/office/powerpoint/2010/main" xmlns:p15="http://schemas.microsoft.com/office/powerpoint/2012/main" xmlns:ahyp="http://schemas.microsoft.com/office/drawing/2018/hyperlinkcolor">
+<p:sld xmlns:a="http://schemas.openxmlformats.org/drawingml/2006/main" xmlns:r="http://schemas.openxmlformats.org/officeDocument/2006/relationships" xmlns:p="http://schemas.openxmlformats.org/presentationml/2006/main">
   <p:cSld>
     <p:spTree>
       <p:nvGrpSpPr>
-        <p:cNvPr id="102" name="Shape 102"/>
+        <p:cNvPr id="1" name=""/>
         <p:cNvGrpSpPr/>
         <p:nvPr/>
       </p:nvGrpSpPr>
@@ -9322,108 +10033,90 @@
       </p:grpSpPr>
       <p:sp>
         <p:nvSpPr>
-          <p:cNvPr id="103" name="Google Shape;103;p23"/>
+          <p:cNvPr id="2" name="Título 1">
+            <a:extLst>
+              <a:ext uri="{FF2B5EF4-FFF2-40B4-BE49-F238E27FC236}">
+                <a16:creationId xmlns:a16="http://schemas.microsoft.com/office/drawing/2014/main" id="{F455AEA7-653D-44FE-9A6C-27049FE31550}"/>
+              </a:ext>
+            </a:extLst>
+          </p:cNvPr>
+          <p:cNvSpPr>
+            <a:spLocks noGrp="1"/>
+          </p:cNvSpPr>
+          <p:nvPr>
+            <p:ph type="title"/>
+          </p:nvPr>
+        </p:nvSpPr>
+        <p:spPr>
+          <a:xfrm>
+            <a:off x="758268" y="317434"/>
+            <a:ext cx="8520600" cy="572700"/>
+          </a:xfrm>
+        </p:spPr>
+        <p:txBody>
+          <a:bodyPr/>
+          <a:lstStyle/>
+          <a:p>
+            <a:pPr algn="ctr">
+              <a:buNone/>
+            </a:pPr>
+            <a:r>
+              <a:rPr lang="es" sz="2800" dirty="0">
+                <a:solidFill>
+                  <a:srgbClr val="3F3F3F"/>
+                </a:solidFill>
+                <a:latin typeface="Open Sans"/>
+                <a:ea typeface="Open Sans"/>
+                <a:cs typeface="Open Sans"/>
+                <a:sym typeface="Open Sans"/>
+              </a:rPr>
+              <a:t>¿Qué tipo de amenaza es?</a:t>
+            </a:r>
+            <a:br>
+              <a:rPr lang="es" sz="1400" dirty="0">
+                <a:solidFill>
+                  <a:srgbClr val="3F3F3F"/>
+                </a:solidFill>
+                <a:latin typeface="Open Sans"/>
+                <a:ea typeface="Open Sans"/>
+                <a:cs typeface="Open Sans"/>
+                <a:sym typeface="Open Sans"/>
+              </a:rPr>
+            </a:br>
+            <a:endParaRPr lang="es-AR" dirty="0"/>
+          </a:p>
+        </p:txBody>
+      </p:sp>
+      <p:sp>
+        <p:nvSpPr>
+          <p:cNvPr id="3" name="CuadroTexto 2">
+            <a:extLst>
+              <a:ext uri="{FF2B5EF4-FFF2-40B4-BE49-F238E27FC236}">
+                <a16:creationId xmlns:a16="http://schemas.microsoft.com/office/drawing/2014/main" id="{A95B604D-38EA-4372-B747-F1E3167B597E}"/>
+              </a:ext>
+            </a:extLst>
+          </p:cNvPr>
           <p:cNvSpPr txBox="1"/>
           <p:nvPr/>
         </p:nvSpPr>
         <p:spPr>
           <a:xfrm>
-            <a:off x="766075" y="174875"/>
-            <a:ext cx="5927700" cy="600300"/>
+            <a:off x="758268" y="1233889"/>
+            <a:ext cx="7195910" cy="3077766"/>
           </a:xfrm>
           <a:prstGeom prst="rect">
             <a:avLst/>
           </a:prstGeom>
           <a:noFill/>
-          <a:ln>
-            <a:noFill/>
-          </a:ln>
         </p:spPr>
         <p:txBody>
-          <a:bodyPr anchorCtr="0" anchor="t" bIns="91425" lIns="91425" spcFirstLastPara="1" rIns="91425" wrap="square" tIns="91425">
+          <a:bodyPr wrap="square" rtlCol="0">
             <a:spAutoFit/>
           </a:bodyPr>
           <a:lstStyle/>
           <a:p>
-            <a:pPr indent="0" lvl="0" marL="0" rtl="0" algn="l">
-              <a:lnSpc>
-                <a:spcPct val="90000"/>
-              </a:lnSpc>
-              <a:spcBef>
-                <a:spcPts val="0"/>
-              </a:spcBef>
-              <a:spcAft>
-                <a:spcPts val="0"/>
-              </a:spcAft>
-              <a:buNone/>
-            </a:pPr>
-            <a:r>
-              <a:rPr b="1" lang="es" sz="3000">
-                <a:solidFill>
-                  <a:srgbClr val="EC183F"/>
-                </a:solidFill>
-                <a:latin typeface="Rajdhani"/>
-                <a:ea typeface="Rajdhani"/>
-                <a:cs typeface="Rajdhani"/>
-                <a:sym typeface="Rajdhani"/>
-              </a:rPr>
-              <a:t>Mesa</a:t>
-            </a:r>
-            <a:r>
-              <a:rPr b="1" lang="es" sz="3000">
-                <a:solidFill>
-                  <a:srgbClr val="434343"/>
-                </a:solidFill>
-                <a:latin typeface="Rajdhani"/>
-                <a:ea typeface="Rajdhani"/>
-                <a:cs typeface="Rajdhani"/>
-                <a:sym typeface="Rajdhani"/>
-              </a:rPr>
-              <a:t> 9</a:t>
-            </a:r>
-            <a:endParaRPr b="1" u="sng"/>
-          </a:p>
-        </p:txBody>
-      </p:sp>
-      <p:sp>
-        <p:nvSpPr>
-          <p:cNvPr id="104" name="Google Shape;104;p23"/>
-          <p:cNvSpPr txBox="1"/>
-          <p:nvPr/>
-        </p:nvSpPr>
-        <p:spPr>
-          <a:xfrm>
-            <a:off x="766075" y="1203800"/>
-            <a:ext cx="7633200" cy="3155400"/>
-          </a:xfrm>
-          <a:prstGeom prst="rect">
-            <a:avLst/>
-          </a:prstGeom>
-          <a:noFill/>
-          <a:ln>
-            <a:noFill/>
-          </a:ln>
-        </p:spPr>
-        <p:txBody>
-          <a:bodyPr anchorCtr="0" anchor="t" bIns="91425" lIns="91425" spcFirstLastPara="1" rIns="91425" wrap="square" tIns="91425">
-            <a:spAutoFit/>
-          </a:bodyPr>
-          <a:lstStyle/>
-          <a:p>
-            <a:pPr indent="0" lvl="0" marL="0" rtl="0" algn="l">
-              <a:lnSpc>
-                <a:spcPct val="200000"/>
-              </a:lnSpc>
-              <a:spcBef>
-                <a:spcPts val="0"/>
-              </a:spcBef>
-              <a:spcAft>
-                <a:spcPts val="0"/>
-              </a:spcAft>
-              <a:buNone/>
-            </a:pPr>
-            <a:r>
-              <a:rPr lang="es" sz="1600">
+            <a:r>
+              <a:rPr lang="es-ES" sz="1800" dirty="0">
                 <a:solidFill>
                   <a:srgbClr val="3F3F3F"/>
                 </a:solidFill>
@@ -9432,9 +10125,35 @@
                 <a:cs typeface="Open Sans"/>
                 <a:sym typeface="Open Sans"/>
               </a:rPr>
-              <a:t>Nota : &lt;Poner el link&gt;</a:t>
-            </a:r>
-            <a:endParaRPr sz="1600">
+              <a:t>El </a:t>
+            </a:r>
+            <a:r>
+              <a:rPr lang="es-ES" sz="1800" dirty="0" err="1">
+                <a:solidFill>
+                  <a:srgbClr val="3F3F3F"/>
+                </a:solidFill>
+                <a:latin typeface="Open Sans"/>
+                <a:ea typeface="Open Sans"/>
+                <a:cs typeface="Open Sans"/>
+                <a:sym typeface="Open Sans"/>
+              </a:rPr>
+              <a:t>ransomware</a:t>
+            </a:r>
+            <a:r>
+              <a:rPr lang="es-ES" sz="1800" dirty="0">
+                <a:solidFill>
+                  <a:srgbClr val="3F3F3F"/>
+                </a:solidFill>
+                <a:latin typeface="Open Sans"/>
+                <a:ea typeface="Open Sans"/>
+                <a:cs typeface="Open Sans"/>
+                <a:sym typeface="Open Sans"/>
+              </a:rPr>
+              <a:t> es un software extorsivo: su finalidad es impedirte usar tu dispositivo hasta que hayas pagado un rescate.</a:t>
+            </a:r>
+          </a:p>
+          <a:p>
+            <a:endParaRPr lang="es-AR" sz="1800" dirty="0">
               <a:solidFill>
                 <a:srgbClr val="3F3F3F"/>
               </a:solidFill>
@@ -9445,20 +10164,8 @@
             </a:endParaRPr>
           </a:p>
           <a:p>
-            <a:pPr indent="0" lvl="0" marL="0" rtl="0" algn="l">
-              <a:lnSpc>
-                <a:spcPct val="200000"/>
-              </a:lnSpc>
-              <a:spcBef>
-                <a:spcPts val="0"/>
-              </a:spcBef>
-              <a:spcAft>
-                <a:spcPts val="0"/>
-              </a:spcAft>
-              <a:buNone/>
-            </a:pPr>
-            <a:r>
-              <a:rPr lang="es" sz="1600">
+            <a:r>
+              <a:rPr lang="es-ES" sz="1800" dirty="0">
                 <a:solidFill>
                   <a:srgbClr val="3F3F3F"/>
                 </a:solidFill>
@@ -9467,9 +10174,83 @@
                 <a:cs typeface="Open Sans"/>
                 <a:sym typeface="Open Sans"/>
               </a:rPr>
-              <a:t>¿Qué tipo de amenaza es?</a:t>
-            </a:r>
-            <a:endParaRPr sz="1600">
+              <a:t>Existen, básicamente, dos clases de </a:t>
+            </a:r>
+            <a:r>
+              <a:rPr lang="es-ES" sz="1800" dirty="0" err="1">
+                <a:solidFill>
+                  <a:srgbClr val="3F3F3F"/>
+                </a:solidFill>
+                <a:latin typeface="Open Sans"/>
+                <a:ea typeface="Open Sans"/>
+                <a:cs typeface="Open Sans"/>
+                <a:sym typeface="Open Sans"/>
+              </a:rPr>
+              <a:t>ransomware</a:t>
+            </a:r>
+            <a:r>
+              <a:rPr lang="es-ES" sz="1800" dirty="0">
+                <a:solidFill>
+                  <a:srgbClr val="3F3F3F"/>
+                </a:solidFill>
+                <a:latin typeface="Open Sans"/>
+                <a:ea typeface="Open Sans"/>
+                <a:cs typeface="Open Sans"/>
+                <a:sym typeface="Open Sans"/>
+              </a:rPr>
+              <a:t>: el </a:t>
+            </a:r>
+            <a:r>
+              <a:rPr lang="es-ES" sz="1800" dirty="0" err="1">
+                <a:solidFill>
+                  <a:srgbClr val="3F3F3F"/>
+                </a:solidFill>
+                <a:latin typeface="Open Sans"/>
+                <a:ea typeface="Open Sans"/>
+                <a:cs typeface="Open Sans"/>
+                <a:sym typeface="Open Sans"/>
+              </a:rPr>
+              <a:t>ransomware</a:t>
+            </a:r>
+            <a:r>
+              <a:rPr lang="es-ES" sz="1800" dirty="0">
+                <a:solidFill>
+                  <a:srgbClr val="3F3F3F"/>
+                </a:solidFill>
+                <a:latin typeface="Open Sans"/>
+                <a:ea typeface="Open Sans"/>
+                <a:cs typeface="Open Sans"/>
+                <a:sym typeface="Open Sans"/>
+              </a:rPr>
+              <a:t> de bloqueo, por un lado, y el </a:t>
+            </a:r>
+            <a:r>
+              <a:rPr lang="es-ES" sz="1800" dirty="0" err="1">
+                <a:solidFill>
+                  <a:srgbClr val="3F3F3F"/>
+                </a:solidFill>
+                <a:latin typeface="Open Sans"/>
+                <a:ea typeface="Open Sans"/>
+                <a:cs typeface="Open Sans"/>
+                <a:sym typeface="Open Sans"/>
+              </a:rPr>
+              <a:t>ransomware</a:t>
+            </a:r>
+            <a:r>
+              <a:rPr lang="es-ES" sz="1800" dirty="0">
+                <a:solidFill>
+                  <a:srgbClr val="3F3F3F"/>
+                </a:solidFill>
+                <a:latin typeface="Open Sans"/>
+                <a:ea typeface="Open Sans"/>
+                <a:cs typeface="Open Sans"/>
+                <a:sym typeface="Open Sans"/>
+              </a:rPr>
+              <a:t> de cifrado, por el otro. Se diferencian de este modo:</a:t>
+            </a:r>
+          </a:p>
+          <a:p>
+            <a:endParaRPr lang="es-ES" sz="1800" dirty="0">
               <a:solidFill>
                 <a:srgbClr val="3F3F3F"/>
               </a:solidFill>
@@ -9480,20 +10261,12 @@
             </a:endParaRPr>
           </a:p>
           <a:p>
-            <a:pPr indent="0" lvl="0" marL="0" rtl="0" algn="l">
-              <a:lnSpc>
-                <a:spcPct val="200000"/>
-              </a:lnSpc>
-              <a:spcBef>
-                <a:spcPts val="0"/>
-              </a:spcBef>
-              <a:spcAft>
-                <a:spcPts val="0"/>
-              </a:spcAft>
-              <a:buNone/>
-            </a:pPr>
-            <a:r>
-              <a:rPr lang="es" sz="1600">
+            <a:pPr marL="285750" indent="-285750">
+              <a:buFont typeface="Arial" panose="020B0604020202020204" pitchFamily="34" charset="0"/>
+              <a:buChar char="•"/>
+            </a:pPr>
+            <a:r>
+              <a:rPr lang="es-ES" sz="1800" dirty="0">
                 <a:solidFill>
                   <a:srgbClr val="3F3F3F"/>
                 </a:solidFill>
@@ -9502,9 +10275,75 @@
                 <a:cs typeface="Open Sans"/>
                 <a:sym typeface="Open Sans"/>
               </a:rPr>
-              <a:t>¿Cómo comienza y cómo se propaga esta amenaza?</a:t>
-            </a:r>
-            <a:endParaRPr sz="1600">
+              <a:t>el </a:t>
+            </a:r>
+            <a:r>
+              <a:rPr lang="es-ES" sz="1800" dirty="0" err="1">
+                <a:solidFill>
+                  <a:srgbClr val="3F3F3F"/>
+                </a:solidFill>
+                <a:latin typeface="Open Sans"/>
+                <a:ea typeface="Open Sans"/>
+                <a:cs typeface="Open Sans"/>
+                <a:sym typeface="Open Sans"/>
+              </a:rPr>
+              <a:t>ransomware</a:t>
+            </a:r>
+            <a:r>
+              <a:rPr lang="es-ES" sz="1800" dirty="0">
+                <a:solidFill>
+                  <a:srgbClr val="3F3F3F"/>
+                </a:solidFill>
+                <a:latin typeface="Open Sans"/>
+                <a:ea typeface="Open Sans"/>
+                <a:cs typeface="Open Sans"/>
+                <a:sym typeface="Open Sans"/>
+              </a:rPr>
+              <a:t> de bloqueo afecta las funciones básicas del equipo,</a:t>
+            </a:r>
+          </a:p>
+          <a:p>
+            <a:pPr marL="285750" indent="-285750">
+              <a:buFont typeface="Arial" panose="020B0604020202020204" pitchFamily="34" charset="0"/>
+              <a:buChar char="•"/>
+            </a:pPr>
+            <a:r>
+              <a:rPr lang="es-ES" sz="1800" dirty="0">
+                <a:solidFill>
+                  <a:srgbClr val="3F3F3F"/>
+                </a:solidFill>
+                <a:latin typeface="Open Sans"/>
+                <a:ea typeface="Open Sans"/>
+                <a:cs typeface="Open Sans"/>
+                <a:sym typeface="Open Sans"/>
+              </a:rPr>
+              <a:t>el </a:t>
+            </a:r>
+            <a:r>
+              <a:rPr lang="es-ES" sz="1800" dirty="0" err="1">
+                <a:solidFill>
+                  <a:srgbClr val="3F3F3F"/>
+                </a:solidFill>
+                <a:latin typeface="Open Sans"/>
+                <a:ea typeface="Open Sans"/>
+                <a:cs typeface="Open Sans"/>
+                <a:sym typeface="Open Sans"/>
+              </a:rPr>
+              <a:t>ransomware</a:t>
+            </a:r>
+            <a:r>
+              <a:rPr lang="es-ES" sz="1800" dirty="0">
+                <a:solidFill>
+                  <a:srgbClr val="3F3F3F"/>
+                </a:solidFill>
+                <a:latin typeface="Open Sans"/>
+                <a:ea typeface="Open Sans"/>
+                <a:cs typeface="Open Sans"/>
+                <a:sym typeface="Open Sans"/>
+              </a:rPr>
+              <a:t> de cifrado cifra archivos individuales.</a:t>
+            </a:r>
+            <a:endParaRPr lang="es-AR" sz="1800" dirty="0">
               <a:solidFill>
                 <a:srgbClr val="3F3F3F"/>
               </a:solidFill>
@@ -9515,100 +10354,16 @@
             </a:endParaRPr>
           </a:p>
           <a:p>
-            <a:pPr indent="0" lvl="0" marL="0" rtl="0" algn="l">
-              <a:lnSpc>
-                <a:spcPct val="200000"/>
-              </a:lnSpc>
-              <a:spcBef>
-                <a:spcPts val="0"/>
-              </a:spcBef>
-              <a:spcAft>
-                <a:spcPts val="0"/>
-              </a:spcAft>
-              <a:buNone/>
-            </a:pPr>
-            <a:r>
-              <a:rPr lang="es" sz="1600">
-                <a:solidFill>
-                  <a:srgbClr val="3F3F3F"/>
-                </a:solidFill>
-                <a:latin typeface="Open Sans"/>
-                <a:ea typeface="Open Sans"/>
-                <a:cs typeface="Open Sans"/>
-                <a:sym typeface="Open Sans"/>
-              </a:rPr>
-              <a:t>¿Hay más de una amenaza aplicada ?</a:t>
-            </a:r>
-            <a:endParaRPr sz="1600">
-              <a:solidFill>
-                <a:srgbClr val="3F3F3F"/>
-              </a:solidFill>
-              <a:latin typeface="Open Sans"/>
-              <a:ea typeface="Open Sans"/>
-              <a:cs typeface="Open Sans"/>
-              <a:sym typeface="Open Sans"/>
-            </a:endParaRPr>
-          </a:p>
-          <a:p>
-            <a:pPr indent="0" lvl="0" marL="0" rtl="0" algn="l">
-              <a:lnSpc>
-                <a:spcPct val="200000"/>
-              </a:lnSpc>
-              <a:spcBef>
-                <a:spcPts val="0"/>
-              </a:spcBef>
-              <a:spcAft>
-                <a:spcPts val="0"/>
-              </a:spcAft>
-              <a:buNone/>
-            </a:pPr>
-            <a:r>
-              <a:rPr lang="es" sz="1600">
-                <a:solidFill>
-                  <a:srgbClr val="3F3F3F"/>
-                </a:solidFill>
-                <a:latin typeface="Open Sans"/>
-                <a:ea typeface="Open Sans"/>
-                <a:cs typeface="Open Sans"/>
-                <a:sym typeface="Open Sans"/>
-              </a:rPr>
-              <a:t>¿Qué solución o medida recomendarían ?</a:t>
-            </a:r>
-            <a:endParaRPr/>
-          </a:p>
-          <a:p>
-            <a:pPr indent="0" lvl="0" marL="0" rtl="0" algn="l">
-              <a:spcBef>
-                <a:spcPts val="600"/>
-              </a:spcBef>
-              <a:spcAft>
-                <a:spcPts val="0"/>
-              </a:spcAft>
-              <a:buNone/>
-            </a:pPr>
-            <a:r>
-              <a:t/>
-            </a:r>
-            <a:endParaRPr/>
-          </a:p>
-          <a:p>
-            <a:pPr indent="0" lvl="0" marL="0" rtl="0" algn="l">
-              <a:spcBef>
-                <a:spcPts val="0"/>
-              </a:spcBef>
-              <a:spcAft>
-                <a:spcPts val="0"/>
-              </a:spcAft>
-              <a:buNone/>
-            </a:pPr>
-            <a:r>
-              <a:t/>
-            </a:r>
-            <a:endParaRPr/>
+            <a:endParaRPr lang="es-AR" dirty="0"/>
           </a:p>
         </p:txBody>
       </p:sp>
     </p:spTree>
+    <p:extLst>
+      <p:ext uri="{BB962C8B-B14F-4D97-AF65-F5344CB8AC3E}">
+        <p14:creationId xmlns:p14="http://schemas.microsoft.com/office/powerpoint/2010/main" val="2919255024"/>
+      </p:ext>
+    </p:extLst>
   </p:cSld>
   <p:clrMapOvr>
     <a:masterClrMapping/>
@@ -9617,7 +10372,288 @@
 </file>
 
 <file path=ppt/theme/theme1.xml><?xml version="1.0" encoding="utf-8"?>
-<a:theme xmlns:a="http://schemas.openxmlformats.org/drawingml/2006/main" xmlns:r="http://schemas.openxmlformats.org/officeDocument/2006/relationships">
+<a:theme xmlns:a="http://schemas.openxmlformats.org/drawingml/2006/main" name="Simple Light">
+  <a:themeElements>
+    <a:clrScheme name="Simple Light">
+      <a:dk1>
+        <a:srgbClr val="000000"/>
+      </a:dk1>
+      <a:lt1>
+        <a:srgbClr val="FFFFFF"/>
+      </a:lt1>
+      <a:dk2>
+        <a:srgbClr val="595959"/>
+      </a:dk2>
+      <a:lt2>
+        <a:srgbClr val="EEEEEE"/>
+      </a:lt2>
+      <a:accent1>
+        <a:srgbClr val="FFAB40"/>
+      </a:accent1>
+      <a:accent2>
+        <a:srgbClr val="212121"/>
+      </a:accent2>
+      <a:accent3>
+        <a:srgbClr val="78909C"/>
+      </a:accent3>
+      <a:accent4>
+        <a:srgbClr val="FFAB40"/>
+      </a:accent4>
+      <a:accent5>
+        <a:srgbClr val="0097A7"/>
+      </a:accent5>
+      <a:accent6>
+        <a:srgbClr val="EEFF41"/>
+      </a:accent6>
+      <a:hlink>
+        <a:srgbClr val="0097A7"/>
+      </a:hlink>
+      <a:folHlink>
+        <a:srgbClr val="0097A7"/>
+      </a:folHlink>
+    </a:clrScheme>
+    <a:fontScheme name="Office">
+      <a:majorFont>
+        <a:latin typeface="Arial"/>
+        <a:ea typeface=""/>
+        <a:cs typeface=""/>
+        <a:font script="Jpan" typeface="ＭＳ Ｐゴシック"/>
+        <a:font script="Hang" typeface="맑은 고딕"/>
+        <a:font script="Hans" typeface="宋体"/>
+        <a:font script="Hant" typeface="新細明體"/>
+        <a:font script="Arab" typeface="Times New Roman"/>
+        <a:font script="Hebr" typeface="Times New Roman"/>
+        <a:font script="Thai" typeface="Angsana New"/>
+        <a:font script="Ethi" typeface="Nyala"/>
+        <a:font script="Beng" typeface="Vrinda"/>
+        <a:font script="Gujr" typeface="Shruti"/>
+        <a:font script="Khmr" typeface="MoolBoran"/>
+        <a:font script="Knda" typeface="Tunga"/>
+        <a:font script="Guru" typeface="Raavi"/>
+        <a:font script="Cans" typeface="Euphemia"/>
+        <a:font script="Cher" typeface="Plantagenet Cherokee"/>
+        <a:font script="Yiii" typeface="Microsoft Yi Baiti"/>
+        <a:font script="Tibt" typeface="Microsoft Himalaya"/>
+        <a:font script="Thaa" typeface="MV Boli"/>
+        <a:font script="Deva" typeface="Mangal"/>
+        <a:font script="Telu" typeface="Gautami"/>
+        <a:font script="Taml" typeface="Latha"/>
+        <a:font script="Syrc" typeface="Estrangelo Edessa"/>
+        <a:font script="Orya" typeface="Kalinga"/>
+        <a:font script="Mlym" typeface="Kartika"/>
+        <a:font script="Laoo" typeface="DokChampa"/>
+        <a:font script="Sinh" typeface="Iskoola Pota"/>
+        <a:font script="Mong" typeface="Mongolian Baiti"/>
+        <a:font script="Viet" typeface="Times New Roman"/>
+        <a:font script="Uigh" typeface="Microsoft Uighur"/>
+        <a:font script="Geor" typeface="Sylfaen"/>
+      </a:majorFont>
+      <a:minorFont>
+        <a:latin typeface="Arial"/>
+        <a:ea typeface=""/>
+        <a:cs typeface=""/>
+        <a:font script="Jpan" typeface="ＭＳ Ｐゴシック"/>
+        <a:font script="Hang" typeface="맑은 고딕"/>
+        <a:font script="Hans" typeface="宋体"/>
+        <a:font script="Hant" typeface="新細明體"/>
+        <a:font script="Arab" typeface="Arial"/>
+        <a:font script="Hebr" typeface="Arial"/>
+        <a:font script="Thai" typeface="Cordia New"/>
+        <a:font script="Ethi" typeface="Nyala"/>
+        <a:font script="Beng" typeface="Vrinda"/>
+        <a:font script="Gujr" typeface="Shruti"/>
+        <a:font script="Khmr" typeface="DaunPenh"/>
+        <a:font script="Knda" typeface="Tunga"/>
+        <a:font script="Guru" typeface="Raavi"/>
+        <a:font script="Cans" typeface="Euphemia"/>
+        <a:font script="Cher" typeface="Plantagenet Cherokee"/>
+        <a:font script="Yiii" typeface="Microsoft Yi Baiti"/>
+        <a:font script="Tibt" typeface="Microsoft Himalaya"/>
+        <a:font script="Thaa" typeface="MV Boli"/>
+        <a:font script="Deva" typeface="Mangal"/>
+        <a:font script="Telu" typeface="Gautami"/>
+        <a:font script="Taml" typeface="Latha"/>
+        <a:font script="Syrc" typeface="Estrangelo Edessa"/>
+        <a:font script="Orya" typeface="Kalinga"/>
+        <a:font script="Mlym" typeface="Kartika"/>
+        <a:font script="Laoo" typeface="DokChampa"/>
+        <a:font script="Sinh" typeface="Iskoola Pota"/>
+        <a:font script="Mong" typeface="Mongolian Baiti"/>
+        <a:font script="Viet" typeface="Arial"/>
+        <a:font script="Uigh" typeface="Microsoft Uighur"/>
+        <a:font script="Geor" typeface="Sylfaen"/>
+      </a:minorFont>
+    </a:fontScheme>
+    <a:fmtScheme name="Office">
+      <a:fillStyleLst>
+        <a:solidFill>
+          <a:schemeClr val="phClr"/>
+        </a:solidFill>
+        <a:gradFill rotWithShape="1">
+          <a:gsLst>
+            <a:gs pos="0">
+              <a:schemeClr val="phClr">
+                <a:tint val="50000"/>
+                <a:satMod val="300000"/>
+              </a:schemeClr>
+            </a:gs>
+            <a:gs pos="35000">
+              <a:schemeClr val="phClr">
+                <a:tint val="37000"/>
+                <a:satMod val="300000"/>
+              </a:schemeClr>
+            </a:gs>
+            <a:gs pos="100000">
+              <a:schemeClr val="phClr">
+                <a:tint val="15000"/>
+                <a:satMod val="350000"/>
+              </a:schemeClr>
+            </a:gs>
+          </a:gsLst>
+          <a:lin ang="16200000" scaled="1"/>
+        </a:gradFill>
+        <a:gradFill rotWithShape="1">
+          <a:gsLst>
+            <a:gs pos="0">
+              <a:schemeClr val="phClr">
+                <a:tint val="100000"/>
+                <a:shade val="100000"/>
+                <a:satMod val="130000"/>
+              </a:schemeClr>
+            </a:gs>
+            <a:gs pos="100000">
+              <a:schemeClr val="phClr">
+                <a:tint val="50000"/>
+                <a:shade val="100000"/>
+                <a:satMod val="350000"/>
+              </a:schemeClr>
+            </a:gs>
+          </a:gsLst>
+          <a:lin ang="16200000" scaled="0"/>
+        </a:gradFill>
+      </a:fillStyleLst>
+      <a:lnStyleLst>
+        <a:ln w="9525" cap="flat" cmpd="sng" algn="ctr">
+          <a:solidFill>
+            <a:schemeClr val="phClr">
+              <a:shade val="95000"/>
+              <a:satMod val="105000"/>
+            </a:schemeClr>
+          </a:solidFill>
+          <a:prstDash val="solid"/>
+        </a:ln>
+        <a:ln w="25400" cap="flat" cmpd="sng" algn="ctr">
+          <a:solidFill>
+            <a:schemeClr val="phClr"/>
+          </a:solidFill>
+          <a:prstDash val="solid"/>
+        </a:ln>
+        <a:ln w="38100" cap="flat" cmpd="sng" algn="ctr">
+          <a:solidFill>
+            <a:schemeClr val="phClr"/>
+          </a:solidFill>
+          <a:prstDash val="solid"/>
+        </a:ln>
+      </a:lnStyleLst>
+      <a:effectStyleLst>
+        <a:effectStyle>
+          <a:effectLst>
+            <a:outerShdw blurRad="40000" dist="20000" dir="5400000" rotWithShape="0">
+              <a:srgbClr val="000000">
+                <a:alpha val="38000"/>
+              </a:srgbClr>
+            </a:outerShdw>
+          </a:effectLst>
+        </a:effectStyle>
+        <a:effectStyle>
+          <a:effectLst>
+            <a:outerShdw blurRad="40000" dist="23000" dir="5400000" rotWithShape="0">
+              <a:srgbClr val="000000">
+                <a:alpha val="35000"/>
+              </a:srgbClr>
+            </a:outerShdw>
+          </a:effectLst>
+        </a:effectStyle>
+        <a:effectStyle>
+          <a:effectLst>
+            <a:outerShdw blurRad="40000" dist="23000" dir="5400000" rotWithShape="0">
+              <a:srgbClr val="000000">
+                <a:alpha val="35000"/>
+              </a:srgbClr>
+            </a:outerShdw>
+          </a:effectLst>
+          <a:scene3d>
+            <a:camera prst="orthographicFront">
+              <a:rot lat="0" lon="0" rev="0"/>
+            </a:camera>
+            <a:lightRig rig="threePt" dir="t">
+              <a:rot lat="0" lon="0" rev="1200000"/>
+            </a:lightRig>
+          </a:scene3d>
+          <a:sp3d>
+            <a:bevelT w="63500" h="25400"/>
+          </a:sp3d>
+        </a:effectStyle>
+      </a:effectStyleLst>
+      <a:bgFillStyleLst>
+        <a:solidFill>
+          <a:schemeClr val="phClr"/>
+        </a:solidFill>
+        <a:gradFill rotWithShape="1">
+          <a:gsLst>
+            <a:gs pos="0">
+              <a:schemeClr val="phClr">
+                <a:tint val="40000"/>
+                <a:satMod val="350000"/>
+              </a:schemeClr>
+            </a:gs>
+            <a:gs pos="40000">
+              <a:schemeClr val="phClr">
+                <a:tint val="45000"/>
+                <a:shade val="99000"/>
+                <a:satMod val="350000"/>
+              </a:schemeClr>
+            </a:gs>
+            <a:gs pos="100000">
+              <a:schemeClr val="phClr">
+                <a:shade val="20000"/>
+                <a:satMod val="255000"/>
+              </a:schemeClr>
+            </a:gs>
+          </a:gsLst>
+          <a:path path="circle">
+            <a:fillToRect l="50000" t="-80000" r="50000" b="180000"/>
+          </a:path>
+        </a:gradFill>
+        <a:gradFill rotWithShape="1">
+          <a:gsLst>
+            <a:gs pos="0">
+              <a:schemeClr val="phClr">
+                <a:tint val="80000"/>
+                <a:satMod val="300000"/>
+              </a:schemeClr>
+            </a:gs>
+            <a:gs pos="100000">
+              <a:schemeClr val="phClr">
+                <a:shade val="30000"/>
+                <a:satMod val="200000"/>
+              </a:schemeClr>
+            </a:gs>
+          </a:gsLst>
+          <a:path path="circle">
+            <a:fillToRect l="50000" t="50000" r="50000" b="50000"/>
+          </a:path>
+        </a:gradFill>
+      </a:bgFillStyleLst>
+    </a:fmtScheme>
+  </a:themeElements>
+  <a:objectDefaults/>
+  <a:extraClrSchemeLst/>
+</a:theme>
+</file>
+
+<file path=ppt/theme/theme2.xml><?xml version="1.0" encoding="utf-8"?>
+<a:theme xmlns:a="http://schemas.openxmlformats.org/drawingml/2006/main">
   <a:themeElements>
     <a:clrScheme name="Default">
       <a:dk1>
@@ -9892,284 +10928,7 @@
       </a:bgFillStyleLst>
     </a:fmtScheme>
   </a:themeElements>
-</a:theme>
-</file>
-
-<file path=ppt/theme/theme2.xml><?xml version="1.0" encoding="utf-8"?>
-<a:theme xmlns:a="http://schemas.openxmlformats.org/drawingml/2006/main" xmlns:r="http://schemas.openxmlformats.org/officeDocument/2006/relationships" name="Simple Light">
-  <a:themeElements>
-    <a:clrScheme name="Simple Light">
-      <a:dk1>
-        <a:srgbClr val="000000"/>
-      </a:dk1>
-      <a:lt1>
-        <a:srgbClr val="FFFFFF"/>
-      </a:lt1>
-      <a:dk2>
-        <a:srgbClr val="595959"/>
-      </a:dk2>
-      <a:lt2>
-        <a:srgbClr val="EEEEEE"/>
-      </a:lt2>
-      <a:accent1>
-        <a:srgbClr val="FFAB40"/>
-      </a:accent1>
-      <a:accent2>
-        <a:srgbClr val="212121"/>
-      </a:accent2>
-      <a:accent3>
-        <a:srgbClr val="78909C"/>
-      </a:accent3>
-      <a:accent4>
-        <a:srgbClr val="FFAB40"/>
-      </a:accent4>
-      <a:accent5>
-        <a:srgbClr val="0097A7"/>
-      </a:accent5>
-      <a:accent6>
-        <a:srgbClr val="EEFF41"/>
-      </a:accent6>
-      <a:hlink>
-        <a:srgbClr val="0097A7"/>
-      </a:hlink>
-      <a:folHlink>
-        <a:srgbClr val="0097A7"/>
-      </a:folHlink>
-    </a:clrScheme>
-    <a:fontScheme name="Office">
-      <a:majorFont>
-        <a:latin typeface="Arial"/>
-        <a:ea typeface=""/>
-        <a:cs typeface=""/>
-        <a:font script="Jpan" typeface="ＭＳ Ｐゴシック"/>
-        <a:font script="Hang" typeface="맑은 고딕"/>
-        <a:font script="Hans" typeface="宋体"/>
-        <a:font script="Hant" typeface="新細明體"/>
-        <a:font script="Arab" typeface="Times New Roman"/>
-        <a:font script="Hebr" typeface="Times New Roman"/>
-        <a:font script="Thai" typeface="Angsana New"/>
-        <a:font script="Ethi" typeface="Nyala"/>
-        <a:font script="Beng" typeface="Vrinda"/>
-        <a:font script="Gujr" typeface="Shruti"/>
-        <a:font script="Khmr" typeface="MoolBoran"/>
-        <a:font script="Knda" typeface="Tunga"/>
-        <a:font script="Guru" typeface="Raavi"/>
-        <a:font script="Cans" typeface="Euphemia"/>
-        <a:font script="Cher" typeface="Plantagenet Cherokee"/>
-        <a:font script="Yiii" typeface="Microsoft Yi Baiti"/>
-        <a:font script="Tibt" typeface="Microsoft Himalaya"/>
-        <a:font script="Thaa" typeface="MV Boli"/>
-        <a:font script="Deva" typeface="Mangal"/>
-        <a:font script="Telu" typeface="Gautami"/>
-        <a:font script="Taml" typeface="Latha"/>
-        <a:font script="Syrc" typeface="Estrangelo Edessa"/>
-        <a:font script="Orya" typeface="Kalinga"/>
-        <a:font script="Mlym" typeface="Kartika"/>
-        <a:font script="Laoo" typeface="DokChampa"/>
-        <a:font script="Sinh" typeface="Iskoola Pota"/>
-        <a:font script="Mong" typeface="Mongolian Baiti"/>
-        <a:font script="Viet" typeface="Times New Roman"/>
-        <a:font script="Uigh" typeface="Microsoft Uighur"/>
-        <a:font script="Geor" typeface="Sylfaen"/>
-      </a:majorFont>
-      <a:minorFont>
-        <a:latin typeface="Arial"/>
-        <a:ea typeface=""/>
-        <a:cs typeface=""/>
-        <a:font script="Jpan" typeface="ＭＳ Ｐゴシック"/>
-        <a:font script="Hang" typeface="맑은 고딕"/>
-        <a:font script="Hans" typeface="宋体"/>
-        <a:font script="Hant" typeface="新細明體"/>
-        <a:font script="Arab" typeface="Arial"/>
-        <a:font script="Hebr" typeface="Arial"/>
-        <a:font script="Thai" typeface="Cordia New"/>
-        <a:font script="Ethi" typeface="Nyala"/>
-        <a:font script="Beng" typeface="Vrinda"/>
-        <a:font script="Gujr" typeface="Shruti"/>
-        <a:font script="Khmr" typeface="DaunPenh"/>
-        <a:font script="Knda" typeface="Tunga"/>
-        <a:font script="Guru" typeface="Raavi"/>
-        <a:font script="Cans" typeface="Euphemia"/>
-        <a:font script="Cher" typeface="Plantagenet Cherokee"/>
-        <a:font script="Yiii" typeface="Microsoft Yi Baiti"/>
-        <a:font script="Tibt" typeface="Microsoft Himalaya"/>
-        <a:font script="Thaa" typeface="MV Boli"/>
-        <a:font script="Deva" typeface="Mangal"/>
-        <a:font script="Telu" typeface="Gautami"/>
-        <a:font script="Taml" typeface="Latha"/>
-        <a:font script="Syrc" typeface="Estrangelo Edessa"/>
-        <a:font script="Orya" typeface="Kalinga"/>
-        <a:font script="Mlym" typeface="Kartika"/>
-        <a:font script="Laoo" typeface="DokChampa"/>
-        <a:font script="Sinh" typeface="Iskoola Pota"/>
-        <a:font script="Mong" typeface="Mongolian Baiti"/>
-        <a:font script="Viet" typeface="Arial"/>
-        <a:font script="Uigh" typeface="Microsoft Uighur"/>
-        <a:font script="Geor" typeface="Sylfaen"/>
-      </a:minorFont>
-    </a:fontScheme>
-    <a:fmtScheme name="Office">
-      <a:fillStyleLst>
-        <a:solidFill>
-          <a:schemeClr val="phClr"/>
-        </a:solidFill>
-        <a:gradFill rotWithShape="1">
-          <a:gsLst>
-            <a:gs pos="0">
-              <a:schemeClr val="phClr">
-                <a:tint val="50000"/>
-                <a:satMod val="300000"/>
-              </a:schemeClr>
-            </a:gs>
-            <a:gs pos="35000">
-              <a:schemeClr val="phClr">
-                <a:tint val="37000"/>
-                <a:satMod val="300000"/>
-              </a:schemeClr>
-            </a:gs>
-            <a:gs pos="100000">
-              <a:schemeClr val="phClr">
-                <a:tint val="15000"/>
-                <a:satMod val="350000"/>
-              </a:schemeClr>
-            </a:gs>
-          </a:gsLst>
-          <a:lin ang="16200000" scaled="1"/>
-        </a:gradFill>
-        <a:gradFill rotWithShape="1">
-          <a:gsLst>
-            <a:gs pos="0">
-              <a:schemeClr val="phClr">
-                <a:tint val="100000"/>
-                <a:shade val="100000"/>
-                <a:satMod val="130000"/>
-              </a:schemeClr>
-            </a:gs>
-            <a:gs pos="100000">
-              <a:schemeClr val="phClr">
-                <a:tint val="50000"/>
-                <a:shade val="100000"/>
-                <a:satMod val="350000"/>
-              </a:schemeClr>
-            </a:gs>
-          </a:gsLst>
-          <a:lin ang="16200000" scaled="0"/>
-        </a:gradFill>
-      </a:fillStyleLst>
-      <a:lnStyleLst>
-        <a:ln w="9525" cap="flat" cmpd="sng" algn="ctr">
-          <a:solidFill>
-            <a:schemeClr val="phClr">
-              <a:shade val="95000"/>
-              <a:satMod val="105000"/>
-            </a:schemeClr>
-          </a:solidFill>
-          <a:prstDash val="solid"/>
-        </a:ln>
-        <a:ln w="25400" cap="flat" cmpd="sng" algn="ctr">
-          <a:solidFill>
-            <a:schemeClr val="phClr"/>
-          </a:solidFill>
-          <a:prstDash val="solid"/>
-        </a:ln>
-        <a:ln w="38100" cap="flat" cmpd="sng" algn="ctr">
-          <a:solidFill>
-            <a:schemeClr val="phClr"/>
-          </a:solidFill>
-          <a:prstDash val="solid"/>
-        </a:ln>
-      </a:lnStyleLst>
-      <a:effectStyleLst>
-        <a:effectStyle>
-          <a:effectLst>
-            <a:outerShdw blurRad="40000" dist="20000" dir="5400000" rotWithShape="0">
-              <a:srgbClr val="000000">
-                <a:alpha val="38000"/>
-              </a:srgbClr>
-            </a:outerShdw>
-          </a:effectLst>
-        </a:effectStyle>
-        <a:effectStyle>
-          <a:effectLst>
-            <a:outerShdw blurRad="40000" dist="23000" dir="5400000" rotWithShape="0">
-              <a:srgbClr val="000000">
-                <a:alpha val="35000"/>
-              </a:srgbClr>
-            </a:outerShdw>
-          </a:effectLst>
-        </a:effectStyle>
-        <a:effectStyle>
-          <a:effectLst>
-            <a:outerShdw blurRad="40000" dist="23000" dir="5400000" rotWithShape="0">
-              <a:srgbClr val="000000">
-                <a:alpha val="35000"/>
-              </a:srgbClr>
-            </a:outerShdw>
-          </a:effectLst>
-          <a:scene3d>
-            <a:camera prst="orthographicFront">
-              <a:rot lat="0" lon="0" rev="0"/>
-            </a:camera>
-            <a:lightRig rig="threePt" dir="t">
-              <a:rot lat="0" lon="0" rev="1200000"/>
-            </a:lightRig>
-          </a:scene3d>
-          <a:sp3d>
-            <a:bevelT w="63500" h="25400"/>
-          </a:sp3d>
-        </a:effectStyle>
-      </a:effectStyleLst>
-      <a:bgFillStyleLst>
-        <a:solidFill>
-          <a:schemeClr val="phClr"/>
-        </a:solidFill>
-        <a:gradFill rotWithShape="1">
-          <a:gsLst>
-            <a:gs pos="0">
-              <a:schemeClr val="phClr">
-                <a:tint val="40000"/>
-                <a:satMod val="350000"/>
-              </a:schemeClr>
-            </a:gs>
-            <a:gs pos="40000">
-              <a:schemeClr val="phClr">
-                <a:tint val="45000"/>
-                <a:shade val="99000"/>
-                <a:satMod val="350000"/>
-              </a:schemeClr>
-            </a:gs>
-            <a:gs pos="100000">
-              <a:schemeClr val="phClr">
-                <a:shade val="20000"/>
-                <a:satMod val="255000"/>
-              </a:schemeClr>
-            </a:gs>
-          </a:gsLst>
-          <a:path path="circle">
-            <a:fillToRect l="50000" t="-80000" r="50000" b="180000"/>
-          </a:path>
-        </a:gradFill>
-        <a:gradFill rotWithShape="1">
-          <a:gsLst>
-            <a:gs pos="0">
-              <a:schemeClr val="phClr">
-                <a:tint val="80000"/>
-                <a:satMod val="300000"/>
-              </a:schemeClr>
-            </a:gs>
-            <a:gs pos="100000">
-              <a:schemeClr val="phClr">
-                <a:shade val="30000"/>
-                <a:satMod val="200000"/>
-              </a:schemeClr>
-            </a:gs>
-          </a:gsLst>
-          <a:path path="circle">
-            <a:fillToRect l="50000" t="50000" r="50000" b="50000"/>
-          </a:path>
-        </a:gradFill>
-      </a:bgFillStyleLst>
-    </a:fmtScheme>
-  </a:themeElements>
+  <a:objectDefaults/>
+  <a:extraClrSchemeLst/>
 </a:theme>
 </file>